--- a/presentation/出す.pptx
+++ b/presentation/出す.pptx
@@ -237,7 +237,7 @@
           <a:p>
             <a:fld id="{4381EEF4-F406-5245-BD70-0B04FD11DD31}" type="datetimeFigureOut">
               <a:rPr kumimoji="1" lang="ja-JP" altLang="en-US" smtClean="0"/>
-              <a:t>2019/1/28</a:t>
+              <a:t>2019/1/29</a:t>
             </a:fld>
             <a:endParaRPr kumimoji="1" lang="ja-JP" altLang="en-US"/>
           </a:p>
@@ -414,7 +414,7 @@
           <a:p>
             <a:fld id="{40BF4DA1-D7BA-914A-B8F3-2ACC14DE8512}" type="datetimeFigureOut">
               <a:rPr kumimoji="1" lang="ja-JP" altLang="en-US" smtClean="0"/>
-              <a:t>2019/1/28</a:t>
+              <a:t>2019/1/29</a:t>
             </a:fld>
             <a:endParaRPr kumimoji="1" lang="ja-JP" altLang="en-US"/>
           </a:p>
@@ -1655,7 +1655,7 @@
           <a:p>
             <a:fld id="{BCA346BF-520C-8945-8905-F8B705749369}" type="datetimeFigureOut">
               <a:rPr kumimoji="1" lang="ja-JP" altLang="en-US" smtClean="0"/>
-              <a:t>2019/1/28</a:t>
+              <a:t>2019/1/29</a:t>
             </a:fld>
             <a:endParaRPr kumimoji="1" lang="ja-JP" altLang="en-US"/>
           </a:p>
@@ -1855,7 +1855,7 @@
           <a:p>
             <a:fld id="{BCA346BF-520C-8945-8905-F8B705749369}" type="datetimeFigureOut">
               <a:rPr kumimoji="1" lang="ja-JP" altLang="en-US" smtClean="0"/>
-              <a:t>2019/1/28</a:t>
+              <a:t>2019/1/29</a:t>
             </a:fld>
             <a:endParaRPr kumimoji="1" lang="ja-JP" altLang="en-US"/>
           </a:p>
@@ -2065,7 +2065,7 @@
           <a:p>
             <a:fld id="{BCA346BF-520C-8945-8905-F8B705749369}" type="datetimeFigureOut">
               <a:rPr kumimoji="1" lang="ja-JP" altLang="en-US" smtClean="0"/>
-              <a:t>2019/1/28</a:t>
+              <a:t>2019/1/29</a:t>
             </a:fld>
             <a:endParaRPr kumimoji="1" lang="ja-JP" altLang="en-US"/>
           </a:p>
@@ -2265,7 +2265,7 @@
           <a:p>
             <a:fld id="{BCA346BF-520C-8945-8905-F8B705749369}" type="datetimeFigureOut">
               <a:rPr kumimoji="1" lang="ja-JP" altLang="en-US" smtClean="0"/>
-              <a:t>2019/1/28</a:t>
+              <a:t>2019/1/29</a:t>
             </a:fld>
             <a:endParaRPr kumimoji="1" lang="ja-JP" altLang="en-US"/>
           </a:p>
@@ -2510,7 +2510,7 @@
           <a:p>
             <a:fld id="{BCA346BF-520C-8945-8905-F8B705749369}" type="datetimeFigureOut">
               <a:rPr kumimoji="1" lang="ja-JP" altLang="en-US" smtClean="0"/>
-              <a:t>2019/1/28</a:t>
+              <a:t>2019/1/29</a:t>
             </a:fld>
             <a:endParaRPr kumimoji="1" lang="ja-JP" altLang="en-US"/>
           </a:p>
@@ -2859,7 +2859,7 @@
           <a:p>
             <a:fld id="{BCA346BF-520C-8945-8905-F8B705749369}" type="datetimeFigureOut">
               <a:rPr kumimoji="1" lang="ja-JP" altLang="en-US" smtClean="0"/>
-              <a:t>2019/1/28</a:t>
+              <a:t>2019/1/29</a:t>
             </a:fld>
             <a:endParaRPr kumimoji="1" lang="ja-JP" altLang="en-US"/>
           </a:p>
@@ -3342,7 +3342,7 @@
           <a:p>
             <a:fld id="{BCA346BF-520C-8945-8905-F8B705749369}" type="datetimeFigureOut">
               <a:rPr kumimoji="1" lang="ja-JP" altLang="en-US" smtClean="0"/>
-              <a:t>2019/1/28</a:t>
+              <a:t>2019/1/29</a:t>
             </a:fld>
             <a:endParaRPr kumimoji="1" lang="ja-JP" altLang="en-US"/>
           </a:p>
@@ -3459,7 +3459,7 @@
           <a:p>
             <a:fld id="{BCA346BF-520C-8945-8905-F8B705749369}" type="datetimeFigureOut">
               <a:rPr kumimoji="1" lang="ja-JP" altLang="en-US" smtClean="0"/>
-              <a:t>2019/1/28</a:t>
+              <a:t>2019/1/29</a:t>
             </a:fld>
             <a:endParaRPr kumimoji="1" lang="ja-JP" altLang="en-US"/>
           </a:p>
@@ -3554,7 +3554,7 @@
           <a:p>
             <a:fld id="{BCA346BF-520C-8945-8905-F8B705749369}" type="datetimeFigureOut">
               <a:rPr kumimoji="1" lang="ja-JP" altLang="en-US" smtClean="0"/>
-              <a:t>2019/1/28</a:t>
+              <a:t>2019/1/29</a:t>
             </a:fld>
             <a:endParaRPr kumimoji="1" lang="ja-JP" altLang="en-US"/>
           </a:p>
@@ -3861,7 +3861,7 @@
           <a:p>
             <a:fld id="{BCA346BF-520C-8945-8905-F8B705749369}" type="datetimeFigureOut">
               <a:rPr kumimoji="1" lang="ja-JP" altLang="en-US" smtClean="0"/>
-              <a:t>2019/1/28</a:t>
+              <a:t>2019/1/29</a:t>
             </a:fld>
             <a:endParaRPr kumimoji="1" lang="ja-JP" altLang="en-US"/>
           </a:p>
@@ -4116,7 +4116,7 @@
           <a:p>
             <a:fld id="{BCA346BF-520C-8945-8905-F8B705749369}" type="datetimeFigureOut">
               <a:rPr kumimoji="1" lang="ja-JP" altLang="en-US" smtClean="0"/>
-              <a:t>2019/1/28</a:t>
+              <a:t>2019/1/29</a:t>
             </a:fld>
             <a:endParaRPr kumimoji="1" lang="ja-JP" altLang="en-US"/>
           </a:p>
@@ -4359,7 +4359,7 @@
           <a:p>
             <a:fld id="{BCA346BF-520C-8945-8905-F8B705749369}" type="datetimeFigureOut">
               <a:rPr kumimoji="1" lang="ja-JP" altLang="en-US" smtClean="0"/>
-              <a:t>2019/1/28</a:t>
+              <a:t>2019/1/29</a:t>
             </a:fld>
             <a:endParaRPr kumimoji="1" lang="ja-JP" altLang="en-US"/>
           </a:p>
@@ -4748,8 +4748,8 @@
         </p:nvSpPr>
         <p:spPr>
           <a:xfrm>
-            <a:off x="529868" y="1407395"/>
-            <a:ext cx="8084264" cy="1446550"/>
+            <a:off x="1376253" y="1407395"/>
+            <a:ext cx="6391493" cy="1446550"/>
           </a:xfrm>
           <a:prstGeom prst="rect">
             <a:avLst/>
@@ -4769,7 +4769,7 @@
                 <a:ea typeface="ヒラギノ角ゴ ProN W3"/>
                 <a:cs typeface="ヒラギノ角ゴ ProN W3"/>
               </a:rPr>
-              <a:t>シミュレータ教材開発に関する</a:t>
+              <a:t>シミュレータ教材開発に</a:t>
             </a:r>
             <a:endParaRPr lang="en-US" altLang="ja-JP" sz="4400" dirty="0">
               <a:latin typeface="ヒラギノ角ゴ ProN W3"/>
@@ -4785,7 +4785,7 @@
                 <a:ea typeface="ヒラギノ角ゴ ProN W3"/>
                 <a:cs typeface="ヒラギノ角ゴ ProN W3"/>
               </a:rPr>
-              <a:t>一提案</a:t>
+              <a:t>関する一提案</a:t>
             </a:r>
             <a:endParaRPr kumimoji="1" lang="ja-JP" altLang="en-US" sz="4400" dirty="0">
               <a:latin typeface="ヒラギノ角ゴ ProN W3"/>
@@ -6214,200 +6214,12 @@
           </a:p>
         </p:txBody>
       </p:sp>
-      <p:sp>
-        <p:nvSpPr>
-          <p:cNvPr id="36" name="正方形/長方形 35">
+      <p:grpSp>
+        <p:nvGrpSpPr>
+          <p:cNvPr id="9" name="グループ化 8">
             <a:extLst>
               <a:ext uri="{FF2B5EF4-FFF2-40B4-BE49-F238E27FC236}">
-                <a16:creationId xmlns:a16="http://schemas.microsoft.com/office/drawing/2014/main" id="{7DC7DAD1-B15B-2249-9B07-74BFE577AA27}"/>
-              </a:ext>
-            </a:extLst>
-          </p:cNvPr>
-          <p:cNvSpPr/>
-          <p:nvPr/>
-        </p:nvSpPr>
-        <p:spPr>
-          <a:xfrm>
-            <a:off x="96036" y="603292"/>
-            <a:ext cx="8995507" cy="544601"/>
-          </a:xfrm>
-          <a:prstGeom prst="rect">
-            <a:avLst/>
-          </a:prstGeom>
-          <a:solidFill>
-            <a:schemeClr val="accent2">
-              <a:lumMod val="20000"/>
-              <a:lumOff val="80000"/>
-            </a:schemeClr>
-          </a:solidFill>
-          <a:ln>
-            <a:noFill/>
-          </a:ln>
-          <a:effectLst/>
-        </p:spPr>
-        <p:style>
-          <a:lnRef idx="1">
-            <a:schemeClr val="accent1"/>
-          </a:lnRef>
-          <a:fillRef idx="3">
-            <a:schemeClr val="accent1"/>
-          </a:fillRef>
-          <a:effectRef idx="2">
-            <a:schemeClr val="accent1"/>
-          </a:effectRef>
-          <a:fontRef idx="minor">
-            <a:schemeClr val="lt1"/>
-          </a:fontRef>
-        </p:style>
-        <p:txBody>
-          <a:bodyPr rot="0" spcFirstLastPara="0" vertOverflow="overflow" horzOverflow="overflow" vert="horz" wrap="square" lIns="91440" tIns="45720" rIns="91440" bIns="45720" numCol="1" spcCol="0" rtlCol="0" fromWordArt="0" anchor="ctr" anchorCtr="0" forceAA="0" compatLnSpc="1">
-            <a:prstTxWarp prst="textNoShape">
-              <a:avLst/>
-            </a:prstTxWarp>
-            <a:noAutofit/>
-          </a:bodyPr>
-          <a:lstStyle/>
-          <a:p>
-            <a:pPr algn="ctr"/>
-            <a:endParaRPr kumimoji="1" lang="ja-JP" altLang="en-US" dirty="0">
-              <a:solidFill>
-                <a:schemeClr val="tx1"/>
-              </a:solidFill>
-              <a:latin typeface="ヒラギノ角ゴ ProN W3"/>
-              <a:ea typeface="ヒラギノ角ゴ ProN W3"/>
-              <a:cs typeface="ヒラギノ角ゴ ProN W3"/>
-            </a:endParaRPr>
-          </a:p>
-        </p:txBody>
-      </p:sp>
-      <p:sp>
-        <p:nvSpPr>
-          <p:cNvPr id="46" name="テキスト ボックス 45">
-            <a:extLst>
-              <a:ext uri="{FF2B5EF4-FFF2-40B4-BE49-F238E27FC236}">
-                <a16:creationId xmlns:a16="http://schemas.microsoft.com/office/drawing/2014/main" id="{96EAB02F-5E67-4246-B363-198984434059}"/>
-              </a:ext>
-            </a:extLst>
-          </p:cNvPr>
-          <p:cNvSpPr txBox="1"/>
-          <p:nvPr/>
-        </p:nvSpPr>
-        <p:spPr>
-          <a:xfrm>
-            <a:off x="224987" y="694665"/>
-            <a:ext cx="2236510" cy="400110"/>
-          </a:xfrm>
-          <a:prstGeom prst="rect">
-            <a:avLst/>
-          </a:prstGeom>
-          <a:solidFill>
-            <a:schemeClr val="bg1"/>
-          </a:solidFill>
-        </p:spPr>
-        <p:txBody>
-          <a:bodyPr wrap="none" rtlCol="0">
-            <a:spAutoFit/>
-          </a:bodyPr>
-          <a:lstStyle/>
-          <a:p>
-            <a:r>
-              <a:rPr lang="ja-JP" altLang="en-US" sz="2000">
-                <a:latin typeface="ヒラギノ角ゴ ProN W3"/>
-                <a:ea typeface="ヒラギノ角ゴ ProN W3"/>
-                <a:cs typeface="ヒラギノ角ゴ ProN W3"/>
-              </a:rPr>
-              <a:t>シミュレータ教材</a:t>
-            </a:r>
-            <a:endParaRPr lang="en-US" altLang="ja-JP" sz="2000" dirty="0">
-              <a:latin typeface="ヒラギノ角ゴ ProN W3"/>
-              <a:ea typeface="ヒラギノ角ゴ ProN W3"/>
-              <a:cs typeface="ヒラギノ角ゴ ProN W3"/>
-            </a:endParaRPr>
-          </a:p>
-        </p:txBody>
-      </p:sp>
-      <p:sp>
-        <p:nvSpPr>
-          <p:cNvPr id="37" name="テキスト ボックス 36">
-            <a:extLst>
-              <a:ext uri="{FF2B5EF4-FFF2-40B4-BE49-F238E27FC236}">
-                <a16:creationId xmlns:a16="http://schemas.microsoft.com/office/drawing/2014/main" id="{85554F88-BDD2-7848-B462-150955172CE6}"/>
-              </a:ext>
-            </a:extLst>
-          </p:cNvPr>
-          <p:cNvSpPr txBox="1"/>
-          <p:nvPr/>
-        </p:nvSpPr>
-        <p:spPr>
-          <a:xfrm>
-            <a:off x="2977516" y="695578"/>
-            <a:ext cx="5035353" cy="400110"/>
-          </a:xfrm>
-          <a:prstGeom prst="rect">
-            <a:avLst/>
-          </a:prstGeom>
-          <a:noFill/>
-        </p:spPr>
-        <p:txBody>
-          <a:bodyPr wrap="none" rtlCol="0">
-            <a:spAutoFit/>
-          </a:bodyPr>
-          <a:lstStyle/>
-          <a:p>
-            <a:r>
-              <a:rPr lang="ja-JP" altLang="en-US" sz="2000">
-                <a:latin typeface="ヒラギノ角ゴ ProN W3"/>
-                <a:ea typeface="ヒラギノ角ゴ ProN W3"/>
-                <a:cs typeface="ヒラギノ角ゴ ProN W3"/>
-              </a:rPr>
-              <a:t>不可視現象を可視化する</a:t>
-            </a:r>
-            <a:r>
-              <a:rPr lang="en-US" altLang="ja-JP" sz="2000" dirty="0">
-                <a:latin typeface="ヒラギノ角ゴ ProN W3"/>
-                <a:ea typeface="ヒラギノ角ゴ ProN W3"/>
-                <a:cs typeface="ヒラギノ角ゴ ProN W3"/>
-              </a:rPr>
-              <a:t>e-Learning</a:t>
-            </a:r>
-            <a:r>
-              <a:rPr lang="ja-JP" altLang="en-US" sz="2000">
-                <a:latin typeface="ヒラギノ角ゴ ProN W3"/>
-                <a:ea typeface="ヒラギノ角ゴ ProN W3"/>
-                <a:cs typeface="ヒラギノ角ゴ ProN W3"/>
-              </a:rPr>
-              <a:t>の</a:t>
-            </a:r>
-            <a:r>
-              <a:rPr lang="en-US" altLang="ja-JP" sz="2000" dirty="0">
-                <a:latin typeface="ヒラギノ角ゴ ProN W3"/>
-                <a:ea typeface="ヒラギノ角ゴ ProN W3"/>
-                <a:cs typeface="ヒラギノ角ゴ ProN W3"/>
-              </a:rPr>
-              <a:t>1</a:t>
-            </a:r>
-            <a:r>
-              <a:rPr lang="ja-JP" altLang="en-US" sz="2000">
-                <a:latin typeface="ヒラギノ角ゴ ProN W3"/>
-                <a:ea typeface="ヒラギノ角ゴ ProN W3"/>
-                <a:cs typeface="ヒラギノ角ゴ ProN W3"/>
-              </a:rPr>
-              <a:t>つ</a:t>
-            </a:r>
-            <a:endParaRPr lang="en-US" altLang="ja-JP" sz="2000" dirty="0">
-              <a:latin typeface="ヒラギノ角ゴ ProN W3"/>
-              <a:ea typeface="ヒラギノ角ゴ ProN W3"/>
-              <a:cs typeface="ヒラギノ角ゴ ProN W3"/>
-            </a:endParaRPr>
-          </a:p>
-        </p:txBody>
-      </p:sp>
-      <p:grpSp>
-        <p:nvGrpSpPr>
-          <p:cNvPr id="3" name="グループ化 2">
-            <a:extLst>
-              <a:ext uri="{FF2B5EF4-FFF2-40B4-BE49-F238E27FC236}">
-                <a16:creationId xmlns:a16="http://schemas.microsoft.com/office/drawing/2014/main" id="{46DCFF8E-4B63-BC4B-8FB6-ED60ED8C9FB3}"/>
+                <a16:creationId xmlns:a16="http://schemas.microsoft.com/office/drawing/2014/main" id="{03DE7534-25D1-B140-AD30-59D70760D2F6}"/>
               </a:ext>
             </a:extLst>
           </p:cNvPr>
@@ -6416,18 +6228,242 @@
         </p:nvGrpSpPr>
         <p:grpSpPr>
           <a:xfrm>
-            <a:off x="96036" y="2507480"/>
-            <a:ext cx="8995507" cy="783657"/>
-            <a:chOff x="96036" y="3117075"/>
-            <a:chExt cx="8995507" cy="783657"/>
+            <a:off x="96036" y="2755026"/>
+            <a:ext cx="8995507" cy="1838885"/>
+            <a:chOff x="96036" y="2507480"/>
+            <a:chExt cx="8995507" cy="1838885"/>
           </a:xfrm>
         </p:grpSpPr>
+        <p:grpSp>
+          <p:nvGrpSpPr>
+            <p:cNvPr id="3" name="グループ化 2">
+              <a:extLst>
+                <a:ext uri="{FF2B5EF4-FFF2-40B4-BE49-F238E27FC236}">
+                  <a16:creationId xmlns:a16="http://schemas.microsoft.com/office/drawing/2014/main" id="{46DCFF8E-4B63-BC4B-8FB6-ED60ED8C9FB3}"/>
+                </a:ext>
+              </a:extLst>
+            </p:cNvPr>
+            <p:cNvGrpSpPr/>
+            <p:nvPr/>
+          </p:nvGrpSpPr>
+          <p:grpSpPr>
+            <a:xfrm>
+              <a:off x="96036" y="2507480"/>
+              <a:ext cx="8995507" cy="783657"/>
+              <a:chOff x="96036" y="3117075"/>
+              <a:chExt cx="8995507" cy="783657"/>
+            </a:xfrm>
+          </p:grpSpPr>
+          <p:sp>
+            <p:nvSpPr>
+              <p:cNvPr id="18" name="正方形/長方形 17">
+                <a:extLst>
+                  <a:ext uri="{FF2B5EF4-FFF2-40B4-BE49-F238E27FC236}">
+                    <a16:creationId xmlns:a16="http://schemas.microsoft.com/office/drawing/2014/main" id="{BE51FB63-3ABC-4549-A4A7-C9D2A34AF668}"/>
+                  </a:ext>
+                </a:extLst>
+              </p:cNvPr>
+              <p:cNvSpPr/>
+              <p:nvPr/>
+            </p:nvSpPr>
+            <p:spPr>
+              <a:xfrm>
+                <a:off x="96036" y="3117075"/>
+                <a:ext cx="8995507" cy="783657"/>
+              </a:xfrm>
+              <a:prstGeom prst="rect">
+                <a:avLst/>
+              </a:prstGeom>
+              <a:solidFill>
+                <a:schemeClr val="accent1">
+                  <a:lumMod val="20000"/>
+                  <a:lumOff val="80000"/>
+                </a:schemeClr>
+              </a:solidFill>
+              <a:ln>
+                <a:noFill/>
+              </a:ln>
+              <a:effectLst/>
+            </p:spPr>
+            <p:style>
+              <a:lnRef idx="1">
+                <a:schemeClr val="accent1"/>
+              </a:lnRef>
+              <a:fillRef idx="3">
+                <a:schemeClr val="accent1"/>
+              </a:fillRef>
+              <a:effectRef idx="2">
+                <a:schemeClr val="accent1"/>
+              </a:effectRef>
+              <a:fontRef idx="minor">
+                <a:schemeClr val="lt1"/>
+              </a:fontRef>
+            </p:style>
+            <p:txBody>
+              <a:bodyPr rot="0" spcFirstLastPara="0" vertOverflow="overflow" horzOverflow="overflow" vert="horz" wrap="square" lIns="91440" tIns="45720" rIns="91440" bIns="45720" numCol="1" spcCol="0" rtlCol="0" fromWordArt="0" anchor="ctr" anchorCtr="0" forceAA="0" compatLnSpc="1">
+                <a:prstTxWarp prst="textNoShape">
+                  <a:avLst/>
+                </a:prstTxWarp>
+                <a:noAutofit/>
+              </a:bodyPr>
+              <a:lstStyle/>
+              <a:p>
+                <a:pPr algn="ctr"/>
+                <a:endParaRPr kumimoji="1" lang="ja-JP" altLang="en-US" sz="2000" dirty="0">
+                  <a:solidFill>
+                    <a:schemeClr val="tx1"/>
+                  </a:solidFill>
+                  <a:latin typeface="ヒラギノ角ゴ ProN W3"/>
+                  <a:ea typeface="ヒラギノ角ゴ ProN W3"/>
+                  <a:cs typeface="ヒラギノ角ゴ ProN W3"/>
+                </a:endParaRPr>
+              </a:p>
+            </p:txBody>
+          </p:sp>
+          <p:sp>
+            <p:nvSpPr>
+              <p:cNvPr id="19" name="テキスト ボックス 18">
+                <a:extLst>
+                  <a:ext uri="{FF2B5EF4-FFF2-40B4-BE49-F238E27FC236}">
+                    <a16:creationId xmlns:a16="http://schemas.microsoft.com/office/drawing/2014/main" id="{FD24C1EE-868E-DE44-B020-5DF26604E21F}"/>
+                  </a:ext>
+                </a:extLst>
+              </p:cNvPr>
+              <p:cNvSpPr txBox="1"/>
+              <p:nvPr/>
+            </p:nvSpPr>
+            <p:spPr>
+              <a:xfrm>
+                <a:off x="224987" y="3148599"/>
+                <a:ext cx="1210588" cy="400110"/>
+              </a:xfrm>
+              <a:prstGeom prst="rect">
+                <a:avLst/>
+              </a:prstGeom>
+              <a:solidFill>
+                <a:schemeClr val="bg1"/>
+              </a:solidFill>
+            </p:spPr>
+            <p:txBody>
+              <a:bodyPr wrap="none" rtlCol="0">
+                <a:spAutoFit/>
+              </a:bodyPr>
+              <a:lstStyle/>
+              <a:p>
+                <a:r>
+                  <a:rPr lang="ja-JP" altLang="en-US" sz="2000">
+                    <a:latin typeface="ヒラギノ角ゴ ProN W3"/>
+                    <a:ea typeface="ヒラギノ角ゴ ProN W3"/>
+                    <a:cs typeface="ヒラギノ角ゴ ProN W3"/>
+                  </a:rPr>
+                  <a:t>先行研究</a:t>
+                </a:r>
+                <a:endParaRPr lang="en-US" altLang="ja-JP" sz="2000" dirty="0">
+                  <a:latin typeface="ヒラギノ角ゴ ProN W3"/>
+                  <a:ea typeface="ヒラギノ角ゴ ProN W3"/>
+                  <a:cs typeface="ヒラギノ角ゴ ProN W3"/>
+                </a:endParaRPr>
+              </a:p>
+            </p:txBody>
+          </p:sp>
+          <p:sp>
+            <p:nvSpPr>
+              <p:cNvPr id="24" name="テキスト ボックス 23">
+                <a:extLst>
+                  <a:ext uri="{FF2B5EF4-FFF2-40B4-BE49-F238E27FC236}">
+                    <a16:creationId xmlns:a16="http://schemas.microsoft.com/office/drawing/2014/main" id="{08BAF9BE-0798-4542-B350-FA95C980C281}"/>
+                  </a:ext>
+                </a:extLst>
+              </p:cNvPr>
+              <p:cNvSpPr txBox="1"/>
+              <p:nvPr/>
+            </p:nvSpPr>
+            <p:spPr>
+              <a:xfrm>
+                <a:off x="2564776" y="3126724"/>
+                <a:ext cx="6340197" cy="707886"/>
+              </a:xfrm>
+              <a:prstGeom prst="rect">
+                <a:avLst/>
+              </a:prstGeom>
+              <a:noFill/>
+            </p:spPr>
+            <p:txBody>
+              <a:bodyPr wrap="none" rtlCol="0">
+                <a:spAutoFit/>
+              </a:bodyPr>
+              <a:lstStyle/>
+              <a:p>
+                <a:r>
+                  <a:rPr lang="ja-JP" altLang="en-US" sz="2000">
+                    <a:latin typeface="ヒラギノ角ゴ ProN W3"/>
+                    <a:ea typeface="ヒラギノ角ゴ ProN W3"/>
+                    <a:cs typeface="ヒラギノ角ゴ ProN W3"/>
+                  </a:rPr>
+                  <a:t>本研究室で</a:t>
+                </a:r>
+                <a:r>
+                  <a:rPr lang="en-US" altLang="ja-JP" sz="2000" dirty="0">
+                    <a:latin typeface="ヒラギノ角ゴ ProN W3"/>
+                    <a:ea typeface="ヒラギノ角ゴ ProN W3"/>
+                    <a:cs typeface="ヒラギノ角ゴ ProN W3"/>
+                  </a:rPr>
+                  <a:t>GPU(Graphics </a:t>
+                </a:r>
+                <a:r>
+                  <a:rPr lang="en-US" altLang="ja-JP" sz="2000" dirty="0" err="1">
+                    <a:latin typeface="ヒラギノ角ゴ ProN W3"/>
+                    <a:ea typeface="ヒラギノ角ゴ ProN W3"/>
+                    <a:cs typeface="ヒラギノ角ゴ ProN W3"/>
+                  </a:rPr>
+                  <a:t>Proceesing</a:t>
+                </a:r>
+                <a:r>
+                  <a:rPr lang="en-US" altLang="ja-JP" sz="2000" dirty="0">
+                    <a:latin typeface="ヒラギノ角ゴ ProN W3"/>
+                    <a:ea typeface="ヒラギノ角ゴ ProN W3"/>
+                    <a:cs typeface="ヒラギノ角ゴ ProN W3"/>
+                  </a:rPr>
+                  <a:t> Unit)</a:t>
+                </a:r>
+                <a:r>
+                  <a:rPr lang="ja-JP" altLang="en-US" sz="2000">
+                    <a:latin typeface="ヒラギノ角ゴ ProN W3"/>
+                    <a:ea typeface="ヒラギノ角ゴ ProN W3"/>
+                    <a:cs typeface="ヒラギノ角ゴ ProN W3"/>
+                  </a:rPr>
+                  <a:t>を</a:t>
+                </a:r>
+                <a:endParaRPr lang="en-US" altLang="ja-JP" sz="2000" dirty="0">
+                  <a:latin typeface="ヒラギノ角ゴ ProN W3"/>
+                  <a:ea typeface="ヒラギノ角ゴ ProN W3"/>
+                  <a:cs typeface="ヒラギノ角ゴ ProN W3"/>
+                </a:endParaRPr>
+              </a:p>
+              <a:p>
+                <a:r>
+                  <a:rPr lang="ja-JP" altLang="en-US" sz="2000">
+                    <a:latin typeface="ヒラギノ角ゴ ProN W3"/>
+                    <a:ea typeface="ヒラギノ角ゴ ProN W3"/>
+                    <a:cs typeface="ヒラギノ角ゴ ProN W3"/>
+                  </a:rPr>
+                  <a:t>利用し，高負荷なシミュレータ教材の処理速度の向上</a:t>
+                </a:r>
+                <a:endParaRPr lang="en-US" altLang="ja-JP" sz="2000" dirty="0">
+                  <a:latin typeface="ヒラギノ角ゴ ProN W3"/>
+                  <a:ea typeface="ヒラギノ角ゴ ProN W3"/>
+                  <a:cs typeface="ヒラギノ角ゴ ProN W3"/>
+                </a:endParaRPr>
+              </a:p>
+            </p:txBody>
+          </p:sp>
+        </p:grpSp>
         <p:sp>
           <p:nvSpPr>
-            <p:cNvPr id="18" name="正方形/長方形 17">
+            <p:cNvPr id="31" name="三角形 30">
               <a:extLst>
                 <a:ext uri="{FF2B5EF4-FFF2-40B4-BE49-F238E27FC236}">
-                  <a16:creationId xmlns:a16="http://schemas.microsoft.com/office/drawing/2014/main" id="{BE51FB63-3ABC-4549-A4A7-C9D2A34AF668}"/>
+                  <a16:creationId xmlns:a16="http://schemas.microsoft.com/office/drawing/2014/main" id="{7792E0A8-8133-1148-8323-71A78506A6A2}"/>
                 </a:ext>
               </a:extLst>
             </p:cNvPr>
@@ -6435,17 +6471,17 @@
             <p:nvPr/>
           </p:nvSpPr>
           <p:spPr>
-            <a:xfrm>
-              <a:off x="96036" y="3117075"/>
-              <a:ext cx="8995507" cy="783657"/>
+            <a:xfrm rot="10800000">
+              <a:off x="3936217" y="3415175"/>
+              <a:ext cx="1391139" cy="324229"/>
             </a:xfrm>
-            <a:prstGeom prst="rect">
+            <a:prstGeom prst="triangle">
               <a:avLst/>
             </a:prstGeom>
             <a:solidFill>
-              <a:schemeClr val="accent1">
-                <a:lumMod val="20000"/>
-                <a:lumOff val="80000"/>
+              <a:schemeClr val="tx1">
+                <a:lumMod val="65000"/>
+                <a:lumOff val="35000"/>
               </a:schemeClr>
             </a:solidFill>
             <a:ln>
@@ -6477,7 +6513,7 @@
             <a:lstStyle/>
             <a:p>
               <a:pPr algn="ctr"/>
-              <a:endParaRPr kumimoji="1" lang="ja-JP" altLang="en-US" sz="2000" dirty="0">
+              <a:endParaRPr kumimoji="1" lang="ja-JP" altLang="en-US" dirty="0">
                 <a:solidFill>
                   <a:schemeClr val="tx1"/>
                 </a:solidFill>
@@ -6488,282 +6524,190 @@
             </a:p>
           </p:txBody>
         </p:sp>
-        <p:sp>
-          <p:nvSpPr>
-            <p:cNvPr id="19" name="テキスト ボックス 18">
+        <p:grpSp>
+          <p:nvGrpSpPr>
+            <p:cNvPr id="4" name="グループ化 3">
               <a:extLst>
                 <a:ext uri="{FF2B5EF4-FFF2-40B4-BE49-F238E27FC236}">
-                  <a16:creationId xmlns:a16="http://schemas.microsoft.com/office/drawing/2014/main" id="{FD24C1EE-868E-DE44-B020-5DF26604E21F}"/>
+                  <a16:creationId xmlns:a16="http://schemas.microsoft.com/office/drawing/2014/main" id="{CBD5B890-54C8-B049-A9C6-8C4E1D23EA15}"/>
                 </a:ext>
               </a:extLst>
             </p:cNvPr>
-            <p:cNvSpPr txBox="1"/>
+            <p:cNvGrpSpPr/>
             <p:nvPr/>
-          </p:nvSpPr>
-          <p:spPr>
+          </p:nvGrpSpPr>
+          <p:grpSpPr>
             <a:xfrm>
-              <a:off x="130354" y="3141791"/>
-              <a:ext cx="1210588" cy="400110"/>
+              <a:off x="96036" y="3861169"/>
+              <a:ext cx="8995507" cy="485196"/>
+              <a:chOff x="96036" y="4048735"/>
+              <a:chExt cx="8995507" cy="485196"/>
             </a:xfrm>
-            <a:prstGeom prst="rect">
-              <a:avLst/>
-            </a:prstGeom>
-            <a:solidFill>
-              <a:schemeClr val="bg1"/>
-            </a:solidFill>
-          </p:spPr>
-          <p:txBody>
-            <a:bodyPr wrap="none" rtlCol="0">
-              <a:spAutoFit/>
-            </a:bodyPr>
-            <a:lstStyle/>
-            <a:p>
-              <a:r>
-                <a:rPr lang="ja-JP" altLang="en-US" sz="2000">
+          </p:grpSpPr>
+          <p:sp>
+            <p:nvSpPr>
+              <p:cNvPr id="29" name="正方形/長方形 28">
+                <a:extLst>
+                  <a:ext uri="{FF2B5EF4-FFF2-40B4-BE49-F238E27FC236}">
+                    <a16:creationId xmlns:a16="http://schemas.microsoft.com/office/drawing/2014/main" id="{437D382B-B402-9340-B561-1FA3CB21EAF8}"/>
+                  </a:ext>
+                </a:extLst>
+              </p:cNvPr>
+              <p:cNvSpPr/>
+              <p:nvPr/>
+            </p:nvSpPr>
+            <p:spPr>
+              <a:xfrm>
+                <a:off x="96036" y="4048735"/>
+                <a:ext cx="8995507" cy="485196"/>
+              </a:xfrm>
+              <a:prstGeom prst="rect">
+                <a:avLst/>
+              </a:prstGeom>
+              <a:solidFill>
+                <a:schemeClr val="accent1">
+                  <a:lumMod val="20000"/>
+                  <a:lumOff val="80000"/>
+                </a:schemeClr>
+              </a:solidFill>
+              <a:ln>
+                <a:noFill/>
+              </a:ln>
+              <a:effectLst/>
+            </p:spPr>
+            <p:style>
+              <a:lnRef idx="1">
+                <a:schemeClr val="accent1"/>
+              </a:lnRef>
+              <a:fillRef idx="3">
+                <a:schemeClr val="accent1"/>
+              </a:fillRef>
+              <a:effectRef idx="2">
+                <a:schemeClr val="accent1"/>
+              </a:effectRef>
+              <a:fontRef idx="minor">
+                <a:schemeClr val="lt1"/>
+              </a:fontRef>
+            </p:style>
+            <p:txBody>
+              <a:bodyPr rot="0" spcFirstLastPara="0" vertOverflow="overflow" horzOverflow="overflow" vert="horz" wrap="square" lIns="91440" tIns="45720" rIns="91440" bIns="45720" numCol="1" spcCol="0" rtlCol="0" fromWordArt="0" anchor="ctr" anchorCtr="0" forceAA="0" compatLnSpc="1">
+                <a:prstTxWarp prst="textNoShape">
+                  <a:avLst/>
+                </a:prstTxWarp>
+                <a:noAutofit/>
+              </a:bodyPr>
+              <a:lstStyle/>
+              <a:p>
+                <a:pPr algn="ctr"/>
+                <a:endParaRPr kumimoji="1" lang="ja-JP" altLang="en-US" sz="2000" dirty="0">
+                  <a:solidFill>
+                    <a:schemeClr val="tx1"/>
+                  </a:solidFill>
                   <a:latin typeface="ヒラギノ角ゴ ProN W3"/>
                   <a:ea typeface="ヒラギノ角ゴ ProN W3"/>
                   <a:cs typeface="ヒラギノ角ゴ ProN W3"/>
-                </a:rPr>
-                <a:t>先行研究</a:t>
-              </a:r>
-              <a:endParaRPr lang="en-US" altLang="ja-JP" sz="2000" dirty="0">
-                <a:latin typeface="ヒラギノ角ゴ ProN W3"/>
-                <a:ea typeface="ヒラギノ角ゴ ProN W3"/>
-                <a:cs typeface="ヒラギノ角ゴ ProN W3"/>
-              </a:endParaRPr>
-            </a:p>
-          </p:txBody>
-        </p:sp>
-        <p:sp>
-          <p:nvSpPr>
-            <p:cNvPr id="24" name="テキスト ボックス 23">
-              <a:extLst>
-                <a:ext uri="{FF2B5EF4-FFF2-40B4-BE49-F238E27FC236}">
-                  <a16:creationId xmlns:a16="http://schemas.microsoft.com/office/drawing/2014/main" id="{08BAF9BE-0798-4542-B350-FA95C980C281}"/>
-                </a:ext>
-              </a:extLst>
-            </p:cNvPr>
-            <p:cNvSpPr txBox="1"/>
-            <p:nvPr/>
-          </p:nvSpPr>
-          <p:spPr>
-            <a:xfrm>
-              <a:off x="1538311" y="3126724"/>
-              <a:ext cx="6340197" cy="707886"/>
-            </a:xfrm>
-            <a:prstGeom prst="rect">
-              <a:avLst/>
-            </a:prstGeom>
-            <a:noFill/>
-          </p:spPr>
-          <p:txBody>
-            <a:bodyPr wrap="none" rtlCol="0">
-              <a:spAutoFit/>
-            </a:bodyPr>
-            <a:lstStyle/>
-            <a:p>
-              <a:r>
-                <a:rPr lang="ja-JP" altLang="en-US" sz="2000">
+                </a:endParaRPr>
+              </a:p>
+            </p:txBody>
+          </p:sp>
+          <p:sp>
+            <p:nvSpPr>
+              <p:cNvPr id="25" name="テキスト ボックス 24">
+                <a:extLst>
+                  <a:ext uri="{FF2B5EF4-FFF2-40B4-BE49-F238E27FC236}">
+                    <a16:creationId xmlns:a16="http://schemas.microsoft.com/office/drawing/2014/main" id="{87B3AD99-3B44-9146-9647-CF39DA23FA62}"/>
+                  </a:ext>
+                </a:extLst>
+              </p:cNvPr>
+              <p:cNvSpPr txBox="1"/>
+              <p:nvPr/>
+            </p:nvSpPr>
+            <p:spPr>
+              <a:xfrm>
+                <a:off x="2564776" y="4072264"/>
+                <a:ext cx="5827236" cy="400110"/>
+              </a:xfrm>
+              <a:prstGeom prst="rect">
+                <a:avLst/>
+              </a:prstGeom>
+              <a:noFill/>
+            </p:spPr>
+            <p:txBody>
+              <a:bodyPr wrap="none" rtlCol="0">
+                <a:spAutoFit/>
+              </a:bodyPr>
+              <a:lstStyle/>
+              <a:p>
+                <a:r>
+                  <a:rPr lang="ja-JP" altLang="en-US" sz="2000">
+                    <a:latin typeface="ヒラギノ角ゴ ProN W3"/>
+                    <a:ea typeface="ヒラギノ角ゴ ProN W3"/>
+                    <a:cs typeface="ヒラギノ角ゴ ProN W3"/>
+                  </a:rPr>
+                  <a:t>プログラムの記述内容が複雑，大幅な変更が必要</a:t>
+                </a:r>
+                <a:endParaRPr lang="en-US" altLang="ja-JP" sz="2000" dirty="0">
                   <a:latin typeface="ヒラギノ角ゴ ProN W3"/>
                   <a:ea typeface="ヒラギノ角ゴ ProN W3"/>
                   <a:cs typeface="ヒラギノ角ゴ ProN W3"/>
-                </a:rPr>
-                <a:t>本研究室で</a:t>
-              </a:r>
-              <a:r>
-                <a:rPr lang="en-US" altLang="ja-JP" sz="2000" dirty="0">
+                </a:endParaRPr>
+              </a:p>
+            </p:txBody>
+          </p:sp>
+          <p:sp>
+            <p:nvSpPr>
+              <p:cNvPr id="34" name="テキスト ボックス 33">
+                <a:extLst>
+                  <a:ext uri="{FF2B5EF4-FFF2-40B4-BE49-F238E27FC236}">
+                    <a16:creationId xmlns:a16="http://schemas.microsoft.com/office/drawing/2014/main" id="{29748654-1D71-514F-9AA5-6B1D87B70DF4}"/>
+                  </a:ext>
+                </a:extLst>
+              </p:cNvPr>
+              <p:cNvSpPr txBox="1"/>
+              <p:nvPr/>
+            </p:nvSpPr>
+            <p:spPr>
+              <a:xfrm>
+                <a:off x="224987" y="4091278"/>
+                <a:ext cx="954107" cy="400110"/>
+              </a:xfrm>
+              <a:prstGeom prst="rect">
+                <a:avLst/>
+              </a:prstGeom>
+              <a:solidFill>
+                <a:schemeClr val="bg1"/>
+              </a:solidFill>
+            </p:spPr>
+            <p:txBody>
+              <a:bodyPr wrap="none" rtlCol="0">
+                <a:spAutoFit/>
+              </a:bodyPr>
+              <a:lstStyle/>
+              <a:p>
+                <a:r>
+                  <a:rPr lang="ja-JP" altLang="en-US" sz="2000">
+                    <a:latin typeface="ヒラギノ角ゴ ProN W3"/>
+                    <a:ea typeface="ヒラギノ角ゴ ProN W3"/>
+                    <a:cs typeface="ヒラギノ角ゴ ProN W3"/>
+                  </a:rPr>
+                  <a:t>問題点</a:t>
+                </a:r>
+                <a:endParaRPr lang="en-US" altLang="ja-JP" sz="2000" dirty="0">
                   <a:latin typeface="ヒラギノ角ゴ ProN W3"/>
                   <a:ea typeface="ヒラギノ角ゴ ProN W3"/>
                   <a:cs typeface="ヒラギノ角ゴ ProN W3"/>
-                </a:rPr>
-                <a:t>GPU(Graphics </a:t>
-              </a:r>
-              <a:r>
-                <a:rPr lang="en-US" altLang="ja-JP" sz="2000" dirty="0" err="1">
-                  <a:latin typeface="ヒラギノ角ゴ ProN W3"/>
-                  <a:ea typeface="ヒラギノ角ゴ ProN W3"/>
-                  <a:cs typeface="ヒラギノ角ゴ ProN W3"/>
-                </a:rPr>
-                <a:t>Proceesing</a:t>
-              </a:r>
-              <a:r>
-                <a:rPr lang="en-US" altLang="ja-JP" sz="2000" dirty="0">
-                  <a:latin typeface="ヒラギノ角ゴ ProN W3"/>
-                  <a:ea typeface="ヒラギノ角ゴ ProN W3"/>
-                  <a:cs typeface="ヒラギノ角ゴ ProN W3"/>
-                </a:rPr>
-                <a:t> Unit)</a:t>
-              </a:r>
-              <a:r>
-                <a:rPr lang="ja-JP" altLang="en-US" sz="2000">
-                  <a:latin typeface="ヒラギノ角ゴ ProN W3"/>
-                  <a:ea typeface="ヒラギノ角ゴ ProN W3"/>
-                  <a:cs typeface="ヒラギノ角ゴ ProN W3"/>
-                </a:rPr>
-                <a:t>を</a:t>
-              </a:r>
-              <a:endParaRPr lang="en-US" altLang="ja-JP" sz="2000" dirty="0">
-                <a:latin typeface="ヒラギノ角ゴ ProN W3"/>
-                <a:ea typeface="ヒラギノ角ゴ ProN W3"/>
-                <a:cs typeface="ヒラギノ角ゴ ProN W3"/>
-              </a:endParaRPr>
-            </a:p>
-            <a:p>
-              <a:r>
-                <a:rPr lang="ja-JP" altLang="en-US" sz="2000">
-                  <a:latin typeface="ヒラギノ角ゴ ProN W3"/>
-                  <a:ea typeface="ヒラギノ角ゴ ProN W3"/>
-                  <a:cs typeface="ヒラギノ角ゴ ProN W3"/>
-                </a:rPr>
-                <a:t>利用し，高負荷なシミュレータ教材の処理速度の向上</a:t>
-              </a:r>
-              <a:endParaRPr lang="en-US" altLang="ja-JP" sz="2000" dirty="0">
-                <a:latin typeface="ヒラギノ角ゴ ProN W3"/>
-                <a:ea typeface="ヒラギノ角ゴ ProN W3"/>
-                <a:cs typeface="ヒラギノ角ゴ ProN W3"/>
-              </a:endParaRPr>
-            </a:p>
-          </p:txBody>
-        </p:sp>
+                </a:endParaRPr>
+              </a:p>
+            </p:txBody>
+          </p:sp>
+        </p:grpSp>
       </p:grpSp>
-      <p:sp>
-        <p:nvSpPr>
-          <p:cNvPr id="2" name="三角形 1">
+      <p:grpSp>
+        <p:nvGrpSpPr>
+          <p:cNvPr id="11" name="グループ化 10">
             <a:extLst>
               <a:ext uri="{FF2B5EF4-FFF2-40B4-BE49-F238E27FC236}">
-                <a16:creationId xmlns:a16="http://schemas.microsoft.com/office/drawing/2014/main" id="{D9CCE2CD-73B5-A844-BB7F-6EB4DD938219}"/>
-              </a:ext>
-            </a:extLst>
-          </p:cNvPr>
-          <p:cNvSpPr/>
-          <p:nvPr/>
-        </p:nvSpPr>
-        <p:spPr>
-          <a:xfrm rot="10800000">
-            <a:off x="3936217" y="1208002"/>
-            <a:ext cx="1391139" cy="324229"/>
-          </a:xfrm>
-          <a:prstGeom prst="triangle">
-            <a:avLst/>
-          </a:prstGeom>
-          <a:solidFill>
-            <a:schemeClr val="tx1">
-              <a:lumMod val="65000"/>
-              <a:lumOff val="35000"/>
-            </a:schemeClr>
-          </a:solidFill>
-          <a:ln>
-            <a:noFill/>
-          </a:ln>
-          <a:effectLst/>
-        </p:spPr>
-        <p:style>
-          <a:lnRef idx="1">
-            <a:schemeClr val="accent1"/>
-          </a:lnRef>
-          <a:fillRef idx="3">
-            <a:schemeClr val="accent1"/>
-          </a:fillRef>
-          <a:effectRef idx="2">
-            <a:schemeClr val="accent1"/>
-          </a:effectRef>
-          <a:fontRef idx="minor">
-            <a:schemeClr val="lt1"/>
-          </a:fontRef>
-        </p:style>
-        <p:txBody>
-          <a:bodyPr rot="0" spcFirstLastPara="0" vertOverflow="overflow" horzOverflow="overflow" vert="horz" wrap="square" lIns="91440" tIns="45720" rIns="91440" bIns="45720" numCol="1" spcCol="0" rtlCol="0" fromWordArt="0" anchor="ctr" anchorCtr="0" forceAA="0" compatLnSpc="1">
-            <a:prstTxWarp prst="textNoShape">
-              <a:avLst/>
-            </a:prstTxWarp>
-            <a:noAutofit/>
-          </a:bodyPr>
-          <a:lstStyle/>
-          <a:p>
-            <a:pPr algn="ctr"/>
-            <a:endParaRPr kumimoji="1" lang="ja-JP" altLang="en-US" dirty="0">
-              <a:solidFill>
-                <a:schemeClr val="tx1"/>
-              </a:solidFill>
-              <a:latin typeface="ヒラギノ角ゴ ProN W3"/>
-              <a:ea typeface="ヒラギノ角ゴ ProN W3"/>
-              <a:cs typeface="ヒラギノ角ゴ ProN W3"/>
-            </a:endParaRPr>
-          </a:p>
-        </p:txBody>
-      </p:sp>
-      <p:sp>
-        <p:nvSpPr>
-          <p:cNvPr id="31" name="三角形 30">
-            <a:extLst>
-              <a:ext uri="{FF2B5EF4-FFF2-40B4-BE49-F238E27FC236}">
-                <a16:creationId xmlns:a16="http://schemas.microsoft.com/office/drawing/2014/main" id="{7792E0A8-8133-1148-8323-71A78506A6A2}"/>
-              </a:ext>
-            </a:extLst>
-          </p:cNvPr>
-          <p:cNvSpPr/>
-          <p:nvPr/>
-        </p:nvSpPr>
-        <p:spPr>
-          <a:xfrm rot="10800000">
-            <a:off x="3936217" y="3415175"/>
-            <a:ext cx="1391139" cy="324229"/>
-          </a:xfrm>
-          <a:prstGeom prst="triangle">
-            <a:avLst/>
-          </a:prstGeom>
-          <a:solidFill>
-            <a:schemeClr val="tx1">
-              <a:lumMod val="65000"/>
-              <a:lumOff val="35000"/>
-            </a:schemeClr>
-          </a:solidFill>
-          <a:ln>
-            <a:noFill/>
-          </a:ln>
-          <a:effectLst/>
-        </p:spPr>
-        <p:style>
-          <a:lnRef idx="1">
-            <a:schemeClr val="accent1"/>
-          </a:lnRef>
-          <a:fillRef idx="3">
-            <a:schemeClr val="accent1"/>
-          </a:fillRef>
-          <a:effectRef idx="2">
-            <a:schemeClr val="accent1"/>
-          </a:effectRef>
-          <a:fontRef idx="minor">
-            <a:schemeClr val="lt1"/>
-          </a:fontRef>
-        </p:style>
-        <p:txBody>
-          <a:bodyPr rot="0" spcFirstLastPara="0" vertOverflow="overflow" horzOverflow="overflow" vert="horz" wrap="square" lIns="91440" tIns="45720" rIns="91440" bIns="45720" numCol="1" spcCol="0" rtlCol="0" fromWordArt="0" anchor="ctr" anchorCtr="0" forceAA="0" compatLnSpc="1">
-            <a:prstTxWarp prst="textNoShape">
-              <a:avLst/>
-            </a:prstTxWarp>
-            <a:noAutofit/>
-          </a:bodyPr>
-          <a:lstStyle/>
-          <a:p>
-            <a:pPr algn="ctr"/>
-            <a:endParaRPr kumimoji="1" lang="ja-JP" altLang="en-US" dirty="0">
-              <a:solidFill>
-                <a:schemeClr val="tx1"/>
-              </a:solidFill>
-              <a:latin typeface="ヒラギノ角ゴ ProN W3"/>
-              <a:ea typeface="ヒラギノ角ゴ ProN W3"/>
-              <a:cs typeface="ヒラギノ角ゴ ProN W3"/>
-            </a:endParaRPr>
-          </a:p>
-        </p:txBody>
-      </p:sp>
-      <p:grpSp>
-        <p:nvGrpSpPr>
-          <p:cNvPr id="4" name="グループ化 3">
-            <a:extLst>
-              <a:ext uri="{FF2B5EF4-FFF2-40B4-BE49-F238E27FC236}">
-                <a16:creationId xmlns:a16="http://schemas.microsoft.com/office/drawing/2014/main" id="{CBD5B890-54C8-B049-A9C6-8C4E1D23EA15}"/>
+                <a16:creationId xmlns:a16="http://schemas.microsoft.com/office/drawing/2014/main" id="{884626CE-A3DC-7343-ACFD-45923241212E}"/>
               </a:ext>
             </a:extLst>
           </p:cNvPr>
@@ -6772,18 +6716,18 @@
         </p:nvGrpSpPr>
         <p:grpSpPr>
           <a:xfrm>
-            <a:off x="96036" y="3861169"/>
-            <a:ext cx="8995507" cy="485196"/>
-            <a:chOff x="96036" y="4048735"/>
-            <a:chExt cx="8995507" cy="485196"/>
+            <a:off x="96036" y="603293"/>
+            <a:ext cx="8995507" cy="1727939"/>
+            <a:chOff x="96036" y="603293"/>
+            <a:chExt cx="8995507" cy="1727939"/>
           </a:xfrm>
         </p:grpSpPr>
         <p:sp>
           <p:nvSpPr>
-            <p:cNvPr id="29" name="正方形/長方形 28">
+            <p:cNvPr id="36" name="正方形/長方形 35">
               <a:extLst>
                 <a:ext uri="{FF2B5EF4-FFF2-40B4-BE49-F238E27FC236}">
-                  <a16:creationId xmlns:a16="http://schemas.microsoft.com/office/drawing/2014/main" id="{437D382B-B402-9340-B561-1FA3CB21EAF8}"/>
+                  <a16:creationId xmlns:a16="http://schemas.microsoft.com/office/drawing/2014/main" id="{7DC7DAD1-B15B-2249-9B07-74BFE577AA27}"/>
                 </a:ext>
               </a:extLst>
             </p:cNvPr>
@@ -6792,185 +6736,8 @@
           </p:nvSpPr>
           <p:spPr>
             <a:xfrm>
-              <a:off x="96036" y="4048735"/>
-              <a:ext cx="8995507" cy="485196"/>
-            </a:xfrm>
-            <a:prstGeom prst="rect">
-              <a:avLst/>
-            </a:prstGeom>
-            <a:solidFill>
-              <a:schemeClr val="accent1">
-                <a:lumMod val="20000"/>
-                <a:lumOff val="80000"/>
-              </a:schemeClr>
-            </a:solidFill>
-            <a:ln>
-              <a:noFill/>
-            </a:ln>
-            <a:effectLst/>
-          </p:spPr>
-          <p:style>
-            <a:lnRef idx="1">
-              <a:schemeClr val="accent1"/>
-            </a:lnRef>
-            <a:fillRef idx="3">
-              <a:schemeClr val="accent1"/>
-            </a:fillRef>
-            <a:effectRef idx="2">
-              <a:schemeClr val="accent1"/>
-            </a:effectRef>
-            <a:fontRef idx="minor">
-              <a:schemeClr val="lt1"/>
-            </a:fontRef>
-          </p:style>
-          <p:txBody>
-            <a:bodyPr rot="0" spcFirstLastPara="0" vertOverflow="overflow" horzOverflow="overflow" vert="horz" wrap="square" lIns="91440" tIns="45720" rIns="91440" bIns="45720" numCol="1" spcCol="0" rtlCol="0" fromWordArt="0" anchor="ctr" anchorCtr="0" forceAA="0" compatLnSpc="1">
-              <a:prstTxWarp prst="textNoShape">
-                <a:avLst/>
-              </a:prstTxWarp>
-              <a:noAutofit/>
-            </a:bodyPr>
-            <a:lstStyle/>
-            <a:p>
-              <a:pPr algn="ctr"/>
-              <a:endParaRPr kumimoji="1" lang="ja-JP" altLang="en-US" sz="2000" dirty="0">
-                <a:solidFill>
-                  <a:schemeClr val="tx1"/>
-                </a:solidFill>
-                <a:latin typeface="ヒラギノ角ゴ ProN W3"/>
-                <a:ea typeface="ヒラギノ角ゴ ProN W3"/>
-                <a:cs typeface="ヒラギノ角ゴ ProN W3"/>
-              </a:endParaRPr>
-            </a:p>
-          </p:txBody>
-        </p:sp>
-        <p:sp>
-          <p:nvSpPr>
-            <p:cNvPr id="25" name="テキスト ボックス 24">
-              <a:extLst>
-                <a:ext uri="{FF2B5EF4-FFF2-40B4-BE49-F238E27FC236}">
-                  <a16:creationId xmlns:a16="http://schemas.microsoft.com/office/drawing/2014/main" id="{87B3AD99-3B44-9146-9647-CF39DA23FA62}"/>
-                </a:ext>
-              </a:extLst>
-            </p:cNvPr>
-            <p:cNvSpPr txBox="1"/>
-            <p:nvPr/>
-          </p:nvSpPr>
-          <p:spPr>
-            <a:xfrm>
-              <a:off x="1287025" y="4072264"/>
-              <a:ext cx="5827236" cy="400110"/>
-            </a:xfrm>
-            <a:prstGeom prst="rect">
-              <a:avLst/>
-            </a:prstGeom>
-            <a:noFill/>
-          </p:spPr>
-          <p:txBody>
-            <a:bodyPr wrap="none" rtlCol="0">
-              <a:spAutoFit/>
-            </a:bodyPr>
-            <a:lstStyle/>
-            <a:p>
-              <a:r>
-                <a:rPr lang="ja-JP" altLang="en-US" sz="2000">
-                  <a:latin typeface="ヒラギノ角ゴ ProN W3"/>
-                  <a:ea typeface="ヒラギノ角ゴ ProN W3"/>
-                  <a:cs typeface="ヒラギノ角ゴ ProN W3"/>
-                </a:rPr>
-                <a:t>プログラムの記述内容が複雑，大幅な変更が必要</a:t>
-              </a:r>
-              <a:endParaRPr lang="en-US" altLang="ja-JP" sz="2000" dirty="0">
-                <a:latin typeface="ヒラギノ角ゴ ProN W3"/>
-                <a:ea typeface="ヒラギノ角ゴ ProN W3"/>
-                <a:cs typeface="ヒラギノ角ゴ ProN W3"/>
-              </a:endParaRPr>
-            </a:p>
-          </p:txBody>
-        </p:sp>
-        <p:sp>
-          <p:nvSpPr>
-            <p:cNvPr id="34" name="テキスト ボックス 33">
-              <a:extLst>
-                <a:ext uri="{FF2B5EF4-FFF2-40B4-BE49-F238E27FC236}">
-                  <a16:creationId xmlns:a16="http://schemas.microsoft.com/office/drawing/2014/main" id="{29748654-1D71-514F-9AA5-6B1D87B70DF4}"/>
-                </a:ext>
-              </a:extLst>
-            </p:cNvPr>
-            <p:cNvSpPr txBox="1"/>
-            <p:nvPr/>
-          </p:nvSpPr>
-          <p:spPr>
-            <a:xfrm>
-              <a:off x="130354" y="4072264"/>
-              <a:ext cx="954107" cy="400110"/>
-            </a:xfrm>
-            <a:prstGeom prst="rect">
-              <a:avLst/>
-            </a:prstGeom>
-            <a:solidFill>
-              <a:schemeClr val="bg1"/>
-            </a:solidFill>
-          </p:spPr>
-          <p:txBody>
-            <a:bodyPr wrap="none" rtlCol="0">
-              <a:spAutoFit/>
-            </a:bodyPr>
-            <a:lstStyle/>
-            <a:p>
-              <a:r>
-                <a:rPr lang="ja-JP" altLang="en-US" sz="2000">
-                  <a:latin typeface="ヒラギノ角ゴ ProN W3"/>
-                  <a:ea typeface="ヒラギノ角ゴ ProN W3"/>
-                  <a:cs typeface="ヒラギノ角ゴ ProN W3"/>
-                </a:rPr>
-                <a:t>問題点</a:t>
-              </a:r>
-              <a:endParaRPr lang="en-US" altLang="ja-JP" sz="2000" dirty="0">
-                <a:latin typeface="ヒラギノ角ゴ ProN W3"/>
-                <a:ea typeface="ヒラギノ角ゴ ProN W3"/>
-                <a:cs typeface="ヒラギノ角ゴ ProN W3"/>
-              </a:endParaRPr>
-            </a:p>
-          </p:txBody>
-        </p:sp>
-      </p:grpSp>
-      <p:grpSp>
-        <p:nvGrpSpPr>
-          <p:cNvPr id="5" name="グループ化 4">
-            <a:extLst>
-              <a:ext uri="{FF2B5EF4-FFF2-40B4-BE49-F238E27FC236}">
-                <a16:creationId xmlns:a16="http://schemas.microsoft.com/office/drawing/2014/main" id="{8B8AFA31-445B-4F41-BC7F-EFAF33F7B9DF}"/>
-              </a:ext>
-            </a:extLst>
-          </p:cNvPr>
-          <p:cNvGrpSpPr/>
-          <p:nvPr/>
-        </p:nvGrpSpPr>
-        <p:grpSpPr>
-          <a:xfrm>
-            <a:off x="96036" y="1590825"/>
-            <a:ext cx="8995507" cy="740407"/>
-            <a:chOff x="96036" y="1715870"/>
-            <a:chExt cx="8995507" cy="740407"/>
-          </a:xfrm>
-        </p:grpSpPr>
-        <p:sp>
-          <p:nvSpPr>
-            <p:cNvPr id="28" name="正方形/長方形 27">
-              <a:extLst>
-                <a:ext uri="{FF2B5EF4-FFF2-40B4-BE49-F238E27FC236}">
-                  <a16:creationId xmlns:a16="http://schemas.microsoft.com/office/drawing/2014/main" id="{CE3EA46A-5724-F642-AE2E-F544DE54A825}"/>
-                </a:ext>
-              </a:extLst>
-            </p:cNvPr>
-            <p:cNvSpPr/>
-            <p:nvPr/>
-          </p:nvSpPr>
-          <p:spPr>
-            <a:xfrm>
-              <a:off x="96036" y="1715870"/>
-              <a:ext cx="8995507" cy="705302"/>
+              <a:off x="96036" y="603293"/>
+              <a:ext cx="8995507" cy="491134"/>
             </a:xfrm>
             <a:prstGeom prst="rect">
               <a:avLst/>
@@ -7010,7 +6777,7 @@
             <a:lstStyle/>
             <a:p>
               <a:pPr algn="ctr"/>
-              <a:endParaRPr kumimoji="1" lang="ja-JP" altLang="en-US" sz="2000" dirty="0">
+              <a:endParaRPr kumimoji="1" lang="ja-JP" altLang="en-US" dirty="0">
                 <a:solidFill>
                   <a:schemeClr val="tx1"/>
                 </a:solidFill>
@@ -7023,10 +6790,10 @@
         </p:sp>
         <p:sp>
           <p:nvSpPr>
-            <p:cNvPr id="38" name="テキスト ボックス 37">
+            <p:cNvPr id="46" name="テキスト ボックス 45">
               <a:extLst>
                 <a:ext uri="{FF2B5EF4-FFF2-40B4-BE49-F238E27FC236}">
-                  <a16:creationId xmlns:a16="http://schemas.microsoft.com/office/drawing/2014/main" id="{0C163514-5C2E-4D46-90F1-AC88266AA63A}"/>
+                  <a16:creationId xmlns:a16="http://schemas.microsoft.com/office/drawing/2014/main" id="{96EAB02F-5E67-4246-B363-198984434059}"/>
                 </a:ext>
               </a:extLst>
             </p:cNvPr>
@@ -7035,75 +6802,8 @@
           </p:nvSpPr>
           <p:spPr>
             <a:xfrm>
-              <a:off x="1016210" y="1748391"/>
-              <a:ext cx="6083717" cy="707886"/>
-            </a:xfrm>
-            <a:prstGeom prst="rect">
-              <a:avLst/>
-            </a:prstGeom>
-            <a:noFill/>
-          </p:spPr>
-          <p:txBody>
-            <a:bodyPr wrap="none" rtlCol="0">
-              <a:spAutoFit/>
-            </a:bodyPr>
-            <a:lstStyle/>
-            <a:p>
-              <a:r>
-                <a:rPr lang="en-US" altLang="ja-JP" sz="2000" dirty="0">
-                  <a:latin typeface="ヒラギノ角ゴ ProN W3"/>
-                  <a:ea typeface="ヒラギノ角ゴ ProN W3"/>
-                  <a:cs typeface="ヒラギノ角ゴ ProN W3"/>
-                </a:rPr>
-                <a:t>e-Learning</a:t>
-              </a:r>
-              <a:r>
-                <a:rPr lang="ja-JP" altLang="en-US" sz="2000">
-                  <a:latin typeface="ヒラギノ角ゴ ProN W3"/>
-                  <a:ea typeface="ヒラギノ角ゴ ProN W3"/>
-                  <a:cs typeface="ヒラギノ角ゴ ProN W3"/>
-                </a:rPr>
-                <a:t>の普及により多様な分野の</a:t>
-              </a:r>
-              <a:endParaRPr lang="en-US" altLang="ja-JP" sz="2000" dirty="0">
-                <a:latin typeface="ヒラギノ角ゴ ProN W3"/>
-                <a:ea typeface="ヒラギノ角ゴ ProN W3"/>
-                <a:cs typeface="ヒラギノ角ゴ ProN W3"/>
-              </a:endParaRPr>
-            </a:p>
-            <a:p>
-              <a:r>
-                <a:rPr lang="ja-JP" altLang="en-US" sz="2000">
-                  <a:latin typeface="ヒラギノ角ゴ ProN W3"/>
-                  <a:ea typeface="ヒラギノ角ゴ ProN W3"/>
-                  <a:cs typeface="ヒラギノ角ゴ ProN W3"/>
-                </a:rPr>
-                <a:t>シミュレータ教材と効率的な開発手法が求められる</a:t>
-              </a:r>
-              <a:endParaRPr lang="en-US" altLang="ja-JP" sz="2000" dirty="0">
-                <a:latin typeface="ヒラギノ角ゴ ProN W3"/>
-                <a:ea typeface="ヒラギノ角ゴ ProN W3"/>
-                <a:cs typeface="ヒラギノ角ゴ ProN W3"/>
-              </a:endParaRPr>
-            </a:p>
-          </p:txBody>
-        </p:sp>
-        <p:sp>
-          <p:nvSpPr>
-            <p:cNvPr id="35" name="テキスト ボックス 34">
-              <a:extLst>
-                <a:ext uri="{FF2B5EF4-FFF2-40B4-BE49-F238E27FC236}">
-                  <a16:creationId xmlns:a16="http://schemas.microsoft.com/office/drawing/2014/main" id="{6BCD194A-FC96-D64D-A23E-50CC7F8721A0}"/>
-                </a:ext>
-              </a:extLst>
-            </p:cNvPr>
-            <p:cNvSpPr txBox="1"/>
-            <p:nvPr/>
-          </p:nvSpPr>
-          <p:spPr>
-            <a:xfrm>
-              <a:off x="224987" y="1748391"/>
-              <a:ext cx="697627" cy="400110"/>
+              <a:off x="238465" y="632064"/>
+              <a:ext cx="2236510" cy="400110"/>
             </a:xfrm>
             <a:prstGeom prst="rect">
               <a:avLst/>
@@ -7124,7 +6824,7 @@
                   <a:ea typeface="ヒラギノ角ゴ ProN W3"/>
                   <a:cs typeface="ヒラギノ角ゴ ProN W3"/>
                 </a:rPr>
-                <a:t>背景</a:t>
+                <a:t>シミュレータ教材</a:t>
               </a:r>
               <a:endParaRPr lang="en-US" altLang="ja-JP" sz="2000" dirty="0">
                 <a:latin typeface="ヒラギノ角ゴ ProN W3"/>
@@ -7134,6 +6834,367 @@
             </a:p>
           </p:txBody>
         </p:sp>
+        <p:sp>
+          <p:nvSpPr>
+            <p:cNvPr id="37" name="テキスト ボックス 36">
+              <a:extLst>
+                <a:ext uri="{FF2B5EF4-FFF2-40B4-BE49-F238E27FC236}">
+                  <a16:creationId xmlns:a16="http://schemas.microsoft.com/office/drawing/2014/main" id="{85554F88-BDD2-7848-B462-150955172CE6}"/>
+                </a:ext>
+              </a:extLst>
+            </p:cNvPr>
+            <p:cNvSpPr txBox="1"/>
+            <p:nvPr/>
+          </p:nvSpPr>
+          <p:spPr>
+            <a:xfrm>
+              <a:off x="2564776" y="694316"/>
+              <a:ext cx="5035353" cy="400110"/>
+            </a:xfrm>
+            <a:prstGeom prst="rect">
+              <a:avLst/>
+            </a:prstGeom>
+            <a:noFill/>
+          </p:spPr>
+          <p:txBody>
+            <a:bodyPr wrap="none" rtlCol="0">
+              <a:spAutoFit/>
+            </a:bodyPr>
+            <a:lstStyle/>
+            <a:p>
+              <a:r>
+                <a:rPr lang="ja-JP" altLang="en-US" sz="2000">
+                  <a:latin typeface="ヒラギノ角ゴ ProN W3"/>
+                  <a:ea typeface="ヒラギノ角ゴ ProN W3"/>
+                  <a:cs typeface="ヒラギノ角ゴ ProN W3"/>
+                </a:rPr>
+                <a:t>不可視現象を可視化する</a:t>
+              </a:r>
+              <a:r>
+                <a:rPr lang="en-US" altLang="ja-JP" sz="2000" dirty="0">
+                  <a:latin typeface="ヒラギノ角ゴ ProN W3"/>
+                  <a:ea typeface="ヒラギノ角ゴ ProN W3"/>
+                  <a:cs typeface="ヒラギノ角ゴ ProN W3"/>
+                </a:rPr>
+                <a:t>e-Learning</a:t>
+              </a:r>
+              <a:r>
+                <a:rPr lang="ja-JP" altLang="en-US" sz="2000">
+                  <a:latin typeface="ヒラギノ角ゴ ProN W3"/>
+                  <a:ea typeface="ヒラギノ角ゴ ProN W3"/>
+                  <a:cs typeface="ヒラギノ角ゴ ProN W3"/>
+                </a:rPr>
+                <a:t>の</a:t>
+              </a:r>
+              <a:r>
+                <a:rPr lang="en-US" altLang="ja-JP" sz="2000" dirty="0">
+                  <a:latin typeface="ヒラギノ角ゴ ProN W3"/>
+                  <a:ea typeface="ヒラギノ角ゴ ProN W3"/>
+                  <a:cs typeface="ヒラギノ角ゴ ProN W3"/>
+                </a:rPr>
+                <a:t>1</a:t>
+              </a:r>
+              <a:r>
+                <a:rPr lang="ja-JP" altLang="en-US" sz="2000">
+                  <a:latin typeface="ヒラギノ角ゴ ProN W3"/>
+                  <a:ea typeface="ヒラギノ角ゴ ProN W3"/>
+                  <a:cs typeface="ヒラギノ角ゴ ProN W3"/>
+                </a:rPr>
+                <a:t>つ</a:t>
+              </a:r>
+              <a:endParaRPr lang="en-US" altLang="ja-JP" sz="2000" dirty="0">
+                <a:latin typeface="ヒラギノ角ゴ ProN W3"/>
+                <a:ea typeface="ヒラギノ角ゴ ProN W3"/>
+                <a:cs typeface="ヒラギノ角ゴ ProN W3"/>
+              </a:endParaRPr>
+            </a:p>
+          </p:txBody>
+        </p:sp>
+        <p:sp>
+          <p:nvSpPr>
+            <p:cNvPr id="2" name="三角形 1">
+              <a:extLst>
+                <a:ext uri="{FF2B5EF4-FFF2-40B4-BE49-F238E27FC236}">
+                  <a16:creationId xmlns:a16="http://schemas.microsoft.com/office/drawing/2014/main" id="{D9CCE2CD-73B5-A844-BB7F-6EB4DD938219}"/>
+                </a:ext>
+              </a:extLst>
+            </p:cNvPr>
+            <p:cNvSpPr/>
+            <p:nvPr/>
+          </p:nvSpPr>
+          <p:spPr>
+            <a:xfrm rot="10800000">
+              <a:off x="3936217" y="1208002"/>
+              <a:ext cx="1391139" cy="324229"/>
+            </a:xfrm>
+            <a:prstGeom prst="triangle">
+              <a:avLst/>
+            </a:prstGeom>
+            <a:solidFill>
+              <a:schemeClr val="tx1">
+                <a:lumMod val="65000"/>
+                <a:lumOff val="35000"/>
+              </a:schemeClr>
+            </a:solidFill>
+            <a:ln>
+              <a:noFill/>
+            </a:ln>
+            <a:effectLst/>
+          </p:spPr>
+          <p:style>
+            <a:lnRef idx="1">
+              <a:schemeClr val="accent1"/>
+            </a:lnRef>
+            <a:fillRef idx="3">
+              <a:schemeClr val="accent1"/>
+            </a:fillRef>
+            <a:effectRef idx="2">
+              <a:schemeClr val="accent1"/>
+            </a:effectRef>
+            <a:fontRef idx="minor">
+              <a:schemeClr val="lt1"/>
+            </a:fontRef>
+          </p:style>
+          <p:txBody>
+            <a:bodyPr rot="0" spcFirstLastPara="0" vertOverflow="overflow" horzOverflow="overflow" vert="horz" wrap="square" lIns="91440" tIns="45720" rIns="91440" bIns="45720" numCol="1" spcCol="0" rtlCol="0" fromWordArt="0" anchor="ctr" anchorCtr="0" forceAA="0" compatLnSpc="1">
+              <a:prstTxWarp prst="textNoShape">
+                <a:avLst/>
+              </a:prstTxWarp>
+              <a:noAutofit/>
+            </a:bodyPr>
+            <a:lstStyle/>
+            <a:p>
+              <a:pPr algn="ctr"/>
+              <a:endParaRPr kumimoji="1" lang="ja-JP" altLang="en-US" dirty="0">
+                <a:solidFill>
+                  <a:schemeClr val="tx1"/>
+                </a:solidFill>
+                <a:latin typeface="ヒラギノ角ゴ ProN W3"/>
+                <a:ea typeface="ヒラギノ角ゴ ProN W3"/>
+                <a:cs typeface="ヒラギノ角ゴ ProN W3"/>
+              </a:endParaRPr>
+            </a:p>
+          </p:txBody>
+        </p:sp>
+        <p:grpSp>
+          <p:nvGrpSpPr>
+            <p:cNvPr id="5" name="グループ化 4">
+              <a:extLst>
+                <a:ext uri="{FF2B5EF4-FFF2-40B4-BE49-F238E27FC236}">
+                  <a16:creationId xmlns:a16="http://schemas.microsoft.com/office/drawing/2014/main" id="{8B8AFA31-445B-4F41-BC7F-EFAF33F7B9DF}"/>
+                </a:ext>
+              </a:extLst>
+            </p:cNvPr>
+            <p:cNvGrpSpPr/>
+            <p:nvPr/>
+          </p:nvGrpSpPr>
+          <p:grpSpPr>
+            <a:xfrm>
+              <a:off x="96036" y="1590825"/>
+              <a:ext cx="8995507" cy="740407"/>
+              <a:chOff x="96036" y="1715870"/>
+              <a:chExt cx="8995507" cy="740407"/>
+            </a:xfrm>
+          </p:grpSpPr>
+          <p:sp>
+            <p:nvSpPr>
+              <p:cNvPr id="28" name="正方形/長方形 27">
+                <a:extLst>
+                  <a:ext uri="{FF2B5EF4-FFF2-40B4-BE49-F238E27FC236}">
+                    <a16:creationId xmlns:a16="http://schemas.microsoft.com/office/drawing/2014/main" id="{CE3EA46A-5724-F642-AE2E-F544DE54A825}"/>
+                  </a:ext>
+                </a:extLst>
+              </p:cNvPr>
+              <p:cNvSpPr/>
+              <p:nvPr/>
+            </p:nvSpPr>
+            <p:spPr>
+              <a:xfrm>
+                <a:off x="96036" y="1715870"/>
+                <a:ext cx="8995507" cy="705302"/>
+              </a:xfrm>
+              <a:prstGeom prst="rect">
+                <a:avLst/>
+              </a:prstGeom>
+              <a:solidFill>
+                <a:schemeClr val="accent2">
+                  <a:lumMod val="20000"/>
+                  <a:lumOff val="80000"/>
+                </a:schemeClr>
+              </a:solidFill>
+              <a:ln>
+                <a:noFill/>
+              </a:ln>
+              <a:effectLst/>
+            </p:spPr>
+            <p:style>
+              <a:lnRef idx="1">
+                <a:schemeClr val="accent1"/>
+              </a:lnRef>
+              <a:fillRef idx="3">
+                <a:schemeClr val="accent1"/>
+              </a:fillRef>
+              <a:effectRef idx="2">
+                <a:schemeClr val="accent1"/>
+              </a:effectRef>
+              <a:fontRef idx="minor">
+                <a:schemeClr val="lt1"/>
+              </a:fontRef>
+            </p:style>
+            <p:txBody>
+              <a:bodyPr rot="0" spcFirstLastPara="0" vertOverflow="overflow" horzOverflow="overflow" vert="horz" wrap="square" lIns="91440" tIns="45720" rIns="91440" bIns="45720" numCol="1" spcCol="0" rtlCol="0" fromWordArt="0" anchor="ctr" anchorCtr="0" forceAA="0" compatLnSpc="1">
+                <a:prstTxWarp prst="textNoShape">
+                  <a:avLst/>
+                </a:prstTxWarp>
+                <a:noAutofit/>
+              </a:bodyPr>
+              <a:lstStyle/>
+              <a:p>
+                <a:pPr algn="ctr"/>
+                <a:endParaRPr kumimoji="1" lang="ja-JP" altLang="en-US" sz="2000" dirty="0">
+                  <a:solidFill>
+                    <a:schemeClr val="tx1"/>
+                  </a:solidFill>
+                  <a:latin typeface="ヒラギノ角ゴ ProN W3"/>
+                  <a:ea typeface="ヒラギノ角ゴ ProN W3"/>
+                  <a:cs typeface="ヒラギノ角ゴ ProN W3"/>
+                </a:endParaRPr>
+              </a:p>
+            </p:txBody>
+          </p:sp>
+          <p:sp>
+            <p:nvSpPr>
+              <p:cNvPr id="38" name="テキスト ボックス 37">
+                <a:extLst>
+                  <a:ext uri="{FF2B5EF4-FFF2-40B4-BE49-F238E27FC236}">
+                    <a16:creationId xmlns:a16="http://schemas.microsoft.com/office/drawing/2014/main" id="{0C163514-5C2E-4D46-90F1-AC88266AA63A}"/>
+                  </a:ext>
+                </a:extLst>
+              </p:cNvPr>
+              <p:cNvSpPr txBox="1"/>
+              <p:nvPr/>
+            </p:nvSpPr>
+            <p:spPr>
+              <a:xfrm>
+                <a:off x="2564776" y="1748391"/>
+                <a:ext cx="6083717" cy="707886"/>
+              </a:xfrm>
+              <a:prstGeom prst="rect">
+                <a:avLst/>
+              </a:prstGeom>
+              <a:noFill/>
+            </p:spPr>
+            <p:txBody>
+              <a:bodyPr wrap="none" rtlCol="0">
+                <a:spAutoFit/>
+              </a:bodyPr>
+              <a:lstStyle/>
+              <a:p>
+                <a:r>
+                  <a:rPr lang="en-US" altLang="ja-JP" sz="2000" dirty="0">
+                    <a:latin typeface="ヒラギノ角ゴ ProN W3"/>
+                    <a:ea typeface="ヒラギノ角ゴ ProN W3"/>
+                    <a:cs typeface="ヒラギノ角ゴ ProN W3"/>
+                  </a:rPr>
+                  <a:t>e-Learning</a:t>
+                </a:r>
+                <a:r>
+                  <a:rPr lang="ja-JP" altLang="en-US" sz="2000">
+                    <a:latin typeface="ヒラギノ角ゴ ProN W3"/>
+                    <a:ea typeface="ヒラギノ角ゴ ProN W3"/>
+                    <a:cs typeface="ヒラギノ角ゴ ProN W3"/>
+                  </a:rPr>
+                  <a:t>の普及により多様な分野の</a:t>
+                </a:r>
+                <a:endParaRPr lang="en-US" altLang="ja-JP" sz="2000" dirty="0">
+                  <a:latin typeface="ヒラギノ角ゴ ProN W3"/>
+                  <a:ea typeface="ヒラギノ角ゴ ProN W3"/>
+                  <a:cs typeface="ヒラギノ角ゴ ProN W3"/>
+                </a:endParaRPr>
+              </a:p>
+              <a:p>
+                <a:r>
+                  <a:rPr lang="ja-JP" altLang="en-US" sz="2000">
+                    <a:latin typeface="ヒラギノ角ゴ ProN W3"/>
+                    <a:ea typeface="ヒラギノ角ゴ ProN W3"/>
+                    <a:cs typeface="ヒラギノ角ゴ ProN W3"/>
+                  </a:rPr>
+                  <a:t>シミュレータ教材と効率的な開発手法が求められる</a:t>
+                </a:r>
+                <a:endParaRPr lang="en-US" altLang="ja-JP" sz="2000" dirty="0">
+                  <a:latin typeface="ヒラギノ角ゴ ProN W3"/>
+                  <a:ea typeface="ヒラギノ角ゴ ProN W3"/>
+                  <a:cs typeface="ヒラギノ角ゴ ProN W3"/>
+                </a:endParaRPr>
+              </a:p>
+            </p:txBody>
+          </p:sp>
+          <p:sp>
+            <p:nvSpPr>
+              <p:cNvPr id="35" name="テキスト ボックス 34">
+                <a:extLst>
+                  <a:ext uri="{FF2B5EF4-FFF2-40B4-BE49-F238E27FC236}">
+                    <a16:creationId xmlns:a16="http://schemas.microsoft.com/office/drawing/2014/main" id="{6BCD194A-FC96-D64D-A23E-50CC7F8721A0}"/>
+                  </a:ext>
+                </a:extLst>
+              </p:cNvPr>
+              <p:cNvSpPr txBox="1"/>
+              <p:nvPr/>
+            </p:nvSpPr>
+            <p:spPr>
+              <a:xfrm>
+                <a:off x="224987" y="1748391"/>
+                <a:ext cx="2162772" cy="400110"/>
+              </a:xfrm>
+              <a:prstGeom prst="rect">
+                <a:avLst/>
+              </a:prstGeom>
+              <a:solidFill>
+                <a:schemeClr val="bg1"/>
+              </a:solidFill>
+            </p:spPr>
+            <p:txBody>
+              <a:bodyPr wrap="none" rtlCol="0">
+                <a:spAutoFit/>
+              </a:bodyPr>
+              <a:lstStyle/>
+              <a:p>
+                <a:r>
+                  <a:rPr lang="ja-JP" altLang="en-US" sz="2000">
+                    <a:latin typeface="ヒラギノ角ゴ ProN W3"/>
+                    <a:ea typeface="ヒラギノ角ゴ ProN W3"/>
+                    <a:cs typeface="ヒラギノ角ゴ ProN W3"/>
+                  </a:rPr>
+                  <a:t>背景</a:t>
+                </a:r>
+                <a:r>
+                  <a:rPr lang="en-US" altLang="ja-JP" sz="2000" dirty="0">
+                    <a:latin typeface="ヒラギノ角ゴ ProN W3"/>
+                    <a:ea typeface="ヒラギノ角ゴ ProN W3"/>
+                    <a:cs typeface="ヒラギノ角ゴ ProN W3"/>
+                  </a:rPr>
+                  <a:t>(</a:t>
+                </a:r>
+                <a:r>
+                  <a:rPr lang="ja-JP" altLang="en-US" sz="2000">
+                    <a:latin typeface="ヒラギノ角ゴ ProN W3"/>
+                    <a:ea typeface="ヒラギノ角ゴ ProN W3"/>
+                    <a:cs typeface="ヒラギノ角ゴ ProN W3"/>
+                  </a:rPr>
+                  <a:t>言葉考える</a:t>
+                </a:r>
+                <a:r>
+                  <a:rPr lang="en-US" altLang="ja-JP" sz="2000" dirty="0">
+                    <a:latin typeface="ヒラギノ角ゴ ProN W3"/>
+                    <a:ea typeface="ヒラギノ角ゴ ProN W3"/>
+                    <a:cs typeface="ヒラギノ角ゴ ProN W3"/>
+                  </a:rPr>
+                  <a:t>)</a:t>
+                </a:r>
+              </a:p>
+            </p:txBody>
+          </p:sp>
+        </p:grpSp>
       </p:grpSp>
       <p:grpSp>
         <p:nvGrpSpPr>
@@ -7149,7 +7210,7 @@
         </p:nvGrpSpPr>
         <p:grpSpPr>
           <a:xfrm>
-            <a:off x="92438" y="4744168"/>
+            <a:off x="92438" y="5017705"/>
             <a:ext cx="9002702" cy="544594"/>
             <a:chOff x="86177" y="4290647"/>
             <a:chExt cx="9002702" cy="544594"/>
@@ -7252,7 +7313,7 @@
             </p:nvSpPr>
             <p:spPr>
               <a:xfrm>
-                <a:off x="192922" y="4917291"/>
+                <a:off x="223054" y="4983011"/>
                 <a:ext cx="697627" cy="679436"/>
               </a:xfrm>
               <a:prstGeom prst="rect">
@@ -7294,8 +7355,8 @@
           </p:nvSpPr>
           <p:spPr>
             <a:xfrm>
-              <a:off x="1035702" y="4311965"/>
-              <a:ext cx="7919703" cy="400110"/>
+              <a:off x="2558515" y="4311965"/>
+              <a:ext cx="6526767" cy="400110"/>
             </a:xfrm>
             <a:prstGeom prst="rect">
               <a:avLst/>
@@ -7472,7 +7533,7 @@
         <p:spPr>
           <a:xfrm>
             <a:off x="96036" y="603292"/>
-            <a:ext cx="8995507" cy="544601"/>
+            <a:ext cx="8995507" cy="2694800"/>
           </a:xfrm>
           <a:prstGeom prst="rect">
             <a:avLst/>
@@ -7599,155 +7660,6 @@
           <a:chExt cx="0" cy="0"/>
         </a:xfrm>
       </p:grpSpPr>
-      <p:cxnSp>
-        <p:nvCxnSpPr>
-          <p:cNvPr id="6" name="直線コネクタ 5">
-            <a:extLst>
-              <a:ext uri="{FF2B5EF4-FFF2-40B4-BE49-F238E27FC236}">
-                <a16:creationId xmlns:a16="http://schemas.microsoft.com/office/drawing/2014/main" id="{020989A2-EF2B-41C5-950B-50A1E8B11746}"/>
-              </a:ext>
-            </a:extLst>
-          </p:cNvPr>
-          <p:cNvCxnSpPr/>
-          <p:nvPr/>
-        </p:nvCxnSpPr>
-        <p:spPr>
-          <a:xfrm>
-            <a:off x="-203982" y="682283"/>
-            <a:ext cx="9671539" cy="0"/>
-          </a:xfrm>
-          <a:prstGeom prst="line">
-            <a:avLst/>
-          </a:prstGeom>
-          <a:ln>
-            <a:solidFill>
-              <a:srgbClr val="000000"/>
-            </a:solidFill>
-          </a:ln>
-          <a:effectLst/>
-        </p:spPr>
-        <p:style>
-          <a:lnRef idx="2">
-            <a:schemeClr val="accent1"/>
-          </a:lnRef>
-          <a:fillRef idx="0">
-            <a:schemeClr val="accent1"/>
-          </a:fillRef>
-          <a:effectRef idx="1">
-            <a:schemeClr val="accent1"/>
-          </a:effectRef>
-          <a:fontRef idx="minor">
-            <a:schemeClr val="tx1"/>
-          </a:fontRef>
-        </p:style>
-      </p:cxnSp>
-      <p:sp>
-        <p:nvSpPr>
-          <p:cNvPr id="7" name="テキスト ボックス 6">
-            <a:extLst>
-              <a:ext uri="{FF2B5EF4-FFF2-40B4-BE49-F238E27FC236}">
-                <a16:creationId xmlns:a16="http://schemas.microsoft.com/office/drawing/2014/main" id="{3A716497-665A-4E83-B191-B77885DB9AC4}"/>
-              </a:ext>
-            </a:extLst>
-          </p:cNvPr>
-          <p:cNvSpPr txBox="1"/>
-          <p:nvPr/>
-        </p:nvSpPr>
-        <p:spPr>
-          <a:xfrm>
-            <a:off x="224970" y="117735"/>
-            <a:ext cx="3538148" cy="461665"/>
-          </a:xfrm>
-          <a:prstGeom prst="rect">
-            <a:avLst/>
-          </a:prstGeom>
-          <a:noFill/>
-        </p:spPr>
-        <p:txBody>
-          <a:bodyPr wrap="none" rtlCol="0">
-            <a:spAutoFit/>
-          </a:bodyPr>
-          <a:lstStyle/>
-          <a:p>
-            <a:pPr marL="0" marR="0" lvl="0" indent="0" algn="l" defTabSz="457200" rtl="0" eaLnBrk="1" fontAlgn="auto" latinLnBrk="0" hangingPunct="1">
-              <a:lnSpc>
-                <a:spcPct val="100000"/>
-              </a:lnSpc>
-              <a:spcBef>
-                <a:spcPts val="0"/>
-              </a:spcBef>
-              <a:spcAft>
-                <a:spcPts val="0"/>
-              </a:spcAft>
-              <a:buClrTx/>
-              <a:buSzTx/>
-              <a:buFontTx/>
-              <a:buNone/>
-              <a:tabLst/>
-              <a:defRPr/>
-            </a:pPr>
-            <a:r>
-              <a:rPr lang="en-US" altLang="ja-JP" sz="2400" dirty="0">
-                <a:solidFill>
-                  <a:prstClr val="black"/>
-                </a:solidFill>
-                <a:latin typeface="ヒラギノ角ゴ ProN W3"/>
-                <a:ea typeface="ヒラギノ角ゴ ProN W3"/>
-                <a:cs typeface="ヒラギノ角ゴ ProN W3"/>
-              </a:rPr>
-              <a:t>3</a:t>
-            </a:r>
-            <a:r>
-              <a:rPr kumimoji="1" lang="en-US" altLang="ja-JP" sz="2400" b="0" i="0" u="none" strike="noStrike" kern="1200" cap="none" spc="0" normalizeH="0" baseline="0" noProof="0" dirty="0">
-                <a:ln>
-                  <a:noFill/>
-                </a:ln>
-                <a:solidFill>
-                  <a:prstClr val="black"/>
-                </a:solidFill>
-                <a:effectLst/>
-                <a:uLnTx/>
-                <a:uFillTx/>
-                <a:latin typeface="ヒラギノ角ゴ ProN W3"/>
-                <a:ea typeface="ヒラギノ角ゴ ProN W3"/>
-                <a:cs typeface="ヒラギノ角ゴ ProN W3"/>
-              </a:rPr>
-              <a:t>.</a:t>
-            </a:r>
-            <a:r>
-              <a:rPr kumimoji="1" lang="ja-JP" altLang="en-US" sz="2400" b="0" i="0" u="none" strike="noStrike" kern="1200" cap="none" spc="0" normalizeH="0" baseline="0" noProof="0">
-                <a:ln>
-                  <a:noFill/>
-                </a:ln>
-                <a:solidFill>
-                  <a:prstClr val="black"/>
-                </a:solidFill>
-                <a:effectLst/>
-                <a:uLnTx/>
-                <a:uFillTx/>
-                <a:latin typeface="ヒラギノ角ゴ ProN W3"/>
-                <a:ea typeface="ヒラギノ角ゴ ProN W3"/>
-                <a:cs typeface="ヒラギノ角ゴ ProN W3"/>
-              </a:rPr>
-              <a:t>開発したシミュレータ</a:t>
-            </a:r>
-            <a:endParaRPr kumimoji="1" lang="ja-JP" altLang="en-US" sz="2400" b="0" i="0" u="none" strike="noStrike" kern="1200" cap="none" spc="0" normalizeH="0" baseline="0" noProof="0" dirty="0">
-              <a:ln>
-                <a:noFill/>
-              </a:ln>
-              <a:solidFill>
-                <a:prstClr val="black"/>
-              </a:solidFill>
-              <a:effectLst/>
-              <a:uLnTx/>
-              <a:uFillTx/>
-              <a:latin typeface="ヒラギノ角ゴ ProN W3"/>
-              <a:ea typeface="ヒラギノ角ゴ ProN W3"/>
-              <a:cs typeface="ヒラギノ角ゴ ProN W3"/>
-            </a:endParaRPr>
-          </a:p>
-        </p:txBody>
-      </p:sp>
       <p:pic>
         <p:nvPicPr>
           <p:cNvPr id="11" name="図 10">
@@ -7770,8 +7682,8 @@
         </p:blipFill>
         <p:spPr>
           <a:xfrm rot="5400000">
-            <a:off x="833368" y="-53078"/>
-            <a:ext cx="4038509" cy="5714999"/>
+            <a:off x="849469" y="-258129"/>
+            <a:ext cx="4035062" cy="5710121"/>
           </a:xfrm>
           <a:prstGeom prst="rect">
             <a:avLst/>
@@ -7793,7 +7705,7 @@
         <p:spPr>
           <a:xfrm>
             <a:off x="5725751" y="785166"/>
-            <a:ext cx="3324463" cy="4724680"/>
+            <a:ext cx="3324463" cy="2072319"/>
           </a:xfrm>
           <a:prstGeom prst="rect">
             <a:avLst/>
@@ -7844,6 +7756,72 @@
           </a:p>
         </p:txBody>
       </p:sp>
+      <p:sp>
+        <p:nvSpPr>
+          <p:cNvPr id="29" name="正方形/長方形 28">
+            <a:extLst>
+              <a:ext uri="{FF2B5EF4-FFF2-40B4-BE49-F238E27FC236}">
+                <a16:creationId xmlns:a16="http://schemas.microsoft.com/office/drawing/2014/main" id="{DDD68BED-CC73-734A-B217-6AB67B5D8FF4}"/>
+              </a:ext>
+            </a:extLst>
+          </p:cNvPr>
+          <p:cNvSpPr/>
+          <p:nvPr/>
+        </p:nvSpPr>
+        <p:spPr>
+          <a:xfrm>
+            <a:off x="5710122" y="3173253"/>
+            <a:ext cx="3324463" cy="2443109"/>
+          </a:xfrm>
+          <a:prstGeom prst="rect">
+            <a:avLst/>
+          </a:prstGeom>
+          <a:solidFill>
+            <a:schemeClr val="accent3">
+              <a:lumMod val="20000"/>
+              <a:lumOff val="80000"/>
+            </a:schemeClr>
+          </a:solidFill>
+          <a:ln>
+            <a:noFill/>
+          </a:ln>
+          <a:effectLst/>
+        </p:spPr>
+        <p:style>
+          <a:lnRef idx="1">
+            <a:schemeClr val="accent1"/>
+          </a:lnRef>
+          <a:fillRef idx="3">
+            <a:schemeClr val="accent1"/>
+          </a:fillRef>
+          <a:effectRef idx="2">
+            <a:schemeClr val="accent1"/>
+          </a:effectRef>
+          <a:fontRef idx="minor">
+            <a:schemeClr val="lt1"/>
+          </a:fontRef>
+        </p:style>
+        <p:txBody>
+          <a:bodyPr rot="0" spcFirstLastPara="0" vertOverflow="overflow" horzOverflow="overflow" vert="horz" wrap="square" lIns="91440" tIns="45720" rIns="91440" bIns="45720" numCol="1" spcCol="0" rtlCol="0" fromWordArt="0" anchor="ctr" anchorCtr="0" forceAA="0" compatLnSpc="1">
+            <a:prstTxWarp prst="textNoShape">
+              <a:avLst/>
+            </a:prstTxWarp>
+            <a:noAutofit/>
+          </a:bodyPr>
+          <a:lstStyle/>
+          <a:p>
+            <a:pPr algn="ctr"/>
+            <a:endParaRPr kumimoji="1" lang="ja-JP" altLang="en-US" dirty="0">
+              <a:solidFill>
+                <a:schemeClr val="tx1"/>
+              </a:solidFill>
+              <a:latin typeface="ヒラギノ角ゴ ProN W3"/>
+              <a:ea typeface="ヒラギノ角ゴ ProN W3"/>
+              <a:cs typeface="ヒラギノ角ゴ ProN W3"/>
+            </a:endParaRPr>
+          </a:p>
+        </p:txBody>
+      </p:sp>
       <p:grpSp>
         <p:nvGrpSpPr>
           <p:cNvPr id="28" name="グループ化 27">
@@ -7858,8 +7836,8 @@
         </p:nvGrpSpPr>
         <p:grpSpPr>
           <a:xfrm>
-            <a:off x="5710122" y="4625673"/>
-            <a:ext cx="3233578" cy="814087"/>
+            <a:off x="5788271" y="4683341"/>
+            <a:ext cx="2920103" cy="814087"/>
             <a:chOff x="5734730" y="4375554"/>
             <a:chExt cx="3233578" cy="814087"/>
           </a:xfrm>
@@ -7983,8 +7961,8 @@
         </p:nvGrpSpPr>
         <p:grpSpPr>
           <a:xfrm>
-            <a:off x="5710122" y="3360051"/>
-            <a:ext cx="3174267" cy="806275"/>
+            <a:off x="5788271" y="3753776"/>
+            <a:ext cx="2866542" cy="806275"/>
             <a:chOff x="5734730" y="3188094"/>
             <a:chExt cx="3174267" cy="806275"/>
           </a:xfrm>
@@ -8116,7 +8094,7 @@
         </p:nvGrpSpPr>
         <p:grpSpPr>
           <a:xfrm>
-            <a:off x="5710122" y="2086615"/>
+            <a:off x="5788271" y="2039717"/>
             <a:ext cx="2800767" cy="814090"/>
             <a:chOff x="5734730" y="2000634"/>
             <a:chExt cx="2800767" cy="814090"/>
@@ -8257,7 +8235,7 @@
         </p:nvGrpSpPr>
         <p:grpSpPr>
           <a:xfrm>
-            <a:off x="5710122" y="813174"/>
+            <a:off x="5788271" y="1243019"/>
             <a:ext cx="2789546" cy="814095"/>
             <a:chOff x="5734730" y="813174"/>
             <a:chExt cx="2789546" cy="814095"/>
@@ -8368,6 +8346,247 @@
           </p:txBody>
         </p:sp>
       </p:grpSp>
+      <p:cxnSp>
+        <p:nvCxnSpPr>
+          <p:cNvPr id="6" name="直線コネクタ 5">
+            <a:extLst>
+              <a:ext uri="{FF2B5EF4-FFF2-40B4-BE49-F238E27FC236}">
+                <a16:creationId xmlns:a16="http://schemas.microsoft.com/office/drawing/2014/main" id="{020989A2-EF2B-41C5-950B-50A1E8B11746}"/>
+              </a:ext>
+            </a:extLst>
+          </p:cNvPr>
+          <p:cNvCxnSpPr/>
+          <p:nvPr/>
+        </p:nvCxnSpPr>
+        <p:spPr>
+          <a:xfrm>
+            <a:off x="-203982" y="682283"/>
+            <a:ext cx="9671539" cy="0"/>
+          </a:xfrm>
+          <a:prstGeom prst="line">
+            <a:avLst/>
+          </a:prstGeom>
+          <a:ln>
+            <a:solidFill>
+              <a:srgbClr val="000000"/>
+            </a:solidFill>
+          </a:ln>
+          <a:effectLst/>
+        </p:spPr>
+        <p:style>
+          <a:lnRef idx="2">
+            <a:schemeClr val="accent1"/>
+          </a:lnRef>
+          <a:fillRef idx="0">
+            <a:schemeClr val="accent1"/>
+          </a:fillRef>
+          <a:effectRef idx="1">
+            <a:schemeClr val="accent1"/>
+          </a:effectRef>
+          <a:fontRef idx="minor">
+            <a:schemeClr val="tx1"/>
+          </a:fontRef>
+        </p:style>
+      </p:cxnSp>
+      <p:sp>
+        <p:nvSpPr>
+          <p:cNvPr id="7" name="テキスト ボックス 6">
+            <a:extLst>
+              <a:ext uri="{FF2B5EF4-FFF2-40B4-BE49-F238E27FC236}">
+                <a16:creationId xmlns:a16="http://schemas.microsoft.com/office/drawing/2014/main" id="{3A716497-665A-4E83-B191-B77885DB9AC4}"/>
+              </a:ext>
+            </a:extLst>
+          </p:cNvPr>
+          <p:cNvSpPr txBox="1"/>
+          <p:nvPr/>
+        </p:nvSpPr>
+        <p:spPr>
+          <a:xfrm>
+            <a:off x="224970" y="117735"/>
+            <a:ext cx="3538148" cy="461665"/>
+          </a:xfrm>
+          <a:prstGeom prst="rect">
+            <a:avLst/>
+          </a:prstGeom>
+          <a:noFill/>
+        </p:spPr>
+        <p:txBody>
+          <a:bodyPr wrap="none" rtlCol="0">
+            <a:spAutoFit/>
+          </a:bodyPr>
+          <a:lstStyle/>
+          <a:p>
+            <a:pPr marL="0" marR="0" lvl="0" indent="0" algn="l" defTabSz="457200" rtl="0" eaLnBrk="1" fontAlgn="auto" latinLnBrk="0" hangingPunct="1">
+              <a:lnSpc>
+                <a:spcPct val="100000"/>
+              </a:lnSpc>
+              <a:spcBef>
+                <a:spcPts val="0"/>
+              </a:spcBef>
+              <a:spcAft>
+                <a:spcPts val="0"/>
+              </a:spcAft>
+              <a:buClrTx/>
+              <a:buSzTx/>
+              <a:buFontTx/>
+              <a:buNone/>
+              <a:tabLst/>
+              <a:defRPr/>
+            </a:pPr>
+            <a:r>
+              <a:rPr lang="en-US" altLang="ja-JP" sz="2400" dirty="0">
+                <a:solidFill>
+                  <a:prstClr val="black"/>
+                </a:solidFill>
+                <a:latin typeface="ヒラギノ角ゴ ProN W3"/>
+                <a:ea typeface="ヒラギノ角ゴ ProN W3"/>
+                <a:cs typeface="ヒラギノ角ゴ ProN W3"/>
+              </a:rPr>
+              <a:t>3</a:t>
+            </a:r>
+            <a:r>
+              <a:rPr kumimoji="1" lang="en-US" altLang="ja-JP" sz="2400" b="0" i="0" u="none" strike="noStrike" kern="1200" cap="none" spc="0" normalizeH="0" baseline="0" noProof="0" dirty="0">
+                <a:ln>
+                  <a:noFill/>
+                </a:ln>
+                <a:solidFill>
+                  <a:prstClr val="black"/>
+                </a:solidFill>
+                <a:effectLst/>
+                <a:uLnTx/>
+                <a:uFillTx/>
+                <a:latin typeface="ヒラギノ角ゴ ProN W3"/>
+                <a:ea typeface="ヒラギノ角ゴ ProN W3"/>
+                <a:cs typeface="ヒラギノ角ゴ ProN W3"/>
+              </a:rPr>
+              <a:t>.</a:t>
+            </a:r>
+            <a:r>
+              <a:rPr kumimoji="1" lang="ja-JP" altLang="en-US" sz="2400" b="0" i="0" u="none" strike="noStrike" kern="1200" cap="none" spc="0" normalizeH="0" baseline="0" noProof="0">
+                <a:ln>
+                  <a:noFill/>
+                </a:ln>
+                <a:solidFill>
+                  <a:prstClr val="black"/>
+                </a:solidFill>
+                <a:effectLst/>
+                <a:uLnTx/>
+                <a:uFillTx/>
+                <a:latin typeface="ヒラギノ角ゴ ProN W3"/>
+                <a:ea typeface="ヒラギノ角ゴ ProN W3"/>
+                <a:cs typeface="ヒラギノ角ゴ ProN W3"/>
+              </a:rPr>
+              <a:t>開発したシミュレータ</a:t>
+            </a:r>
+            <a:endParaRPr kumimoji="1" lang="ja-JP" altLang="en-US" sz="2400" b="0" i="0" u="none" strike="noStrike" kern="1200" cap="none" spc="0" normalizeH="0" baseline="0" noProof="0" dirty="0">
+              <a:ln>
+                <a:noFill/>
+              </a:ln>
+              <a:solidFill>
+                <a:prstClr val="black"/>
+              </a:solidFill>
+              <a:effectLst/>
+              <a:uLnTx/>
+              <a:uFillTx/>
+              <a:latin typeface="ヒラギノ角ゴ ProN W3"/>
+              <a:ea typeface="ヒラギノ角ゴ ProN W3"/>
+              <a:cs typeface="ヒラギノ角ゴ ProN W3"/>
+            </a:endParaRPr>
+          </a:p>
+        </p:txBody>
+      </p:sp>
+      <p:sp>
+        <p:nvSpPr>
+          <p:cNvPr id="30" name="テキスト ボックス 29">
+            <a:extLst>
+              <a:ext uri="{FF2B5EF4-FFF2-40B4-BE49-F238E27FC236}">
+                <a16:creationId xmlns:a16="http://schemas.microsoft.com/office/drawing/2014/main" id="{4413A404-30EF-D44B-B7D5-CD18D09851EB}"/>
+              </a:ext>
+            </a:extLst>
+          </p:cNvPr>
+          <p:cNvSpPr txBox="1"/>
+          <p:nvPr/>
+        </p:nvSpPr>
+        <p:spPr>
+          <a:xfrm>
+            <a:off x="5788271" y="3235227"/>
+            <a:ext cx="954107" cy="400110"/>
+          </a:xfrm>
+          <a:prstGeom prst="rect">
+            <a:avLst/>
+          </a:prstGeom>
+          <a:solidFill>
+            <a:schemeClr val="bg1"/>
+          </a:solidFill>
+        </p:spPr>
+        <p:txBody>
+          <a:bodyPr wrap="none" rtlCol="0">
+            <a:spAutoFit/>
+          </a:bodyPr>
+          <a:lstStyle/>
+          <a:p>
+            <a:r>
+              <a:rPr lang="ja-JP" altLang="en-US" sz="2000">
+                <a:latin typeface="ヒラギノ角ゴ ProN W3"/>
+                <a:ea typeface="ヒラギノ角ゴ ProN W3"/>
+                <a:cs typeface="ヒラギノ角ゴ ProN W3"/>
+              </a:rPr>
+              <a:t>本研究</a:t>
+            </a:r>
+            <a:endParaRPr kumimoji="1" lang="ja-JP" altLang="en-US" sz="2000" dirty="0">
+              <a:latin typeface="ヒラギノ角ゴ ProN W3"/>
+              <a:ea typeface="ヒラギノ角ゴ ProN W3"/>
+              <a:cs typeface="ヒラギノ角ゴ ProN W3"/>
+            </a:endParaRPr>
+          </a:p>
+        </p:txBody>
+      </p:sp>
+      <p:sp>
+        <p:nvSpPr>
+          <p:cNvPr id="31" name="テキスト ボックス 30">
+            <a:extLst>
+              <a:ext uri="{FF2B5EF4-FFF2-40B4-BE49-F238E27FC236}">
+                <a16:creationId xmlns:a16="http://schemas.microsoft.com/office/drawing/2014/main" id="{A1B4AD93-8269-2B43-BBDD-961FF004B06A}"/>
+              </a:ext>
+            </a:extLst>
+          </p:cNvPr>
+          <p:cNvSpPr txBox="1"/>
+          <p:nvPr/>
+        </p:nvSpPr>
+        <p:spPr>
+          <a:xfrm>
+            <a:off x="5788271" y="814451"/>
+            <a:ext cx="1210588" cy="400110"/>
+          </a:xfrm>
+          <a:prstGeom prst="rect">
+            <a:avLst/>
+          </a:prstGeom>
+          <a:solidFill>
+            <a:schemeClr val="bg1"/>
+          </a:solidFill>
+        </p:spPr>
+        <p:txBody>
+          <a:bodyPr wrap="none" rtlCol="0">
+            <a:spAutoFit/>
+          </a:bodyPr>
+          <a:lstStyle/>
+          <a:p>
+            <a:r>
+              <a:rPr kumimoji="1" lang="ja-JP" altLang="en-US" sz="2000">
+                <a:latin typeface="ヒラギノ角ゴ ProN W3"/>
+                <a:ea typeface="ヒラギノ角ゴ ProN W3"/>
+                <a:cs typeface="ヒラギノ角ゴ ProN W3"/>
+              </a:rPr>
+              <a:t>先行研究</a:t>
+            </a:r>
+            <a:endParaRPr kumimoji="1" lang="ja-JP" altLang="en-US" sz="2000" dirty="0">
+              <a:latin typeface="ヒラギノ角ゴ ProN W3"/>
+              <a:ea typeface="ヒラギノ角ゴ ProN W3"/>
+              <a:cs typeface="ヒラギノ角ゴ ProN W3"/>
+            </a:endParaRPr>
+          </a:p>
+        </p:txBody>
+      </p:sp>
     </p:spTree>
     <p:extLst>
       <p:ext uri="{BB962C8B-B14F-4D97-AF65-F5344CB8AC3E}">
@@ -8665,8 +8884,8 @@
         </p:nvSpPr>
         <p:spPr>
           <a:xfrm>
-            <a:off x="336407" y="1433756"/>
-            <a:ext cx="8613255" cy="461665"/>
+            <a:off x="267324" y="1452057"/>
+            <a:ext cx="5577168" cy="461665"/>
           </a:xfrm>
           <a:prstGeom prst="rect">
             <a:avLst/>
@@ -8680,36 +8899,12 @@
           <a:lstStyle/>
           <a:p>
             <a:r>
-              <a:rPr kumimoji="1" lang="ja-JP" altLang="en-US" sz="2400" dirty="0">
+              <a:rPr lang="ja-JP" altLang="en-US" sz="2400">
                 <a:latin typeface="ヒラギノ角ゴ ProN W3"/>
                 <a:ea typeface="ヒラギノ角ゴ ProN W3"/>
                 <a:cs typeface="ヒラギノ角ゴ ProN W3"/>
               </a:rPr>
-              <a:t>処理</a:t>
-            </a:r>
-            <a:r>
-              <a:rPr kumimoji="1" lang="en-US" altLang="ja-JP" sz="2400" dirty="0">
-                <a:latin typeface="ヒラギノ角ゴ ProN W3"/>
-                <a:ea typeface="ヒラギノ角ゴ ProN W3"/>
-                <a:cs typeface="ヒラギノ角ゴ ProN W3"/>
-              </a:rPr>
-              <a:t>1,000</a:t>
-            </a:r>
-            <a:r>
-              <a:rPr kumimoji="1" lang="ja-JP" altLang="en-US" sz="2400" dirty="0">
-                <a:latin typeface="ヒラギノ角ゴ ProN W3"/>
-                <a:ea typeface="ヒラギノ角ゴ ProN W3"/>
-                <a:cs typeface="ヒラギノ角ゴ ProN W3"/>
-              </a:rPr>
-              <a:t>回ごとに費やした時間</a:t>
-            </a:r>
-            <a:r>
-              <a:rPr kumimoji="1" lang="ja-JP" altLang="en-US" sz="2400">
-                <a:latin typeface="ヒラギノ角ゴ ProN W3"/>
-                <a:ea typeface="ヒラギノ角ゴ ProN W3"/>
-                <a:cs typeface="ヒラギノ角ゴ ProN W3"/>
-              </a:rPr>
-              <a:t>を計測，</a:t>
+              <a:t>演算を</a:t>
             </a:r>
             <a:r>
               <a:rPr kumimoji="1" lang="en-US" altLang="ja-JP" sz="2400" dirty="0">
@@ -8720,20 +8915,12 @@
               <a:t>10,000</a:t>
             </a:r>
             <a:r>
-              <a:rPr kumimoji="1" lang="ja-JP" altLang="en-US" sz="2400" dirty="0">
-                <a:latin typeface="ヒラギノ角ゴ ProN W3"/>
-                <a:ea typeface="ヒラギノ角ゴ ProN W3"/>
-                <a:cs typeface="ヒラギノ角ゴ ProN W3"/>
-              </a:rPr>
-              <a:t>回</a:t>
-            </a:r>
-            <a:r>
               <a:rPr kumimoji="1" lang="ja-JP" altLang="en-US" sz="2400">
                 <a:latin typeface="ヒラギノ角ゴ ProN W3"/>
                 <a:ea typeface="ヒラギノ角ゴ ProN W3"/>
                 <a:cs typeface="ヒラギノ角ゴ ProN W3"/>
               </a:rPr>
-              <a:t>まで行う</a:t>
+              <a:t>回行うのに費やした時間</a:t>
             </a:r>
             <a:endParaRPr kumimoji="1" lang="ja-JP" altLang="en-US" sz="2400" dirty="0">
               <a:latin typeface="ヒラギノ角ゴ ProN W3"/>
@@ -8759,8 +8946,8 @@
             </p:nvSpPr>
             <p:spPr>
               <a:xfrm>
-                <a:off x="336407" y="2151209"/>
-                <a:ext cx="8492633" cy="840486"/>
+                <a:off x="336407" y="2111416"/>
+                <a:ext cx="8119839" cy="840486"/>
               </a:xfrm>
               <a:prstGeom prst="rect">
                 <a:avLst/>
@@ -8799,7 +8986,7 @@
                       <m:f>
                         <m:fPr>
                           <m:ctrlPr>
-                            <a:rPr kumimoji="1" lang="en-US" altLang="ja-JP" sz="2400" smtClean="0">
+                            <a:rPr kumimoji="1" lang="en-US" altLang="ja-JP" sz="2400" i="1" smtClean="0">
                               <a:latin typeface="Cambria Math" panose="02040503050406030204" pitchFamily="18" charset="0"/>
                               <a:ea typeface="ヒラギノ角ゴ ProN W3"/>
                               <a:cs typeface="ヒラギノ角ゴ ProN W3"/>
@@ -8813,15 +9000,7 @@
                               <a:ea typeface="ヒラギノ角ゴ ProN W3"/>
                               <a:cs typeface="ヒラギノ角ゴ ProN W3"/>
                             </a:rPr>
-                            <m:t>各種法</m:t>
-                          </m:r>
-                          <m:r>
-                            <a:rPr lang="ja-JP" altLang="en-US" sz="2400" b="0" i="0">
-                              <a:latin typeface="Cambria Math" panose="02040503050406030204" pitchFamily="18" charset="0"/>
-                              <a:ea typeface="ヒラギノ角ゴ ProN W3"/>
-                              <a:cs typeface="ヒラギノ角ゴ ProN W3"/>
-                            </a:rPr>
-                            <m:t>が</m:t>
+                            <m:t>各種法が</m:t>
                           </m:r>
                           <m:r>
                             <a:rPr lang="en-US" altLang="ja-JP" sz="2400" b="0" i="0" smtClean="0">
@@ -8856,12 +9035,20 @@
                             <m:t>行うのに</m:t>
                           </m:r>
                           <m:r>
+                            <a:rPr lang="ja-JP" altLang="en-US" sz="2400" i="1">
+                              <a:latin typeface="Cambria Math" panose="02040503050406030204" pitchFamily="18" charset="0"/>
+                              <a:ea typeface="ヒラギノ角ゴ ProN W3"/>
+                              <a:cs typeface="ヒラギノ角ゴ ProN W3"/>
+                            </a:rPr>
+                            <m:t>費や</m:t>
+                          </m:r>
+                          <m:r>
                             <a:rPr lang="ja-JP" altLang="en-US" sz="2400" b="0" i="0" smtClean="0">
                               <a:latin typeface="Cambria Math" panose="02040503050406030204" pitchFamily="18" charset="0"/>
                               <a:ea typeface="ヒラギノ角ゴ ProN W3"/>
                               <a:cs typeface="ヒラギノ角ゴ ProN W3"/>
                             </a:rPr>
-                            <m:t>有した</m:t>
+                            <m:t>した</m:t>
                           </m:r>
                           <m:r>
                             <a:rPr lang="ja-JP" altLang="en-US" sz="2400" b="0" i="0">
@@ -8965,12 +9152,20 @@
                             <m:t>行うのに</m:t>
                           </m:r>
                           <m:r>
+                            <a:rPr lang="ja-JP" altLang="en-US" sz="2400" i="1">
+                              <a:latin typeface="Cambria Math" panose="02040503050406030204" pitchFamily="18" charset="0"/>
+                              <a:ea typeface="ヒラギノ角ゴ ProN W3"/>
+                              <a:cs typeface="ヒラギノ角ゴ ProN W3"/>
+                            </a:rPr>
+                            <m:t>費や</m:t>
+                          </m:r>
+                          <m:r>
                             <a:rPr lang="ja-JP" altLang="en-US" sz="2400" b="0" i="0">
                               <a:latin typeface="Cambria Math" panose="02040503050406030204" pitchFamily="18" charset="0"/>
                               <a:ea typeface="ヒラギノ角ゴ ProN W3"/>
                               <a:cs typeface="ヒラギノ角ゴ ProN W3"/>
                             </a:rPr>
-                            <m:t>有した</m:t>
+                            <m:t>した</m:t>
                           </m:r>
                           <m:r>
                             <a:rPr lang="ja-JP" altLang="en-US" sz="2400" b="0" i="0" smtClean="0">
@@ -9038,8 +9233,8 @@
             </p:nvSpPr>
             <p:spPr>
               <a:xfrm>
-                <a:off x="336407" y="2151209"/>
-                <a:ext cx="8492633" cy="840486"/>
+                <a:off x="336407" y="2111416"/>
+                <a:ext cx="8119839" cy="840486"/>
               </a:xfrm>
               <a:prstGeom prst="rect">
                 <a:avLst/>
@@ -9047,7 +9242,7 @@
               <a:blipFill>
                 <a:blip r:embed="rId2"/>
                 <a:stretch>
-                  <a:fillRect t="-2941" b="-14706"/>
+                  <a:fillRect l="-1092" t="-2985" r="-1248" b="-16418"/>
                 </a:stretch>
               </a:blipFill>
             </p:spPr>
@@ -9990,7 +10185,7 @@
           <p:nvPr>
             <p:extLst>
               <p:ext uri="{D42A27DB-BD31-4B8C-83A1-F6EECF244321}">
-                <p14:modId xmlns:p14="http://schemas.microsoft.com/office/powerpoint/2010/main" val="2015765279"/>
+                <p14:modId xmlns:p14="http://schemas.microsoft.com/office/powerpoint/2010/main" val="2621903231"/>
               </p:ext>
             </p:extLst>
           </p:nvPr>
@@ -10248,14 +10443,6 @@
                     <a:p>
                       <a:pPr algn="ctr" fontAlgn="ctr"/>
                       <a:r>
-                        <a:rPr lang="ja-JP" altLang="en-US" sz="2400" b="0" i="0" u="none" strike="noStrike">
-                          <a:effectLst/>
-                          <a:latin typeface="Hiragino Kaku Gothic Pro W3" panose="020B0300000000000000" pitchFamily="34" charset="-128"/>
-                          <a:ea typeface="Hiragino Kaku Gothic Pro W3" panose="020B0300000000000000" pitchFamily="34" charset="-128"/>
-                        </a:rPr>
-                        <a:t>手法</a:t>
-                      </a:r>
-                      <a:r>
                         <a:rPr lang="en-US" altLang="ja-JP" sz="2400" b="0" i="0" u="none" strike="noStrike" dirty="0">
                           <a:effectLst/>
                           <a:latin typeface="Hiragino Kaku Gothic Pro W3" panose="020B0300000000000000" pitchFamily="34" charset="-128"/>
@@ -10452,22 +10639,14 @@
                     <a:p>
                       <a:pPr algn="ctr" fontAlgn="ctr"/>
                       <a:r>
-                        <a:rPr lang="ja-JP" altLang="en-US" sz="2400" b="0" i="0" u="none" strike="noStrike">
-                          <a:effectLst/>
-                          <a:latin typeface="Hiragino Kaku Gothic Pro W3" panose="020B0300000000000000" pitchFamily="34" charset="-128"/>
-                          <a:ea typeface="Hiragino Kaku Gothic Pro W3" panose="020B0300000000000000" pitchFamily="34" charset="-128"/>
-                        </a:rPr>
-                        <a:t>手法</a:t>
-                      </a:r>
-                      <a:r>
-                        <a:rPr lang="en-US" altLang="ja-JP" sz="2400" b="0" i="0" u="none" strike="noStrike">
+                        <a:rPr lang="en-US" altLang="ja-JP" sz="2400" b="0" i="0" u="none" strike="noStrike" dirty="0">
                           <a:effectLst/>
                           <a:latin typeface="Hiragino Kaku Gothic Pro W3" panose="020B0300000000000000" pitchFamily="34" charset="-128"/>
                           <a:ea typeface="Hiragino Kaku Gothic Pro W3" panose="020B0300000000000000" pitchFamily="34" charset="-128"/>
                         </a:rPr>
                         <a:t>2</a:t>
                       </a:r>
-                      <a:endParaRPr lang="en-US" altLang="ja-JP" sz="2400" b="0" i="0" u="none" strike="noStrike">
+                      <a:endParaRPr lang="en-US" altLang="ja-JP" sz="2400" b="0" i="0" u="none" strike="noStrike" dirty="0">
                         <a:solidFill>
                           <a:srgbClr val="000000"/>
                         </a:solidFill>
@@ -10656,22 +10835,14 @@
                     <a:p>
                       <a:pPr algn="ctr" fontAlgn="ctr"/>
                       <a:r>
-                        <a:rPr lang="ja-JP" altLang="en-US" sz="2400" b="0" i="0" u="none" strike="noStrike">
-                          <a:effectLst/>
-                          <a:latin typeface="Hiragino Kaku Gothic Pro W3" panose="020B0300000000000000" pitchFamily="34" charset="-128"/>
-                          <a:ea typeface="Hiragino Kaku Gothic Pro W3" panose="020B0300000000000000" pitchFamily="34" charset="-128"/>
-                        </a:rPr>
-                        <a:t>手法</a:t>
-                      </a:r>
-                      <a:r>
-                        <a:rPr lang="en-US" altLang="ja-JP" sz="2400" b="0" i="0" u="none" strike="noStrike">
+                        <a:rPr lang="en-US" altLang="ja-JP" sz="2400" b="0" i="0" u="none" strike="noStrike" dirty="0">
                           <a:effectLst/>
                           <a:latin typeface="Hiragino Kaku Gothic Pro W3" panose="020B0300000000000000" pitchFamily="34" charset="-128"/>
                           <a:ea typeface="Hiragino Kaku Gothic Pro W3" panose="020B0300000000000000" pitchFamily="34" charset="-128"/>
                         </a:rPr>
                         <a:t>3</a:t>
                       </a:r>
-                      <a:endParaRPr lang="en-US" altLang="ja-JP" sz="2400" b="0" i="0" u="none" strike="noStrike">
+                      <a:endParaRPr lang="en-US" altLang="ja-JP" sz="2400" b="0" i="0" u="none" strike="noStrike" dirty="0">
                         <a:solidFill>
                           <a:srgbClr val="000000"/>
                         </a:solidFill>
@@ -10859,14 +11030,6 @@
                     <a:lstStyle/>
                     <a:p>
                       <a:pPr algn="ctr" fontAlgn="ctr"/>
-                      <a:r>
-                        <a:rPr lang="ja-JP" altLang="en-US" sz="2400" b="0" i="0" u="none" strike="noStrike">
-                          <a:effectLst/>
-                          <a:latin typeface="Hiragino Kaku Gothic Pro W3" panose="020B0300000000000000" pitchFamily="34" charset="-128"/>
-                          <a:ea typeface="Hiragino Kaku Gothic Pro W3" panose="020B0300000000000000" pitchFamily="34" charset="-128"/>
-                        </a:rPr>
-                        <a:t>手法</a:t>
-                      </a:r>
                       <a:r>
                         <a:rPr lang="en-US" altLang="ja-JP" sz="2400" b="0" i="0" u="none" strike="noStrike" dirty="0">
                           <a:effectLst/>
@@ -11090,6 +11253,242 @@
           </a:prstGeom>
         </p:spPr>
       </p:pic>
+      <p:sp>
+        <p:nvSpPr>
+          <p:cNvPr id="8" name="正方形/長方形 7">
+            <a:extLst>
+              <a:ext uri="{FF2B5EF4-FFF2-40B4-BE49-F238E27FC236}">
+                <a16:creationId xmlns:a16="http://schemas.microsoft.com/office/drawing/2014/main" id="{05088E73-8B41-0446-A49F-0C230DB4B2EC}"/>
+              </a:ext>
+            </a:extLst>
+          </p:cNvPr>
+          <p:cNvSpPr/>
+          <p:nvPr/>
+        </p:nvSpPr>
+        <p:spPr>
+          <a:xfrm>
+            <a:off x="109415" y="3878989"/>
+            <a:ext cx="8875932" cy="1718272"/>
+          </a:xfrm>
+          <a:prstGeom prst="rect">
+            <a:avLst/>
+          </a:prstGeom>
+          <a:solidFill>
+            <a:schemeClr val="accent3">
+              <a:lumMod val="20000"/>
+              <a:lumOff val="80000"/>
+            </a:schemeClr>
+          </a:solidFill>
+          <a:ln>
+            <a:noFill/>
+          </a:ln>
+          <a:effectLst/>
+        </p:spPr>
+        <p:style>
+          <a:lnRef idx="1">
+            <a:schemeClr val="accent1"/>
+          </a:lnRef>
+          <a:fillRef idx="3">
+            <a:schemeClr val="accent1"/>
+          </a:fillRef>
+          <a:effectRef idx="2">
+            <a:schemeClr val="accent1"/>
+          </a:effectRef>
+          <a:fontRef idx="minor">
+            <a:schemeClr val="lt1"/>
+          </a:fontRef>
+        </p:style>
+        <p:txBody>
+          <a:bodyPr rot="0" spcFirstLastPara="0" vertOverflow="overflow" horzOverflow="overflow" vert="horz" wrap="square" lIns="91440" tIns="45720" rIns="91440" bIns="45720" numCol="1" spcCol="0" rtlCol="0" fromWordArt="0" anchor="ctr" anchorCtr="0" forceAA="0" compatLnSpc="1">
+            <a:prstTxWarp prst="textNoShape">
+              <a:avLst/>
+            </a:prstTxWarp>
+            <a:noAutofit/>
+          </a:bodyPr>
+          <a:lstStyle/>
+          <a:p>
+            <a:pPr algn="ctr"/>
+            <a:endParaRPr kumimoji="1" lang="ja-JP" altLang="en-US" dirty="0">
+              <a:solidFill>
+                <a:schemeClr val="tx1"/>
+              </a:solidFill>
+              <a:latin typeface="ヒラギノ角ゴ ProN W3"/>
+              <a:ea typeface="ヒラギノ角ゴ ProN W3"/>
+              <a:cs typeface="ヒラギノ角ゴ ProN W3"/>
+            </a:endParaRPr>
+          </a:p>
+        </p:txBody>
+      </p:sp>
+      <p:sp>
+        <p:nvSpPr>
+          <p:cNvPr id="2" name="テキスト ボックス 1">
+            <a:extLst>
+              <a:ext uri="{FF2B5EF4-FFF2-40B4-BE49-F238E27FC236}">
+                <a16:creationId xmlns:a16="http://schemas.microsoft.com/office/drawing/2014/main" id="{88A477A1-2508-5B41-B783-280B85BC6D49}"/>
+              </a:ext>
+            </a:extLst>
+          </p:cNvPr>
+          <p:cNvSpPr txBox="1"/>
+          <p:nvPr/>
+        </p:nvSpPr>
+        <p:spPr>
+          <a:xfrm>
+            <a:off x="158653" y="3898247"/>
+            <a:ext cx="6234399" cy="461665"/>
+          </a:xfrm>
+          <a:prstGeom prst="rect">
+            <a:avLst/>
+          </a:prstGeom>
+          <a:noFill/>
+        </p:spPr>
+        <p:txBody>
+          <a:bodyPr wrap="none" rtlCol="0">
+            <a:spAutoFit/>
+          </a:bodyPr>
+          <a:lstStyle/>
+          <a:p>
+            <a:r>
+              <a:rPr lang="ja-JP" altLang="en-US" sz="2400">
+                <a:latin typeface="ヒラギノ角ゴ ProN W3"/>
+                <a:ea typeface="ヒラギノ角ゴ ProN W3"/>
+                <a:cs typeface="ヒラギノ角ゴ ProN W3"/>
+              </a:rPr>
+              <a:t>各手法，手法</a:t>
+            </a:r>
+            <a:r>
+              <a:rPr lang="en-US" altLang="ja-JP" sz="2400" dirty="0">
+                <a:latin typeface="ヒラギノ角ゴ ProN W3"/>
+                <a:ea typeface="ヒラギノ角ゴ ProN W3"/>
+                <a:cs typeface="ヒラギノ角ゴ ProN W3"/>
+              </a:rPr>
+              <a:t>1</a:t>
+            </a:r>
+            <a:r>
+              <a:rPr lang="ja-JP" altLang="en-US" sz="2400">
+                <a:latin typeface="ヒラギノ角ゴ ProN W3"/>
+                <a:ea typeface="ヒラギノ角ゴ ProN W3"/>
+                <a:cs typeface="ヒラギノ角ゴ ProN W3"/>
+              </a:rPr>
+              <a:t>より速い演算速度を得られた</a:t>
+            </a:r>
+            <a:endParaRPr kumimoji="1" lang="ja-JP" altLang="en-US" sz="2400" dirty="0">
+              <a:latin typeface="ヒラギノ角ゴ ProN W3"/>
+              <a:ea typeface="ヒラギノ角ゴ ProN W3"/>
+              <a:cs typeface="ヒラギノ角ゴ ProN W3"/>
+            </a:endParaRPr>
+          </a:p>
+        </p:txBody>
+      </p:sp>
+      <p:sp>
+        <p:nvSpPr>
+          <p:cNvPr id="3" name="下矢印 2">
+            <a:extLst>
+              <a:ext uri="{FF2B5EF4-FFF2-40B4-BE49-F238E27FC236}">
+                <a16:creationId xmlns:a16="http://schemas.microsoft.com/office/drawing/2014/main" id="{B71DDB6F-2A8C-7E48-9C25-575B95EB7727}"/>
+              </a:ext>
+            </a:extLst>
+          </p:cNvPr>
+          <p:cNvSpPr/>
+          <p:nvPr/>
+        </p:nvSpPr>
+        <p:spPr>
+          <a:xfrm>
+            <a:off x="4192194" y="4359912"/>
+            <a:ext cx="984724" cy="542643"/>
+          </a:xfrm>
+          <a:prstGeom prst="downArrow">
+            <a:avLst/>
+          </a:prstGeom>
+          <a:solidFill>
+            <a:schemeClr val="tx1">
+              <a:lumMod val="65000"/>
+              <a:lumOff val="35000"/>
+            </a:schemeClr>
+          </a:solidFill>
+          <a:ln>
+            <a:noFill/>
+          </a:ln>
+          <a:effectLst/>
+        </p:spPr>
+        <p:style>
+          <a:lnRef idx="1">
+            <a:schemeClr val="accent1"/>
+          </a:lnRef>
+          <a:fillRef idx="3">
+            <a:schemeClr val="accent1"/>
+          </a:fillRef>
+          <a:effectRef idx="2">
+            <a:schemeClr val="accent1"/>
+          </a:effectRef>
+          <a:fontRef idx="minor">
+            <a:schemeClr val="lt1"/>
+          </a:fontRef>
+        </p:style>
+        <p:txBody>
+          <a:bodyPr rot="0" spcFirstLastPara="0" vertOverflow="overflow" horzOverflow="overflow" vert="horz" wrap="square" lIns="91440" tIns="45720" rIns="91440" bIns="45720" numCol="1" spcCol="0" rtlCol="0" fromWordArt="0" anchor="ctr" anchorCtr="0" forceAA="0" compatLnSpc="1">
+            <a:prstTxWarp prst="textNoShape">
+              <a:avLst/>
+            </a:prstTxWarp>
+            <a:noAutofit/>
+          </a:bodyPr>
+          <a:lstStyle/>
+          <a:p>
+            <a:pPr algn="ctr"/>
+            <a:endParaRPr kumimoji="1" lang="ja-JP" altLang="en-US" dirty="0">
+              <a:solidFill>
+                <a:schemeClr val="tx1"/>
+              </a:solidFill>
+              <a:latin typeface="ヒラギノ角ゴ ProN W3"/>
+              <a:ea typeface="ヒラギノ角ゴ ProN W3"/>
+              <a:cs typeface="ヒラギノ角ゴ ProN W3"/>
+            </a:endParaRPr>
+          </a:p>
+        </p:txBody>
+      </p:sp>
+      <p:sp>
+        <p:nvSpPr>
+          <p:cNvPr id="9" name="テキスト ボックス 8">
+            <a:extLst>
+              <a:ext uri="{FF2B5EF4-FFF2-40B4-BE49-F238E27FC236}">
+                <a16:creationId xmlns:a16="http://schemas.microsoft.com/office/drawing/2014/main" id="{EB9D3769-D315-7548-B248-08BB22EED074}"/>
+              </a:ext>
+            </a:extLst>
+          </p:cNvPr>
+          <p:cNvSpPr txBox="1"/>
+          <p:nvPr/>
+        </p:nvSpPr>
+        <p:spPr>
+          <a:xfrm>
+            <a:off x="109415" y="5019075"/>
+            <a:ext cx="5416868" cy="461665"/>
+          </a:xfrm>
+          <a:prstGeom prst="rect">
+            <a:avLst/>
+          </a:prstGeom>
+          <a:noFill/>
+        </p:spPr>
+        <p:txBody>
+          <a:bodyPr wrap="none" rtlCol="0">
+            <a:spAutoFit/>
+          </a:bodyPr>
+          <a:lstStyle/>
+          <a:p>
+            <a:r>
+              <a:rPr lang="ja-JP" altLang="en-US" sz="2400">
+                <a:latin typeface="ヒラギノ角ゴ ProN W3"/>
+                <a:ea typeface="ヒラギノ角ゴ ProN W3"/>
+                <a:cs typeface="ヒラギノ角ゴ ProN W3"/>
+              </a:rPr>
+              <a:t>処理速度の面での有用性を検証できた</a:t>
+            </a:r>
+            <a:endParaRPr kumimoji="1" lang="ja-JP" altLang="en-US" sz="2400" dirty="0">
+              <a:latin typeface="ヒラギノ角ゴ ProN W3"/>
+              <a:ea typeface="ヒラギノ角ゴ ProN W3"/>
+              <a:cs typeface="ヒラギノ角ゴ ProN W3"/>
+            </a:endParaRPr>
+          </a:p>
+        </p:txBody>
+      </p:sp>
     </p:spTree>
     <p:extLst>
       <p:ext uri="{BB962C8B-B14F-4D97-AF65-F5344CB8AC3E}">
@@ -11177,7 +11576,7 @@
         <p:spPr>
           <a:xfrm>
             <a:off x="224970" y="117735"/>
-            <a:ext cx="1383712" cy="461665"/>
+            <a:ext cx="3230372" cy="461665"/>
           </a:xfrm>
           <a:prstGeom prst="rect">
             <a:avLst/>
@@ -11236,21 +11635,15 @@
               <a:t>.</a:t>
             </a:r>
             <a:r>
-              <a:rPr kumimoji="1" lang="ja-JP" altLang="en-US" sz="2400" b="0" i="0" u="none" strike="noStrike" kern="1200" cap="none" spc="0" normalizeH="0" baseline="0" noProof="0">
-                <a:ln>
-                  <a:noFill/>
-                </a:ln>
+              <a:rPr lang="ja-JP" altLang="en-US" sz="2400">
                 <a:solidFill>
                   <a:prstClr val="black"/>
                 </a:solidFill>
-                <a:effectLst/>
-                <a:uLnTx/>
-                <a:uFillTx/>
                 <a:latin typeface="ヒラギノ角ゴ ProN W3"/>
                 <a:ea typeface="ヒラギノ角ゴ ProN W3"/>
                 <a:cs typeface="ヒラギノ角ゴ ProN W3"/>
               </a:rPr>
-              <a:t>生産性</a:t>
+              <a:t>ソースコードの比較</a:t>
             </a:r>
             <a:endParaRPr kumimoji="1" lang="ja-JP" altLang="en-US" sz="2400" b="0" i="0" u="none" strike="noStrike" kern="1200" cap="none" spc="0" normalizeH="0" baseline="0" noProof="0" dirty="0">
               <a:ln>
@@ -11269,6 +11662,2315 @@
           </a:p>
         </p:txBody>
       </p:sp>
+      <p:grpSp>
+        <p:nvGrpSpPr>
+          <p:cNvPr id="14" name="グループ化 13">
+            <a:extLst>
+              <a:ext uri="{FF2B5EF4-FFF2-40B4-BE49-F238E27FC236}">
+                <a16:creationId xmlns:a16="http://schemas.microsoft.com/office/drawing/2014/main" id="{E1B36F95-D8CB-7845-AE40-1DDC5650D0FB}"/>
+              </a:ext>
+            </a:extLst>
+          </p:cNvPr>
+          <p:cNvGrpSpPr/>
+          <p:nvPr/>
+        </p:nvGrpSpPr>
+        <p:grpSpPr>
+          <a:xfrm>
+            <a:off x="131779" y="1275998"/>
+            <a:ext cx="2254999" cy="3352006"/>
+            <a:chOff x="783573" y="1072798"/>
+            <a:chExt cx="2254999" cy="3352006"/>
+          </a:xfrm>
+        </p:grpSpPr>
+        <p:grpSp>
+          <p:nvGrpSpPr>
+            <p:cNvPr id="15" name="グループ化 14">
+              <a:extLst>
+                <a:ext uri="{FF2B5EF4-FFF2-40B4-BE49-F238E27FC236}">
+                  <a16:creationId xmlns:a16="http://schemas.microsoft.com/office/drawing/2014/main" id="{49DACC85-1990-C045-8F90-83892767B82E}"/>
+                </a:ext>
+              </a:extLst>
+            </p:cNvPr>
+            <p:cNvGrpSpPr/>
+            <p:nvPr/>
+          </p:nvGrpSpPr>
+          <p:grpSpPr>
+            <a:xfrm>
+              <a:off x="795484" y="1072798"/>
+              <a:ext cx="1897051" cy="447754"/>
+              <a:chOff x="783091" y="1072798"/>
+              <a:chExt cx="1897051" cy="447754"/>
+            </a:xfrm>
+          </p:grpSpPr>
+          <p:sp>
+            <p:nvSpPr>
+              <p:cNvPr id="32" name="角丸四角形 31">
+                <a:extLst>
+                  <a:ext uri="{FF2B5EF4-FFF2-40B4-BE49-F238E27FC236}">
+                    <a16:creationId xmlns:a16="http://schemas.microsoft.com/office/drawing/2014/main" id="{622A198A-4CD7-1241-8692-4848793D780A}"/>
+                  </a:ext>
+                </a:extLst>
+              </p:cNvPr>
+              <p:cNvSpPr/>
+              <p:nvPr/>
+            </p:nvSpPr>
+            <p:spPr>
+              <a:xfrm>
+                <a:off x="783091" y="1072798"/>
+                <a:ext cx="1897051" cy="447754"/>
+              </a:xfrm>
+              <a:prstGeom prst="roundRect">
+                <a:avLst>
+                  <a:gd name="adj" fmla="val 50000"/>
+                </a:avLst>
+              </a:prstGeom>
+              <a:solidFill>
+                <a:schemeClr val="accent3">
+                  <a:lumMod val="40000"/>
+                  <a:lumOff val="60000"/>
+                </a:schemeClr>
+              </a:solidFill>
+              <a:ln>
+                <a:noFill/>
+              </a:ln>
+            </p:spPr>
+            <p:style>
+              <a:lnRef idx="2">
+                <a:schemeClr val="accent1">
+                  <a:shade val="50000"/>
+                </a:schemeClr>
+              </a:lnRef>
+              <a:fillRef idx="1">
+                <a:schemeClr val="accent1"/>
+              </a:fillRef>
+              <a:effectRef idx="0">
+                <a:schemeClr val="accent1"/>
+              </a:effectRef>
+              <a:fontRef idx="minor">
+                <a:schemeClr val="lt1"/>
+              </a:fontRef>
+            </p:style>
+            <p:txBody>
+              <a:bodyPr rtlCol="0" anchor="ctr"/>
+              <a:lstStyle/>
+              <a:p>
+                <a:pPr algn="ctr"/>
+                <a:endParaRPr kumimoji="1" lang="ja-JP" altLang="en-US">
+                  <a:latin typeface="Hiragino Kaku Gothic Pro W3" panose="020B0300000000000000" pitchFamily="34" charset="-128"/>
+                  <a:ea typeface="Hiragino Kaku Gothic Pro W3" panose="020B0300000000000000" pitchFamily="34" charset="-128"/>
+                </a:endParaRPr>
+              </a:p>
+            </p:txBody>
+          </p:sp>
+          <p:sp>
+            <p:nvSpPr>
+              <p:cNvPr id="33" name="テキスト ボックス 32">
+                <a:extLst>
+                  <a:ext uri="{FF2B5EF4-FFF2-40B4-BE49-F238E27FC236}">
+                    <a16:creationId xmlns:a16="http://schemas.microsoft.com/office/drawing/2014/main" id="{DB30EA37-5FC2-6340-985B-FFEDEFB01E9D}"/>
+                  </a:ext>
+                </a:extLst>
+              </p:cNvPr>
+              <p:cNvSpPr txBox="1"/>
+              <p:nvPr/>
+            </p:nvSpPr>
+            <p:spPr>
+              <a:xfrm>
+                <a:off x="1408451" y="1072798"/>
+                <a:ext cx="646331" cy="369332"/>
+              </a:xfrm>
+              <a:prstGeom prst="rect">
+                <a:avLst/>
+              </a:prstGeom>
+              <a:noFill/>
+            </p:spPr>
+            <p:txBody>
+              <a:bodyPr wrap="none" rtlCol="0">
+                <a:spAutoFit/>
+              </a:bodyPr>
+              <a:lstStyle/>
+              <a:p>
+                <a:r>
+                  <a:rPr kumimoji="1" lang="ja-JP" altLang="en-US">
+                    <a:latin typeface="Hiragino Kaku Gothic Pro W3" panose="020B0300000000000000" pitchFamily="34" charset="-128"/>
+                    <a:ea typeface="Hiragino Kaku Gothic Pro W3" panose="020B0300000000000000" pitchFamily="34" charset="-128"/>
+                  </a:rPr>
+                  <a:t>開始</a:t>
+                </a:r>
+              </a:p>
+            </p:txBody>
+          </p:sp>
+        </p:grpSp>
+        <p:grpSp>
+          <p:nvGrpSpPr>
+            <p:cNvPr id="16" name="グループ化 15">
+              <a:extLst>
+                <a:ext uri="{FF2B5EF4-FFF2-40B4-BE49-F238E27FC236}">
+                  <a16:creationId xmlns:a16="http://schemas.microsoft.com/office/drawing/2014/main" id="{9FF3CA54-E9EB-894E-9265-2A1FE221F621}"/>
+                </a:ext>
+              </a:extLst>
+            </p:cNvPr>
+            <p:cNvGrpSpPr/>
+            <p:nvPr/>
+          </p:nvGrpSpPr>
+          <p:grpSpPr>
+            <a:xfrm>
+              <a:off x="783573" y="1823019"/>
+              <a:ext cx="1939955" cy="447754"/>
+              <a:chOff x="771180" y="1937759"/>
+              <a:chExt cx="1939955" cy="447754"/>
+            </a:xfrm>
+          </p:grpSpPr>
+          <p:sp>
+            <p:nvSpPr>
+              <p:cNvPr id="30" name="正方形/長方形 29">
+                <a:extLst>
+                  <a:ext uri="{FF2B5EF4-FFF2-40B4-BE49-F238E27FC236}">
+                    <a16:creationId xmlns:a16="http://schemas.microsoft.com/office/drawing/2014/main" id="{F7A82617-AF1A-954D-B598-BDCEA2276BAD}"/>
+                  </a:ext>
+                </a:extLst>
+              </p:cNvPr>
+              <p:cNvSpPr/>
+              <p:nvPr/>
+            </p:nvSpPr>
+            <p:spPr>
+              <a:xfrm>
+                <a:off x="814369" y="1937759"/>
+                <a:ext cx="1834495" cy="447754"/>
+              </a:xfrm>
+              <a:prstGeom prst="rect">
+                <a:avLst/>
+              </a:prstGeom>
+              <a:solidFill>
+                <a:schemeClr val="accent2">
+                  <a:lumMod val="40000"/>
+                  <a:lumOff val="60000"/>
+                </a:schemeClr>
+              </a:solidFill>
+              <a:ln>
+                <a:noFill/>
+              </a:ln>
+            </p:spPr>
+            <p:style>
+              <a:lnRef idx="2">
+                <a:schemeClr val="accent1">
+                  <a:shade val="50000"/>
+                </a:schemeClr>
+              </a:lnRef>
+              <a:fillRef idx="1">
+                <a:schemeClr val="accent1"/>
+              </a:fillRef>
+              <a:effectRef idx="0">
+                <a:schemeClr val="accent1"/>
+              </a:effectRef>
+              <a:fontRef idx="minor">
+                <a:schemeClr val="lt1"/>
+              </a:fontRef>
+            </p:style>
+            <p:txBody>
+              <a:bodyPr rtlCol="0" anchor="ctr"/>
+              <a:lstStyle/>
+              <a:p>
+                <a:pPr algn="ctr"/>
+                <a:endParaRPr kumimoji="1" lang="ja-JP" altLang="en-US"/>
+              </a:p>
+            </p:txBody>
+          </p:sp>
+          <p:sp>
+            <p:nvSpPr>
+              <p:cNvPr id="31" name="テキスト ボックス 30">
+                <a:extLst>
+                  <a:ext uri="{FF2B5EF4-FFF2-40B4-BE49-F238E27FC236}">
+                    <a16:creationId xmlns:a16="http://schemas.microsoft.com/office/drawing/2014/main" id="{F2288051-6DD2-E348-923E-8EA7FD20D1C7}"/>
+                  </a:ext>
+                </a:extLst>
+              </p:cNvPr>
+              <p:cNvSpPr txBox="1"/>
+              <p:nvPr/>
+            </p:nvSpPr>
+            <p:spPr>
+              <a:xfrm>
+                <a:off x="771180" y="1990964"/>
+                <a:ext cx="1939955" cy="369332"/>
+              </a:xfrm>
+              <a:prstGeom prst="rect">
+                <a:avLst/>
+              </a:prstGeom>
+              <a:noFill/>
+            </p:spPr>
+            <p:txBody>
+              <a:bodyPr wrap="none" rtlCol="0">
+                <a:spAutoFit/>
+              </a:bodyPr>
+              <a:lstStyle/>
+              <a:p>
+                <a:r>
+                  <a:rPr lang="en-US" altLang="ja-JP" dirty="0">
+                    <a:latin typeface="Hiragino Kaku Gothic Pro W3" panose="020B0300000000000000" pitchFamily="34" charset="-128"/>
+                    <a:ea typeface="Hiragino Kaku Gothic Pro W3" panose="020B0300000000000000" pitchFamily="34" charset="-128"/>
+                  </a:rPr>
+                  <a:t>Canvas</a:t>
+                </a:r>
+                <a:r>
+                  <a:rPr lang="ja-JP" altLang="en-US">
+                    <a:latin typeface="Hiragino Kaku Gothic Pro W3" panose="020B0300000000000000" pitchFamily="34" charset="-128"/>
+                    <a:ea typeface="Hiragino Kaku Gothic Pro W3" panose="020B0300000000000000" pitchFamily="34" charset="-128"/>
+                  </a:rPr>
+                  <a:t>要素取得</a:t>
+                </a:r>
+                <a:endParaRPr lang="en-US" altLang="ja-JP" dirty="0">
+                  <a:latin typeface="Hiragino Kaku Gothic Pro W3" panose="020B0300000000000000" pitchFamily="34" charset="-128"/>
+                  <a:ea typeface="Hiragino Kaku Gothic Pro W3" panose="020B0300000000000000" pitchFamily="34" charset="-128"/>
+                </a:endParaRPr>
+              </a:p>
+            </p:txBody>
+          </p:sp>
+        </p:grpSp>
+        <p:grpSp>
+          <p:nvGrpSpPr>
+            <p:cNvPr id="17" name="グループ化 16">
+              <a:extLst>
+                <a:ext uri="{FF2B5EF4-FFF2-40B4-BE49-F238E27FC236}">
+                  <a16:creationId xmlns:a16="http://schemas.microsoft.com/office/drawing/2014/main" id="{B6269CD0-7C0C-2047-B380-5C9C398FB920}"/>
+                </a:ext>
+              </a:extLst>
+            </p:cNvPr>
+            <p:cNvGrpSpPr/>
+            <p:nvPr/>
+          </p:nvGrpSpPr>
+          <p:grpSpPr>
+            <a:xfrm>
+              <a:off x="826762" y="2939782"/>
+              <a:ext cx="1834495" cy="425504"/>
+              <a:chOff x="814369" y="3178923"/>
+              <a:chExt cx="1834495" cy="425504"/>
+            </a:xfrm>
+          </p:grpSpPr>
+          <p:sp>
+            <p:nvSpPr>
+              <p:cNvPr id="28" name="正方形/長方形 27">
+                <a:extLst>
+                  <a:ext uri="{FF2B5EF4-FFF2-40B4-BE49-F238E27FC236}">
+                    <a16:creationId xmlns:a16="http://schemas.microsoft.com/office/drawing/2014/main" id="{8233E60F-E279-8046-9AAF-FB819ECD35E6}"/>
+                  </a:ext>
+                </a:extLst>
+              </p:cNvPr>
+              <p:cNvSpPr/>
+              <p:nvPr/>
+            </p:nvSpPr>
+            <p:spPr>
+              <a:xfrm>
+                <a:off x="814369" y="3204317"/>
+                <a:ext cx="1834495" cy="400110"/>
+              </a:xfrm>
+              <a:prstGeom prst="rect">
+                <a:avLst/>
+              </a:prstGeom>
+              <a:solidFill>
+                <a:schemeClr val="accent6">
+                  <a:lumMod val="40000"/>
+                  <a:lumOff val="60000"/>
+                </a:schemeClr>
+              </a:solidFill>
+              <a:ln>
+                <a:noFill/>
+              </a:ln>
+            </p:spPr>
+            <p:style>
+              <a:lnRef idx="2">
+                <a:schemeClr val="accent1">
+                  <a:shade val="50000"/>
+                </a:schemeClr>
+              </a:lnRef>
+              <a:fillRef idx="1">
+                <a:schemeClr val="accent1"/>
+              </a:fillRef>
+              <a:effectRef idx="0">
+                <a:schemeClr val="accent1"/>
+              </a:effectRef>
+              <a:fontRef idx="minor">
+                <a:schemeClr val="lt1"/>
+              </a:fontRef>
+            </p:style>
+            <p:txBody>
+              <a:bodyPr rtlCol="0" anchor="ctr"/>
+              <a:lstStyle/>
+              <a:p>
+                <a:pPr algn="ctr"/>
+                <a:endParaRPr kumimoji="1" lang="ja-JP" altLang="en-US"/>
+              </a:p>
+            </p:txBody>
+          </p:sp>
+          <p:sp>
+            <p:nvSpPr>
+              <p:cNvPr id="29" name="テキスト ボックス 28">
+                <a:extLst>
+                  <a:ext uri="{FF2B5EF4-FFF2-40B4-BE49-F238E27FC236}">
+                    <a16:creationId xmlns:a16="http://schemas.microsoft.com/office/drawing/2014/main" id="{F9DD25D1-2B5B-3143-9B85-22F55127E03B}"/>
+                  </a:ext>
+                </a:extLst>
+              </p:cNvPr>
+              <p:cNvSpPr txBox="1"/>
+              <p:nvPr/>
+            </p:nvSpPr>
+            <p:spPr>
+              <a:xfrm>
+                <a:off x="1408451" y="3178923"/>
+                <a:ext cx="646331" cy="369332"/>
+              </a:xfrm>
+              <a:prstGeom prst="rect">
+                <a:avLst/>
+              </a:prstGeom>
+              <a:noFill/>
+            </p:spPr>
+            <p:txBody>
+              <a:bodyPr wrap="none" rtlCol="0">
+                <a:spAutoFit/>
+              </a:bodyPr>
+              <a:lstStyle/>
+              <a:p>
+                <a:r>
+                  <a:rPr kumimoji="1" lang="ja-JP" altLang="en-US">
+                    <a:latin typeface="Hiragino Kaku Gothic Pro W3" panose="020B0300000000000000" pitchFamily="34" charset="-128"/>
+                    <a:ea typeface="Hiragino Kaku Gothic Pro W3" panose="020B0300000000000000" pitchFamily="34" charset="-128"/>
+                  </a:rPr>
+                  <a:t>演算</a:t>
+                </a:r>
+              </a:p>
+            </p:txBody>
+          </p:sp>
+        </p:grpSp>
+        <p:grpSp>
+          <p:nvGrpSpPr>
+            <p:cNvPr id="18" name="グループ化 17">
+              <a:extLst>
+                <a:ext uri="{FF2B5EF4-FFF2-40B4-BE49-F238E27FC236}">
+                  <a16:creationId xmlns:a16="http://schemas.microsoft.com/office/drawing/2014/main" id="{FAFE9DD6-CE2A-A04E-B158-F05BBBB57274}"/>
+                </a:ext>
+              </a:extLst>
+            </p:cNvPr>
+            <p:cNvGrpSpPr/>
+            <p:nvPr/>
+          </p:nvGrpSpPr>
+          <p:grpSpPr>
+            <a:xfrm>
+              <a:off x="826762" y="3666658"/>
+              <a:ext cx="1834495" cy="372762"/>
+              <a:chOff x="814369" y="4216260"/>
+              <a:chExt cx="1834495" cy="372762"/>
+            </a:xfrm>
+          </p:grpSpPr>
+          <p:sp>
+            <p:nvSpPr>
+              <p:cNvPr id="26" name="正方形/長方形 25">
+                <a:extLst>
+                  <a:ext uri="{FF2B5EF4-FFF2-40B4-BE49-F238E27FC236}">
+                    <a16:creationId xmlns:a16="http://schemas.microsoft.com/office/drawing/2014/main" id="{333E4EEE-6CE2-2C43-BFAA-3DF689524A58}"/>
+                  </a:ext>
+                </a:extLst>
+              </p:cNvPr>
+              <p:cNvSpPr/>
+              <p:nvPr/>
+            </p:nvSpPr>
+            <p:spPr>
+              <a:xfrm>
+                <a:off x="814369" y="4216260"/>
+                <a:ext cx="1834495" cy="372762"/>
+              </a:xfrm>
+              <a:prstGeom prst="rect">
+                <a:avLst/>
+              </a:prstGeom>
+              <a:solidFill>
+                <a:schemeClr val="accent6">
+                  <a:lumMod val="40000"/>
+                  <a:lumOff val="60000"/>
+                </a:schemeClr>
+              </a:solidFill>
+              <a:ln>
+                <a:noFill/>
+              </a:ln>
+            </p:spPr>
+            <p:style>
+              <a:lnRef idx="2">
+                <a:schemeClr val="accent1">
+                  <a:shade val="50000"/>
+                </a:schemeClr>
+              </a:lnRef>
+              <a:fillRef idx="1">
+                <a:schemeClr val="accent1"/>
+              </a:fillRef>
+              <a:effectRef idx="0">
+                <a:schemeClr val="accent1"/>
+              </a:effectRef>
+              <a:fontRef idx="minor">
+                <a:schemeClr val="lt1"/>
+              </a:fontRef>
+            </p:style>
+            <p:txBody>
+              <a:bodyPr rtlCol="0" anchor="ctr"/>
+              <a:lstStyle/>
+              <a:p>
+                <a:pPr algn="ctr"/>
+                <a:endParaRPr kumimoji="1" lang="ja-JP" altLang="en-US"/>
+              </a:p>
+            </p:txBody>
+          </p:sp>
+          <p:sp>
+            <p:nvSpPr>
+              <p:cNvPr id="27" name="テキスト ボックス 26">
+                <a:extLst>
+                  <a:ext uri="{FF2B5EF4-FFF2-40B4-BE49-F238E27FC236}">
+                    <a16:creationId xmlns:a16="http://schemas.microsoft.com/office/drawing/2014/main" id="{05B42DAC-D54E-DE43-8068-0287FAFE4DD8}"/>
+                  </a:ext>
+                </a:extLst>
+              </p:cNvPr>
+              <p:cNvSpPr txBox="1"/>
+              <p:nvPr/>
+            </p:nvSpPr>
+            <p:spPr>
+              <a:xfrm>
+                <a:off x="1408451" y="4216260"/>
+                <a:ext cx="646331" cy="369332"/>
+              </a:xfrm>
+              <a:prstGeom prst="rect">
+                <a:avLst/>
+              </a:prstGeom>
+              <a:noFill/>
+            </p:spPr>
+            <p:txBody>
+              <a:bodyPr wrap="none" rtlCol="0">
+                <a:spAutoFit/>
+              </a:bodyPr>
+              <a:lstStyle/>
+              <a:p>
+                <a:r>
+                  <a:rPr lang="ja-JP" altLang="en-US">
+                    <a:latin typeface="Hiragino Kaku Gothic Pro W3" panose="020B0300000000000000" pitchFamily="34" charset="-128"/>
+                    <a:ea typeface="Hiragino Kaku Gothic Pro W3" panose="020B0300000000000000" pitchFamily="34" charset="-128"/>
+                  </a:rPr>
+                  <a:t>描画</a:t>
+                </a:r>
+                <a:endParaRPr lang="en-US" altLang="ja-JP" dirty="0">
+                  <a:latin typeface="Hiragino Kaku Gothic Pro W3" panose="020B0300000000000000" pitchFamily="34" charset="-128"/>
+                  <a:ea typeface="Hiragino Kaku Gothic Pro W3" panose="020B0300000000000000" pitchFamily="34" charset="-128"/>
+                </a:endParaRPr>
+              </a:p>
+            </p:txBody>
+          </p:sp>
+        </p:grpSp>
+        <p:sp>
+          <p:nvSpPr>
+            <p:cNvPr id="19" name="下矢印 18">
+              <a:extLst>
+                <a:ext uri="{FF2B5EF4-FFF2-40B4-BE49-F238E27FC236}">
+                  <a16:creationId xmlns:a16="http://schemas.microsoft.com/office/drawing/2014/main" id="{51CBF04F-AC6C-004D-BD38-AAC90FD0D255}"/>
+                </a:ext>
+              </a:extLst>
+            </p:cNvPr>
+            <p:cNvSpPr/>
+            <p:nvPr/>
+          </p:nvSpPr>
+          <p:spPr>
+            <a:xfrm>
+              <a:off x="1654009" y="1536238"/>
+              <a:ext cx="180000" cy="271095"/>
+            </a:xfrm>
+            <a:prstGeom prst="downArrow">
+              <a:avLst/>
+            </a:prstGeom>
+            <a:solidFill>
+              <a:schemeClr val="tx1">
+                <a:lumMod val="85000"/>
+                <a:lumOff val="15000"/>
+              </a:schemeClr>
+            </a:solidFill>
+            <a:ln>
+              <a:noFill/>
+            </a:ln>
+          </p:spPr>
+          <p:style>
+            <a:lnRef idx="2">
+              <a:schemeClr val="accent1">
+                <a:shade val="50000"/>
+              </a:schemeClr>
+            </a:lnRef>
+            <a:fillRef idx="1">
+              <a:schemeClr val="accent1"/>
+            </a:fillRef>
+            <a:effectRef idx="0">
+              <a:schemeClr val="accent1"/>
+            </a:effectRef>
+            <a:fontRef idx="minor">
+              <a:schemeClr val="lt1"/>
+            </a:fontRef>
+          </p:style>
+          <p:txBody>
+            <a:bodyPr rtlCol="0" anchor="ctr"/>
+            <a:lstStyle/>
+            <a:p>
+              <a:pPr algn="ctr"/>
+              <a:endParaRPr kumimoji="1" lang="ja-JP" altLang="en-US"/>
+            </a:p>
+          </p:txBody>
+        </p:sp>
+        <p:sp>
+          <p:nvSpPr>
+            <p:cNvPr id="20" name="下矢印 19">
+              <a:extLst>
+                <a:ext uri="{FF2B5EF4-FFF2-40B4-BE49-F238E27FC236}">
+                  <a16:creationId xmlns:a16="http://schemas.microsoft.com/office/drawing/2014/main" id="{420463A2-806D-264F-81D4-E62BBCD0934C}"/>
+                </a:ext>
+              </a:extLst>
+            </p:cNvPr>
+            <p:cNvSpPr/>
+            <p:nvPr/>
+          </p:nvSpPr>
+          <p:spPr>
+            <a:xfrm>
+              <a:off x="1654009" y="2653001"/>
+              <a:ext cx="180000" cy="271095"/>
+            </a:xfrm>
+            <a:prstGeom prst="downArrow">
+              <a:avLst/>
+            </a:prstGeom>
+            <a:solidFill>
+              <a:schemeClr val="tx1">
+                <a:lumMod val="85000"/>
+                <a:lumOff val="15000"/>
+              </a:schemeClr>
+            </a:solidFill>
+            <a:ln>
+              <a:noFill/>
+            </a:ln>
+          </p:spPr>
+          <p:style>
+            <a:lnRef idx="2">
+              <a:schemeClr val="accent1">
+                <a:shade val="50000"/>
+              </a:schemeClr>
+            </a:lnRef>
+            <a:fillRef idx="1">
+              <a:schemeClr val="accent1"/>
+            </a:fillRef>
+            <a:effectRef idx="0">
+              <a:schemeClr val="accent1"/>
+            </a:effectRef>
+            <a:fontRef idx="minor">
+              <a:schemeClr val="lt1"/>
+            </a:fontRef>
+          </p:style>
+          <p:txBody>
+            <a:bodyPr rtlCol="0" anchor="ctr"/>
+            <a:lstStyle/>
+            <a:p>
+              <a:pPr algn="ctr"/>
+              <a:endParaRPr kumimoji="1" lang="ja-JP" altLang="en-US"/>
+            </a:p>
+          </p:txBody>
+        </p:sp>
+        <p:sp>
+          <p:nvSpPr>
+            <p:cNvPr id="21" name="下矢印 20">
+              <a:extLst>
+                <a:ext uri="{FF2B5EF4-FFF2-40B4-BE49-F238E27FC236}">
+                  <a16:creationId xmlns:a16="http://schemas.microsoft.com/office/drawing/2014/main" id="{6A63B1A1-9BF7-0544-B0C8-FF1B4A01CD43}"/>
+                </a:ext>
+              </a:extLst>
+            </p:cNvPr>
+            <p:cNvSpPr/>
+            <p:nvPr/>
+          </p:nvSpPr>
+          <p:spPr>
+            <a:xfrm>
+              <a:off x="1654009" y="3380972"/>
+              <a:ext cx="180000" cy="270000"/>
+            </a:xfrm>
+            <a:prstGeom prst="downArrow">
+              <a:avLst/>
+            </a:prstGeom>
+            <a:solidFill>
+              <a:schemeClr val="tx1">
+                <a:lumMod val="85000"/>
+                <a:lumOff val="15000"/>
+              </a:schemeClr>
+            </a:solidFill>
+            <a:ln>
+              <a:noFill/>
+            </a:ln>
+          </p:spPr>
+          <p:style>
+            <a:lnRef idx="2">
+              <a:schemeClr val="accent1">
+                <a:shade val="50000"/>
+              </a:schemeClr>
+            </a:lnRef>
+            <a:fillRef idx="1">
+              <a:schemeClr val="accent1"/>
+            </a:fillRef>
+            <a:effectRef idx="0">
+              <a:schemeClr val="accent1"/>
+            </a:effectRef>
+            <a:fontRef idx="minor">
+              <a:schemeClr val="lt1"/>
+            </a:fontRef>
+          </p:style>
+          <p:txBody>
+            <a:bodyPr rtlCol="0" anchor="ctr"/>
+            <a:lstStyle/>
+            <a:p>
+              <a:pPr algn="ctr"/>
+              <a:endParaRPr kumimoji="1" lang="ja-JP" altLang="en-US"/>
+            </a:p>
+          </p:txBody>
+        </p:sp>
+        <p:sp>
+          <p:nvSpPr>
+            <p:cNvPr id="22" name="下矢印 21">
+              <a:extLst>
+                <a:ext uri="{FF2B5EF4-FFF2-40B4-BE49-F238E27FC236}">
+                  <a16:creationId xmlns:a16="http://schemas.microsoft.com/office/drawing/2014/main" id="{A7F8C0DD-1C44-3844-A1D7-6A0C945F230A}"/>
+                </a:ext>
+              </a:extLst>
+            </p:cNvPr>
+            <p:cNvSpPr/>
+            <p:nvPr/>
+          </p:nvSpPr>
+          <p:spPr>
+            <a:xfrm rot="5400000">
+              <a:off x="2715128" y="2601166"/>
+              <a:ext cx="180000" cy="360000"/>
+            </a:xfrm>
+            <a:prstGeom prst="downArrow">
+              <a:avLst/>
+            </a:prstGeom>
+            <a:solidFill>
+              <a:schemeClr val="tx1">
+                <a:lumMod val="85000"/>
+                <a:lumOff val="15000"/>
+              </a:schemeClr>
+            </a:solidFill>
+            <a:ln>
+              <a:noFill/>
+            </a:ln>
+          </p:spPr>
+          <p:style>
+            <a:lnRef idx="2">
+              <a:schemeClr val="accent1">
+                <a:shade val="50000"/>
+              </a:schemeClr>
+            </a:lnRef>
+            <a:fillRef idx="1">
+              <a:schemeClr val="accent1"/>
+            </a:fillRef>
+            <a:effectRef idx="0">
+              <a:schemeClr val="accent1"/>
+            </a:effectRef>
+            <a:fontRef idx="minor">
+              <a:schemeClr val="lt1"/>
+            </a:fontRef>
+          </p:style>
+          <p:txBody>
+            <a:bodyPr rtlCol="0" anchor="ctr"/>
+            <a:lstStyle/>
+            <a:p>
+              <a:pPr algn="ctr"/>
+              <a:endParaRPr kumimoji="1" lang="ja-JP" altLang="en-US"/>
+            </a:p>
+          </p:txBody>
+        </p:sp>
+        <p:sp>
+          <p:nvSpPr>
+            <p:cNvPr id="23" name="正方形/長方形 22">
+              <a:extLst>
+                <a:ext uri="{FF2B5EF4-FFF2-40B4-BE49-F238E27FC236}">
+                  <a16:creationId xmlns:a16="http://schemas.microsoft.com/office/drawing/2014/main" id="{B98A808E-7EA6-064E-8A33-FAE8D0BA72D4}"/>
+                </a:ext>
+              </a:extLst>
+            </p:cNvPr>
+            <p:cNvSpPr/>
+            <p:nvPr/>
+          </p:nvSpPr>
+          <p:spPr>
+            <a:xfrm>
+              <a:off x="2966572" y="2732804"/>
+              <a:ext cx="72000" cy="1692000"/>
+            </a:xfrm>
+            <a:prstGeom prst="rect">
+              <a:avLst/>
+            </a:prstGeom>
+            <a:solidFill>
+              <a:schemeClr val="tx1">
+                <a:lumMod val="85000"/>
+                <a:lumOff val="15000"/>
+              </a:schemeClr>
+            </a:solidFill>
+            <a:ln>
+              <a:noFill/>
+            </a:ln>
+          </p:spPr>
+          <p:style>
+            <a:lnRef idx="2">
+              <a:schemeClr val="accent1">
+                <a:shade val="50000"/>
+              </a:schemeClr>
+            </a:lnRef>
+            <a:fillRef idx="1">
+              <a:schemeClr val="accent1"/>
+            </a:fillRef>
+            <a:effectRef idx="0">
+              <a:schemeClr val="accent1"/>
+            </a:effectRef>
+            <a:fontRef idx="minor">
+              <a:schemeClr val="lt1"/>
+            </a:fontRef>
+          </p:style>
+          <p:txBody>
+            <a:bodyPr rtlCol="0" anchor="ctr"/>
+            <a:lstStyle/>
+            <a:p>
+              <a:pPr algn="ctr"/>
+              <a:endParaRPr kumimoji="1" lang="ja-JP" altLang="en-US"/>
+            </a:p>
+          </p:txBody>
+        </p:sp>
+        <p:sp>
+          <p:nvSpPr>
+            <p:cNvPr id="24" name="正方形/長方形 23">
+              <a:extLst>
+                <a:ext uri="{FF2B5EF4-FFF2-40B4-BE49-F238E27FC236}">
+                  <a16:creationId xmlns:a16="http://schemas.microsoft.com/office/drawing/2014/main" id="{7B2CFC87-3514-AC49-8D7F-6611399F9FD7}"/>
+                </a:ext>
+              </a:extLst>
+            </p:cNvPr>
+            <p:cNvSpPr/>
+            <p:nvPr/>
+          </p:nvSpPr>
+          <p:spPr>
+            <a:xfrm>
+              <a:off x="1708009" y="4082456"/>
+              <a:ext cx="72000" cy="288000"/>
+            </a:xfrm>
+            <a:prstGeom prst="rect">
+              <a:avLst/>
+            </a:prstGeom>
+            <a:solidFill>
+              <a:schemeClr val="tx1">
+                <a:lumMod val="85000"/>
+                <a:lumOff val="15000"/>
+              </a:schemeClr>
+            </a:solidFill>
+            <a:ln>
+              <a:noFill/>
+            </a:ln>
+          </p:spPr>
+          <p:style>
+            <a:lnRef idx="2">
+              <a:schemeClr val="accent1">
+                <a:shade val="50000"/>
+              </a:schemeClr>
+            </a:lnRef>
+            <a:fillRef idx="1">
+              <a:schemeClr val="accent1"/>
+            </a:fillRef>
+            <a:effectRef idx="0">
+              <a:schemeClr val="accent1"/>
+            </a:effectRef>
+            <a:fontRef idx="minor">
+              <a:schemeClr val="lt1"/>
+            </a:fontRef>
+          </p:style>
+          <p:txBody>
+            <a:bodyPr rtlCol="0" anchor="ctr"/>
+            <a:lstStyle/>
+            <a:p>
+              <a:pPr algn="ctr"/>
+              <a:endParaRPr kumimoji="1" lang="ja-JP" altLang="en-US"/>
+            </a:p>
+          </p:txBody>
+        </p:sp>
+        <p:sp>
+          <p:nvSpPr>
+            <p:cNvPr id="25" name="正方形/長方形 24">
+              <a:extLst>
+                <a:ext uri="{FF2B5EF4-FFF2-40B4-BE49-F238E27FC236}">
+                  <a16:creationId xmlns:a16="http://schemas.microsoft.com/office/drawing/2014/main" id="{D90B3BAC-0898-9F4E-AABF-6B594828FB61}"/>
+                </a:ext>
+              </a:extLst>
+            </p:cNvPr>
+            <p:cNvSpPr/>
+            <p:nvPr/>
+          </p:nvSpPr>
+          <p:spPr>
+            <a:xfrm rot="16200000">
+              <a:off x="2321774" y="3739911"/>
+              <a:ext cx="72000" cy="1296000"/>
+            </a:xfrm>
+            <a:prstGeom prst="rect">
+              <a:avLst/>
+            </a:prstGeom>
+            <a:solidFill>
+              <a:schemeClr val="tx1">
+                <a:lumMod val="85000"/>
+                <a:lumOff val="15000"/>
+              </a:schemeClr>
+            </a:solidFill>
+            <a:ln>
+              <a:noFill/>
+            </a:ln>
+          </p:spPr>
+          <p:style>
+            <a:lnRef idx="2">
+              <a:schemeClr val="accent1">
+                <a:shade val="50000"/>
+              </a:schemeClr>
+            </a:lnRef>
+            <a:fillRef idx="1">
+              <a:schemeClr val="accent1"/>
+            </a:fillRef>
+            <a:effectRef idx="0">
+              <a:schemeClr val="accent1"/>
+            </a:effectRef>
+            <a:fontRef idx="minor">
+              <a:schemeClr val="lt1"/>
+            </a:fontRef>
+          </p:style>
+          <p:txBody>
+            <a:bodyPr rtlCol="0" anchor="ctr"/>
+            <a:lstStyle/>
+            <a:p>
+              <a:pPr algn="ctr"/>
+              <a:endParaRPr kumimoji="1" lang="ja-JP" altLang="en-US"/>
+            </a:p>
+          </p:txBody>
+        </p:sp>
+      </p:grpSp>
+      <p:grpSp>
+        <p:nvGrpSpPr>
+          <p:cNvPr id="34" name="グループ化 33">
+            <a:extLst>
+              <a:ext uri="{FF2B5EF4-FFF2-40B4-BE49-F238E27FC236}">
+                <a16:creationId xmlns:a16="http://schemas.microsoft.com/office/drawing/2014/main" id="{47466808-F2DA-EB4E-80BB-6247B9DEA50F}"/>
+              </a:ext>
+            </a:extLst>
+          </p:cNvPr>
+          <p:cNvGrpSpPr/>
+          <p:nvPr/>
+        </p:nvGrpSpPr>
+        <p:grpSpPr>
+          <a:xfrm>
+            <a:off x="2919683" y="1279831"/>
+            <a:ext cx="4183761" cy="2658254"/>
+            <a:chOff x="511386" y="765149"/>
+            <a:chExt cx="5079105" cy="2658254"/>
+          </a:xfrm>
+        </p:grpSpPr>
+        <p:grpSp>
+          <p:nvGrpSpPr>
+            <p:cNvPr id="35" name="グループ化 34">
+              <a:extLst>
+                <a:ext uri="{FF2B5EF4-FFF2-40B4-BE49-F238E27FC236}">
+                  <a16:creationId xmlns:a16="http://schemas.microsoft.com/office/drawing/2014/main" id="{20122297-7113-F84A-A667-539A6D7C8811}"/>
+                </a:ext>
+              </a:extLst>
+            </p:cNvPr>
+            <p:cNvGrpSpPr/>
+            <p:nvPr/>
+          </p:nvGrpSpPr>
+          <p:grpSpPr>
+            <a:xfrm>
+              <a:off x="539783" y="1519848"/>
+              <a:ext cx="2355114" cy="646331"/>
+              <a:chOff x="802706" y="1937759"/>
+              <a:chExt cx="2355114" cy="646331"/>
+            </a:xfrm>
+          </p:grpSpPr>
+          <p:sp>
+            <p:nvSpPr>
+              <p:cNvPr id="63" name="正方形/長方形 62">
+                <a:extLst>
+                  <a:ext uri="{FF2B5EF4-FFF2-40B4-BE49-F238E27FC236}">
+                    <a16:creationId xmlns:a16="http://schemas.microsoft.com/office/drawing/2014/main" id="{553A7216-0A8D-2344-AA38-79E7C2F4AA48}"/>
+                  </a:ext>
+                </a:extLst>
+              </p:cNvPr>
+              <p:cNvSpPr/>
+              <p:nvPr/>
+            </p:nvSpPr>
+            <p:spPr>
+              <a:xfrm>
+                <a:off x="820269" y="1937759"/>
+                <a:ext cx="2279728" cy="646331"/>
+              </a:xfrm>
+              <a:prstGeom prst="rect">
+                <a:avLst/>
+              </a:prstGeom>
+              <a:solidFill>
+                <a:schemeClr val="accent2">
+                  <a:lumMod val="40000"/>
+                  <a:lumOff val="60000"/>
+                </a:schemeClr>
+              </a:solidFill>
+              <a:ln>
+                <a:noFill/>
+              </a:ln>
+            </p:spPr>
+            <p:style>
+              <a:lnRef idx="2">
+                <a:schemeClr val="accent1">
+                  <a:shade val="50000"/>
+                </a:schemeClr>
+              </a:lnRef>
+              <a:fillRef idx="1">
+                <a:schemeClr val="accent1"/>
+              </a:fillRef>
+              <a:effectRef idx="0">
+                <a:schemeClr val="accent1"/>
+              </a:effectRef>
+              <a:fontRef idx="minor">
+                <a:schemeClr val="lt1"/>
+              </a:fontRef>
+            </p:style>
+            <p:txBody>
+              <a:bodyPr rtlCol="0" anchor="ctr"/>
+              <a:lstStyle/>
+              <a:p>
+                <a:pPr algn="ctr"/>
+                <a:endParaRPr kumimoji="1" lang="ja-JP" altLang="en-US"/>
+              </a:p>
+            </p:txBody>
+          </p:sp>
+          <p:sp>
+            <p:nvSpPr>
+              <p:cNvPr id="64" name="テキスト ボックス 63">
+                <a:extLst>
+                  <a:ext uri="{FF2B5EF4-FFF2-40B4-BE49-F238E27FC236}">
+                    <a16:creationId xmlns:a16="http://schemas.microsoft.com/office/drawing/2014/main" id="{F56B9624-7B80-7245-93D5-FD88FF85D38A}"/>
+                  </a:ext>
+                </a:extLst>
+              </p:cNvPr>
+              <p:cNvSpPr txBox="1"/>
+              <p:nvPr/>
+            </p:nvSpPr>
+            <p:spPr>
+              <a:xfrm>
+                <a:off x="802706" y="1937759"/>
+                <a:ext cx="2355114" cy="646331"/>
+              </a:xfrm>
+              <a:prstGeom prst="rect">
+                <a:avLst/>
+              </a:prstGeom>
+              <a:noFill/>
+            </p:spPr>
+            <p:txBody>
+              <a:bodyPr wrap="square" rtlCol="0">
+                <a:spAutoFit/>
+              </a:bodyPr>
+              <a:lstStyle/>
+              <a:p>
+                <a:r>
+                  <a:rPr lang="en-US" altLang="ja-JP" dirty="0">
+                    <a:latin typeface="Hiragino Kaku Gothic Pro W3" panose="020B0300000000000000" pitchFamily="34" charset="-128"/>
+                    <a:ea typeface="Hiragino Kaku Gothic Pro W3" panose="020B0300000000000000" pitchFamily="34" charset="-128"/>
+                  </a:rPr>
+                  <a:t>Canvas</a:t>
+                </a:r>
+                <a:r>
+                  <a:rPr lang="ja-JP" altLang="en-US">
+                    <a:latin typeface="Hiragino Kaku Gothic Pro W3" panose="020B0300000000000000" pitchFamily="34" charset="-128"/>
+                    <a:ea typeface="Hiragino Kaku Gothic Pro W3" panose="020B0300000000000000" pitchFamily="34" charset="-128"/>
+                  </a:rPr>
+                  <a:t>要素取得</a:t>
+                </a:r>
+                <a:endParaRPr lang="en-US" altLang="ja-JP" dirty="0">
+                  <a:latin typeface="Hiragino Kaku Gothic Pro W3" panose="020B0300000000000000" pitchFamily="34" charset="-128"/>
+                  <a:ea typeface="Hiragino Kaku Gothic Pro W3" panose="020B0300000000000000" pitchFamily="34" charset="-128"/>
+                </a:endParaRPr>
+              </a:p>
+              <a:p>
+                <a:r>
+                  <a:rPr lang="en-US" altLang="ja-JP" dirty="0">
+                    <a:latin typeface="Hiragino Kaku Gothic Pro W3" panose="020B0300000000000000" pitchFamily="34" charset="-128"/>
+                    <a:ea typeface="Hiragino Kaku Gothic Pro W3" panose="020B0300000000000000" pitchFamily="34" charset="-128"/>
+                  </a:rPr>
+                  <a:t>worker</a:t>
+                </a:r>
+                <a:r>
+                  <a:rPr lang="ja-JP" altLang="en-US">
+                    <a:latin typeface="Hiragino Kaku Gothic Pro W3" panose="020B0300000000000000" pitchFamily="34" charset="-128"/>
+                    <a:ea typeface="Hiragino Kaku Gothic Pro W3" panose="020B0300000000000000" pitchFamily="34" charset="-128"/>
+                  </a:rPr>
+                  <a:t>作成</a:t>
+                </a:r>
+                <a:endParaRPr lang="en-US" altLang="ja-JP" dirty="0">
+                  <a:latin typeface="Hiragino Kaku Gothic Pro W3" panose="020B0300000000000000" pitchFamily="34" charset="-128"/>
+                  <a:ea typeface="Hiragino Kaku Gothic Pro W3" panose="020B0300000000000000" pitchFamily="34" charset="-128"/>
+                </a:endParaRPr>
+              </a:p>
+            </p:txBody>
+          </p:sp>
+        </p:grpSp>
+        <p:grpSp>
+          <p:nvGrpSpPr>
+            <p:cNvPr id="36" name="グループ化 35">
+              <a:extLst>
+                <a:ext uri="{FF2B5EF4-FFF2-40B4-BE49-F238E27FC236}">
+                  <a16:creationId xmlns:a16="http://schemas.microsoft.com/office/drawing/2014/main" id="{F6E53EA4-2EFB-3046-8990-F67C294CB2A4}"/>
+                </a:ext>
+              </a:extLst>
+            </p:cNvPr>
+            <p:cNvGrpSpPr/>
+            <p:nvPr/>
+          </p:nvGrpSpPr>
+          <p:grpSpPr>
+            <a:xfrm>
+              <a:off x="536021" y="2612217"/>
+              <a:ext cx="2355114" cy="369332"/>
+              <a:chOff x="807726" y="4228974"/>
+              <a:chExt cx="2355114" cy="369332"/>
+            </a:xfrm>
+          </p:grpSpPr>
+          <p:sp>
+            <p:nvSpPr>
+              <p:cNvPr id="61" name="正方形/長方形 60">
+                <a:extLst>
+                  <a:ext uri="{FF2B5EF4-FFF2-40B4-BE49-F238E27FC236}">
+                    <a16:creationId xmlns:a16="http://schemas.microsoft.com/office/drawing/2014/main" id="{4B79D724-4D05-4840-B4C2-130900AEA32C}"/>
+                  </a:ext>
+                </a:extLst>
+              </p:cNvPr>
+              <p:cNvSpPr/>
+              <p:nvPr/>
+            </p:nvSpPr>
+            <p:spPr>
+              <a:xfrm>
+                <a:off x="820269" y="4257847"/>
+                <a:ext cx="2279728" cy="301960"/>
+              </a:xfrm>
+              <a:prstGeom prst="rect">
+                <a:avLst/>
+              </a:prstGeom>
+              <a:solidFill>
+                <a:schemeClr val="accent2">
+                  <a:lumMod val="40000"/>
+                  <a:lumOff val="60000"/>
+                </a:schemeClr>
+              </a:solidFill>
+              <a:ln>
+                <a:noFill/>
+              </a:ln>
+            </p:spPr>
+            <p:style>
+              <a:lnRef idx="2">
+                <a:schemeClr val="accent1">
+                  <a:shade val="50000"/>
+                </a:schemeClr>
+              </a:lnRef>
+              <a:fillRef idx="1">
+                <a:schemeClr val="accent1"/>
+              </a:fillRef>
+              <a:effectRef idx="0">
+                <a:schemeClr val="accent1"/>
+              </a:effectRef>
+              <a:fontRef idx="minor">
+                <a:schemeClr val="lt1"/>
+              </a:fontRef>
+            </p:style>
+            <p:txBody>
+              <a:bodyPr rtlCol="0" anchor="ctr"/>
+              <a:lstStyle/>
+              <a:p>
+                <a:pPr algn="ctr"/>
+                <a:endParaRPr kumimoji="1" lang="ja-JP" altLang="en-US"/>
+              </a:p>
+            </p:txBody>
+          </p:sp>
+          <p:sp>
+            <p:nvSpPr>
+              <p:cNvPr id="62" name="テキスト ボックス 61">
+                <a:extLst>
+                  <a:ext uri="{FF2B5EF4-FFF2-40B4-BE49-F238E27FC236}">
+                    <a16:creationId xmlns:a16="http://schemas.microsoft.com/office/drawing/2014/main" id="{6FA51100-1369-9E43-8145-02CF8E699135}"/>
+                  </a:ext>
+                </a:extLst>
+              </p:cNvPr>
+              <p:cNvSpPr txBox="1"/>
+              <p:nvPr/>
+            </p:nvSpPr>
+            <p:spPr>
+              <a:xfrm>
+                <a:off x="807726" y="4228974"/>
+                <a:ext cx="2355114" cy="369332"/>
+              </a:xfrm>
+              <a:prstGeom prst="rect">
+                <a:avLst/>
+              </a:prstGeom>
+              <a:noFill/>
+            </p:spPr>
+            <p:txBody>
+              <a:bodyPr wrap="none" rtlCol="0">
+                <a:spAutoFit/>
+              </a:bodyPr>
+              <a:lstStyle/>
+              <a:p>
+                <a:r>
+                  <a:rPr lang="en-US" altLang="ja-JP" dirty="0">
+                    <a:latin typeface="Hiragino Kaku Gothic Pro W3" panose="020B0300000000000000" pitchFamily="34" charset="-128"/>
+                    <a:ea typeface="Hiragino Kaku Gothic Pro W3" panose="020B0300000000000000" pitchFamily="34" charset="-128"/>
+                  </a:rPr>
+                  <a:t>Canvas</a:t>
+                </a:r>
+                <a:r>
+                  <a:rPr lang="ja-JP" altLang="en-US">
+                    <a:latin typeface="Hiragino Kaku Gothic Pro W3" panose="020B0300000000000000" pitchFamily="34" charset="-128"/>
+                    <a:ea typeface="Hiragino Kaku Gothic Pro W3" panose="020B0300000000000000" pitchFamily="34" charset="-128"/>
+                  </a:rPr>
+                  <a:t>要素送信</a:t>
+                </a:r>
+                <a:endParaRPr lang="en-US" altLang="ja-JP" dirty="0">
+                  <a:latin typeface="Hiragino Kaku Gothic Pro W3" panose="020B0300000000000000" pitchFamily="34" charset="-128"/>
+                  <a:ea typeface="Hiragino Kaku Gothic Pro W3" panose="020B0300000000000000" pitchFamily="34" charset="-128"/>
+                </a:endParaRPr>
+              </a:p>
+            </p:txBody>
+          </p:sp>
+        </p:grpSp>
+        <p:grpSp>
+          <p:nvGrpSpPr>
+            <p:cNvPr id="37" name="グループ化 36">
+              <a:extLst>
+                <a:ext uri="{FF2B5EF4-FFF2-40B4-BE49-F238E27FC236}">
+                  <a16:creationId xmlns:a16="http://schemas.microsoft.com/office/drawing/2014/main" id="{2FB798FD-975E-5643-8ED1-7FFFE71DC298}"/>
+                </a:ext>
+              </a:extLst>
+            </p:cNvPr>
+            <p:cNvGrpSpPr/>
+            <p:nvPr/>
+          </p:nvGrpSpPr>
+          <p:grpSpPr>
+            <a:xfrm>
+              <a:off x="3229587" y="765149"/>
+              <a:ext cx="2355114" cy="390616"/>
+              <a:chOff x="648020" y="2144511"/>
+              <a:chExt cx="2355114" cy="390616"/>
+            </a:xfrm>
+          </p:grpSpPr>
+          <p:sp>
+            <p:nvSpPr>
+              <p:cNvPr id="59" name="正方形/長方形 58">
+                <a:extLst>
+                  <a:ext uri="{FF2B5EF4-FFF2-40B4-BE49-F238E27FC236}">
+                    <a16:creationId xmlns:a16="http://schemas.microsoft.com/office/drawing/2014/main" id="{3019FB09-7AE2-3044-98C0-0EEACDD6977C}"/>
+                  </a:ext>
+                </a:extLst>
+              </p:cNvPr>
+              <p:cNvSpPr/>
+              <p:nvPr/>
+            </p:nvSpPr>
+            <p:spPr>
+              <a:xfrm>
+                <a:off x="650708" y="2144511"/>
+                <a:ext cx="2180544" cy="390616"/>
+              </a:xfrm>
+              <a:prstGeom prst="rect">
+                <a:avLst/>
+              </a:prstGeom>
+              <a:solidFill>
+                <a:schemeClr val="accent2">
+                  <a:lumMod val="40000"/>
+                  <a:lumOff val="60000"/>
+                </a:schemeClr>
+              </a:solidFill>
+              <a:ln>
+                <a:noFill/>
+              </a:ln>
+            </p:spPr>
+            <p:style>
+              <a:lnRef idx="2">
+                <a:schemeClr val="accent1">
+                  <a:shade val="50000"/>
+                </a:schemeClr>
+              </a:lnRef>
+              <a:fillRef idx="1">
+                <a:schemeClr val="accent1"/>
+              </a:fillRef>
+              <a:effectRef idx="0">
+                <a:schemeClr val="accent1"/>
+              </a:effectRef>
+              <a:fontRef idx="minor">
+                <a:schemeClr val="lt1"/>
+              </a:fontRef>
+            </p:style>
+            <p:txBody>
+              <a:bodyPr rtlCol="0" anchor="ctr"/>
+              <a:lstStyle/>
+              <a:p>
+                <a:pPr algn="ctr"/>
+                <a:endParaRPr kumimoji="1" lang="ja-JP" altLang="en-US"/>
+              </a:p>
+            </p:txBody>
+          </p:sp>
+          <p:sp>
+            <p:nvSpPr>
+              <p:cNvPr id="60" name="テキスト ボックス 59">
+                <a:extLst>
+                  <a:ext uri="{FF2B5EF4-FFF2-40B4-BE49-F238E27FC236}">
+                    <a16:creationId xmlns:a16="http://schemas.microsoft.com/office/drawing/2014/main" id="{87081215-7ABF-5949-B9D0-CA5EBB7FF90A}"/>
+                  </a:ext>
+                </a:extLst>
+              </p:cNvPr>
+              <p:cNvSpPr txBox="1"/>
+              <p:nvPr/>
+            </p:nvSpPr>
+            <p:spPr>
+              <a:xfrm>
+                <a:off x="648020" y="2165390"/>
+                <a:ext cx="2355114" cy="369332"/>
+              </a:xfrm>
+              <a:prstGeom prst="rect">
+                <a:avLst/>
+              </a:prstGeom>
+              <a:noFill/>
+            </p:spPr>
+            <p:txBody>
+              <a:bodyPr wrap="none" rtlCol="0">
+                <a:spAutoFit/>
+              </a:bodyPr>
+              <a:lstStyle/>
+              <a:p>
+                <a:r>
+                  <a:rPr lang="en-US" altLang="ja-JP" dirty="0">
+                    <a:latin typeface="Hiragino Kaku Gothic Pro W3" panose="020B0300000000000000" pitchFamily="34" charset="-128"/>
+                    <a:ea typeface="Hiragino Kaku Gothic Pro W3" panose="020B0300000000000000" pitchFamily="34" charset="-128"/>
+                  </a:rPr>
+                  <a:t>Canvas</a:t>
+                </a:r>
+                <a:r>
+                  <a:rPr lang="ja-JP" altLang="en-US">
+                    <a:latin typeface="Hiragino Kaku Gothic Pro W3" panose="020B0300000000000000" pitchFamily="34" charset="-128"/>
+                    <a:ea typeface="Hiragino Kaku Gothic Pro W3" panose="020B0300000000000000" pitchFamily="34" charset="-128"/>
+                  </a:rPr>
+                  <a:t>要素受信</a:t>
+                </a:r>
+                <a:endParaRPr lang="en-US" altLang="ja-JP" dirty="0">
+                  <a:latin typeface="Hiragino Kaku Gothic Pro W3" panose="020B0300000000000000" pitchFamily="34" charset="-128"/>
+                  <a:ea typeface="Hiragino Kaku Gothic Pro W3" panose="020B0300000000000000" pitchFamily="34" charset="-128"/>
+                </a:endParaRPr>
+              </a:p>
+            </p:txBody>
+          </p:sp>
+        </p:grpSp>
+        <p:grpSp>
+          <p:nvGrpSpPr>
+            <p:cNvPr id="38" name="グループ化 37">
+              <a:extLst>
+                <a:ext uri="{FF2B5EF4-FFF2-40B4-BE49-F238E27FC236}">
+                  <a16:creationId xmlns:a16="http://schemas.microsoft.com/office/drawing/2014/main" id="{0636D424-E41A-764D-8009-27E47949A6E8}"/>
+                </a:ext>
+              </a:extLst>
+            </p:cNvPr>
+            <p:cNvGrpSpPr/>
+            <p:nvPr/>
+          </p:nvGrpSpPr>
+          <p:grpSpPr>
+            <a:xfrm>
+              <a:off x="3230931" y="1501843"/>
+              <a:ext cx="2180544" cy="386014"/>
+              <a:chOff x="650708" y="3215947"/>
+              <a:chExt cx="2180544" cy="386014"/>
+            </a:xfrm>
+          </p:grpSpPr>
+          <p:sp>
+            <p:nvSpPr>
+              <p:cNvPr id="57" name="正方形/長方形 56">
+                <a:extLst>
+                  <a:ext uri="{FF2B5EF4-FFF2-40B4-BE49-F238E27FC236}">
+                    <a16:creationId xmlns:a16="http://schemas.microsoft.com/office/drawing/2014/main" id="{7607BF50-3C0F-C147-8FF8-9FA0C9FA14FB}"/>
+                  </a:ext>
+                </a:extLst>
+              </p:cNvPr>
+              <p:cNvSpPr/>
+              <p:nvPr/>
+            </p:nvSpPr>
+            <p:spPr>
+              <a:xfrm>
+                <a:off x="650708" y="3223493"/>
+                <a:ext cx="2180544" cy="378468"/>
+              </a:xfrm>
+              <a:prstGeom prst="rect">
+                <a:avLst/>
+              </a:prstGeom>
+              <a:solidFill>
+                <a:schemeClr val="accent6">
+                  <a:lumMod val="40000"/>
+                  <a:lumOff val="60000"/>
+                </a:schemeClr>
+              </a:solidFill>
+              <a:ln>
+                <a:noFill/>
+              </a:ln>
+            </p:spPr>
+            <p:style>
+              <a:lnRef idx="2">
+                <a:schemeClr val="accent1">
+                  <a:shade val="50000"/>
+                </a:schemeClr>
+              </a:lnRef>
+              <a:fillRef idx="1">
+                <a:schemeClr val="accent1"/>
+              </a:fillRef>
+              <a:effectRef idx="0">
+                <a:schemeClr val="accent1"/>
+              </a:effectRef>
+              <a:fontRef idx="minor">
+                <a:schemeClr val="lt1"/>
+              </a:fontRef>
+            </p:style>
+            <p:txBody>
+              <a:bodyPr rtlCol="0" anchor="ctr"/>
+              <a:lstStyle/>
+              <a:p>
+                <a:pPr algn="ctr"/>
+                <a:endParaRPr kumimoji="1" lang="ja-JP" altLang="en-US"/>
+              </a:p>
+            </p:txBody>
+          </p:sp>
+          <p:sp>
+            <p:nvSpPr>
+              <p:cNvPr id="58" name="テキスト ボックス 57">
+                <a:extLst>
+                  <a:ext uri="{FF2B5EF4-FFF2-40B4-BE49-F238E27FC236}">
+                    <a16:creationId xmlns:a16="http://schemas.microsoft.com/office/drawing/2014/main" id="{3D871D18-BA88-3A4F-908B-FC31C7049473}"/>
+                  </a:ext>
+                </a:extLst>
+              </p:cNvPr>
+              <p:cNvSpPr txBox="1"/>
+              <p:nvPr/>
+            </p:nvSpPr>
+            <p:spPr>
+              <a:xfrm>
+                <a:off x="1392166" y="3215947"/>
+                <a:ext cx="784649" cy="369332"/>
+              </a:xfrm>
+              <a:prstGeom prst="rect">
+                <a:avLst/>
+              </a:prstGeom>
+              <a:noFill/>
+            </p:spPr>
+            <p:txBody>
+              <a:bodyPr wrap="none" rtlCol="0">
+                <a:spAutoFit/>
+              </a:bodyPr>
+              <a:lstStyle/>
+              <a:p>
+                <a:r>
+                  <a:rPr kumimoji="1" lang="ja-JP" altLang="en-US">
+                    <a:latin typeface="Hiragino Kaku Gothic Pro W3" panose="020B0300000000000000" pitchFamily="34" charset="-128"/>
+                    <a:ea typeface="Hiragino Kaku Gothic Pro W3" panose="020B0300000000000000" pitchFamily="34" charset="-128"/>
+                  </a:rPr>
+                  <a:t>演算</a:t>
+                </a:r>
+              </a:p>
+            </p:txBody>
+          </p:sp>
+        </p:grpSp>
+        <p:grpSp>
+          <p:nvGrpSpPr>
+            <p:cNvPr id="39" name="グループ化 38">
+              <a:extLst>
+                <a:ext uri="{FF2B5EF4-FFF2-40B4-BE49-F238E27FC236}">
+                  <a16:creationId xmlns:a16="http://schemas.microsoft.com/office/drawing/2014/main" id="{49FFD550-1429-4C41-9151-AA0C1FDC67C2}"/>
+                </a:ext>
+              </a:extLst>
+            </p:cNvPr>
+            <p:cNvGrpSpPr/>
+            <p:nvPr/>
+          </p:nvGrpSpPr>
+          <p:grpSpPr>
+            <a:xfrm>
+              <a:off x="3230931" y="2217658"/>
+              <a:ext cx="2180544" cy="400177"/>
+              <a:chOff x="650708" y="4223312"/>
+              <a:chExt cx="2180544" cy="400177"/>
+            </a:xfrm>
+          </p:grpSpPr>
+          <p:sp>
+            <p:nvSpPr>
+              <p:cNvPr id="55" name="正方形/長方形 54">
+                <a:extLst>
+                  <a:ext uri="{FF2B5EF4-FFF2-40B4-BE49-F238E27FC236}">
+                    <a16:creationId xmlns:a16="http://schemas.microsoft.com/office/drawing/2014/main" id="{F23D441F-5333-3549-8651-DEA1EAEA7A37}"/>
+                  </a:ext>
+                </a:extLst>
+              </p:cNvPr>
+              <p:cNvSpPr/>
+              <p:nvPr/>
+            </p:nvSpPr>
+            <p:spPr>
+              <a:xfrm>
+                <a:off x="650708" y="4223312"/>
+                <a:ext cx="2180544" cy="400110"/>
+              </a:xfrm>
+              <a:prstGeom prst="rect">
+                <a:avLst/>
+              </a:prstGeom>
+              <a:solidFill>
+                <a:schemeClr val="accent6">
+                  <a:lumMod val="40000"/>
+                  <a:lumOff val="60000"/>
+                </a:schemeClr>
+              </a:solidFill>
+              <a:ln>
+                <a:noFill/>
+              </a:ln>
+            </p:spPr>
+            <p:style>
+              <a:lnRef idx="2">
+                <a:schemeClr val="accent1">
+                  <a:shade val="50000"/>
+                </a:schemeClr>
+              </a:lnRef>
+              <a:fillRef idx="1">
+                <a:schemeClr val="accent1"/>
+              </a:fillRef>
+              <a:effectRef idx="0">
+                <a:schemeClr val="accent1"/>
+              </a:effectRef>
+              <a:fontRef idx="minor">
+                <a:schemeClr val="lt1"/>
+              </a:fontRef>
+            </p:style>
+            <p:txBody>
+              <a:bodyPr rtlCol="0" anchor="ctr"/>
+              <a:lstStyle/>
+              <a:p>
+                <a:pPr algn="ctr"/>
+                <a:endParaRPr kumimoji="1" lang="ja-JP" altLang="en-US"/>
+              </a:p>
+            </p:txBody>
+          </p:sp>
+          <p:sp>
+            <p:nvSpPr>
+              <p:cNvPr id="56" name="テキスト ボックス 55">
+                <a:extLst>
+                  <a:ext uri="{FF2B5EF4-FFF2-40B4-BE49-F238E27FC236}">
+                    <a16:creationId xmlns:a16="http://schemas.microsoft.com/office/drawing/2014/main" id="{49AFEACE-C00B-3043-87BF-93A4106C5788}"/>
+                  </a:ext>
+                </a:extLst>
+              </p:cNvPr>
+              <p:cNvSpPr txBox="1"/>
+              <p:nvPr/>
+            </p:nvSpPr>
+            <p:spPr>
+              <a:xfrm>
+                <a:off x="1366966" y="4254157"/>
+                <a:ext cx="784649" cy="369332"/>
+              </a:xfrm>
+              <a:prstGeom prst="rect">
+                <a:avLst/>
+              </a:prstGeom>
+              <a:noFill/>
+            </p:spPr>
+            <p:txBody>
+              <a:bodyPr wrap="none" rtlCol="0">
+                <a:spAutoFit/>
+              </a:bodyPr>
+              <a:lstStyle/>
+              <a:p>
+                <a:r>
+                  <a:rPr lang="ja-JP" altLang="en-US">
+                    <a:latin typeface="Hiragino Kaku Gothic Pro W3" panose="020B0300000000000000" pitchFamily="34" charset="-128"/>
+                    <a:ea typeface="Hiragino Kaku Gothic Pro W3" panose="020B0300000000000000" pitchFamily="34" charset="-128"/>
+                  </a:rPr>
+                  <a:t>描画</a:t>
+                </a:r>
+                <a:endParaRPr lang="en-US" altLang="ja-JP" dirty="0">
+                  <a:latin typeface="Hiragino Kaku Gothic Pro W3" panose="020B0300000000000000" pitchFamily="34" charset="-128"/>
+                  <a:ea typeface="Hiragino Kaku Gothic Pro W3" panose="020B0300000000000000" pitchFamily="34" charset="-128"/>
+                </a:endParaRPr>
+              </a:p>
+            </p:txBody>
+          </p:sp>
+        </p:grpSp>
+        <p:grpSp>
+          <p:nvGrpSpPr>
+            <p:cNvPr id="40" name="グループ化 39">
+              <a:extLst>
+                <a:ext uri="{FF2B5EF4-FFF2-40B4-BE49-F238E27FC236}">
+                  <a16:creationId xmlns:a16="http://schemas.microsoft.com/office/drawing/2014/main" id="{1540CBA3-008A-A048-BE5E-31DCDA294109}"/>
+                </a:ext>
+              </a:extLst>
+            </p:cNvPr>
+            <p:cNvGrpSpPr/>
+            <p:nvPr/>
+          </p:nvGrpSpPr>
+          <p:grpSpPr>
+            <a:xfrm>
+              <a:off x="511386" y="765149"/>
+              <a:ext cx="2357466" cy="447754"/>
+              <a:chOff x="783091" y="1072798"/>
+              <a:chExt cx="2357466" cy="447754"/>
+            </a:xfrm>
+          </p:grpSpPr>
+          <p:sp>
+            <p:nvSpPr>
+              <p:cNvPr id="53" name="角丸四角形 52">
+                <a:extLst>
+                  <a:ext uri="{FF2B5EF4-FFF2-40B4-BE49-F238E27FC236}">
+                    <a16:creationId xmlns:a16="http://schemas.microsoft.com/office/drawing/2014/main" id="{2E67CF53-47B1-264E-9086-2E1D39DAE454}"/>
+                  </a:ext>
+                </a:extLst>
+              </p:cNvPr>
+              <p:cNvSpPr/>
+              <p:nvPr/>
+            </p:nvSpPr>
+            <p:spPr>
+              <a:xfrm>
+                <a:off x="783091" y="1072798"/>
+                <a:ext cx="2357466" cy="447754"/>
+              </a:xfrm>
+              <a:prstGeom prst="roundRect">
+                <a:avLst>
+                  <a:gd name="adj" fmla="val 50000"/>
+                </a:avLst>
+              </a:prstGeom>
+              <a:solidFill>
+                <a:schemeClr val="accent3">
+                  <a:lumMod val="40000"/>
+                  <a:lumOff val="60000"/>
+                </a:schemeClr>
+              </a:solidFill>
+              <a:ln>
+                <a:noFill/>
+              </a:ln>
+            </p:spPr>
+            <p:style>
+              <a:lnRef idx="2">
+                <a:schemeClr val="accent1">
+                  <a:shade val="50000"/>
+                </a:schemeClr>
+              </a:lnRef>
+              <a:fillRef idx="1">
+                <a:schemeClr val="accent1"/>
+              </a:fillRef>
+              <a:effectRef idx="0">
+                <a:schemeClr val="accent1"/>
+              </a:effectRef>
+              <a:fontRef idx="minor">
+                <a:schemeClr val="lt1"/>
+              </a:fontRef>
+            </p:style>
+            <p:txBody>
+              <a:bodyPr rtlCol="0" anchor="ctr"/>
+              <a:lstStyle/>
+              <a:p>
+                <a:pPr algn="ctr"/>
+                <a:endParaRPr kumimoji="1" lang="ja-JP" altLang="en-US">
+                  <a:latin typeface="Hiragino Kaku Gothic Pro W3" panose="020B0300000000000000" pitchFamily="34" charset="-128"/>
+                  <a:ea typeface="Hiragino Kaku Gothic Pro W3" panose="020B0300000000000000" pitchFamily="34" charset="-128"/>
+                </a:endParaRPr>
+              </a:p>
+            </p:txBody>
+          </p:sp>
+          <p:sp>
+            <p:nvSpPr>
+              <p:cNvPr id="54" name="テキスト ボックス 53">
+                <a:extLst>
+                  <a:ext uri="{FF2B5EF4-FFF2-40B4-BE49-F238E27FC236}">
+                    <a16:creationId xmlns:a16="http://schemas.microsoft.com/office/drawing/2014/main" id="{FC0D816D-2E82-474B-AA14-69DE8B527EC1}"/>
+                  </a:ext>
+                </a:extLst>
+              </p:cNvPr>
+              <p:cNvSpPr txBox="1"/>
+              <p:nvPr/>
+            </p:nvSpPr>
+            <p:spPr>
+              <a:xfrm>
+                <a:off x="1510433" y="1072798"/>
+                <a:ext cx="784649" cy="369332"/>
+              </a:xfrm>
+              <a:prstGeom prst="rect">
+                <a:avLst/>
+              </a:prstGeom>
+              <a:noFill/>
+            </p:spPr>
+            <p:txBody>
+              <a:bodyPr wrap="none" rtlCol="0">
+                <a:spAutoFit/>
+              </a:bodyPr>
+              <a:lstStyle/>
+              <a:p>
+                <a:r>
+                  <a:rPr kumimoji="1" lang="ja-JP" altLang="en-US">
+                    <a:latin typeface="Hiragino Kaku Gothic Pro W3" panose="020B0300000000000000" pitchFamily="34" charset="-128"/>
+                    <a:ea typeface="Hiragino Kaku Gothic Pro W3" panose="020B0300000000000000" pitchFamily="34" charset="-128"/>
+                  </a:rPr>
+                  <a:t>開始</a:t>
+                </a:r>
+              </a:p>
+            </p:txBody>
+          </p:sp>
+        </p:grpSp>
+        <p:sp>
+          <p:nvSpPr>
+            <p:cNvPr id="41" name="下矢印 40">
+              <a:extLst>
+                <a:ext uri="{FF2B5EF4-FFF2-40B4-BE49-F238E27FC236}">
+                  <a16:creationId xmlns:a16="http://schemas.microsoft.com/office/drawing/2014/main" id="{B3F7D64F-7305-874F-8E7B-A87183C156DA}"/>
+                </a:ext>
+              </a:extLst>
+            </p:cNvPr>
+            <p:cNvSpPr/>
+            <p:nvPr/>
+          </p:nvSpPr>
+          <p:spPr>
+            <a:xfrm>
+              <a:off x="1548836" y="1230828"/>
+              <a:ext cx="180000" cy="271095"/>
+            </a:xfrm>
+            <a:prstGeom prst="downArrow">
+              <a:avLst/>
+            </a:prstGeom>
+            <a:solidFill>
+              <a:schemeClr val="tx1">
+                <a:lumMod val="85000"/>
+                <a:lumOff val="15000"/>
+              </a:schemeClr>
+            </a:solidFill>
+            <a:ln>
+              <a:noFill/>
+            </a:ln>
+          </p:spPr>
+          <p:style>
+            <a:lnRef idx="2">
+              <a:schemeClr val="accent1">
+                <a:shade val="50000"/>
+              </a:schemeClr>
+            </a:lnRef>
+            <a:fillRef idx="1">
+              <a:schemeClr val="accent1"/>
+            </a:fillRef>
+            <a:effectRef idx="0">
+              <a:schemeClr val="accent1"/>
+            </a:effectRef>
+            <a:fontRef idx="minor">
+              <a:schemeClr val="lt1"/>
+            </a:fontRef>
+          </p:style>
+          <p:txBody>
+            <a:bodyPr rtlCol="0" anchor="ctr"/>
+            <a:lstStyle/>
+            <a:p>
+              <a:pPr algn="ctr"/>
+              <a:endParaRPr kumimoji="1" lang="ja-JP" altLang="en-US"/>
+            </a:p>
+          </p:txBody>
+        </p:sp>
+        <p:sp>
+          <p:nvSpPr>
+            <p:cNvPr id="42" name="下矢印 41">
+              <a:extLst>
+                <a:ext uri="{FF2B5EF4-FFF2-40B4-BE49-F238E27FC236}">
+                  <a16:creationId xmlns:a16="http://schemas.microsoft.com/office/drawing/2014/main" id="{F2877CF4-1E79-4B4D-A7F9-EE3E586F646C}"/>
+                </a:ext>
+              </a:extLst>
+            </p:cNvPr>
+            <p:cNvSpPr/>
+            <p:nvPr/>
+          </p:nvSpPr>
+          <p:spPr>
+            <a:xfrm>
+              <a:off x="1548836" y="2352069"/>
+              <a:ext cx="180000" cy="271095"/>
+            </a:xfrm>
+            <a:prstGeom prst="downArrow">
+              <a:avLst/>
+            </a:prstGeom>
+            <a:solidFill>
+              <a:schemeClr val="tx1">
+                <a:lumMod val="85000"/>
+                <a:lumOff val="15000"/>
+              </a:schemeClr>
+            </a:solidFill>
+            <a:ln>
+              <a:noFill/>
+            </a:ln>
+          </p:spPr>
+          <p:style>
+            <a:lnRef idx="2">
+              <a:schemeClr val="accent1">
+                <a:shade val="50000"/>
+              </a:schemeClr>
+            </a:lnRef>
+            <a:fillRef idx="1">
+              <a:schemeClr val="accent1"/>
+            </a:fillRef>
+            <a:effectRef idx="0">
+              <a:schemeClr val="accent1"/>
+            </a:effectRef>
+            <a:fontRef idx="minor">
+              <a:schemeClr val="lt1"/>
+            </a:fontRef>
+          </p:style>
+          <p:txBody>
+            <a:bodyPr rtlCol="0" anchor="ctr"/>
+            <a:lstStyle/>
+            <a:p>
+              <a:pPr algn="ctr"/>
+              <a:endParaRPr kumimoji="1" lang="ja-JP" altLang="en-US"/>
+            </a:p>
+          </p:txBody>
+        </p:sp>
+        <p:sp>
+          <p:nvSpPr>
+            <p:cNvPr id="43" name="下矢印 42">
+              <a:extLst>
+                <a:ext uri="{FF2B5EF4-FFF2-40B4-BE49-F238E27FC236}">
+                  <a16:creationId xmlns:a16="http://schemas.microsoft.com/office/drawing/2014/main" id="{D69661E0-1C6D-514B-BE5B-C37C93E2F548}"/>
+                </a:ext>
+              </a:extLst>
+            </p:cNvPr>
+            <p:cNvSpPr/>
+            <p:nvPr/>
+          </p:nvSpPr>
+          <p:spPr>
+            <a:xfrm>
+              <a:off x="4231203" y="1208443"/>
+              <a:ext cx="180000" cy="271095"/>
+            </a:xfrm>
+            <a:prstGeom prst="downArrow">
+              <a:avLst/>
+            </a:prstGeom>
+            <a:solidFill>
+              <a:schemeClr val="tx1">
+                <a:lumMod val="85000"/>
+                <a:lumOff val="15000"/>
+              </a:schemeClr>
+            </a:solidFill>
+            <a:ln>
+              <a:noFill/>
+            </a:ln>
+          </p:spPr>
+          <p:style>
+            <a:lnRef idx="2">
+              <a:schemeClr val="accent1">
+                <a:shade val="50000"/>
+              </a:schemeClr>
+            </a:lnRef>
+            <a:fillRef idx="1">
+              <a:schemeClr val="accent1"/>
+            </a:fillRef>
+            <a:effectRef idx="0">
+              <a:schemeClr val="accent1"/>
+            </a:effectRef>
+            <a:fontRef idx="minor">
+              <a:schemeClr val="lt1"/>
+            </a:fontRef>
+          </p:style>
+          <p:txBody>
+            <a:bodyPr rtlCol="0" anchor="ctr"/>
+            <a:lstStyle/>
+            <a:p>
+              <a:pPr algn="ctr"/>
+              <a:endParaRPr kumimoji="1" lang="ja-JP" altLang="en-US"/>
+            </a:p>
+          </p:txBody>
+        </p:sp>
+        <p:sp>
+          <p:nvSpPr>
+            <p:cNvPr id="44" name="下矢印 43">
+              <a:extLst>
+                <a:ext uri="{FF2B5EF4-FFF2-40B4-BE49-F238E27FC236}">
+                  <a16:creationId xmlns:a16="http://schemas.microsoft.com/office/drawing/2014/main" id="{9318FB74-5894-494C-9BFF-2FE4995E61FA}"/>
+                </a:ext>
+              </a:extLst>
+            </p:cNvPr>
+            <p:cNvSpPr/>
+            <p:nvPr/>
+          </p:nvSpPr>
+          <p:spPr>
+            <a:xfrm>
+              <a:off x="4231203" y="1924258"/>
+              <a:ext cx="180000" cy="271095"/>
+            </a:xfrm>
+            <a:prstGeom prst="downArrow">
+              <a:avLst/>
+            </a:prstGeom>
+            <a:solidFill>
+              <a:schemeClr val="tx1">
+                <a:lumMod val="85000"/>
+                <a:lumOff val="15000"/>
+              </a:schemeClr>
+            </a:solidFill>
+            <a:ln>
+              <a:noFill/>
+            </a:ln>
+          </p:spPr>
+          <p:style>
+            <a:lnRef idx="2">
+              <a:schemeClr val="accent1">
+                <a:shade val="50000"/>
+              </a:schemeClr>
+            </a:lnRef>
+            <a:fillRef idx="1">
+              <a:schemeClr val="accent1"/>
+            </a:fillRef>
+            <a:effectRef idx="0">
+              <a:schemeClr val="accent1"/>
+            </a:effectRef>
+            <a:fontRef idx="minor">
+              <a:schemeClr val="lt1"/>
+            </a:fontRef>
+          </p:style>
+          <p:txBody>
+            <a:bodyPr rtlCol="0" anchor="ctr"/>
+            <a:lstStyle/>
+            <a:p>
+              <a:pPr algn="ctr"/>
+              <a:endParaRPr kumimoji="1" lang="ja-JP" altLang="en-US"/>
+            </a:p>
+          </p:txBody>
+        </p:sp>
+        <p:sp>
+          <p:nvSpPr>
+            <p:cNvPr id="45" name="正方形/長方形 44">
+              <a:extLst>
+                <a:ext uri="{FF2B5EF4-FFF2-40B4-BE49-F238E27FC236}">
+                  <a16:creationId xmlns:a16="http://schemas.microsoft.com/office/drawing/2014/main" id="{D3D057ED-C088-484E-8E80-3EEBD85D26DB}"/>
+                </a:ext>
+              </a:extLst>
+            </p:cNvPr>
+            <p:cNvSpPr/>
+            <p:nvPr/>
+          </p:nvSpPr>
+          <p:spPr>
+            <a:xfrm>
+              <a:off x="1602836" y="3059126"/>
+              <a:ext cx="72000" cy="288000"/>
+            </a:xfrm>
+            <a:prstGeom prst="rect">
+              <a:avLst/>
+            </a:prstGeom>
+            <a:solidFill>
+              <a:schemeClr val="tx1">
+                <a:lumMod val="85000"/>
+                <a:lumOff val="15000"/>
+              </a:schemeClr>
+            </a:solidFill>
+            <a:ln>
+              <a:noFill/>
+            </a:ln>
+          </p:spPr>
+          <p:style>
+            <a:lnRef idx="2">
+              <a:schemeClr val="accent1">
+                <a:shade val="50000"/>
+              </a:schemeClr>
+            </a:lnRef>
+            <a:fillRef idx="1">
+              <a:schemeClr val="accent1"/>
+            </a:fillRef>
+            <a:effectRef idx="0">
+              <a:schemeClr val="accent1"/>
+            </a:effectRef>
+            <a:fontRef idx="minor">
+              <a:schemeClr val="lt1"/>
+            </a:fontRef>
+          </p:style>
+          <p:txBody>
+            <a:bodyPr rtlCol="0" anchor="ctr"/>
+            <a:lstStyle/>
+            <a:p>
+              <a:pPr algn="ctr"/>
+              <a:endParaRPr kumimoji="1" lang="ja-JP" altLang="en-US"/>
+            </a:p>
+          </p:txBody>
+        </p:sp>
+        <p:sp>
+          <p:nvSpPr>
+            <p:cNvPr id="46" name="正方形/長方形 45">
+              <a:extLst>
+                <a:ext uri="{FF2B5EF4-FFF2-40B4-BE49-F238E27FC236}">
+                  <a16:creationId xmlns:a16="http://schemas.microsoft.com/office/drawing/2014/main" id="{C4ECFEA2-97BB-CA45-A67D-4FDB703C34F2}"/>
+                </a:ext>
+              </a:extLst>
+            </p:cNvPr>
+            <p:cNvSpPr/>
+            <p:nvPr/>
+          </p:nvSpPr>
+          <p:spPr>
+            <a:xfrm rot="16200000">
+              <a:off x="2180292" y="2771126"/>
+              <a:ext cx="72000" cy="1223999"/>
+            </a:xfrm>
+            <a:prstGeom prst="rect">
+              <a:avLst/>
+            </a:prstGeom>
+            <a:solidFill>
+              <a:schemeClr val="tx1">
+                <a:lumMod val="85000"/>
+                <a:lumOff val="15000"/>
+              </a:schemeClr>
+            </a:solidFill>
+            <a:ln>
+              <a:noFill/>
+            </a:ln>
+          </p:spPr>
+          <p:style>
+            <a:lnRef idx="2">
+              <a:schemeClr val="accent1">
+                <a:shade val="50000"/>
+              </a:schemeClr>
+            </a:lnRef>
+            <a:fillRef idx="1">
+              <a:schemeClr val="accent1"/>
+            </a:fillRef>
+            <a:effectRef idx="0">
+              <a:schemeClr val="accent1"/>
+            </a:effectRef>
+            <a:fontRef idx="minor">
+              <a:schemeClr val="lt1"/>
+            </a:fontRef>
+          </p:style>
+          <p:txBody>
+            <a:bodyPr rtlCol="0" anchor="ctr"/>
+            <a:lstStyle/>
+            <a:p>
+              <a:pPr algn="ctr"/>
+              <a:endParaRPr kumimoji="1" lang="ja-JP" altLang="en-US"/>
+            </a:p>
+          </p:txBody>
+        </p:sp>
+        <p:sp>
+          <p:nvSpPr>
+            <p:cNvPr id="47" name="正方形/長方形 46">
+              <a:extLst>
+                <a:ext uri="{FF2B5EF4-FFF2-40B4-BE49-F238E27FC236}">
+                  <a16:creationId xmlns:a16="http://schemas.microsoft.com/office/drawing/2014/main" id="{AE8255F4-B032-4B43-BAC7-D947D06EA6B6}"/>
+                </a:ext>
+              </a:extLst>
+            </p:cNvPr>
+            <p:cNvSpPr/>
+            <p:nvPr/>
+          </p:nvSpPr>
+          <p:spPr>
+            <a:xfrm>
+              <a:off x="2907228" y="1011403"/>
+              <a:ext cx="72000" cy="2412000"/>
+            </a:xfrm>
+            <a:prstGeom prst="rect">
+              <a:avLst/>
+            </a:prstGeom>
+            <a:solidFill>
+              <a:schemeClr val="tx1">
+                <a:lumMod val="85000"/>
+                <a:lumOff val="15000"/>
+              </a:schemeClr>
+            </a:solidFill>
+            <a:ln>
+              <a:noFill/>
+            </a:ln>
+          </p:spPr>
+          <p:style>
+            <a:lnRef idx="2">
+              <a:schemeClr val="accent1">
+                <a:shade val="50000"/>
+              </a:schemeClr>
+            </a:lnRef>
+            <a:fillRef idx="1">
+              <a:schemeClr val="accent1"/>
+            </a:fillRef>
+            <a:effectRef idx="0">
+              <a:schemeClr val="accent1"/>
+            </a:effectRef>
+            <a:fontRef idx="minor">
+              <a:schemeClr val="lt1"/>
+            </a:fontRef>
+          </p:style>
+          <p:txBody>
+            <a:bodyPr rtlCol="0" anchor="ctr"/>
+            <a:lstStyle/>
+            <a:p>
+              <a:pPr algn="ctr"/>
+              <a:endParaRPr kumimoji="1" lang="ja-JP" altLang="en-US"/>
+            </a:p>
+          </p:txBody>
+        </p:sp>
+        <p:sp>
+          <p:nvSpPr>
+            <p:cNvPr id="48" name="下矢印 47">
+              <a:extLst>
+                <a:ext uri="{FF2B5EF4-FFF2-40B4-BE49-F238E27FC236}">
+                  <a16:creationId xmlns:a16="http://schemas.microsoft.com/office/drawing/2014/main" id="{2CEC0972-E97C-EC4D-922D-C238506DFC50}"/>
+                </a:ext>
+              </a:extLst>
+            </p:cNvPr>
+            <p:cNvSpPr/>
+            <p:nvPr/>
+          </p:nvSpPr>
+          <p:spPr>
+            <a:xfrm rot="16200000">
+              <a:off x="2992457" y="840618"/>
+              <a:ext cx="180000" cy="349633"/>
+            </a:xfrm>
+            <a:prstGeom prst="downArrow">
+              <a:avLst/>
+            </a:prstGeom>
+            <a:solidFill>
+              <a:schemeClr val="tx1">
+                <a:lumMod val="85000"/>
+                <a:lumOff val="15000"/>
+              </a:schemeClr>
+            </a:solidFill>
+            <a:ln>
+              <a:noFill/>
+            </a:ln>
+          </p:spPr>
+          <p:style>
+            <a:lnRef idx="2">
+              <a:schemeClr val="accent1">
+                <a:shade val="50000"/>
+              </a:schemeClr>
+            </a:lnRef>
+            <a:fillRef idx="1">
+              <a:schemeClr val="accent1"/>
+            </a:fillRef>
+            <a:effectRef idx="0">
+              <a:schemeClr val="accent1"/>
+            </a:effectRef>
+            <a:fontRef idx="minor">
+              <a:schemeClr val="lt1"/>
+            </a:fontRef>
+          </p:style>
+          <p:txBody>
+            <a:bodyPr rtlCol="0" anchor="ctr"/>
+            <a:lstStyle/>
+            <a:p>
+              <a:pPr algn="ctr"/>
+              <a:endParaRPr kumimoji="1" lang="ja-JP" altLang="en-US"/>
+            </a:p>
+          </p:txBody>
+        </p:sp>
+        <p:sp>
+          <p:nvSpPr>
+            <p:cNvPr id="49" name="正方形/長方形 48">
+              <a:extLst>
+                <a:ext uri="{FF2B5EF4-FFF2-40B4-BE49-F238E27FC236}">
+                  <a16:creationId xmlns:a16="http://schemas.microsoft.com/office/drawing/2014/main" id="{81FEBC8F-8CB2-144B-B180-64B5302CF526}"/>
+                </a:ext>
+              </a:extLst>
+            </p:cNvPr>
+            <p:cNvSpPr/>
+            <p:nvPr/>
+          </p:nvSpPr>
+          <p:spPr>
+            <a:xfrm>
+              <a:off x="4285203" y="2670916"/>
+              <a:ext cx="72000" cy="288000"/>
+            </a:xfrm>
+            <a:prstGeom prst="rect">
+              <a:avLst/>
+            </a:prstGeom>
+            <a:solidFill>
+              <a:schemeClr val="tx1">
+                <a:lumMod val="85000"/>
+                <a:lumOff val="15000"/>
+              </a:schemeClr>
+            </a:solidFill>
+            <a:ln>
+              <a:noFill/>
+            </a:ln>
+          </p:spPr>
+          <p:style>
+            <a:lnRef idx="2">
+              <a:schemeClr val="accent1">
+                <a:shade val="50000"/>
+              </a:schemeClr>
+            </a:lnRef>
+            <a:fillRef idx="1">
+              <a:schemeClr val="accent1"/>
+            </a:fillRef>
+            <a:effectRef idx="0">
+              <a:schemeClr val="accent1"/>
+            </a:effectRef>
+            <a:fontRef idx="minor">
+              <a:schemeClr val="lt1"/>
+            </a:fontRef>
+          </p:style>
+          <p:txBody>
+            <a:bodyPr rtlCol="0" anchor="ctr"/>
+            <a:lstStyle/>
+            <a:p>
+              <a:pPr algn="ctr"/>
+              <a:endParaRPr kumimoji="1" lang="ja-JP" altLang="en-US"/>
+            </a:p>
+          </p:txBody>
+        </p:sp>
+        <p:sp>
+          <p:nvSpPr>
+            <p:cNvPr id="50" name="正方形/長方形 49">
+              <a:extLst>
+                <a:ext uri="{FF2B5EF4-FFF2-40B4-BE49-F238E27FC236}">
+                  <a16:creationId xmlns:a16="http://schemas.microsoft.com/office/drawing/2014/main" id="{7FA20B0F-FEF1-3248-BAAB-083218D0A361}"/>
+                </a:ext>
+              </a:extLst>
+            </p:cNvPr>
+            <p:cNvSpPr/>
+            <p:nvPr/>
+          </p:nvSpPr>
+          <p:spPr>
+            <a:xfrm rot="16200000">
+              <a:off x="4893928" y="2346916"/>
+              <a:ext cx="72000" cy="1296000"/>
+            </a:xfrm>
+            <a:prstGeom prst="rect">
+              <a:avLst/>
+            </a:prstGeom>
+            <a:solidFill>
+              <a:schemeClr val="tx1">
+                <a:lumMod val="85000"/>
+                <a:lumOff val="15000"/>
+              </a:schemeClr>
+            </a:solidFill>
+            <a:ln>
+              <a:noFill/>
+            </a:ln>
+          </p:spPr>
+          <p:style>
+            <a:lnRef idx="2">
+              <a:schemeClr val="accent1">
+                <a:shade val="50000"/>
+              </a:schemeClr>
+            </a:lnRef>
+            <a:fillRef idx="1">
+              <a:schemeClr val="accent1"/>
+            </a:fillRef>
+            <a:effectRef idx="0">
+              <a:schemeClr val="accent1"/>
+            </a:effectRef>
+            <a:fontRef idx="minor">
+              <a:schemeClr val="lt1"/>
+            </a:fontRef>
+          </p:style>
+          <p:txBody>
+            <a:bodyPr rtlCol="0" anchor="ctr"/>
+            <a:lstStyle/>
+            <a:p>
+              <a:pPr algn="ctr"/>
+              <a:endParaRPr kumimoji="1" lang="ja-JP" altLang="en-US"/>
+            </a:p>
+          </p:txBody>
+        </p:sp>
+        <p:sp>
+          <p:nvSpPr>
+            <p:cNvPr id="51" name="正方形/長方形 50">
+              <a:extLst>
+                <a:ext uri="{FF2B5EF4-FFF2-40B4-BE49-F238E27FC236}">
+                  <a16:creationId xmlns:a16="http://schemas.microsoft.com/office/drawing/2014/main" id="{EAF6CDAF-654E-9E4A-A1D8-BA3F334CDDDA}"/>
+                </a:ext>
+              </a:extLst>
+            </p:cNvPr>
+            <p:cNvSpPr/>
+            <p:nvPr/>
+          </p:nvSpPr>
+          <p:spPr>
+            <a:xfrm rot="10800000">
+              <a:off x="5518491" y="1366006"/>
+              <a:ext cx="72000" cy="1656000"/>
+            </a:xfrm>
+            <a:prstGeom prst="rect">
+              <a:avLst/>
+            </a:prstGeom>
+            <a:solidFill>
+              <a:schemeClr val="tx1">
+                <a:lumMod val="85000"/>
+                <a:lumOff val="15000"/>
+              </a:schemeClr>
+            </a:solidFill>
+            <a:ln>
+              <a:noFill/>
+            </a:ln>
+          </p:spPr>
+          <p:style>
+            <a:lnRef idx="2">
+              <a:schemeClr val="accent1">
+                <a:shade val="50000"/>
+              </a:schemeClr>
+            </a:lnRef>
+            <a:fillRef idx="1">
+              <a:schemeClr val="accent1"/>
+            </a:fillRef>
+            <a:effectRef idx="0">
+              <a:schemeClr val="accent1"/>
+            </a:effectRef>
+            <a:fontRef idx="minor">
+              <a:schemeClr val="lt1"/>
+            </a:fontRef>
+          </p:style>
+          <p:txBody>
+            <a:bodyPr rtlCol="0" anchor="ctr"/>
+            <a:lstStyle/>
+            <a:p>
+              <a:pPr algn="ctr"/>
+              <a:endParaRPr kumimoji="1" lang="ja-JP" altLang="en-US"/>
+            </a:p>
+          </p:txBody>
+        </p:sp>
+        <p:sp>
+          <p:nvSpPr>
+            <p:cNvPr id="52" name="下矢印 51">
+              <a:extLst>
+                <a:ext uri="{FF2B5EF4-FFF2-40B4-BE49-F238E27FC236}">
+                  <a16:creationId xmlns:a16="http://schemas.microsoft.com/office/drawing/2014/main" id="{4E5DAF6A-3E94-9F4F-8C3B-250F1621E890}"/>
+                </a:ext>
+              </a:extLst>
+            </p:cNvPr>
+            <p:cNvSpPr/>
+            <p:nvPr/>
+          </p:nvSpPr>
+          <p:spPr>
+            <a:xfrm rot="5400000">
+              <a:off x="5320193" y="1173347"/>
+              <a:ext cx="180000" cy="360000"/>
+            </a:xfrm>
+            <a:prstGeom prst="downArrow">
+              <a:avLst/>
+            </a:prstGeom>
+            <a:solidFill>
+              <a:schemeClr val="tx1">
+                <a:lumMod val="85000"/>
+                <a:lumOff val="15000"/>
+              </a:schemeClr>
+            </a:solidFill>
+            <a:ln>
+              <a:noFill/>
+            </a:ln>
+          </p:spPr>
+          <p:style>
+            <a:lnRef idx="2">
+              <a:schemeClr val="accent1">
+                <a:shade val="50000"/>
+              </a:schemeClr>
+            </a:lnRef>
+            <a:fillRef idx="1">
+              <a:schemeClr val="accent1"/>
+            </a:fillRef>
+            <a:effectRef idx="0">
+              <a:schemeClr val="accent1"/>
+            </a:effectRef>
+            <a:fontRef idx="minor">
+              <a:schemeClr val="lt1"/>
+            </a:fontRef>
+          </p:style>
+          <p:txBody>
+            <a:bodyPr rtlCol="0" anchor="ctr"/>
+            <a:lstStyle/>
+            <a:p>
+              <a:pPr algn="ctr"/>
+              <a:endParaRPr kumimoji="1" lang="ja-JP" altLang="en-US"/>
+            </a:p>
+          </p:txBody>
+        </p:sp>
+      </p:grpSp>
     </p:spTree>
     <p:extLst>
       <p:ext uri="{BB962C8B-B14F-4D97-AF65-F5344CB8AC3E}">

--- a/presentation/出す.pptx
+++ b/presentation/出す.pptx
@@ -5,10 +5,10 @@
     <p:sldMasterId id="2147483648" r:id="rId1"/>
   </p:sldMasterIdLst>
   <p:notesMasterIdLst>
-    <p:notesMasterId r:id="rId17"/>
+    <p:notesMasterId r:id="rId18"/>
   </p:notesMasterIdLst>
   <p:handoutMasterIdLst>
-    <p:handoutMasterId r:id="rId18"/>
+    <p:handoutMasterId r:id="rId19"/>
   </p:handoutMasterIdLst>
   <p:sldIdLst>
     <p:sldId id="256" r:id="rId2"/>
@@ -17,15 +17,16 @@
     <p:sldId id="277" r:id="rId5"/>
     <p:sldId id="300" r:id="rId6"/>
     <p:sldId id="298" r:id="rId7"/>
-    <p:sldId id="301" r:id="rId8"/>
-    <p:sldId id="297" r:id="rId9"/>
-    <p:sldId id="306" r:id="rId10"/>
-    <p:sldId id="302" r:id="rId11"/>
-    <p:sldId id="303" r:id="rId12"/>
-    <p:sldId id="304" r:id="rId13"/>
-    <p:sldId id="305" r:id="rId14"/>
-    <p:sldId id="307" r:id="rId15"/>
-    <p:sldId id="308" r:id="rId16"/>
+    <p:sldId id="310" r:id="rId8"/>
+    <p:sldId id="311" r:id="rId9"/>
+    <p:sldId id="297" r:id="rId10"/>
+    <p:sldId id="306" r:id="rId11"/>
+    <p:sldId id="302" r:id="rId12"/>
+    <p:sldId id="303" r:id="rId13"/>
+    <p:sldId id="304" r:id="rId14"/>
+    <p:sldId id="305" r:id="rId15"/>
+    <p:sldId id="307" r:id="rId16"/>
+    <p:sldId id="308" r:id="rId17"/>
   </p:sldIdLst>
   <p:sldSz cx="9144000" cy="5715000" type="screen16x10"/>
   <p:notesSz cx="6858000" cy="9144000"/>
@@ -237,7 +238,7 @@
           <a:p>
             <a:fld id="{4381EEF4-F406-5245-BD70-0B04FD11DD31}" type="datetimeFigureOut">
               <a:rPr kumimoji="1" lang="ja-JP" altLang="en-US" smtClean="0"/>
-              <a:t>2019/1/29</a:t>
+              <a:t>2019/1/31</a:t>
             </a:fld>
             <a:endParaRPr kumimoji="1" lang="ja-JP" altLang="en-US"/>
           </a:p>
@@ -414,7 +415,7 @@
           <a:p>
             <a:fld id="{40BF4DA1-D7BA-914A-B8F3-2ACC14DE8512}" type="datetimeFigureOut">
               <a:rPr kumimoji="1" lang="ja-JP" altLang="en-US" smtClean="0"/>
-              <a:t>2019/1/29</a:t>
+              <a:t>2019/1/31</a:t>
             </a:fld>
             <a:endParaRPr kumimoji="1" lang="ja-JP" altLang="en-US"/>
           </a:p>
@@ -953,7 +954,7 @@
           <a:p>
             <a:fld id="{8D22CCAF-5AEF-9449-99A7-ED4E1DBA0232}" type="slidenum">
               <a:rPr kumimoji="1" lang="ja-JP" altLang="en-US" smtClean="0"/>
-              <a:t>8</a:t>
+              <a:t>9</a:t>
             </a:fld>
             <a:endParaRPr kumimoji="1" lang="ja-JP" altLang="en-US"/>
           </a:p>
@@ -1037,7 +1038,7 @@
           <a:p>
             <a:fld id="{8D22CCAF-5AEF-9449-99A7-ED4E1DBA0232}" type="slidenum">
               <a:rPr kumimoji="1" lang="ja-JP" altLang="en-US" smtClean="0"/>
-              <a:t>10</a:t>
+              <a:t>11</a:t>
             </a:fld>
             <a:endParaRPr kumimoji="1" lang="ja-JP" altLang="en-US"/>
           </a:p>
@@ -1121,7 +1122,7 @@
           <a:p>
             <a:fld id="{8D22CCAF-5AEF-9449-99A7-ED4E1DBA0232}" type="slidenum">
               <a:rPr kumimoji="1" lang="ja-JP" altLang="en-US" smtClean="0"/>
-              <a:t>11</a:t>
+              <a:t>12</a:t>
             </a:fld>
             <a:endParaRPr kumimoji="1" lang="ja-JP" altLang="en-US"/>
           </a:p>
@@ -1205,7 +1206,7 @@
           <a:p>
             <a:fld id="{8D22CCAF-5AEF-9449-99A7-ED4E1DBA0232}" type="slidenum">
               <a:rPr kumimoji="1" lang="ja-JP" altLang="en-US" smtClean="0"/>
-              <a:t>12</a:t>
+              <a:t>13</a:t>
             </a:fld>
             <a:endParaRPr kumimoji="1" lang="ja-JP" altLang="en-US"/>
           </a:p>
@@ -1289,7 +1290,7 @@
           <a:p>
             <a:fld id="{8D22CCAF-5AEF-9449-99A7-ED4E1DBA0232}" type="slidenum">
               <a:rPr kumimoji="1" lang="ja-JP" altLang="en-US" smtClean="0"/>
-              <a:t>13</a:t>
+              <a:t>14</a:t>
             </a:fld>
             <a:endParaRPr kumimoji="1" lang="ja-JP" altLang="en-US"/>
           </a:p>
@@ -1373,7 +1374,7 @@
           <a:p>
             <a:fld id="{8D22CCAF-5AEF-9449-99A7-ED4E1DBA0232}" type="slidenum">
               <a:rPr kumimoji="1" lang="ja-JP" altLang="en-US" smtClean="0"/>
-              <a:t>14</a:t>
+              <a:t>15</a:t>
             </a:fld>
             <a:endParaRPr kumimoji="1" lang="ja-JP" altLang="en-US"/>
           </a:p>
@@ -1457,7 +1458,7 @@
           <a:p>
             <a:fld id="{8D22CCAF-5AEF-9449-99A7-ED4E1DBA0232}" type="slidenum">
               <a:rPr kumimoji="1" lang="ja-JP" altLang="en-US" smtClean="0"/>
-              <a:t>15</a:t>
+              <a:t>16</a:t>
             </a:fld>
             <a:endParaRPr kumimoji="1" lang="ja-JP" altLang="en-US"/>
           </a:p>
@@ -1655,7 +1656,7 @@
           <a:p>
             <a:fld id="{BCA346BF-520C-8945-8905-F8B705749369}" type="datetimeFigureOut">
               <a:rPr kumimoji="1" lang="ja-JP" altLang="en-US" smtClean="0"/>
-              <a:t>2019/1/29</a:t>
+              <a:t>2019/1/31</a:t>
             </a:fld>
             <a:endParaRPr kumimoji="1" lang="ja-JP" altLang="en-US"/>
           </a:p>
@@ -1855,7 +1856,7 @@
           <a:p>
             <a:fld id="{BCA346BF-520C-8945-8905-F8B705749369}" type="datetimeFigureOut">
               <a:rPr kumimoji="1" lang="ja-JP" altLang="en-US" smtClean="0"/>
-              <a:t>2019/1/29</a:t>
+              <a:t>2019/1/31</a:t>
             </a:fld>
             <a:endParaRPr kumimoji="1" lang="ja-JP" altLang="en-US"/>
           </a:p>
@@ -2065,7 +2066,7 @@
           <a:p>
             <a:fld id="{BCA346BF-520C-8945-8905-F8B705749369}" type="datetimeFigureOut">
               <a:rPr kumimoji="1" lang="ja-JP" altLang="en-US" smtClean="0"/>
-              <a:t>2019/1/29</a:t>
+              <a:t>2019/1/31</a:t>
             </a:fld>
             <a:endParaRPr kumimoji="1" lang="ja-JP" altLang="en-US"/>
           </a:p>
@@ -2265,7 +2266,7 @@
           <a:p>
             <a:fld id="{BCA346BF-520C-8945-8905-F8B705749369}" type="datetimeFigureOut">
               <a:rPr kumimoji="1" lang="ja-JP" altLang="en-US" smtClean="0"/>
-              <a:t>2019/1/29</a:t>
+              <a:t>2019/1/31</a:t>
             </a:fld>
             <a:endParaRPr kumimoji="1" lang="ja-JP" altLang="en-US"/>
           </a:p>
@@ -2510,7 +2511,7 @@
           <a:p>
             <a:fld id="{BCA346BF-520C-8945-8905-F8B705749369}" type="datetimeFigureOut">
               <a:rPr kumimoji="1" lang="ja-JP" altLang="en-US" smtClean="0"/>
-              <a:t>2019/1/29</a:t>
+              <a:t>2019/1/31</a:t>
             </a:fld>
             <a:endParaRPr kumimoji="1" lang="ja-JP" altLang="en-US"/>
           </a:p>
@@ -2859,7 +2860,7 @@
           <a:p>
             <a:fld id="{BCA346BF-520C-8945-8905-F8B705749369}" type="datetimeFigureOut">
               <a:rPr kumimoji="1" lang="ja-JP" altLang="en-US" smtClean="0"/>
-              <a:t>2019/1/29</a:t>
+              <a:t>2019/1/31</a:t>
             </a:fld>
             <a:endParaRPr kumimoji="1" lang="ja-JP" altLang="en-US"/>
           </a:p>
@@ -3342,7 +3343,7 @@
           <a:p>
             <a:fld id="{BCA346BF-520C-8945-8905-F8B705749369}" type="datetimeFigureOut">
               <a:rPr kumimoji="1" lang="ja-JP" altLang="en-US" smtClean="0"/>
-              <a:t>2019/1/29</a:t>
+              <a:t>2019/1/31</a:t>
             </a:fld>
             <a:endParaRPr kumimoji="1" lang="ja-JP" altLang="en-US"/>
           </a:p>
@@ -3459,7 +3460,7 @@
           <a:p>
             <a:fld id="{BCA346BF-520C-8945-8905-F8B705749369}" type="datetimeFigureOut">
               <a:rPr kumimoji="1" lang="ja-JP" altLang="en-US" smtClean="0"/>
-              <a:t>2019/1/29</a:t>
+              <a:t>2019/1/31</a:t>
             </a:fld>
             <a:endParaRPr kumimoji="1" lang="ja-JP" altLang="en-US"/>
           </a:p>
@@ -3554,7 +3555,7 @@
           <a:p>
             <a:fld id="{BCA346BF-520C-8945-8905-F8B705749369}" type="datetimeFigureOut">
               <a:rPr kumimoji="1" lang="ja-JP" altLang="en-US" smtClean="0"/>
-              <a:t>2019/1/29</a:t>
+              <a:t>2019/1/31</a:t>
             </a:fld>
             <a:endParaRPr kumimoji="1" lang="ja-JP" altLang="en-US"/>
           </a:p>
@@ -3861,7 +3862,7 @@
           <a:p>
             <a:fld id="{BCA346BF-520C-8945-8905-F8B705749369}" type="datetimeFigureOut">
               <a:rPr kumimoji="1" lang="ja-JP" altLang="en-US" smtClean="0"/>
-              <a:t>2019/1/29</a:t>
+              <a:t>2019/1/31</a:t>
             </a:fld>
             <a:endParaRPr kumimoji="1" lang="ja-JP" altLang="en-US"/>
           </a:p>
@@ -4116,7 +4117,7 @@
           <a:p>
             <a:fld id="{BCA346BF-520C-8945-8905-F8B705749369}" type="datetimeFigureOut">
               <a:rPr kumimoji="1" lang="ja-JP" altLang="en-US" smtClean="0"/>
-              <a:t>2019/1/29</a:t>
+              <a:t>2019/1/31</a:t>
             </a:fld>
             <a:endParaRPr kumimoji="1" lang="ja-JP" altLang="en-US"/>
           </a:p>
@@ -4359,7 +4360,7 @@
           <a:p>
             <a:fld id="{BCA346BF-520C-8945-8905-F8B705749369}" type="datetimeFigureOut">
               <a:rPr kumimoji="1" lang="ja-JP" altLang="en-US" smtClean="0"/>
-              <a:t>2019/1/29</a:t>
+              <a:t>2019/1/31</a:t>
             </a:fld>
             <a:endParaRPr kumimoji="1" lang="ja-JP" altLang="en-US"/>
           </a:p>
@@ -5069,6 +5070,36 @@
           <a:chExt cx="0" cy="0"/>
         </a:xfrm>
       </p:grpSpPr>
+    </p:spTree>
+    <p:extLst>
+      <p:ext uri="{BB962C8B-B14F-4D97-AF65-F5344CB8AC3E}">
+        <p14:creationId xmlns:p14="http://schemas.microsoft.com/office/powerpoint/2010/main" val="2173470402"/>
+      </p:ext>
+    </p:extLst>
+  </p:cSld>
+  <p:clrMapOvr>
+    <a:masterClrMapping/>
+  </p:clrMapOvr>
+</p:sld>
+</file>
+
+<file path=ppt/slides/slide11.xml><?xml version="1.0" encoding="utf-8"?>
+<p:sld xmlns:a="http://schemas.openxmlformats.org/drawingml/2006/main" xmlns:r="http://schemas.openxmlformats.org/officeDocument/2006/relationships" xmlns:p="http://schemas.openxmlformats.org/presentationml/2006/main">
+  <p:cSld>
+    <p:spTree>
+      <p:nvGrpSpPr>
+        <p:cNvPr id="1" name=""/>
+        <p:cNvGrpSpPr/>
+        <p:nvPr/>
+      </p:nvGrpSpPr>
+      <p:grpSpPr>
+        <a:xfrm>
+          <a:off x="0" y="0"/>
+          <a:ext cx="0" cy="0"/>
+          <a:chOff x="0" y="0"/>
+          <a:chExt cx="0" cy="0"/>
+        </a:xfrm>
+      </p:grpSpPr>
       <p:cxnSp>
         <p:nvCxnSpPr>
           <p:cNvPr id="6" name="直線コネクタ 5">
@@ -5220,7 +5251,7 @@
 </p:sld>
 </file>
 
-<file path=ppt/slides/slide11.xml><?xml version="1.0" encoding="utf-8"?>
+<file path=ppt/slides/slide12.xml><?xml version="1.0" encoding="utf-8"?>
 <p:sld xmlns:a="http://schemas.openxmlformats.org/drawingml/2006/main" xmlns:r="http://schemas.openxmlformats.org/officeDocument/2006/relationships" xmlns:p="http://schemas.openxmlformats.org/presentationml/2006/main">
   <p:cSld>
     <p:spTree>
@@ -5388,7 +5419,7 @@
 </p:sld>
 </file>
 
-<file path=ppt/slides/slide12.xml><?xml version="1.0" encoding="utf-8"?>
+<file path=ppt/slides/slide13.xml><?xml version="1.0" encoding="utf-8"?>
 <p:sld xmlns:a="http://schemas.openxmlformats.org/drawingml/2006/main" xmlns:r="http://schemas.openxmlformats.org/officeDocument/2006/relationships" xmlns:p="http://schemas.openxmlformats.org/presentationml/2006/main">
   <p:cSld>
     <p:spTree>
@@ -5556,7 +5587,7 @@
 </p:sld>
 </file>
 
-<file path=ppt/slides/slide13.xml><?xml version="1.0" encoding="utf-8"?>
+<file path=ppt/slides/slide14.xml><?xml version="1.0" encoding="utf-8"?>
 <p:sld xmlns:a="http://schemas.openxmlformats.org/drawingml/2006/main" xmlns:r="http://schemas.openxmlformats.org/officeDocument/2006/relationships" xmlns:p="http://schemas.openxmlformats.org/presentationml/2006/main">
   <p:cSld>
     <p:spTree>
@@ -5729,7 +5760,7 @@
 </p:sld>
 </file>
 
-<file path=ppt/slides/slide14.xml><?xml version="1.0" encoding="utf-8"?>
+<file path=ppt/slides/slide15.xml><?xml version="1.0" encoding="utf-8"?>
 <p:sld xmlns:a="http://schemas.openxmlformats.org/drawingml/2006/main" xmlns:r="http://schemas.openxmlformats.org/officeDocument/2006/relationships" xmlns:p="http://schemas.openxmlformats.org/presentationml/2006/main">
   <p:cSld>
     <p:spTree>
@@ -5913,7 +5944,7 @@
 </p:sld>
 </file>
 
-<file path=ppt/slides/slide15.xml><?xml version="1.0" encoding="utf-8"?>
+<file path=ppt/slides/slide16.xml><?xml version="1.0" encoding="utf-8"?>
 <p:sld xmlns:a="http://schemas.openxmlformats.org/drawingml/2006/main" xmlns:r="http://schemas.openxmlformats.org/officeDocument/2006/relationships" xmlns:p="http://schemas.openxmlformats.org/presentationml/2006/main">
   <p:cSld>
     <p:spTree>
@@ -6381,7 +6412,7 @@
             <p:spPr>
               <a:xfrm>
                 <a:off x="2564776" y="3126724"/>
-                <a:ext cx="6340197" cy="707886"/>
+                <a:ext cx="6083717" cy="707886"/>
               </a:xfrm>
               <a:prstGeom prst="rect">
                 <a:avLst/>
@@ -6395,7 +6426,7 @@
               <a:lstStyle/>
               <a:p>
                 <a:r>
-                  <a:rPr lang="ja-JP" altLang="en-US" sz="2000">
+                  <a:rPr lang="ja-JP" altLang="en-US" sz="2000" dirty="0">
                     <a:latin typeface="ヒラギノ角ゴ ProN W3"/>
                     <a:ea typeface="ヒラギノ角ゴ ProN W3"/>
                     <a:cs typeface="ヒラギノ角ゴ ProN W3"/>
@@ -6427,12 +6458,12 @@
                   <a:t> Unit)</a:t>
                 </a:r>
                 <a:r>
-                  <a:rPr lang="ja-JP" altLang="en-US" sz="2000">
+                  <a:rPr lang="ja-JP" altLang="en-US" sz="2000" dirty="0">
                     <a:latin typeface="ヒラギノ角ゴ ProN W3"/>
                     <a:ea typeface="ヒラギノ角ゴ ProN W3"/>
                     <a:cs typeface="ヒラギノ角ゴ ProN W3"/>
                   </a:rPr>
-                  <a:t>を</a:t>
+                  <a:t>を利用し，</a:t>
                 </a:r>
                 <a:endParaRPr lang="en-US" altLang="ja-JP" sz="2000" dirty="0">
                   <a:latin typeface="ヒラギノ角ゴ ProN W3"/>
@@ -6442,12 +6473,12 @@
               </a:p>
               <a:p>
                 <a:r>
-                  <a:rPr lang="ja-JP" altLang="en-US" sz="2000">
+                  <a:rPr lang="ja-JP" altLang="en-US" sz="2000" dirty="0">
                     <a:latin typeface="ヒラギノ角ゴ ProN W3"/>
                     <a:ea typeface="ヒラギノ角ゴ ProN W3"/>
                     <a:cs typeface="ヒラギノ角ゴ ProN W3"/>
                   </a:rPr>
-                  <a:t>利用し，高負荷なシミュレータ教材の処理速度の向上</a:t>
+                  <a:t>高負荷なシミュレータ教材の処理速度を向上させた</a:t>
                 </a:r>
                 <a:endParaRPr lang="en-US" altLang="ja-JP" sz="2000" dirty="0">
                   <a:latin typeface="ヒラギノ角ゴ ProN W3"/>
@@ -6863,7 +6894,7 @@
             <a:lstStyle/>
             <a:p>
               <a:r>
-                <a:rPr lang="ja-JP" altLang="en-US" sz="2000">
+                <a:rPr lang="ja-JP" altLang="en-US" sz="2000" dirty="0">
                   <a:latin typeface="ヒラギノ角ゴ ProN W3"/>
                   <a:ea typeface="ヒラギノ角ゴ ProN W3"/>
                   <a:cs typeface="ヒラギノ角ゴ ProN W3"/>
@@ -6879,7 +6910,7 @@
                 <a:t>e-Learning</a:t>
               </a:r>
               <a:r>
-                <a:rPr lang="ja-JP" altLang="en-US" sz="2000">
+                <a:rPr lang="ja-JP" altLang="en-US" sz="2000" dirty="0">
                   <a:latin typeface="ヒラギノ角ゴ ProN W3"/>
                   <a:ea typeface="ヒラギノ角ゴ ProN W3"/>
                   <a:cs typeface="ヒラギノ角ゴ ProN W3"/>
@@ -6895,7 +6926,7 @@
                 <a:t>1</a:t>
               </a:r>
               <a:r>
-                <a:rPr lang="ja-JP" altLang="en-US" sz="2000">
+                <a:rPr lang="ja-JP" altLang="en-US" sz="2000" dirty="0">
                   <a:latin typeface="ヒラギノ角ゴ ProN W3"/>
                   <a:ea typeface="ヒラギノ角ゴ ProN W3"/>
                   <a:cs typeface="ヒラギノ角ゴ ProN W3"/>
@@ -7099,7 +7130,7 @@
                   <a:t>e-Learning</a:t>
                 </a:r>
                 <a:r>
-                  <a:rPr lang="ja-JP" altLang="en-US" sz="2000">
+                  <a:rPr lang="ja-JP" altLang="en-US" sz="2000" dirty="0">
                     <a:latin typeface="ヒラギノ角ゴ ProN W3"/>
                     <a:ea typeface="ヒラギノ角ゴ ProN W3"/>
                     <a:cs typeface="ヒラギノ角ゴ ProN W3"/>
@@ -7114,7 +7145,7 @@
               </a:p>
               <a:p>
                 <a:r>
-                  <a:rPr lang="ja-JP" altLang="en-US" sz="2000">
+                  <a:rPr lang="ja-JP" altLang="en-US" sz="2000" dirty="0">
                     <a:latin typeface="ヒラギノ角ゴ ProN W3"/>
                     <a:ea typeface="ヒラギノ角ゴ ProN W3"/>
                     <a:cs typeface="ヒラギノ角ゴ ProN W3"/>
@@ -7160,7 +7191,7 @@
               <a:lstStyle/>
               <a:p>
                 <a:r>
-                  <a:rPr lang="ja-JP" altLang="en-US" sz="2000">
+                  <a:rPr lang="ja-JP" altLang="en-US" sz="2000" dirty="0">
                     <a:latin typeface="ヒラギノ角ゴ ProN W3"/>
                     <a:ea typeface="ヒラギノ角ゴ ProN W3"/>
                     <a:cs typeface="ヒラギノ角ゴ ProN W3"/>
@@ -7176,7 +7207,7 @@
                   <a:t>(</a:t>
                 </a:r>
                 <a:r>
-                  <a:rPr lang="ja-JP" altLang="en-US" sz="2000">
+                  <a:rPr lang="ja-JP" altLang="en-US" sz="2000" dirty="0">
                     <a:latin typeface="ヒラギノ角ゴ ProN W3"/>
                     <a:ea typeface="ヒラギノ角ゴ ProN W3"/>
                     <a:cs typeface="ヒラギノ角ゴ ProN W3"/>
@@ -7518,12 +7549,1987 @@
           </a:p>
         </p:txBody>
       </p:sp>
+      <p:grpSp>
+        <p:nvGrpSpPr>
+          <p:cNvPr id="8" name="グループ化 7">
+            <a:extLst>
+              <a:ext uri="{FF2B5EF4-FFF2-40B4-BE49-F238E27FC236}">
+                <a16:creationId xmlns:a16="http://schemas.microsoft.com/office/drawing/2014/main" id="{346FB371-B241-46E6-BE6F-17F6A0604762}"/>
+              </a:ext>
+            </a:extLst>
+          </p:cNvPr>
+          <p:cNvGrpSpPr/>
+          <p:nvPr/>
+        </p:nvGrpSpPr>
+        <p:grpSpPr>
+          <a:xfrm>
+            <a:off x="4701584" y="580529"/>
+            <a:ext cx="4183246" cy="1506428"/>
+            <a:chOff x="5710122" y="3173254"/>
+            <a:chExt cx="4183246" cy="1506428"/>
+          </a:xfrm>
+        </p:grpSpPr>
+        <p:sp>
+          <p:nvSpPr>
+            <p:cNvPr id="9" name="正方形/長方形 8">
+              <a:extLst>
+                <a:ext uri="{FF2B5EF4-FFF2-40B4-BE49-F238E27FC236}">
+                  <a16:creationId xmlns:a16="http://schemas.microsoft.com/office/drawing/2014/main" id="{43F4FAE6-45B5-414C-982B-7F7A4F11DBC6}"/>
+                </a:ext>
+              </a:extLst>
+            </p:cNvPr>
+            <p:cNvSpPr/>
+            <p:nvPr/>
+          </p:nvSpPr>
+          <p:spPr>
+            <a:xfrm>
+              <a:off x="5710122" y="3173254"/>
+              <a:ext cx="4183246" cy="1506428"/>
+            </a:xfrm>
+            <a:prstGeom prst="rect">
+              <a:avLst/>
+            </a:prstGeom>
+            <a:solidFill>
+              <a:schemeClr val="accent3">
+                <a:lumMod val="20000"/>
+                <a:lumOff val="80000"/>
+              </a:schemeClr>
+            </a:solidFill>
+            <a:ln>
+              <a:noFill/>
+            </a:ln>
+            <a:effectLst/>
+          </p:spPr>
+          <p:style>
+            <a:lnRef idx="1">
+              <a:schemeClr val="accent1"/>
+            </a:lnRef>
+            <a:fillRef idx="3">
+              <a:schemeClr val="accent1"/>
+            </a:fillRef>
+            <a:effectRef idx="2">
+              <a:schemeClr val="accent1"/>
+            </a:effectRef>
+            <a:fontRef idx="minor">
+              <a:schemeClr val="lt1"/>
+            </a:fontRef>
+          </p:style>
+          <p:txBody>
+            <a:bodyPr rot="0" spcFirstLastPara="0" vertOverflow="overflow" horzOverflow="overflow" vert="horz" wrap="square" lIns="91440" tIns="45720" rIns="91440" bIns="45720" numCol="1" spcCol="0" rtlCol="0" fromWordArt="0" anchor="ctr" anchorCtr="0" forceAA="0" compatLnSpc="1">
+              <a:prstTxWarp prst="textNoShape">
+                <a:avLst/>
+              </a:prstTxWarp>
+              <a:noAutofit/>
+            </a:bodyPr>
+            <a:lstStyle/>
+            <a:p>
+              <a:pPr algn="ctr"/>
+              <a:endParaRPr kumimoji="1" lang="ja-JP" altLang="en-US" dirty="0">
+                <a:solidFill>
+                  <a:schemeClr val="tx1"/>
+                </a:solidFill>
+                <a:latin typeface="ヒラギノ角ゴ ProN W3"/>
+                <a:ea typeface="ヒラギノ角ゴ ProN W3"/>
+                <a:cs typeface="ヒラギノ角ゴ ProN W3"/>
+              </a:endParaRPr>
+            </a:p>
+          </p:txBody>
+        </p:sp>
+        <p:grpSp>
+          <p:nvGrpSpPr>
+            <p:cNvPr id="10" name="グループ化 9">
+              <a:extLst>
+                <a:ext uri="{FF2B5EF4-FFF2-40B4-BE49-F238E27FC236}">
+                  <a16:creationId xmlns:a16="http://schemas.microsoft.com/office/drawing/2014/main" id="{37FA8412-1E4F-4557-BAC8-5F97446CB85C}"/>
+                </a:ext>
+              </a:extLst>
+            </p:cNvPr>
+            <p:cNvGrpSpPr/>
+            <p:nvPr/>
+          </p:nvGrpSpPr>
+          <p:grpSpPr>
+            <a:xfrm>
+              <a:off x="5788272" y="4170591"/>
+              <a:ext cx="3770416" cy="400110"/>
+              <a:chOff x="5734730" y="3862804"/>
+              <a:chExt cx="4175173" cy="400110"/>
+            </a:xfrm>
+          </p:grpSpPr>
+          <p:sp>
+            <p:nvSpPr>
+              <p:cNvPr id="16" name="テキスト ボックス 15">
+                <a:extLst>
+                  <a:ext uri="{FF2B5EF4-FFF2-40B4-BE49-F238E27FC236}">
+                    <a16:creationId xmlns:a16="http://schemas.microsoft.com/office/drawing/2014/main" id="{A0C10666-A201-42C6-993A-76A6340D5730}"/>
+                  </a:ext>
+                </a:extLst>
+              </p:cNvPr>
+              <p:cNvSpPr txBox="1"/>
+              <p:nvPr/>
+            </p:nvSpPr>
+            <p:spPr>
+              <a:xfrm>
+                <a:off x="5734730" y="3862804"/>
+                <a:ext cx="867545" cy="400110"/>
+              </a:xfrm>
+              <a:prstGeom prst="rect">
+                <a:avLst/>
+              </a:prstGeom>
+              <a:noFill/>
+            </p:spPr>
+            <p:txBody>
+              <a:bodyPr wrap="none" rtlCol="0">
+                <a:spAutoFit/>
+              </a:bodyPr>
+              <a:lstStyle/>
+              <a:p>
+                <a:r>
+                  <a:rPr kumimoji="1" lang="ja-JP" altLang="en-US" sz="2000" dirty="0">
+                    <a:latin typeface="ヒラギノ角ゴ ProN W3"/>
+                    <a:ea typeface="ヒラギノ角ゴ ProN W3"/>
+                    <a:cs typeface="ヒラギノ角ゴ ProN W3"/>
+                  </a:rPr>
+                  <a:t>手法</a:t>
+                </a:r>
+                <a:r>
+                  <a:rPr kumimoji="1" lang="en-US" altLang="ja-JP" sz="2000" dirty="0">
+                    <a:latin typeface="ヒラギノ角ゴ ProN W3"/>
+                    <a:ea typeface="ヒラギノ角ゴ ProN W3"/>
+                    <a:cs typeface="ヒラギノ角ゴ ProN W3"/>
+                  </a:rPr>
+                  <a:t>4</a:t>
+                </a:r>
+                <a:endParaRPr kumimoji="1" lang="ja-JP" altLang="en-US" sz="2000" dirty="0">
+                  <a:latin typeface="ヒラギノ角ゴ ProN W3"/>
+                  <a:ea typeface="ヒラギノ角ゴ ProN W3"/>
+                  <a:cs typeface="ヒラギノ角ゴ ProN W3"/>
+                </a:endParaRPr>
+              </a:p>
+            </p:txBody>
+          </p:sp>
+          <p:sp>
+            <p:nvSpPr>
+              <p:cNvPr id="17" name="テキスト ボックス 16">
+                <a:extLst>
+                  <a:ext uri="{FF2B5EF4-FFF2-40B4-BE49-F238E27FC236}">
+                    <a16:creationId xmlns:a16="http://schemas.microsoft.com/office/drawing/2014/main" id="{6E555D85-1188-4A38-87D7-36C8606BF3FF}"/>
+                  </a:ext>
+                </a:extLst>
+              </p:cNvPr>
+              <p:cNvSpPr txBox="1"/>
+              <p:nvPr/>
+            </p:nvSpPr>
+            <p:spPr>
+              <a:xfrm>
+                <a:off x="6676325" y="3862804"/>
+                <a:ext cx="3233578" cy="400110"/>
+              </a:xfrm>
+              <a:prstGeom prst="rect">
+                <a:avLst/>
+              </a:prstGeom>
+              <a:noFill/>
+            </p:spPr>
+            <p:txBody>
+              <a:bodyPr wrap="none" rtlCol="0">
+                <a:spAutoFit/>
+              </a:bodyPr>
+              <a:lstStyle/>
+              <a:p>
+                <a:r>
+                  <a:rPr kumimoji="1" lang="ja-JP" altLang="en-US" sz="2000" dirty="0">
+                    <a:latin typeface="ヒラギノ角ゴ ProN W3"/>
+                    <a:ea typeface="ヒラギノ角ゴ ProN W3"/>
+                    <a:cs typeface="ヒラギノ角ゴ ProN W3"/>
+                  </a:rPr>
+                  <a:t>手法</a:t>
+                </a:r>
+                <a:r>
+                  <a:rPr kumimoji="1" lang="en-US" altLang="ja-JP" sz="2000" dirty="0">
+                    <a:latin typeface="ヒラギノ角ゴ ProN W3"/>
+                    <a:ea typeface="ヒラギノ角ゴ ProN W3"/>
+                    <a:cs typeface="ヒラギノ角ゴ ProN W3"/>
+                  </a:rPr>
+                  <a:t>3+OffscreenCanvas</a:t>
+                </a:r>
+                <a:endParaRPr kumimoji="1" lang="ja-JP" altLang="en-US" sz="2000" dirty="0">
+                  <a:latin typeface="ヒラギノ角ゴ ProN W3"/>
+                  <a:ea typeface="ヒラギノ角ゴ ProN W3"/>
+                  <a:cs typeface="ヒラギノ角ゴ ProN W3"/>
+                </a:endParaRPr>
+              </a:p>
+            </p:txBody>
+          </p:sp>
+        </p:grpSp>
+        <p:grpSp>
+          <p:nvGrpSpPr>
+            <p:cNvPr id="11" name="グループ化 10">
+              <a:extLst>
+                <a:ext uri="{FF2B5EF4-FFF2-40B4-BE49-F238E27FC236}">
+                  <a16:creationId xmlns:a16="http://schemas.microsoft.com/office/drawing/2014/main" id="{77C3EE74-14F8-4DF3-AF43-5CB3C570B64D}"/>
+                </a:ext>
+              </a:extLst>
+            </p:cNvPr>
+            <p:cNvGrpSpPr/>
+            <p:nvPr/>
+          </p:nvGrpSpPr>
+          <p:grpSpPr>
+            <a:xfrm>
+              <a:off x="5788272" y="3753776"/>
+              <a:ext cx="3798667" cy="412496"/>
+              <a:chOff x="5734730" y="3188094"/>
+              <a:chExt cx="4206456" cy="412496"/>
+            </a:xfrm>
+          </p:grpSpPr>
+          <p:sp>
+            <p:nvSpPr>
+              <p:cNvPr id="13" name="テキスト ボックス 12">
+                <a:extLst>
+                  <a:ext uri="{FF2B5EF4-FFF2-40B4-BE49-F238E27FC236}">
+                    <a16:creationId xmlns:a16="http://schemas.microsoft.com/office/drawing/2014/main" id="{EE748E68-7D70-4493-B11D-1F2A0B2C9CB0}"/>
+                  </a:ext>
+                </a:extLst>
+              </p:cNvPr>
+              <p:cNvSpPr txBox="1"/>
+              <p:nvPr/>
+            </p:nvSpPr>
+            <p:spPr>
+              <a:xfrm>
+                <a:off x="5734730" y="3188094"/>
+                <a:ext cx="865943" cy="400110"/>
+              </a:xfrm>
+              <a:prstGeom prst="rect">
+                <a:avLst/>
+              </a:prstGeom>
+              <a:noFill/>
+            </p:spPr>
+            <p:txBody>
+              <a:bodyPr wrap="none" rtlCol="0">
+                <a:spAutoFit/>
+              </a:bodyPr>
+              <a:lstStyle/>
+              <a:p>
+                <a:r>
+                  <a:rPr kumimoji="1" lang="ja-JP" altLang="en-US" sz="2000" dirty="0">
+                    <a:latin typeface="ヒラギノ角ゴ ProN W3"/>
+                    <a:ea typeface="ヒラギノ角ゴ ProN W3"/>
+                    <a:cs typeface="ヒラギノ角ゴ ProN W3"/>
+                  </a:rPr>
+                  <a:t>手法</a:t>
+                </a:r>
+                <a:r>
+                  <a:rPr kumimoji="1" lang="en-US" altLang="ja-JP" sz="2000" dirty="0">
+                    <a:latin typeface="ヒラギノ角ゴ ProN W3"/>
+                    <a:ea typeface="ヒラギノ角ゴ ProN W3"/>
+                    <a:cs typeface="ヒラギノ角ゴ ProN W3"/>
+                  </a:rPr>
+                  <a:t>3</a:t>
+                </a:r>
+                <a:endParaRPr kumimoji="1" lang="ja-JP" altLang="en-US" sz="2000" dirty="0">
+                  <a:latin typeface="ヒラギノ角ゴ ProN W3"/>
+                  <a:ea typeface="ヒラギノ角ゴ ProN W3"/>
+                  <a:cs typeface="ヒラギノ角ゴ ProN W3"/>
+                </a:endParaRPr>
+              </a:p>
+            </p:txBody>
+          </p:sp>
+          <p:sp>
+            <p:nvSpPr>
+              <p:cNvPr id="14" name="テキスト ボックス 13">
+                <a:extLst>
+                  <a:ext uri="{FF2B5EF4-FFF2-40B4-BE49-F238E27FC236}">
+                    <a16:creationId xmlns:a16="http://schemas.microsoft.com/office/drawing/2014/main" id="{2C95D9B5-8837-41F8-9226-A27CC59F94DF}"/>
+                  </a:ext>
+                </a:extLst>
+              </p:cNvPr>
+              <p:cNvSpPr txBox="1"/>
+              <p:nvPr/>
+            </p:nvSpPr>
+            <p:spPr>
+              <a:xfrm>
+                <a:off x="6766919" y="3200480"/>
+                <a:ext cx="3174267" cy="400110"/>
+              </a:xfrm>
+              <a:prstGeom prst="rect">
+                <a:avLst/>
+              </a:prstGeom>
+              <a:noFill/>
+            </p:spPr>
+            <p:txBody>
+              <a:bodyPr wrap="none" rtlCol="0">
+                <a:spAutoFit/>
+              </a:bodyPr>
+              <a:lstStyle/>
+              <a:p>
+                <a:r>
+                  <a:rPr kumimoji="1" lang="ja-JP" altLang="en-US" sz="2000" dirty="0">
+                    <a:latin typeface="ヒラギノ角ゴ ProN W3"/>
+                    <a:ea typeface="ヒラギノ角ゴ ProN W3"/>
+                    <a:cs typeface="ヒラギノ角ゴ ProN W3"/>
+                  </a:rPr>
+                  <a:t>手法</a:t>
+                </a:r>
+                <a:r>
+                  <a:rPr kumimoji="1" lang="en-US" altLang="ja-JP" sz="2000" dirty="0">
+                    <a:latin typeface="ヒラギノ角ゴ ProN W3"/>
+                    <a:ea typeface="ヒラギノ角ゴ ProN W3"/>
+                    <a:cs typeface="ヒラギノ角ゴ ProN W3"/>
+                  </a:rPr>
+                  <a:t>1</a:t>
+                </a:r>
+                <a:r>
+                  <a:rPr kumimoji="1" lang="ja-JP" altLang="en-US" sz="2000" dirty="0">
+                    <a:latin typeface="ヒラギノ角ゴ ProN W3"/>
+                    <a:ea typeface="ヒラギノ角ゴ ProN W3"/>
+                    <a:cs typeface="ヒラギノ角ゴ ProN W3"/>
+                  </a:rPr>
+                  <a:t>→マルチスレッド化</a:t>
+                </a:r>
+              </a:p>
+            </p:txBody>
+          </p:sp>
+        </p:grpSp>
+        <p:sp>
+          <p:nvSpPr>
+            <p:cNvPr id="12" name="テキスト ボックス 11">
+              <a:extLst>
+                <a:ext uri="{FF2B5EF4-FFF2-40B4-BE49-F238E27FC236}">
+                  <a16:creationId xmlns:a16="http://schemas.microsoft.com/office/drawing/2014/main" id="{2D814E6F-4484-4890-BDE4-1D9963CA900F}"/>
+                </a:ext>
+              </a:extLst>
+            </p:cNvPr>
+            <p:cNvSpPr txBox="1"/>
+            <p:nvPr/>
+          </p:nvSpPr>
+          <p:spPr>
+            <a:xfrm>
+              <a:off x="5788271" y="3235227"/>
+              <a:ext cx="954107" cy="400110"/>
+            </a:xfrm>
+            <a:prstGeom prst="rect">
+              <a:avLst/>
+            </a:prstGeom>
+            <a:solidFill>
+              <a:schemeClr val="bg1"/>
+            </a:solidFill>
+          </p:spPr>
+          <p:txBody>
+            <a:bodyPr wrap="none" rtlCol="0">
+              <a:spAutoFit/>
+            </a:bodyPr>
+            <a:lstStyle/>
+            <a:p>
+              <a:r>
+                <a:rPr lang="ja-JP" altLang="en-US" sz="2000">
+                  <a:latin typeface="ヒラギノ角ゴ ProN W3"/>
+                  <a:ea typeface="ヒラギノ角ゴ ProN W3"/>
+                  <a:cs typeface="ヒラギノ角ゴ ProN W3"/>
+                </a:rPr>
+                <a:t>本研究</a:t>
+              </a:r>
+              <a:endParaRPr kumimoji="1" lang="ja-JP" altLang="en-US" sz="2000" dirty="0">
+                <a:latin typeface="ヒラギノ角ゴ ProN W3"/>
+                <a:ea typeface="ヒラギノ角ゴ ProN W3"/>
+                <a:cs typeface="ヒラギノ角ゴ ProN W3"/>
+              </a:endParaRPr>
+            </a:p>
+          </p:txBody>
+        </p:sp>
+      </p:grpSp>
+      <p:grpSp>
+        <p:nvGrpSpPr>
+          <p:cNvPr id="19" name="グループ化 18">
+            <a:extLst>
+              <a:ext uri="{FF2B5EF4-FFF2-40B4-BE49-F238E27FC236}">
+                <a16:creationId xmlns:a16="http://schemas.microsoft.com/office/drawing/2014/main" id="{B58981A2-574D-4E19-B967-49D65E8DB547}"/>
+              </a:ext>
+            </a:extLst>
+          </p:cNvPr>
+          <p:cNvGrpSpPr/>
+          <p:nvPr/>
+        </p:nvGrpSpPr>
+        <p:grpSpPr>
+          <a:xfrm>
+            <a:off x="259169" y="580529"/>
+            <a:ext cx="4183246" cy="1506428"/>
+            <a:chOff x="5725751" y="785167"/>
+            <a:chExt cx="4056959" cy="1506428"/>
+          </a:xfrm>
+        </p:grpSpPr>
+        <p:sp>
+          <p:nvSpPr>
+            <p:cNvPr id="20" name="正方形/長方形 19">
+              <a:extLst>
+                <a:ext uri="{FF2B5EF4-FFF2-40B4-BE49-F238E27FC236}">
+                  <a16:creationId xmlns:a16="http://schemas.microsoft.com/office/drawing/2014/main" id="{1B9F37D4-0A8D-4B3A-A258-545DC426CD5B}"/>
+                </a:ext>
+              </a:extLst>
+            </p:cNvPr>
+            <p:cNvSpPr/>
+            <p:nvPr/>
+          </p:nvSpPr>
+          <p:spPr>
+            <a:xfrm>
+              <a:off x="5725751" y="785167"/>
+              <a:ext cx="4056959" cy="1506428"/>
+            </a:xfrm>
+            <a:prstGeom prst="rect">
+              <a:avLst/>
+            </a:prstGeom>
+            <a:solidFill>
+              <a:schemeClr val="accent1">
+                <a:lumMod val="20000"/>
+                <a:lumOff val="80000"/>
+              </a:schemeClr>
+            </a:solidFill>
+            <a:ln>
+              <a:noFill/>
+            </a:ln>
+            <a:effectLst/>
+          </p:spPr>
+          <p:style>
+            <a:lnRef idx="1">
+              <a:schemeClr val="accent1"/>
+            </a:lnRef>
+            <a:fillRef idx="3">
+              <a:schemeClr val="accent1"/>
+            </a:fillRef>
+            <a:effectRef idx="2">
+              <a:schemeClr val="accent1"/>
+            </a:effectRef>
+            <a:fontRef idx="minor">
+              <a:schemeClr val="lt1"/>
+            </a:fontRef>
+          </p:style>
+          <p:txBody>
+            <a:bodyPr rot="0" spcFirstLastPara="0" vertOverflow="overflow" horzOverflow="overflow" vert="horz" wrap="square" lIns="91440" tIns="45720" rIns="91440" bIns="45720" numCol="1" spcCol="0" rtlCol="0" fromWordArt="0" anchor="ctr" anchorCtr="0" forceAA="0" compatLnSpc="1">
+              <a:prstTxWarp prst="textNoShape">
+                <a:avLst/>
+              </a:prstTxWarp>
+              <a:noAutofit/>
+            </a:bodyPr>
+            <a:lstStyle/>
+            <a:p>
+              <a:pPr algn="ctr"/>
+              <a:endParaRPr kumimoji="1" lang="ja-JP" altLang="en-US" dirty="0">
+                <a:solidFill>
+                  <a:schemeClr val="tx1"/>
+                </a:solidFill>
+                <a:latin typeface="ヒラギノ角ゴ ProN W3"/>
+                <a:ea typeface="ヒラギノ角ゴ ProN W3"/>
+                <a:cs typeface="ヒラギノ角ゴ ProN W3"/>
+              </a:endParaRPr>
+            </a:p>
+          </p:txBody>
+        </p:sp>
+        <p:grpSp>
+          <p:nvGrpSpPr>
+            <p:cNvPr id="21" name="グループ化 20">
+              <a:extLst>
+                <a:ext uri="{FF2B5EF4-FFF2-40B4-BE49-F238E27FC236}">
+                  <a16:creationId xmlns:a16="http://schemas.microsoft.com/office/drawing/2014/main" id="{D1DDEB83-2D33-4311-8133-1312EC4A6F4E}"/>
+                </a:ext>
+              </a:extLst>
+            </p:cNvPr>
+            <p:cNvGrpSpPr/>
+            <p:nvPr/>
+          </p:nvGrpSpPr>
+          <p:grpSpPr>
+            <a:xfrm>
+              <a:off x="5788271" y="1766433"/>
+              <a:ext cx="3748520" cy="400110"/>
+              <a:chOff x="5734730" y="1727350"/>
+              <a:chExt cx="3748520" cy="400110"/>
+            </a:xfrm>
+          </p:grpSpPr>
+          <p:sp>
+            <p:nvSpPr>
+              <p:cNvPr id="26" name="テキスト ボックス 25">
+                <a:extLst>
+                  <a:ext uri="{FF2B5EF4-FFF2-40B4-BE49-F238E27FC236}">
+                    <a16:creationId xmlns:a16="http://schemas.microsoft.com/office/drawing/2014/main" id="{5781A9F1-9179-461A-B86E-BE396960C695}"/>
+                  </a:ext>
+                </a:extLst>
+              </p:cNvPr>
+              <p:cNvSpPr txBox="1"/>
+              <p:nvPr/>
+            </p:nvSpPr>
+            <p:spPr>
+              <a:xfrm>
+                <a:off x="5734730" y="1727350"/>
+                <a:ext cx="865943" cy="400110"/>
+              </a:xfrm>
+              <a:prstGeom prst="rect">
+                <a:avLst/>
+              </a:prstGeom>
+              <a:noFill/>
+            </p:spPr>
+            <p:txBody>
+              <a:bodyPr wrap="none" rtlCol="0">
+                <a:spAutoFit/>
+              </a:bodyPr>
+              <a:lstStyle/>
+              <a:p>
+                <a:r>
+                  <a:rPr kumimoji="1" lang="ja-JP" altLang="en-US" sz="2000" dirty="0">
+                    <a:latin typeface="ヒラギノ角ゴ ProN W3"/>
+                    <a:ea typeface="ヒラギノ角ゴ ProN W3"/>
+                    <a:cs typeface="ヒラギノ角ゴ ProN W3"/>
+                  </a:rPr>
+                  <a:t>手法</a:t>
+                </a:r>
+                <a:r>
+                  <a:rPr lang="en-US" altLang="ja-JP" sz="2000" dirty="0">
+                    <a:latin typeface="ヒラギノ角ゴ ProN W3"/>
+                    <a:ea typeface="ヒラギノ角ゴ ProN W3"/>
+                    <a:cs typeface="ヒラギノ角ゴ ProN W3"/>
+                  </a:rPr>
+                  <a:t>2</a:t>
+                </a:r>
+                <a:endParaRPr kumimoji="1" lang="ja-JP" altLang="en-US" sz="2000" dirty="0">
+                  <a:latin typeface="ヒラギノ角ゴ ProN W3"/>
+                  <a:ea typeface="ヒラギノ角ゴ ProN W3"/>
+                  <a:cs typeface="ヒラギノ角ゴ ProN W3"/>
+                </a:endParaRPr>
+              </a:p>
+            </p:txBody>
+          </p:sp>
+          <p:sp>
+            <p:nvSpPr>
+              <p:cNvPr id="27" name="テキスト ボックス 26">
+                <a:extLst>
+                  <a:ext uri="{FF2B5EF4-FFF2-40B4-BE49-F238E27FC236}">
+                    <a16:creationId xmlns:a16="http://schemas.microsoft.com/office/drawing/2014/main" id="{C6A3423D-7773-436D-9265-4F27F332874E}"/>
+                  </a:ext>
+                </a:extLst>
+              </p:cNvPr>
+              <p:cNvSpPr txBox="1"/>
+              <p:nvPr/>
+            </p:nvSpPr>
+            <p:spPr>
+              <a:xfrm>
+                <a:off x="6682483" y="1727350"/>
+                <a:ext cx="2800767" cy="400110"/>
+              </a:xfrm>
+              <a:prstGeom prst="rect">
+                <a:avLst/>
+              </a:prstGeom>
+              <a:noFill/>
+            </p:spPr>
+            <p:txBody>
+              <a:bodyPr wrap="none" rtlCol="0">
+                <a:spAutoFit/>
+              </a:bodyPr>
+              <a:lstStyle/>
+              <a:p>
+                <a:r>
+                  <a:rPr kumimoji="1" lang="en-US" altLang="ja-JP" sz="2000" dirty="0">
+                    <a:latin typeface="ヒラギノ角ゴ ProN W3"/>
+                    <a:ea typeface="ヒラギノ角ゴ ProN W3"/>
+                    <a:cs typeface="ヒラギノ角ゴ ProN W3"/>
+                  </a:rPr>
+                  <a:t>OpenGL</a:t>
+                </a:r>
+                <a:r>
+                  <a:rPr kumimoji="1" lang="ja-JP" altLang="en-US" sz="2000" dirty="0">
+                    <a:latin typeface="ヒラギノ角ゴ ProN W3"/>
+                    <a:ea typeface="ヒラギノ角ゴ ProN W3"/>
+                    <a:cs typeface="ヒラギノ角ゴ ProN W3"/>
+                  </a:rPr>
+                  <a:t>で</a:t>
+                </a:r>
+                <a:r>
+                  <a:rPr kumimoji="1" lang="en-US" altLang="ja-JP" sz="2000" dirty="0">
+                    <a:latin typeface="ヒラギノ角ゴ ProN W3"/>
+                    <a:ea typeface="ヒラギノ角ゴ ProN W3"/>
+                    <a:cs typeface="ヒラギノ角ゴ ProN W3"/>
+                  </a:rPr>
+                  <a:t>GPU</a:t>
+                </a:r>
+                <a:r>
+                  <a:rPr kumimoji="1" lang="ja-JP" altLang="en-US" sz="2000" dirty="0">
+                    <a:latin typeface="ヒラギノ角ゴ ProN W3"/>
+                    <a:ea typeface="ヒラギノ角ゴ ProN W3"/>
+                    <a:cs typeface="ヒラギノ角ゴ ProN W3"/>
+                  </a:rPr>
+                  <a:t>へ移植</a:t>
+                </a:r>
+              </a:p>
+            </p:txBody>
+          </p:sp>
+        </p:grpSp>
+        <p:grpSp>
+          <p:nvGrpSpPr>
+            <p:cNvPr id="22" name="グループ化 21">
+              <a:extLst>
+                <a:ext uri="{FF2B5EF4-FFF2-40B4-BE49-F238E27FC236}">
+                  <a16:creationId xmlns:a16="http://schemas.microsoft.com/office/drawing/2014/main" id="{A05BC09F-CD19-4FC9-AA34-6E7EA562E5FB}"/>
+                </a:ext>
+              </a:extLst>
+            </p:cNvPr>
+            <p:cNvGrpSpPr/>
+            <p:nvPr/>
+          </p:nvGrpSpPr>
+          <p:grpSpPr>
+            <a:xfrm>
+              <a:off x="5788271" y="1243019"/>
+              <a:ext cx="3737299" cy="400110"/>
+              <a:chOff x="5734730" y="813174"/>
+              <a:chExt cx="3737299" cy="400110"/>
+            </a:xfrm>
+          </p:grpSpPr>
+          <p:sp>
+            <p:nvSpPr>
+              <p:cNvPr id="24" name="テキスト ボックス 23">
+                <a:extLst>
+                  <a:ext uri="{FF2B5EF4-FFF2-40B4-BE49-F238E27FC236}">
+                    <a16:creationId xmlns:a16="http://schemas.microsoft.com/office/drawing/2014/main" id="{DFC5D17B-DD13-44F8-AEA8-7F45136BFDBF}"/>
+                  </a:ext>
+                </a:extLst>
+              </p:cNvPr>
+              <p:cNvSpPr txBox="1"/>
+              <p:nvPr/>
+            </p:nvSpPr>
+            <p:spPr>
+              <a:xfrm>
+                <a:off x="5734730" y="813174"/>
+                <a:ext cx="865943" cy="400110"/>
+              </a:xfrm>
+              <a:prstGeom prst="rect">
+                <a:avLst/>
+              </a:prstGeom>
+              <a:noFill/>
+            </p:spPr>
+            <p:txBody>
+              <a:bodyPr wrap="none" rtlCol="0">
+                <a:spAutoFit/>
+              </a:bodyPr>
+              <a:lstStyle/>
+              <a:p>
+                <a:r>
+                  <a:rPr kumimoji="1" lang="ja-JP" altLang="en-US" sz="2000" dirty="0">
+                    <a:latin typeface="ヒラギノ角ゴ ProN W3"/>
+                    <a:ea typeface="ヒラギノ角ゴ ProN W3"/>
+                    <a:cs typeface="ヒラギノ角ゴ ProN W3"/>
+                  </a:rPr>
+                  <a:t>手法</a:t>
+                </a:r>
+                <a:r>
+                  <a:rPr kumimoji="1" lang="en-US" altLang="ja-JP" sz="2000" dirty="0">
+                    <a:latin typeface="ヒラギノ角ゴ ProN W3"/>
+                    <a:ea typeface="ヒラギノ角ゴ ProN W3"/>
+                    <a:cs typeface="ヒラギノ角ゴ ProN W3"/>
+                  </a:rPr>
+                  <a:t>1</a:t>
+                </a:r>
+                <a:endParaRPr kumimoji="1" lang="ja-JP" altLang="en-US" sz="2000" dirty="0">
+                  <a:latin typeface="ヒラギノ角ゴ ProN W3"/>
+                  <a:ea typeface="ヒラギノ角ゴ ProN W3"/>
+                  <a:cs typeface="ヒラギノ角ゴ ProN W3"/>
+                </a:endParaRPr>
+              </a:p>
+            </p:txBody>
+          </p:sp>
+          <p:sp>
+            <p:nvSpPr>
+              <p:cNvPr id="25" name="テキスト ボックス 24">
+                <a:extLst>
+                  <a:ext uri="{FF2B5EF4-FFF2-40B4-BE49-F238E27FC236}">
+                    <a16:creationId xmlns:a16="http://schemas.microsoft.com/office/drawing/2014/main" id="{19392569-BDDE-411F-9380-2459ADD74000}"/>
+                  </a:ext>
+                </a:extLst>
+              </p:cNvPr>
+              <p:cNvSpPr txBox="1"/>
+              <p:nvPr/>
+            </p:nvSpPr>
+            <p:spPr>
+              <a:xfrm>
+                <a:off x="6682483" y="813174"/>
+                <a:ext cx="2789546" cy="400110"/>
+              </a:xfrm>
+              <a:prstGeom prst="rect">
+                <a:avLst/>
+              </a:prstGeom>
+              <a:noFill/>
+            </p:spPr>
+            <p:txBody>
+              <a:bodyPr wrap="none" rtlCol="0">
+                <a:spAutoFit/>
+              </a:bodyPr>
+              <a:lstStyle/>
+              <a:p>
+                <a:r>
+                  <a:rPr lang="en-US" altLang="ja-JP" sz="2000" dirty="0">
+                    <a:latin typeface="ヒラギノ角ゴ ProN W3"/>
+                    <a:ea typeface="ヒラギノ角ゴ ProN W3"/>
+                    <a:cs typeface="ヒラギノ角ゴ ProN W3"/>
+                  </a:rPr>
+                  <a:t>JavaScript</a:t>
+                </a:r>
+                <a:r>
+                  <a:rPr lang="ja-JP" altLang="en-US" sz="2000" dirty="0">
+                    <a:latin typeface="ヒラギノ角ゴ ProN W3"/>
+                    <a:ea typeface="ヒラギノ角ゴ ProN W3"/>
+                    <a:cs typeface="ヒラギノ角ゴ ProN W3"/>
+                  </a:rPr>
+                  <a:t>のみで開発</a:t>
+                </a:r>
+                <a:endParaRPr kumimoji="1" lang="ja-JP" altLang="en-US" sz="2000" dirty="0">
+                  <a:latin typeface="ヒラギノ角ゴ ProN W3"/>
+                  <a:ea typeface="ヒラギノ角ゴ ProN W3"/>
+                  <a:cs typeface="ヒラギノ角ゴ ProN W3"/>
+                </a:endParaRPr>
+              </a:p>
+            </p:txBody>
+          </p:sp>
+        </p:grpSp>
+        <p:sp>
+          <p:nvSpPr>
+            <p:cNvPr id="23" name="テキスト ボックス 22">
+              <a:extLst>
+                <a:ext uri="{FF2B5EF4-FFF2-40B4-BE49-F238E27FC236}">
+                  <a16:creationId xmlns:a16="http://schemas.microsoft.com/office/drawing/2014/main" id="{3E0493A4-23D5-4A03-BFD7-6500141349AE}"/>
+                </a:ext>
+              </a:extLst>
+            </p:cNvPr>
+            <p:cNvSpPr txBox="1"/>
+            <p:nvPr/>
+          </p:nvSpPr>
+          <p:spPr>
+            <a:xfrm>
+              <a:off x="5788271" y="814451"/>
+              <a:ext cx="1210588" cy="400110"/>
+            </a:xfrm>
+            <a:prstGeom prst="rect">
+              <a:avLst/>
+            </a:prstGeom>
+            <a:solidFill>
+              <a:schemeClr val="bg1"/>
+            </a:solidFill>
+          </p:spPr>
+          <p:txBody>
+            <a:bodyPr wrap="none" rtlCol="0">
+              <a:spAutoFit/>
+            </a:bodyPr>
+            <a:lstStyle/>
+            <a:p>
+              <a:r>
+                <a:rPr kumimoji="1" lang="ja-JP" altLang="en-US" sz="2000" dirty="0">
+                  <a:latin typeface="ヒラギノ角ゴ ProN W3"/>
+                  <a:ea typeface="ヒラギノ角ゴ ProN W3"/>
+                  <a:cs typeface="ヒラギノ角ゴ ProN W3"/>
+                </a:rPr>
+                <a:t>先行研究</a:t>
+              </a:r>
+            </a:p>
+          </p:txBody>
+        </p:sp>
+      </p:grpSp>
       <p:sp>
         <p:nvSpPr>
-          <p:cNvPr id="15" name="正方形/長方形 14">
+          <p:cNvPr id="34" name="テキスト ボックス 33">
             <a:extLst>
               <a:ext uri="{FF2B5EF4-FFF2-40B4-BE49-F238E27FC236}">
-                <a16:creationId xmlns:a16="http://schemas.microsoft.com/office/drawing/2014/main" id="{102FE6BC-27CB-8A44-B8D1-3D0C493DFDB7}"/>
+                <a16:creationId xmlns:a16="http://schemas.microsoft.com/office/drawing/2014/main" id="{191A43D8-DA40-4D18-A1E9-AD3764BA3AB8}"/>
+              </a:ext>
+            </a:extLst>
+          </p:cNvPr>
+          <p:cNvSpPr txBox="1"/>
+          <p:nvPr/>
+        </p:nvSpPr>
+        <p:spPr>
+          <a:xfrm>
+            <a:off x="203199" y="2599216"/>
+            <a:ext cx="5967146" cy="400110"/>
+          </a:xfrm>
+          <a:prstGeom prst="rect">
+            <a:avLst/>
+          </a:prstGeom>
+          <a:noFill/>
+        </p:spPr>
+        <p:txBody>
+          <a:bodyPr wrap="none" rtlCol="0">
+            <a:spAutoFit/>
+          </a:bodyPr>
+          <a:lstStyle/>
+          <a:p>
+            <a:r>
+              <a:rPr lang="en-US" altLang="ja-JP" sz="2000" dirty="0">
+                <a:latin typeface="ヒラギノ角ゴ ProN W3"/>
+                <a:ea typeface="ヒラギノ角ゴ ProN W3"/>
+                <a:cs typeface="ヒラギノ角ゴ ProN W3"/>
+              </a:rPr>
+              <a:t>JavaScript(</a:t>
+            </a:r>
+            <a:r>
+              <a:rPr lang="ja-JP" altLang="en-US" sz="2000" dirty="0">
+                <a:latin typeface="ヒラギノ角ゴ ProN W3"/>
+                <a:ea typeface="ヒラギノ角ゴ ProN W3"/>
+                <a:cs typeface="ヒラギノ角ゴ ProN W3"/>
+              </a:rPr>
+              <a:t>処理に時間を必要とする</a:t>
+            </a:r>
+            <a:r>
+              <a:rPr lang="en-US" altLang="ja-JP" sz="2000" dirty="0">
+                <a:latin typeface="ヒラギノ角ゴ ProN W3"/>
+                <a:ea typeface="ヒラギノ角ゴ ProN W3"/>
+                <a:cs typeface="ヒラギノ角ゴ ProN W3"/>
+              </a:rPr>
+              <a:t>)</a:t>
+            </a:r>
+            <a:r>
+              <a:rPr lang="ja-JP" altLang="en-US" sz="2000" dirty="0">
+                <a:latin typeface="ヒラギノ角ゴ ProN W3"/>
+                <a:ea typeface="ヒラギノ角ゴ ProN W3"/>
+                <a:cs typeface="ヒラギノ角ゴ ProN W3"/>
+              </a:rPr>
+              <a:t>→作業が止まる</a:t>
+            </a:r>
+            <a:endParaRPr kumimoji="1" lang="ja-JP" altLang="en-US" sz="2000" dirty="0">
+              <a:latin typeface="ヒラギノ角ゴ ProN W3"/>
+              <a:ea typeface="ヒラギノ角ゴ ProN W3"/>
+              <a:cs typeface="ヒラギノ角ゴ ProN W3"/>
+            </a:endParaRPr>
+          </a:p>
+        </p:txBody>
+      </p:sp>
+      <p:sp>
+        <p:nvSpPr>
+          <p:cNvPr id="35" name="テキスト ボックス 34">
+            <a:extLst>
+              <a:ext uri="{FF2B5EF4-FFF2-40B4-BE49-F238E27FC236}">
+                <a16:creationId xmlns:a16="http://schemas.microsoft.com/office/drawing/2014/main" id="{84EF949D-D78A-427C-ABF9-F6446029A2F6}"/>
+              </a:ext>
+            </a:extLst>
+          </p:cNvPr>
+          <p:cNvSpPr txBox="1"/>
+          <p:nvPr/>
+        </p:nvSpPr>
+        <p:spPr>
+          <a:xfrm>
+            <a:off x="203199" y="4177785"/>
+            <a:ext cx="6977038" cy="400110"/>
+          </a:xfrm>
+          <a:prstGeom prst="rect">
+            <a:avLst/>
+          </a:prstGeom>
+          <a:noFill/>
+        </p:spPr>
+        <p:txBody>
+          <a:bodyPr wrap="none" rtlCol="0">
+            <a:spAutoFit/>
+          </a:bodyPr>
+          <a:lstStyle/>
+          <a:p>
+            <a:r>
+              <a:rPr lang="en-US" altLang="ja-JP" sz="2000" dirty="0">
+                <a:latin typeface="ヒラギノ角ゴ ProN W3"/>
+                <a:ea typeface="ヒラギノ角ゴ ProN W3"/>
+                <a:cs typeface="ヒラギノ角ゴ ProN W3"/>
+              </a:rPr>
+              <a:t>JavaScript(</a:t>
+            </a:r>
+            <a:r>
+              <a:rPr lang="ja-JP" altLang="en-US" sz="2000" dirty="0">
+                <a:latin typeface="ヒラギノ角ゴ ProN W3"/>
+                <a:ea typeface="ヒラギノ角ゴ ProN W3"/>
+                <a:cs typeface="ヒラギノ角ゴ ProN W3"/>
+              </a:rPr>
+              <a:t>マルチスレッド</a:t>
+            </a:r>
+            <a:r>
+              <a:rPr lang="en-US" altLang="ja-JP" sz="2000" dirty="0">
+                <a:latin typeface="ヒラギノ角ゴ ProN W3"/>
+                <a:ea typeface="ヒラギノ角ゴ ProN W3"/>
+                <a:cs typeface="ヒラギノ角ゴ ProN W3"/>
+              </a:rPr>
+              <a:t>)</a:t>
+            </a:r>
+            <a:r>
+              <a:rPr lang="ja-JP" altLang="en-US" sz="2000" dirty="0">
+                <a:latin typeface="ヒラギノ角ゴ ProN W3"/>
+                <a:ea typeface="ヒラギノ角ゴ ProN W3"/>
+                <a:cs typeface="ヒラギノ角ゴ ProN W3"/>
+              </a:rPr>
+              <a:t>→作業を分担できる</a:t>
+            </a:r>
+            <a:r>
+              <a:rPr lang="en-US" altLang="ja-JP" sz="2000" dirty="0">
+                <a:latin typeface="ヒラギノ角ゴ ProN W3"/>
+                <a:ea typeface="ヒラギノ角ゴ ProN W3"/>
+                <a:cs typeface="ヒラギノ角ゴ ProN W3"/>
+              </a:rPr>
+              <a:t>!(</a:t>
+            </a:r>
+            <a:r>
+              <a:rPr lang="ja-JP" altLang="en-US" sz="2000" dirty="0">
+                <a:latin typeface="ヒラギノ角ゴ ProN W3"/>
+                <a:ea typeface="ヒラギノ角ゴ ProN W3"/>
+                <a:cs typeface="ヒラギノ角ゴ ProN W3"/>
+              </a:rPr>
+              <a:t>止まらない</a:t>
+            </a:r>
+            <a:r>
+              <a:rPr lang="en-US" altLang="ja-JP" sz="2000" dirty="0">
+                <a:latin typeface="ヒラギノ角ゴ ProN W3"/>
+                <a:ea typeface="ヒラギノ角ゴ ProN W3"/>
+                <a:cs typeface="ヒラギノ角ゴ ProN W3"/>
+              </a:rPr>
+              <a:t>)</a:t>
+            </a:r>
+            <a:endParaRPr kumimoji="1" lang="ja-JP" altLang="en-US" sz="2000" dirty="0">
+              <a:latin typeface="ヒラギノ角ゴ ProN W3"/>
+              <a:ea typeface="ヒラギノ角ゴ ProN W3"/>
+              <a:cs typeface="ヒラギノ角ゴ ProN W3"/>
+            </a:endParaRPr>
+          </a:p>
+        </p:txBody>
+      </p:sp>
+      <p:grpSp>
+        <p:nvGrpSpPr>
+          <p:cNvPr id="37" name="グループ化 36">
+            <a:extLst>
+              <a:ext uri="{FF2B5EF4-FFF2-40B4-BE49-F238E27FC236}">
+                <a16:creationId xmlns:a16="http://schemas.microsoft.com/office/drawing/2014/main" id="{379B43A5-1E44-4994-9CB2-789C7F03C98C}"/>
+              </a:ext>
+            </a:extLst>
+          </p:cNvPr>
+          <p:cNvGrpSpPr/>
+          <p:nvPr/>
+        </p:nvGrpSpPr>
+        <p:grpSpPr>
+          <a:xfrm>
+            <a:off x="341659" y="3136059"/>
+            <a:ext cx="1568394" cy="400110"/>
+            <a:chOff x="-1043103" y="2259194"/>
+            <a:chExt cx="2367615" cy="784630"/>
+          </a:xfrm>
+        </p:grpSpPr>
+        <p:sp>
+          <p:nvSpPr>
+            <p:cNvPr id="39" name="正方形/長方形 38">
+              <a:extLst>
+                <a:ext uri="{FF2B5EF4-FFF2-40B4-BE49-F238E27FC236}">
+                  <a16:creationId xmlns:a16="http://schemas.microsoft.com/office/drawing/2014/main" id="{DA91CA6D-1C21-4948-A89F-107DC3B0078D}"/>
+                </a:ext>
+              </a:extLst>
+            </p:cNvPr>
+            <p:cNvSpPr/>
+            <p:nvPr/>
+          </p:nvSpPr>
+          <p:spPr>
+            <a:xfrm>
+              <a:off x="-1043103" y="2259194"/>
+              <a:ext cx="1826614" cy="784628"/>
+            </a:xfrm>
+            <a:prstGeom prst="rect">
+              <a:avLst/>
+            </a:prstGeom>
+            <a:solidFill>
+              <a:schemeClr val="accent4">
+                <a:lumMod val="40000"/>
+                <a:lumOff val="60000"/>
+              </a:schemeClr>
+            </a:solidFill>
+            <a:ln>
+              <a:noFill/>
+            </a:ln>
+          </p:spPr>
+          <p:style>
+            <a:lnRef idx="2">
+              <a:schemeClr val="accent1">
+                <a:shade val="50000"/>
+              </a:schemeClr>
+            </a:lnRef>
+            <a:fillRef idx="1">
+              <a:schemeClr val="accent1"/>
+            </a:fillRef>
+            <a:effectRef idx="0">
+              <a:schemeClr val="accent1"/>
+            </a:effectRef>
+            <a:fontRef idx="minor">
+              <a:schemeClr val="lt1"/>
+            </a:fontRef>
+          </p:style>
+          <p:txBody>
+            <a:bodyPr rtlCol="0" anchor="ctr"/>
+            <a:lstStyle/>
+            <a:p>
+              <a:pPr algn="ctr"/>
+              <a:endParaRPr kumimoji="1" lang="ja-JP" altLang="en-US"/>
+            </a:p>
+          </p:txBody>
+        </p:sp>
+        <p:sp>
+          <p:nvSpPr>
+            <p:cNvPr id="40" name="三角形 10">
+              <a:extLst>
+                <a:ext uri="{FF2B5EF4-FFF2-40B4-BE49-F238E27FC236}">
+                  <a16:creationId xmlns:a16="http://schemas.microsoft.com/office/drawing/2014/main" id="{3481D38A-B6D3-4CD5-880B-7DA7292394D0}"/>
+                </a:ext>
+              </a:extLst>
+            </p:cNvPr>
+            <p:cNvSpPr/>
+            <p:nvPr/>
+          </p:nvSpPr>
+          <p:spPr>
+            <a:xfrm rot="5400000">
+              <a:off x="657221" y="2376533"/>
+              <a:ext cx="784627" cy="549955"/>
+            </a:xfrm>
+            <a:prstGeom prst="triangle">
+              <a:avLst/>
+            </a:prstGeom>
+            <a:solidFill>
+              <a:schemeClr val="accent4">
+                <a:lumMod val="40000"/>
+                <a:lumOff val="60000"/>
+              </a:schemeClr>
+            </a:solidFill>
+            <a:ln>
+              <a:noFill/>
+            </a:ln>
+          </p:spPr>
+          <p:style>
+            <a:lnRef idx="2">
+              <a:schemeClr val="accent1">
+                <a:shade val="50000"/>
+              </a:schemeClr>
+            </a:lnRef>
+            <a:fillRef idx="1">
+              <a:schemeClr val="accent1"/>
+            </a:fillRef>
+            <a:effectRef idx="0">
+              <a:schemeClr val="accent1"/>
+            </a:effectRef>
+            <a:fontRef idx="minor">
+              <a:schemeClr val="lt1"/>
+            </a:fontRef>
+          </p:style>
+          <p:txBody>
+            <a:bodyPr rtlCol="0" anchor="ctr"/>
+            <a:lstStyle/>
+            <a:p>
+              <a:pPr algn="ctr"/>
+              <a:endParaRPr kumimoji="1" lang="ja-JP" altLang="en-US"/>
+            </a:p>
+          </p:txBody>
+        </p:sp>
+      </p:grpSp>
+      <p:grpSp>
+        <p:nvGrpSpPr>
+          <p:cNvPr id="41" name="グループ化 40">
+            <a:extLst>
+              <a:ext uri="{FF2B5EF4-FFF2-40B4-BE49-F238E27FC236}">
+                <a16:creationId xmlns:a16="http://schemas.microsoft.com/office/drawing/2014/main" id="{E10491DD-96A7-42F3-8DBE-5A8A318566C8}"/>
+              </a:ext>
+            </a:extLst>
+          </p:cNvPr>
+          <p:cNvGrpSpPr/>
+          <p:nvPr/>
+        </p:nvGrpSpPr>
+        <p:grpSpPr>
+          <a:xfrm>
+            <a:off x="2203677" y="3142716"/>
+            <a:ext cx="1568394" cy="400110"/>
+            <a:chOff x="-1043103" y="2259194"/>
+            <a:chExt cx="2367615" cy="784630"/>
+          </a:xfrm>
+        </p:grpSpPr>
+        <p:sp>
+          <p:nvSpPr>
+            <p:cNvPr id="42" name="正方形/長方形 41">
+              <a:extLst>
+                <a:ext uri="{FF2B5EF4-FFF2-40B4-BE49-F238E27FC236}">
+                  <a16:creationId xmlns:a16="http://schemas.microsoft.com/office/drawing/2014/main" id="{8AFC37E0-3A66-48A2-9A5A-5ED346D997E4}"/>
+                </a:ext>
+              </a:extLst>
+            </p:cNvPr>
+            <p:cNvSpPr/>
+            <p:nvPr/>
+          </p:nvSpPr>
+          <p:spPr>
+            <a:xfrm>
+              <a:off x="-1043103" y="2259194"/>
+              <a:ext cx="1826614" cy="784628"/>
+            </a:xfrm>
+            <a:prstGeom prst="rect">
+              <a:avLst/>
+            </a:prstGeom>
+            <a:solidFill>
+              <a:schemeClr val="accent4">
+                <a:lumMod val="40000"/>
+                <a:lumOff val="60000"/>
+              </a:schemeClr>
+            </a:solidFill>
+            <a:ln>
+              <a:noFill/>
+            </a:ln>
+          </p:spPr>
+          <p:style>
+            <a:lnRef idx="2">
+              <a:schemeClr val="accent1">
+                <a:shade val="50000"/>
+              </a:schemeClr>
+            </a:lnRef>
+            <a:fillRef idx="1">
+              <a:schemeClr val="accent1"/>
+            </a:fillRef>
+            <a:effectRef idx="0">
+              <a:schemeClr val="accent1"/>
+            </a:effectRef>
+            <a:fontRef idx="minor">
+              <a:schemeClr val="lt1"/>
+            </a:fontRef>
+          </p:style>
+          <p:txBody>
+            <a:bodyPr rtlCol="0" anchor="ctr"/>
+            <a:lstStyle/>
+            <a:p>
+              <a:pPr algn="ctr"/>
+              <a:endParaRPr kumimoji="1" lang="ja-JP" altLang="en-US"/>
+            </a:p>
+          </p:txBody>
+        </p:sp>
+        <p:sp>
+          <p:nvSpPr>
+            <p:cNvPr id="43" name="三角形 10">
+              <a:extLst>
+                <a:ext uri="{FF2B5EF4-FFF2-40B4-BE49-F238E27FC236}">
+                  <a16:creationId xmlns:a16="http://schemas.microsoft.com/office/drawing/2014/main" id="{5B06BF3A-4071-404F-BFAB-42D824DDA508}"/>
+                </a:ext>
+              </a:extLst>
+            </p:cNvPr>
+            <p:cNvSpPr/>
+            <p:nvPr/>
+          </p:nvSpPr>
+          <p:spPr>
+            <a:xfrm rot="5400000">
+              <a:off x="657221" y="2376533"/>
+              <a:ext cx="784627" cy="549955"/>
+            </a:xfrm>
+            <a:prstGeom prst="triangle">
+              <a:avLst/>
+            </a:prstGeom>
+            <a:solidFill>
+              <a:schemeClr val="accent4">
+                <a:lumMod val="40000"/>
+                <a:lumOff val="60000"/>
+              </a:schemeClr>
+            </a:solidFill>
+            <a:ln>
+              <a:noFill/>
+            </a:ln>
+          </p:spPr>
+          <p:style>
+            <a:lnRef idx="2">
+              <a:schemeClr val="accent1">
+                <a:shade val="50000"/>
+              </a:schemeClr>
+            </a:lnRef>
+            <a:fillRef idx="1">
+              <a:schemeClr val="accent1"/>
+            </a:fillRef>
+            <a:effectRef idx="0">
+              <a:schemeClr val="accent1"/>
+            </a:effectRef>
+            <a:fontRef idx="minor">
+              <a:schemeClr val="lt1"/>
+            </a:fontRef>
+          </p:style>
+          <p:txBody>
+            <a:bodyPr rtlCol="0" anchor="ctr"/>
+            <a:lstStyle/>
+            <a:p>
+              <a:pPr algn="ctr"/>
+              <a:endParaRPr kumimoji="1" lang="ja-JP" altLang="en-US"/>
+            </a:p>
+          </p:txBody>
+        </p:sp>
+      </p:grpSp>
+      <p:grpSp>
+        <p:nvGrpSpPr>
+          <p:cNvPr id="44" name="グループ化 43">
+            <a:extLst>
+              <a:ext uri="{FF2B5EF4-FFF2-40B4-BE49-F238E27FC236}">
+                <a16:creationId xmlns:a16="http://schemas.microsoft.com/office/drawing/2014/main" id="{C6F0045E-F739-476F-BA15-2B57ACA6DDE1}"/>
+              </a:ext>
+            </a:extLst>
+          </p:cNvPr>
+          <p:cNvGrpSpPr/>
+          <p:nvPr/>
+        </p:nvGrpSpPr>
+        <p:grpSpPr>
+          <a:xfrm>
+            <a:off x="4065695" y="3149373"/>
+            <a:ext cx="2831727" cy="400110"/>
+            <a:chOff x="-1043103" y="2259194"/>
+            <a:chExt cx="2367615" cy="784630"/>
+          </a:xfrm>
+          <a:solidFill>
+            <a:schemeClr val="accent6">
+              <a:lumMod val="40000"/>
+              <a:lumOff val="60000"/>
+            </a:schemeClr>
+          </a:solidFill>
+        </p:grpSpPr>
+        <p:sp>
+          <p:nvSpPr>
+            <p:cNvPr id="45" name="正方形/長方形 44">
+              <a:extLst>
+                <a:ext uri="{FF2B5EF4-FFF2-40B4-BE49-F238E27FC236}">
+                  <a16:creationId xmlns:a16="http://schemas.microsoft.com/office/drawing/2014/main" id="{71F9E031-ECD6-48FA-8695-87795ECAACBE}"/>
+                </a:ext>
+              </a:extLst>
+            </p:cNvPr>
+            <p:cNvSpPr/>
+            <p:nvPr/>
+          </p:nvSpPr>
+          <p:spPr>
+            <a:xfrm>
+              <a:off x="-1043103" y="2259194"/>
+              <a:ext cx="1826614" cy="784628"/>
+            </a:xfrm>
+            <a:prstGeom prst="rect">
+              <a:avLst/>
+            </a:prstGeom>
+            <a:grpFill/>
+            <a:ln>
+              <a:noFill/>
+            </a:ln>
+          </p:spPr>
+          <p:style>
+            <a:lnRef idx="2">
+              <a:schemeClr val="accent1">
+                <a:shade val="50000"/>
+              </a:schemeClr>
+            </a:lnRef>
+            <a:fillRef idx="1">
+              <a:schemeClr val="accent1"/>
+            </a:fillRef>
+            <a:effectRef idx="0">
+              <a:schemeClr val="accent1"/>
+            </a:effectRef>
+            <a:fontRef idx="minor">
+              <a:schemeClr val="lt1"/>
+            </a:fontRef>
+          </p:style>
+          <p:txBody>
+            <a:bodyPr rtlCol="0" anchor="ctr"/>
+            <a:lstStyle/>
+            <a:p>
+              <a:pPr algn="ctr"/>
+              <a:endParaRPr kumimoji="1" lang="ja-JP" altLang="en-US"/>
+            </a:p>
+          </p:txBody>
+        </p:sp>
+        <p:sp>
+          <p:nvSpPr>
+            <p:cNvPr id="46" name="三角形 10">
+              <a:extLst>
+                <a:ext uri="{FF2B5EF4-FFF2-40B4-BE49-F238E27FC236}">
+                  <a16:creationId xmlns:a16="http://schemas.microsoft.com/office/drawing/2014/main" id="{B559714B-9DF0-49BC-B975-C5CC57876D8E}"/>
+                </a:ext>
+              </a:extLst>
+            </p:cNvPr>
+            <p:cNvSpPr/>
+            <p:nvPr/>
+          </p:nvSpPr>
+          <p:spPr>
+            <a:xfrm rot="5400000">
+              <a:off x="657221" y="2376533"/>
+              <a:ext cx="784627" cy="549955"/>
+            </a:xfrm>
+            <a:prstGeom prst="triangle">
+              <a:avLst/>
+            </a:prstGeom>
+            <a:grpFill/>
+            <a:ln>
+              <a:noFill/>
+            </a:ln>
+          </p:spPr>
+          <p:style>
+            <a:lnRef idx="2">
+              <a:schemeClr val="accent1">
+                <a:shade val="50000"/>
+              </a:schemeClr>
+            </a:lnRef>
+            <a:fillRef idx="1">
+              <a:schemeClr val="accent1"/>
+            </a:fillRef>
+            <a:effectRef idx="0">
+              <a:schemeClr val="accent1"/>
+            </a:effectRef>
+            <a:fontRef idx="minor">
+              <a:schemeClr val="lt1"/>
+            </a:fontRef>
+          </p:style>
+          <p:txBody>
+            <a:bodyPr rtlCol="0" anchor="ctr"/>
+            <a:lstStyle/>
+            <a:p>
+              <a:pPr algn="ctr"/>
+              <a:endParaRPr kumimoji="1" lang="ja-JP" altLang="en-US"/>
+            </a:p>
+          </p:txBody>
+        </p:sp>
+      </p:grpSp>
+      <p:grpSp>
+        <p:nvGrpSpPr>
+          <p:cNvPr id="47" name="グループ化 46">
+            <a:extLst>
+              <a:ext uri="{FF2B5EF4-FFF2-40B4-BE49-F238E27FC236}">
+                <a16:creationId xmlns:a16="http://schemas.microsoft.com/office/drawing/2014/main" id="{D3998F0A-2E24-4A28-B231-DAAF7BABFAAB}"/>
+              </a:ext>
+            </a:extLst>
+          </p:cNvPr>
+          <p:cNvGrpSpPr/>
+          <p:nvPr/>
+        </p:nvGrpSpPr>
+        <p:grpSpPr>
+          <a:xfrm>
+            <a:off x="7191045" y="3156030"/>
+            <a:ext cx="1568394" cy="400110"/>
+            <a:chOff x="-1043103" y="2259194"/>
+            <a:chExt cx="2367615" cy="784630"/>
+          </a:xfrm>
+        </p:grpSpPr>
+        <p:sp>
+          <p:nvSpPr>
+            <p:cNvPr id="48" name="正方形/長方形 47">
+              <a:extLst>
+                <a:ext uri="{FF2B5EF4-FFF2-40B4-BE49-F238E27FC236}">
+                  <a16:creationId xmlns:a16="http://schemas.microsoft.com/office/drawing/2014/main" id="{9B2A9BE9-C151-49DE-9516-5FC690053D67}"/>
+                </a:ext>
+              </a:extLst>
+            </p:cNvPr>
+            <p:cNvSpPr/>
+            <p:nvPr/>
+          </p:nvSpPr>
+          <p:spPr>
+            <a:xfrm>
+              <a:off x="-1043103" y="2259194"/>
+              <a:ext cx="1826614" cy="784628"/>
+            </a:xfrm>
+            <a:prstGeom prst="rect">
+              <a:avLst/>
+            </a:prstGeom>
+            <a:solidFill>
+              <a:schemeClr val="accent4">
+                <a:lumMod val="40000"/>
+                <a:lumOff val="60000"/>
+              </a:schemeClr>
+            </a:solidFill>
+            <a:ln>
+              <a:noFill/>
+            </a:ln>
+          </p:spPr>
+          <p:style>
+            <a:lnRef idx="2">
+              <a:schemeClr val="accent1">
+                <a:shade val="50000"/>
+              </a:schemeClr>
+            </a:lnRef>
+            <a:fillRef idx="1">
+              <a:schemeClr val="accent1"/>
+            </a:fillRef>
+            <a:effectRef idx="0">
+              <a:schemeClr val="accent1"/>
+            </a:effectRef>
+            <a:fontRef idx="minor">
+              <a:schemeClr val="lt1"/>
+            </a:fontRef>
+          </p:style>
+          <p:txBody>
+            <a:bodyPr rtlCol="0" anchor="ctr"/>
+            <a:lstStyle/>
+            <a:p>
+              <a:pPr algn="ctr"/>
+              <a:endParaRPr kumimoji="1" lang="ja-JP" altLang="en-US"/>
+            </a:p>
+          </p:txBody>
+        </p:sp>
+        <p:sp>
+          <p:nvSpPr>
+            <p:cNvPr id="49" name="三角形 10">
+              <a:extLst>
+                <a:ext uri="{FF2B5EF4-FFF2-40B4-BE49-F238E27FC236}">
+                  <a16:creationId xmlns:a16="http://schemas.microsoft.com/office/drawing/2014/main" id="{C9D27916-AF80-4B2C-8B87-93A207B860D4}"/>
+                </a:ext>
+              </a:extLst>
+            </p:cNvPr>
+            <p:cNvSpPr/>
+            <p:nvPr/>
+          </p:nvSpPr>
+          <p:spPr>
+            <a:xfrm rot="5400000">
+              <a:off x="657221" y="2376533"/>
+              <a:ext cx="784627" cy="549955"/>
+            </a:xfrm>
+            <a:prstGeom prst="triangle">
+              <a:avLst/>
+            </a:prstGeom>
+            <a:solidFill>
+              <a:schemeClr val="accent4">
+                <a:lumMod val="40000"/>
+                <a:lumOff val="60000"/>
+              </a:schemeClr>
+            </a:solidFill>
+            <a:ln>
+              <a:noFill/>
+            </a:ln>
+          </p:spPr>
+          <p:style>
+            <a:lnRef idx="2">
+              <a:schemeClr val="accent1">
+                <a:shade val="50000"/>
+              </a:schemeClr>
+            </a:lnRef>
+            <a:fillRef idx="1">
+              <a:schemeClr val="accent1"/>
+            </a:fillRef>
+            <a:effectRef idx="0">
+              <a:schemeClr val="accent1"/>
+            </a:effectRef>
+            <a:fontRef idx="minor">
+              <a:schemeClr val="lt1"/>
+            </a:fontRef>
+          </p:style>
+          <p:txBody>
+            <a:bodyPr rtlCol="0" anchor="ctr"/>
+            <a:lstStyle/>
+            <a:p>
+              <a:pPr algn="ctr"/>
+              <a:endParaRPr kumimoji="1" lang="ja-JP" altLang="en-US"/>
+            </a:p>
+          </p:txBody>
+        </p:sp>
+      </p:grpSp>
+      <p:grpSp>
+        <p:nvGrpSpPr>
+          <p:cNvPr id="51" name="グループ化 50">
+            <a:extLst>
+              <a:ext uri="{FF2B5EF4-FFF2-40B4-BE49-F238E27FC236}">
+                <a16:creationId xmlns:a16="http://schemas.microsoft.com/office/drawing/2014/main" id="{F2F142AE-9870-4BE1-AAF8-0E4B3530A87E}"/>
+              </a:ext>
+            </a:extLst>
+          </p:cNvPr>
+          <p:cNvGrpSpPr/>
+          <p:nvPr/>
+        </p:nvGrpSpPr>
+        <p:grpSpPr>
+          <a:xfrm>
+            <a:off x="341659" y="4658185"/>
+            <a:ext cx="1568394" cy="400110"/>
+            <a:chOff x="-1043103" y="2259194"/>
+            <a:chExt cx="2367615" cy="784630"/>
+          </a:xfrm>
+        </p:grpSpPr>
+        <p:sp>
+          <p:nvSpPr>
+            <p:cNvPr id="52" name="正方形/長方形 51">
+              <a:extLst>
+                <a:ext uri="{FF2B5EF4-FFF2-40B4-BE49-F238E27FC236}">
+                  <a16:creationId xmlns:a16="http://schemas.microsoft.com/office/drawing/2014/main" id="{246D6329-B2E6-4643-B2E7-78DBB2C7F078}"/>
+                </a:ext>
+              </a:extLst>
+            </p:cNvPr>
+            <p:cNvSpPr/>
+            <p:nvPr/>
+          </p:nvSpPr>
+          <p:spPr>
+            <a:xfrm>
+              <a:off x="-1043103" y="2259194"/>
+              <a:ext cx="1826614" cy="784628"/>
+            </a:xfrm>
+            <a:prstGeom prst="rect">
+              <a:avLst/>
+            </a:prstGeom>
+            <a:solidFill>
+              <a:schemeClr val="accent4">
+                <a:lumMod val="40000"/>
+                <a:lumOff val="60000"/>
+              </a:schemeClr>
+            </a:solidFill>
+            <a:ln>
+              <a:noFill/>
+            </a:ln>
+          </p:spPr>
+          <p:style>
+            <a:lnRef idx="2">
+              <a:schemeClr val="accent1">
+                <a:shade val="50000"/>
+              </a:schemeClr>
+            </a:lnRef>
+            <a:fillRef idx="1">
+              <a:schemeClr val="accent1"/>
+            </a:fillRef>
+            <a:effectRef idx="0">
+              <a:schemeClr val="accent1"/>
+            </a:effectRef>
+            <a:fontRef idx="minor">
+              <a:schemeClr val="lt1"/>
+            </a:fontRef>
+          </p:style>
+          <p:txBody>
+            <a:bodyPr rtlCol="0" anchor="ctr"/>
+            <a:lstStyle/>
+            <a:p>
+              <a:pPr algn="ctr"/>
+              <a:endParaRPr kumimoji="1" lang="ja-JP" altLang="en-US"/>
+            </a:p>
+          </p:txBody>
+        </p:sp>
+        <p:sp>
+          <p:nvSpPr>
+            <p:cNvPr id="53" name="三角形 10">
+              <a:extLst>
+                <a:ext uri="{FF2B5EF4-FFF2-40B4-BE49-F238E27FC236}">
+                  <a16:creationId xmlns:a16="http://schemas.microsoft.com/office/drawing/2014/main" id="{C0DEBC0A-93E9-4F60-B5C2-29E171538AED}"/>
+                </a:ext>
+              </a:extLst>
+            </p:cNvPr>
+            <p:cNvSpPr/>
+            <p:nvPr/>
+          </p:nvSpPr>
+          <p:spPr>
+            <a:xfrm rot="5400000">
+              <a:off x="657221" y="2376533"/>
+              <a:ext cx="784627" cy="549955"/>
+            </a:xfrm>
+            <a:prstGeom prst="triangle">
+              <a:avLst/>
+            </a:prstGeom>
+            <a:solidFill>
+              <a:schemeClr val="accent4">
+                <a:lumMod val="40000"/>
+                <a:lumOff val="60000"/>
+              </a:schemeClr>
+            </a:solidFill>
+            <a:ln>
+              <a:noFill/>
+            </a:ln>
+          </p:spPr>
+          <p:style>
+            <a:lnRef idx="2">
+              <a:schemeClr val="accent1">
+                <a:shade val="50000"/>
+              </a:schemeClr>
+            </a:lnRef>
+            <a:fillRef idx="1">
+              <a:schemeClr val="accent1"/>
+            </a:fillRef>
+            <a:effectRef idx="0">
+              <a:schemeClr val="accent1"/>
+            </a:effectRef>
+            <a:fontRef idx="minor">
+              <a:schemeClr val="lt1"/>
+            </a:fontRef>
+          </p:style>
+          <p:txBody>
+            <a:bodyPr rtlCol="0" anchor="ctr"/>
+            <a:lstStyle/>
+            <a:p>
+              <a:pPr algn="ctr"/>
+              <a:endParaRPr kumimoji="1" lang="ja-JP" altLang="en-US"/>
+            </a:p>
+          </p:txBody>
+        </p:sp>
+      </p:grpSp>
+      <p:grpSp>
+        <p:nvGrpSpPr>
+          <p:cNvPr id="54" name="グループ化 53">
+            <a:extLst>
+              <a:ext uri="{FF2B5EF4-FFF2-40B4-BE49-F238E27FC236}">
+                <a16:creationId xmlns:a16="http://schemas.microsoft.com/office/drawing/2014/main" id="{612D5281-8348-46C0-AE29-2ACEDF09975F}"/>
+              </a:ext>
+            </a:extLst>
+          </p:cNvPr>
+          <p:cNvGrpSpPr/>
+          <p:nvPr/>
+        </p:nvGrpSpPr>
+        <p:grpSpPr>
+          <a:xfrm>
+            <a:off x="2203677" y="4658185"/>
+            <a:ext cx="1568394" cy="400110"/>
+            <a:chOff x="-1043103" y="2259194"/>
+            <a:chExt cx="2367615" cy="784630"/>
+          </a:xfrm>
+        </p:grpSpPr>
+        <p:sp>
+          <p:nvSpPr>
+            <p:cNvPr id="55" name="正方形/長方形 54">
+              <a:extLst>
+                <a:ext uri="{FF2B5EF4-FFF2-40B4-BE49-F238E27FC236}">
+                  <a16:creationId xmlns:a16="http://schemas.microsoft.com/office/drawing/2014/main" id="{E693EC3E-9368-4AD2-80B7-17D3C3CDDD11}"/>
+                </a:ext>
+              </a:extLst>
+            </p:cNvPr>
+            <p:cNvSpPr/>
+            <p:nvPr/>
+          </p:nvSpPr>
+          <p:spPr>
+            <a:xfrm>
+              <a:off x="-1043103" y="2259194"/>
+              <a:ext cx="1826614" cy="784628"/>
+            </a:xfrm>
+            <a:prstGeom prst="rect">
+              <a:avLst/>
+            </a:prstGeom>
+            <a:solidFill>
+              <a:schemeClr val="accent4">
+                <a:lumMod val="40000"/>
+                <a:lumOff val="60000"/>
+              </a:schemeClr>
+            </a:solidFill>
+            <a:ln>
+              <a:noFill/>
+            </a:ln>
+          </p:spPr>
+          <p:style>
+            <a:lnRef idx="2">
+              <a:schemeClr val="accent1">
+                <a:shade val="50000"/>
+              </a:schemeClr>
+            </a:lnRef>
+            <a:fillRef idx="1">
+              <a:schemeClr val="accent1"/>
+            </a:fillRef>
+            <a:effectRef idx="0">
+              <a:schemeClr val="accent1"/>
+            </a:effectRef>
+            <a:fontRef idx="minor">
+              <a:schemeClr val="lt1"/>
+            </a:fontRef>
+          </p:style>
+          <p:txBody>
+            <a:bodyPr rtlCol="0" anchor="ctr"/>
+            <a:lstStyle/>
+            <a:p>
+              <a:pPr algn="ctr"/>
+              <a:endParaRPr kumimoji="1" lang="ja-JP" altLang="en-US"/>
+            </a:p>
+          </p:txBody>
+        </p:sp>
+        <p:sp>
+          <p:nvSpPr>
+            <p:cNvPr id="56" name="三角形 10">
+              <a:extLst>
+                <a:ext uri="{FF2B5EF4-FFF2-40B4-BE49-F238E27FC236}">
+                  <a16:creationId xmlns:a16="http://schemas.microsoft.com/office/drawing/2014/main" id="{7B5BE58E-9781-4899-94B9-D791F9255B6B}"/>
+                </a:ext>
+              </a:extLst>
+            </p:cNvPr>
+            <p:cNvSpPr/>
+            <p:nvPr/>
+          </p:nvSpPr>
+          <p:spPr>
+            <a:xfrm rot="5400000">
+              <a:off x="657221" y="2376533"/>
+              <a:ext cx="784627" cy="549955"/>
+            </a:xfrm>
+            <a:prstGeom prst="triangle">
+              <a:avLst/>
+            </a:prstGeom>
+            <a:solidFill>
+              <a:schemeClr val="accent4">
+                <a:lumMod val="40000"/>
+                <a:lumOff val="60000"/>
+              </a:schemeClr>
+            </a:solidFill>
+            <a:ln>
+              <a:noFill/>
+            </a:ln>
+          </p:spPr>
+          <p:style>
+            <a:lnRef idx="2">
+              <a:schemeClr val="accent1">
+                <a:shade val="50000"/>
+              </a:schemeClr>
+            </a:lnRef>
+            <a:fillRef idx="1">
+              <a:schemeClr val="accent1"/>
+            </a:fillRef>
+            <a:effectRef idx="0">
+              <a:schemeClr val="accent1"/>
+            </a:effectRef>
+            <a:fontRef idx="minor">
+              <a:schemeClr val="lt1"/>
+            </a:fontRef>
+          </p:style>
+          <p:txBody>
+            <a:bodyPr rtlCol="0" anchor="ctr"/>
+            <a:lstStyle/>
+            <a:p>
+              <a:pPr algn="ctr"/>
+              <a:endParaRPr kumimoji="1" lang="ja-JP" altLang="en-US"/>
+            </a:p>
+          </p:txBody>
+        </p:sp>
+      </p:grpSp>
+      <p:grpSp>
+        <p:nvGrpSpPr>
+          <p:cNvPr id="57" name="グループ化 56">
+            <a:extLst>
+              <a:ext uri="{FF2B5EF4-FFF2-40B4-BE49-F238E27FC236}">
+                <a16:creationId xmlns:a16="http://schemas.microsoft.com/office/drawing/2014/main" id="{9B109DFF-E1E2-432A-84C5-9E170B8752B0}"/>
+              </a:ext>
+            </a:extLst>
+          </p:cNvPr>
+          <p:cNvGrpSpPr/>
+          <p:nvPr/>
+        </p:nvGrpSpPr>
+        <p:grpSpPr>
+          <a:xfrm>
+            <a:off x="4065695" y="5123772"/>
+            <a:ext cx="2831727" cy="400110"/>
+            <a:chOff x="-1043103" y="2259194"/>
+            <a:chExt cx="2367615" cy="784630"/>
+          </a:xfrm>
+          <a:solidFill>
+            <a:schemeClr val="accent6">
+              <a:lumMod val="40000"/>
+              <a:lumOff val="60000"/>
+            </a:schemeClr>
+          </a:solidFill>
+        </p:grpSpPr>
+        <p:sp>
+          <p:nvSpPr>
+            <p:cNvPr id="58" name="正方形/長方形 57">
+              <a:extLst>
+                <a:ext uri="{FF2B5EF4-FFF2-40B4-BE49-F238E27FC236}">
+                  <a16:creationId xmlns:a16="http://schemas.microsoft.com/office/drawing/2014/main" id="{DD20E0AA-626A-4C75-BEB7-BC8E1907D834}"/>
+                </a:ext>
+              </a:extLst>
+            </p:cNvPr>
+            <p:cNvSpPr/>
+            <p:nvPr/>
+          </p:nvSpPr>
+          <p:spPr>
+            <a:xfrm>
+              <a:off x="-1043103" y="2259194"/>
+              <a:ext cx="1826614" cy="784628"/>
+            </a:xfrm>
+            <a:prstGeom prst="rect">
+              <a:avLst/>
+            </a:prstGeom>
+            <a:grpFill/>
+            <a:ln>
+              <a:noFill/>
+            </a:ln>
+          </p:spPr>
+          <p:style>
+            <a:lnRef idx="2">
+              <a:schemeClr val="accent1">
+                <a:shade val="50000"/>
+              </a:schemeClr>
+            </a:lnRef>
+            <a:fillRef idx="1">
+              <a:schemeClr val="accent1"/>
+            </a:fillRef>
+            <a:effectRef idx="0">
+              <a:schemeClr val="accent1"/>
+            </a:effectRef>
+            <a:fontRef idx="minor">
+              <a:schemeClr val="lt1"/>
+            </a:fontRef>
+          </p:style>
+          <p:txBody>
+            <a:bodyPr rtlCol="0" anchor="ctr"/>
+            <a:lstStyle/>
+            <a:p>
+              <a:pPr algn="ctr"/>
+              <a:endParaRPr kumimoji="1" lang="ja-JP" altLang="en-US"/>
+            </a:p>
+          </p:txBody>
+        </p:sp>
+        <p:sp>
+          <p:nvSpPr>
+            <p:cNvPr id="59" name="三角形 10">
+              <a:extLst>
+                <a:ext uri="{FF2B5EF4-FFF2-40B4-BE49-F238E27FC236}">
+                  <a16:creationId xmlns:a16="http://schemas.microsoft.com/office/drawing/2014/main" id="{D73DFAA6-B6A3-4495-83CD-BCE1CA096F33}"/>
+                </a:ext>
+              </a:extLst>
+            </p:cNvPr>
+            <p:cNvSpPr/>
+            <p:nvPr/>
+          </p:nvSpPr>
+          <p:spPr>
+            <a:xfrm rot="5400000">
+              <a:off x="657221" y="2376533"/>
+              <a:ext cx="784627" cy="549955"/>
+            </a:xfrm>
+            <a:prstGeom prst="triangle">
+              <a:avLst/>
+            </a:prstGeom>
+            <a:grpFill/>
+            <a:ln>
+              <a:noFill/>
+            </a:ln>
+          </p:spPr>
+          <p:style>
+            <a:lnRef idx="2">
+              <a:schemeClr val="accent1">
+                <a:shade val="50000"/>
+              </a:schemeClr>
+            </a:lnRef>
+            <a:fillRef idx="1">
+              <a:schemeClr val="accent1"/>
+            </a:fillRef>
+            <a:effectRef idx="0">
+              <a:schemeClr val="accent1"/>
+            </a:effectRef>
+            <a:fontRef idx="minor">
+              <a:schemeClr val="lt1"/>
+            </a:fontRef>
+          </p:style>
+          <p:txBody>
+            <a:bodyPr rtlCol="0" anchor="ctr"/>
+            <a:lstStyle/>
+            <a:p>
+              <a:pPr algn="ctr"/>
+              <a:endParaRPr kumimoji="1" lang="ja-JP" altLang="en-US"/>
+            </a:p>
+          </p:txBody>
+        </p:sp>
+      </p:grpSp>
+      <p:grpSp>
+        <p:nvGrpSpPr>
+          <p:cNvPr id="60" name="グループ化 59">
+            <a:extLst>
+              <a:ext uri="{FF2B5EF4-FFF2-40B4-BE49-F238E27FC236}">
+                <a16:creationId xmlns:a16="http://schemas.microsoft.com/office/drawing/2014/main" id="{9773E6D6-EBBA-4AC2-8652-5F68FDD17A02}"/>
+              </a:ext>
+            </a:extLst>
+          </p:cNvPr>
+          <p:cNvGrpSpPr/>
+          <p:nvPr/>
+        </p:nvGrpSpPr>
+        <p:grpSpPr>
+          <a:xfrm>
+            <a:off x="4065695" y="4658185"/>
+            <a:ext cx="1568394" cy="400110"/>
+            <a:chOff x="-1043103" y="2259194"/>
+            <a:chExt cx="2367615" cy="784630"/>
+          </a:xfrm>
+        </p:grpSpPr>
+        <p:sp>
+          <p:nvSpPr>
+            <p:cNvPr id="61" name="正方形/長方形 60">
+              <a:extLst>
+                <a:ext uri="{FF2B5EF4-FFF2-40B4-BE49-F238E27FC236}">
+                  <a16:creationId xmlns:a16="http://schemas.microsoft.com/office/drawing/2014/main" id="{93D7612C-7D7D-4BC5-8F48-68713D6B1679}"/>
+                </a:ext>
+              </a:extLst>
+            </p:cNvPr>
+            <p:cNvSpPr/>
+            <p:nvPr/>
+          </p:nvSpPr>
+          <p:spPr>
+            <a:xfrm>
+              <a:off x="-1043103" y="2259194"/>
+              <a:ext cx="1826614" cy="784628"/>
+            </a:xfrm>
+            <a:prstGeom prst="rect">
+              <a:avLst/>
+            </a:prstGeom>
+            <a:solidFill>
+              <a:schemeClr val="accent4">
+                <a:lumMod val="40000"/>
+                <a:lumOff val="60000"/>
+              </a:schemeClr>
+            </a:solidFill>
+            <a:ln>
+              <a:noFill/>
+            </a:ln>
+          </p:spPr>
+          <p:style>
+            <a:lnRef idx="2">
+              <a:schemeClr val="accent1">
+                <a:shade val="50000"/>
+              </a:schemeClr>
+            </a:lnRef>
+            <a:fillRef idx="1">
+              <a:schemeClr val="accent1"/>
+            </a:fillRef>
+            <a:effectRef idx="0">
+              <a:schemeClr val="accent1"/>
+            </a:effectRef>
+            <a:fontRef idx="minor">
+              <a:schemeClr val="lt1"/>
+            </a:fontRef>
+          </p:style>
+          <p:txBody>
+            <a:bodyPr rtlCol="0" anchor="ctr"/>
+            <a:lstStyle/>
+            <a:p>
+              <a:pPr algn="ctr"/>
+              <a:endParaRPr kumimoji="1" lang="ja-JP" altLang="en-US"/>
+            </a:p>
+          </p:txBody>
+        </p:sp>
+        <p:sp>
+          <p:nvSpPr>
+            <p:cNvPr id="62" name="三角形 10">
+              <a:extLst>
+                <a:ext uri="{FF2B5EF4-FFF2-40B4-BE49-F238E27FC236}">
+                  <a16:creationId xmlns:a16="http://schemas.microsoft.com/office/drawing/2014/main" id="{827D6A97-B40D-4A17-BF83-043792DFE7D2}"/>
+                </a:ext>
+              </a:extLst>
+            </p:cNvPr>
+            <p:cNvSpPr/>
+            <p:nvPr/>
+          </p:nvSpPr>
+          <p:spPr>
+            <a:xfrm rot="5400000">
+              <a:off x="657221" y="2376533"/>
+              <a:ext cx="784627" cy="549955"/>
+            </a:xfrm>
+            <a:prstGeom prst="triangle">
+              <a:avLst/>
+            </a:prstGeom>
+            <a:solidFill>
+              <a:schemeClr val="accent4">
+                <a:lumMod val="40000"/>
+                <a:lumOff val="60000"/>
+              </a:schemeClr>
+            </a:solidFill>
+            <a:ln>
+              <a:noFill/>
+            </a:ln>
+          </p:spPr>
+          <p:style>
+            <a:lnRef idx="2">
+              <a:schemeClr val="accent1">
+                <a:shade val="50000"/>
+              </a:schemeClr>
+            </a:lnRef>
+            <a:fillRef idx="1">
+              <a:schemeClr val="accent1"/>
+            </a:fillRef>
+            <a:effectRef idx="0">
+              <a:schemeClr val="accent1"/>
+            </a:effectRef>
+            <a:fontRef idx="minor">
+              <a:schemeClr val="lt1"/>
+            </a:fontRef>
+          </p:style>
+          <p:txBody>
+            <a:bodyPr rtlCol="0" anchor="ctr"/>
+            <a:lstStyle/>
+            <a:p>
+              <a:pPr algn="ctr"/>
+              <a:endParaRPr kumimoji="1" lang="ja-JP" altLang="en-US"/>
+            </a:p>
+          </p:txBody>
+        </p:sp>
+      </p:grpSp>
+      <p:sp>
+        <p:nvSpPr>
+          <p:cNvPr id="5" name="正方形/長方形 4">
+            <a:extLst>
+              <a:ext uri="{FF2B5EF4-FFF2-40B4-BE49-F238E27FC236}">
+                <a16:creationId xmlns:a16="http://schemas.microsoft.com/office/drawing/2014/main" id="{D290D4DD-5F39-4770-9096-A0B345850EA0}"/>
               </a:ext>
             </a:extLst>
           </p:cNvPr>
@@ -7532,20 +9538,20 @@
         </p:nvSpPr>
         <p:spPr>
           <a:xfrm>
-            <a:off x="96036" y="603292"/>
-            <a:ext cx="8995507" cy="2694800"/>
+            <a:off x="259169" y="2427006"/>
+            <a:ext cx="8782281" cy="1366615"/>
           </a:xfrm>
           <a:prstGeom prst="rect">
             <a:avLst/>
           </a:prstGeom>
-          <a:solidFill>
-            <a:schemeClr val="accent2">
-              <a:lumMod val="20000"/>
-              <a:lumOff val="80000"/>
-            </a:schemeClr>
-          </a:solidFill>
-          <a:ln>
-            <a:noFill/>
+          <a:noFill/>
+          <a:ln w="38100">
+            <a:solidFill>
+              <a:schemeClr val="accent1">
+                <a:lumMod val="60000"/>
+                <a:lumOff val="40000"/>
+              </a:schemeClr>
+            </a:solidFill>
           </a:ln>
           <a:effectLst/>
         </p:spPr>
@@ -7586,10 +9592,10 @@
       </p:sp>
       <p:sp>
         <p:nvSpPr>
-          <p:cNvPr id="18" name="テキスト ボックス 17">
+          <p:cNvPr id="63" name="テキスト ボックス 62">
             <a:extLst>
               <a:ext uri="{FF2B5EF4-FFF2-40B4-BE49-F238E27FC236}">
-                <a16:creationId xmlns:a16="http://schemas.microsoft.com/office/drawing/2014/main" id="{33D66F17-D5D1-1E45-A902-D67B0EFB2DC0}"/>
+                <a16:creationId xmlns:a16="http://schemas.microsoft.com/office/drawing/2014/main" id="{C4E835EB-59FE-4F5C-9B85-02359C96F040}"/>
               </a:ext>
             </a:extLst>
           </p:cNvPr>
@@ -7598,8 +9604,8 @@
         </p:nvSpPr>
         <p:spPr>
           <a:xfrm>
-            <a:off x="224987" y="694665"/>
-            <a:ext cx="2383986" cy="400110"/>
+            <a:off x="442480" y="2290142"/>
+            <a:ext cx="1210588" cy="400110"/>
           </a:xfrm>
           <a:prstGeom prst="rect">
             <a:avLst/>
@@ -7615,14 +9621,14 @@
           <a:lstStyle/>
           <a:p>
             <a:r>
-              <a:rPr lang="en-US" altLang="ja-JP" sz="2000">
+              <a:rPr lang="ja-JP" altLang="en-US" sz="2000" dirty="0">
                 <a:latin typeface="ヒラギノ角ゴ ProN W3"/>
                 <a:ea typeface="ヒラギノ角ゴ ProN W3"/>
                 <a:cs typeface="ヒラギノ角ゴ ProN W3"/>
               </a:rPr>
-              <a:t>OffscreenCanvas</a:t>
-            </a:r>
-            <a:endParaRPr lang="en-US" altLang="ja-JP" sz="2000" dirty="0">
+              <a:t>先行研究</a:t>
+            </a:r>
+            <a:endParaRPr kumimoji="1" lang="ja-JP" altLang="en-US" sz="2000" dirty="0">
               <a:latin typeface="ヒラギノ角ゴ ProN W3"/>
               <a:ea typeface="ヒラギノ角ゴ ProN W3"/>
               <a:cs typeface="ヒラギノ角ゴ ProN W3"/>
@@ -7630,72 +9636,12 @@
           </a:p>
         </p:txBody>
       </p:sp>
-    </p:spTree>
-    <p:extLst>
-      <p:ext uri="{BB962C8B-B14F-4D97-AF65-F5344CB8AC3E}">
-        <p14:creationId xmlns:p14="http://schemas.microsoft.com/office/powerpoint/2010/main" val="2126199866"/>
-      </p:ext>
-    </p:extLst>
-  </p:cSld>
-  <p:clrMapOvr>
-    <a:masterClrMapping/>
-  </p:clrMapOvr>
-</p:sld>
-</file>
-
-<file path=ppt/slides/slide4.xml><?xml version="1.0" encoding="utf-8"?>
-<p:sld xmlns:a="http://schemas.openxmlformats.org/drawingml/2006/main" xmlns:r="http://schemas.openxmlformats.org/officeDocument/2006/relationships" xmlns:p="http://schemas.openxmlformats.org/presentationml/2006/main">
-  <p:cSld>
-    <p:spTree>
-      <p:nvGrpSpPr>
-        <p:cNvPr id="1" name=""/>
-        <p:cNvGrpSpPr/>
-        <p:nvPr/>
-      </p:nvGrpSpPr>
-      <p:grpSpPr>
-        <a:xfrm>
-          <a:off x="0" y="0"/>
-          <a:ext cx="0" cy="0"/>
-          <a:chOff x="0" y="0"/>
-          <a:chExt cx="0" cy="0"/>
-        </a:xfrm>
-      </p:grpSpPr>
-      <p:pic>
-        <p:nvPicPr>
-          <p:cNvPr id="11" name="図 10">
+      <p:sp>
+        <p:nvSpPr>
+          <p:cNvPr id="65" name="正方形/長方形 64">
             <a:extLst>
               <a:ext uri="{FF2B5EF4-FFF2-40B4-BE49-F238E27FC236}">
-                <a16:creationId xmlns:a16="http://schemas.microsoft.com/office/drawing/2014/main" id="{407B8BC3-69C2-CA44-9213-EAA6015E1E1D}"/>
-              </a:ext>
-            </a:extLst>
-          </p:cNvPr>
-          <p:cNvPicPr>
-            <a:picLocks noChangeAspect="1"/>
-          </p:cNvPicPr>
-          <p:nvPr/>
-        </p:nvPicPr>
-        <p:blipFill>
-          <a:blip r:embed="rId2"/>
-          <a:stretch>
-            <a:fillRect/>
-          </a:stretch>
-        </p:blipFill>
-        <p:spPr>
-          <a:xfrm rot="5400000">
-            <a:off x="849469" y="-258129"/>
-            <a:ext cx="4035062" cy="5710121"/>
-          </a:xfrm>
-          <a:prstGeom prst="rect">
-            <a:avLst/>
-          </a:prstGeom>
-        </p:spPr>
-      </p:pic>
-      <p:sp>
-        <p:nvSpPr>
-          <p:cNvPr id="13" name="正方形/長方形 12">
-            <a:extLst>
-              <a:ext uri="{FF2B5EF4-FFF2-40B4-BE49-F238E27FC236}">
-                <a16:creationId xmlns:a16="http://schemas.microsoft.com/office/drawing/2014/main" id="{AD00BAB4-9790-7544-A4AD-5DC1D5126D88}"/>
+                <a16:creationId xmlns:a16="http://schemas.microsoft.com/office/drawing/2014/main" id="{DEDEF998-627C-40F1-A15D-5C97F8E4D940}"/>
               </a:ext>
             </a:extLst>
           </p:cNvPr>
@@ -7704,20 +9650,19 @@
         </p:nvSpPr>
         <p:spPr>
           <a:xfrm>
-            <a:off x="5725751" y="785166"/>
-            <a:ext cx="3324463" cy="2072319"/>
+            <a:off x="259169" y="3993311"/>
+            <a:ext cx="8782281" cy="1598939"/>
           </a:xfrm>
           <a:prstGeom prst="rect">
             <a:avLst/>
           </a:prstGeom>
-          <a:solidFill>
-            <a:schemeClr val="accent1">
-              <a:lumMod val="20000"/>
-              <a:lumOff val="80000"/>
-            </a:schemeClr>
-          </a:solidFill>
-          <a:ln>
-            <a:noFill/>
+          <a:noFill/>
+          <a:ln w="38100">
+            <a:solidFill>
+              <a:schemeClr val="accent3">
+                <a:lumMod val="75000"/>
+              </a:schemeClr>
+            </a:solidFill>
           </a:ln>
           <a:effectLst/>
         </p:spPr>
@@ -7758,63 +9703,43 @@
       </p:sp>
       <p:sp>
         <p:nvSpPr>
-          <p:cNvPr id="29" name="正方形/長方形 28">
+          <p:cNvPr id="64" name="テキスト ボックス 63">
             <a:extLst>
               <a:ext uri="{FF2B5EF4-FFF2-40B4-BE49-F238E27FC236}">
-                <a16:creationId xmlns:a16="http://schemas.microsoft.com/office/drawing/2014/main" id="{DDD68BED-CC73-734A-B217-6AB67B5D8FF4}"/>
+                <a16:creationId xmlns:a16="http://schemas.microsoft.com/office/drawing/2014/main" id="{0A4AE865-6066-498A-AB63-A29D496D65FC}"/>
               </a:ext>
             </a:extLst>
           </p:cNvPr>
-          <p:cNvSpPr/>
+          <p:cNvSpPr txBox="1"/>
           <p:nvPr/>
         </p:nvSpPr>
         <p:spPr>
           <a:xfrm>
-            <a:off x="5710122" y="3173253"/>
-            <a:ext cx="3324463" cy="2443109"/>
+            <a:off x="442480" y="3828312"/>
+            <a:ext cx="954107" cy="400110"/>
           </a:xfrm>
           <a:prstGeom prst="rect">
             <a:avLst/>
           </a:prstGeom>
           <a:solidFill>
-            <a:schemeClr val="accent3">
-              <a:lumMod val="20000"/>
-              <a:lumOff val="80000"/>
-            </a:schemeClr>
+            <a:schemeClr val="bg1"/>
           </a:solidFill>
-          <a:ln>
-            <a:noFill/>
-          </a:ln>
-          <a:effectLst/>
         </p:spPr>
-        <p:style>
-          <a:lnRef idx="1">
-            <a:schemeClr val="accent1"/>
-          </a:lnRef>
-          <a:fillRef idx="3">
-            <a:schemeClr val="accent1"/>
-          </a:fillRef>
-          <a:effectRef idx="2">
-            <a:schemeClr val="accent1"/>
-          </a:effectRef>
-          <a:fontRef idx="minor">
-            <a:schemeClr val="lt1"/>
-          </a:fontRef>
-        </p:style>
         <p:txBody>
-          <a:bodyPr rot="0" spcFirstLastPara="0" vertOverflow="overflow" horzOverflow="overflow" vert="horz" wrap="square" lIns="91440" tIns="45720" rIns="91440" bIns="45720" numCol="1" spcCol="0" rtlCol="0" fromWordArt="0" anchor="ctr" anchorCtr="0" forceAA="0" compatLnSpc="1">
-            <a:prstTxWarp prst="textNoShape">
-              <a:avLst/>
-            </a:prstTxWarp>
-            <a:noAutofit/>
+          <a:bodyPr wrap="none" rtlCol="0">
+            <a:spAutoFit/>
           </a:bodyPr>
           <a:lstStyle/>
           <a:p>
-            <a:pPr algn="ctr"/>
-            <a:endParaRPr kumimoji="1" lang="ja-JP" altLang="en-US" dirty="0">
-              <a:solidFill>
-                <a:schemeClr val="tx1"/>
-              </a:solidFill>
+            <a:r>
+              <a:rPr lang="ja-JP" altLang="en-US" sz="2000" dirty="0">
+                <a:latin typeface="ヒラギノ角ゴ ProN W3"/>
+                <a:ea typeface="ヒラギノ角ゴ ProN W3"/>
+                <a:cs typeface="ヒラギノ角ゴ ProN W3"/>
+              </a:rPr>
+              <a:t>本研究</a:t>
+            </a:r>
+            <a:endParaRPr kumimoji="1" lang="ja-JP" altLang="en-US" sz="2000" dirty="0">
               <a:latin typeface="ヒラギノ角ゴ ProN W3"/>
               <a:ea typeface="ヒラギノ角ゴ ProN W3"/>
               <a:cs typeface="ヒラギノ角ゴ ProN W3"/>
@@ -7822,12 +9747,42 @@
           </a:p>
         </p:txBody>
       </p:sp>
+    </p:spTree>
+    <p:extLst>
+      <p:ext uri="{BB962C8B-B14F-4D97-AF65-F5344CB8AC3E}">
+        <p14:creationId xmlns:p14="http://schemas.microsoft.com/office/powerpoint/2010/main" val="2126199866"/>
+      </p:ext>
+    </p:extLst>
+  </p:cSld>
+  <p:clrMapOvr>
+    <a:masterClrMapping/>
+  </p:clrMapOvr>
+</p:sld>
+</file>
+
+<file path=ppt/slides/slide4.xml><?xml version="1.0" encoding="utf-8"?>
+<p:sld xmlns:a="http://schemas.openxmlformats.org/drawingml/2006/main" xmlns:r="http://schemas.openxmlformats.org/officeDocument/2006/relationships" xmlns:p="http://schemas.openxmlformats.org/presentationml/2006/main">
+  <p:cSld>
+    <p:spTree>
+      <p:nvGrpSpPr>
+        <p:cNvPr id="1" name=""/>
+        <p:cNvGrpSpPr/>
+        <p:nvPr/>
+      </p:nvGrpSpPr>
+      <p:grpSpPr>
+        <a:xfrm>
+          <a:off x="0" y="0"/>
+          <a:ext cx="0" cy="0"/>
+          <a:chOff x="0" y="0"/>
+          <a:chExt cx="0" cy="0"/>
+        </a:xfrm>
+      </p:grpSpPr>
       <p:grpSp>
         <p:nvGrpSpPr>
-          <p:cNvPr id="28" name="グループ化 27">
+          <p:cNvPr id="8" name="グループ化 7">
             <a:extLst>
               <a:ext uri="{FF2B5EF4-FFF2-40B4-BE49-F238E27FC236}">
-                <a16:creationId xmlns:a16="http://schemas.microsoft.com/office/drawing/2014/main" id="{0F15B7C8-E3C8-974F-8891-9A4EB7C0E528}"/>
+                <a16:creationId xmlns:a16="http://schemas.microsoft.com/office/drawing/2014/main" id="{F21371C6-53BD-42DA-9552-6D17BC94CBF9}"/>
               </a:ext>
             </a:extLst>
           </p:cNvPr>
@@ -7836,512 +9791,149 @@
         </p:nvGrpSpPr>
         <p:grpSpPr>
           <a:xfrm>
-            <a:off x="5788271" y="4683341"/>
-            <a:ext cx="2920103" cy="814087"/>
-            <a:chOff x="5734730" y="4375554"/>
-            <a:chExt cx="3233578" cy="814087"/>
+            <a:off x="2529930" y="785167"/>
+            <a:ext cx="4092687" cy="4618565"/>
+            <a:chOff x="2938925" y="736957"/>
+            <a:chExt cx="4092687" cy="4618565"/>
           </a:xfrm>
         </p:grpSpPr>
-        <p:sp>
-          <p:nvSpPr>
-            <p:cNvPr id="20" name="テキスト ボックス 19">
+        <p:pic>
+          <p:nvPicPr>
+            <p:cNvPr id="82" name="図 81">
               <a:extLst>
                 <a:ext uri="{FF2B5EF4-FFF2-40B4-BE49-F238E27FC236}">
-                  <a16:creationId xmlns:a16="http://schemas.microsoft.com/office/drawing/2014/main" id="{ABFB2540-584B-F349-922A-206EB831DC5E}"/>
+                  <a16:creationId xmlns:a16="http://schemas.microsoft.com/office/drawing/2014/main" id="{CC4DA9D8-530F-476E-B008-24E4F191D91D}"/>
                 </a:ext>
               </a:extLst>
             </p:cNvPr>
-            <p:cNvSpPr txBox="1"/>
+            <p:cNvPicPr>
+              <a:picLocks noChangeAspect="1"/>
+            </p:cNvPicPr>
+            <p:nvPr/>
+          </p:nvPicPr>
+          <p:blipFill>
+            <a:blip r:embed="rId2"/>
+            <a:stretch>
+              <a:fillRect/>
+            </a:stretch>
+          </p:blipFill>
+          <p:spPr>
+            <a:xfrm>
+              <a:off x="2938925" y="736957"/>
+              <a:ext cx="4092687" cy="4618565"/>
+            </a:xfrm>
+            <a:prstGeom prst="rect">
+              <a:avLst/>
+            </a:prstGeom>
+          </p:spPr>
+        </p:pic>
+        <p:sp>
+          <p:nvSpPr>
+            <p:cNvPr id="83" name="正方形/長方形 82">
+              <a:extLst>
+                <a:ext uri="{FF2B5EF4-FFF2-40B4-BE49-F238E27FC236}">
+                  <a16:creationId xmlns:a16="http://schemas.microsoft.com/office/drawing/2014/main" id="{CB705A08-907F-4842-8235-7B28FA594E4A}"/>
+                </a:ext>
+              </a:extLst>
+            </p:cNvPr>
+            <p:cNvSpPr/>
             <p:nvPr/>
           </p:nvSpPr>
           <p:spPr>
             <a:xfrm>
-              <a:off x="5734730" y="4375554"/>
-              <a:ext cx="867545" cy="400110"/>
+              <a:off x="4977220" y="1391226"/>
+              <a:ext cx="1978473" cy="3955750"/>
             </a:xfrm>
             <a:prstGeom prst="rect">
               <a:avLst/>
             </a:prstGeom>
             <a:noFill/>
+            <a:ln w="76200">
+              <a:solidFill>
+                <a:schemeClr val="accent2">
+                  <a:lumMod val="60000"/>
+                  <a:lumOff val="40000"/>
+                </a:schemeClr>
+              </a:solidFill>
+            </a:ln>
           </p:spPr>
+          <p:style>
+            <a:lnRef idx="2">
+              <a:schemeClr val="accent1">
+                <a:shade val="50000"/>
+              </a:schemeClr>
+            </a:lnRef>
+            <a:fillRef idx="1">
+              <a:schemeClr val="accent1"/>
+            </a:fillRef>
+            <a:effectRef idx="0">
+              <a:schemeClr val="accent1"/>
+            </a:effectRef>
+            <a:fontRef idx="minor">
+              <a:schemeClr val="lt1"/>
+            </a:fontRef>
+          </p:style>
           <p:txBody>
-            <a:bodyPr wrap="none" rtlCol="0">
-              <a:spAutoFit/>
-            </a:bodyPr>
+            <a:bodyPr rtlCol="0" anchor="ctr"/>
             <a:lstStyle/>
             <a:p>
-              <a:r>
-                <a:rPr kumimoji="1" lang="ja-JP" altLang="en-US" sz="2000">
-                  <a:latin typeface="ヒラギノ角ゴ ProN W3"/>
-                  <a:ea typeface="ヒラギノ角ゴ ProN W3"/>
-                  <a:cs typeface="ヒラギノ角ゴ ProN W3"/>
-                </a:rPr>
-                <a:t>手法</a:t>
-              </a:r>
-              <a:r>
-                <a:rPr kumimoji="1" lang="en-US" altLang="ja-JP" sz="2000" dirty="0">
-                  <a:latin typeface="ヒラギノ角ゴ ProN W3"/>
-                  <a:ea typeface="ヒラギノ角ゴ ProN W3"/>
-                  <a:cs typeface="ヒラギノ角ゴ ProN W3"/>
-                </a:rPr>
-                <a:t>4</a:t>
-              </a:r>
-              <a:endParaRPr kumimoji="1" lang="ja-JP" altLang="en-US" sz="2000" dirty="0">
-                <a:latin typeface="ヒラギノ角ゴ ProN W3"/>
-                <a:ea typeface="ヒラギノ角ゴ ProN W3"/>
-                <a:cs typeface="ヒラギノ角ゴ ProN W3"/>
-              </a:endParaRPr>
+              <a:pPr algn="ctr"/>
+              <a:endParaRPr kumimoji="1" lang="ja-JP" altLang="en-US"/>
             </a:p>
           </p:txBody>
         </p:sp>
         <p:sp>
           <p:nvSpPr>
-            <p:cNvPr id="21" name="テキスト ボックス 20">
+            <p:cNvPr id="84" name="正方形/長方形 83">
               <a:extLst>
                 <a:ext uri="{FF2B5EF4-FFF2-40B4-BE49-F238E27FC236}">
-                  <a16:creationId xmlns:a16="http://schemas.microsoft.com/office/drawing/2014/main" id="{B44D7233-8EA9-CE4C-B375-07F4BE6CC0F7}"/>
+                  <a16:creationId xmlns:a16="http://schemas.microsoft.com/office/drawing/2014/main" id="{3D29BDEC-7635-4F79-9E0C-5D3266B94F76}"/>
                 </a:ext>
               </a:extLst>
             </p:cNvPr>
-            <p:cNvSpPr txBox="1"/>
+            <p:cNvSpPr/>
             <p:nvPr/>
           </p:nvSpPr>
           <p:spPr>
             <a:xfrm>
-              <a:off x="5734730" y="4789531"/>
-              <a:ext cx="3233578" cy="400110"/>
+              <a:off x="3040771" y="1391226"/>
+              <a:ext cx="1860530" cy="3955750"/>
             </a:xfrm>
             <a:prstGeom prst="rect">
               <a:avLst/>
             </a:prstGeom>
             <a:noFill/>
+            <a:ln w="76200">
+              <a:solidFill>
+                <a:schemeClr val="accent4">
+                  <a:lumMod val="60000"/>
+                  <a:lumOff val="40000"/>
+                </a:schemeClr>
+              </a:solidFill>
+            </a:ln>
           </p:spPr>
+          <p:style>
+            <a:lnRef idx="2">
+              <a:schemeClr val="accent1">
+                <a:shade val="50000"/>
+              </a:schemeClr>
+            </a:lnRef>
+            <a:fillRef idx="1">
+              <a:schemeClr val="accent1"/>
+            </a:fillRef>
+            <a:effectRef idx="0">
+              <a:schemeClr val="accent1"/>
+            </a:effectRef>
+            <a:fontRef idx="minor">
+              <a:schemeClr val="lt1"/>
+            </a:fontRef>
+          </p:style>
           <p:txBody>
-            <a:bodyPr wrap="none" rtlCol="0">
-              <a:spAutoFit/>
-            </a:bodyPr>
+            <a:bodyPr rtlCol="0" anchor="ctr"/>
             <a:lstStyle/>
             <a:p>
-              <a:r>
-                <a:rPr kumimoji="1" lang="ja-JP" altLang="en-US" sz="2000">
-                  <a:latin typeface="ヒラギノ角ゴ ProN W3"/>
-                  <a:ea typeface="ヒラギノ角ゴ ProN W3"/>
-                  <a:cs typeface="ヒラギノ角ゴ ProN W3"/>
-                </a:rPr>
-                <a:t>手法</a:t>
-              </a:r>
-              <a:r>
-                <a:rPr kumimoji="1" lang="en-US" altLang="ja-JP" sz="2000" dirty="0">
-                  <a:latin typeface="ヒラギノ角ゴ ProN W3"/>
-                  <a:ea typeface="ヒラギノ角ゴ ProN W3"/>
-                  <a:cs typeface="ヒラギノ角ゴ ProN W3"/>
-                </a:rPr>
-                <a:t>3+OffscreenCanvas</a:t>
-              </a:r>
-              <a:endParaRPr kumimoji="1" lang="ja-JP" altLang="en-US" sz="2000" dirty="0">
-                <a:latin typeface="ヒラギノ角ゴ ProN W3"/>
-                <a:ea typeface="ヒラギノ角ゴ ProN W3"/>
-                <a:cs typeface="ヒラギノ角ゴ ProN W3"/>
-              </a:endParaRPr>
-            </a:p>
-          </p:txBody>
-        </p:sp>
-      </p:grpSp>
-      <p:grpSp>
-        <p:nvGrpSpPr>
-          <p:cNvPr id="27" name="グループ化 26">
-            <a:extLst>
-              <a:ext uri="{FF2B5EF4-FFF2-40B4-BE49-F238E27FC236}">
-                <a16:creationId xmlns:a16="http://schemas.microsoft.com/office/drawing/2014/main" id="{87BF37BB-224D-5947-A930-6DA0AE4F432D}"/>
-              </a:ext>
-            </a:extLst>
-          </p:cNvPr>
-          <p:cNvGrpSpPr/>
-          <p:nvPr/>
-        </p:nvGrpSpPr>
-        <p:grpSpPr>
-          <a:xfrm>
-            <a:off x="5788271" y="3753776"/>
-            <a:ext cx="2866542" cy="806275"/>
-            <a:chOff x="5734730" y="3188094"/>
-            <a:chExt cx="3174267" cy="806275"/>
-          </a:xfrm>
-        </p:grpSpPr>
-        <p:sp>
-          <p:nvSpPr>
-            <p:cNvPr id="19" name="テキスト ボックス 18">
-              <a:extLst>
-                <a:ext uri="{FF2B5EF4-FFF2-40B4-BE49-F238E27FC236}">
-                  <a16:creationId xmlns:a16="http://schemas.microsoft.com/office/drawing/2014/main" id="{7A421C51-6C24-A04D-A2E1-B5EA18210693}"/>
-                </a:ext>
-              </a:extLst>
-            </p:cNvPr>
-            <p:cNvSpPr txBox="1"/>
-            <p:nvPr/>
-          </p:nvSpPr>
-          <p:spPr>
-            <a:xfrm>
-              <a:off x="5734730" y="3188094"/>
-              <a:ext cx="865943" cy="400110"/>
-            </a:xfrm>
-            <a:prstGeom prst="rect">
-              <a:avLst/>
-            </a:prstGeom>
-            <a:noFill/>
-          </p:spPr>
-          <p:txBody>
-            <a:bodyPr wrap="none" rtlCol="0">
-              <a:spAutoFit/>
-            </a:bodyPr>
-            <a:lstStyle/>
-            <a:p>
-              <a:r>
-                <a:rPr kumimoji="1" lang="ja-JP" altLang="en-US" sz="2000">
-                  <a:latin typeface="ヒラギノ角ゴ ProN W3"/>
-                  <a:ea typeface="ヒラギノ角ゴ ProN W3"/>
-                  <a:cs typeface="ヒラギノ角ゴ ProN W3"/>
-                </a:rPr>
-                <a:t>手法</a:t>
-              </a:r>
-              <a:r>
-                <a:rPr kumimoji="1" lang="en-US" altLang="ja-JP" sz="2000" dirty="0">
-                  <a:latin typeface="ヒラギノ角ゴ ProN W3"/>
-                  <a:ea typeface="ヒラギノ角ゴ ProN W3"/>
-                  <a:cs typeface="ヒラギノ角ゴ ProN W3"/>
-                </a:rPr>
-                <a:t>3</a:t>
-              </a:r>
-              <a:endParaRPr kumimoji="1" lang="ja-JP" altLang="en-US" sz="2000" dirty="0">
-                <a:latin typeface="ヒラギノ角ゴ ProN W3"/>
-                <a:ea typeface="ヒラギノ角ゴ ProN W3"/>
-                <a:cs typeface="ヒラギノ角ゴ ProN W3"/>
-              </a:endParaRPr>
-            </a:p>
-          </p:txBody>
-        </p:sp>
-        <p:sp>
-          <p:nvSpPr>
-            <p:cNvPr id="22" name="テキスト ボックス 21">
-              <a:extLst>
-                <a:ext uri="{FF2B5EF4-FFF2-40B4-BE49-F238E27FC236}">
-                  <a16:creationId xmlns:a16="http://schemas.microsoft.com/office/drawing/2014/main" id="{AE6F5E75-9072-0A44-901D-5808D8D28A58}"/>
-                </a:ext>
-              </a:extLst>
-            </p:cNvPr>
-            <p:cNvSpPr txBox="1"/>
-            <p:nvPr/>
-          </p:nvSpPr>
-          <p:spPr>
-            <a:xfrm>
-              <a:off x="5734730" y="3594259"/>
-              <a:ext cx="3174267" cy="400110"/>
-            </a:xfrm>
-            <a:prstGeom prst="rect">
-              <a:avLst/>
-            </a:prstGeom>
-            <a:noFill/>
-          </p:spPr>
-          <p:txBody>
-            <a:bodyPr wrap="none" rtlCol="0">
-              <a:spAutoFit/>
-            </a:bodyPr>
-            <a:lstStyle/>
-            <a:p>
-              <a:r>
-                <a:rPr kumimoji="1" lang="ja-JP" altLang="en-US" sz="2000">
-                  <a:latin typeface="ヒラギノ角ゴ ProN W3"/>
-                  <a:ea typeface="ヒラギノ角ゴ ProN W3"/>
-                  <a:cs typeface="ヒラギノ角ゴ ProN W3"/>
-                </a:rPr>
-                <a:t>手法</a:t>
-              </a:r>
-              <a:r>
-                <a:rPr kumimoji="1" lang="en-US" altLang="ja-JP" sz="2000" dirty="0">
-                  <a:latin typeface="ヒラギノ角ゴ ProN W3"/>
-                  <a:ea typeface="ヒラギノ角ゴ ProN W3"/>
-                  <a:cs typeface="ヒラギノ角ゴ ProN W3"/>
-                </a:rPr>
-                <a:t>1</a:t>
-              </a:r>
-              <a:r>
-                <a:rPr kumimoji="1" lang="ja-JP" altLang="en-US" sz="2000">
-                  <a:latin typeface="ヒラギノ角ゴ ProN W3"/>
-                  <a:ea typeface="ヒラギノ角ゴ ProN W3"/>
-                  <a:cs typeface="ヒラギノ角ゴ ProN W3"/>
-                </a:rPr>
-                <a:t>→マルチスレッド化</a:t>
-              </a:r>
-              <a:endParaRPr kumimoji="1" lang="ja-JP" altLang="en-US" sz="2000" dirty="0">
-                <a:latin typeface="ヒラギノ角ゴ ProN W3"/>
-                <a:ea typeface="ヒラギノ角ゴ ProN W3"/>
-                <a:cs typeface="ヒラギノ角ゴ ProN W3"/>
-              </a:endParaRPr>
-            </a:p>
-          </p:txBody>
-        </p:sp>
-      </p:grpSp>
-      <p:grpSp>
-        <p:nvGrpSpPr>
-          <p:cNvPr id="26" name="グループ化 25">
-            <a:extLst>
-              <a:ext uri="{FF2B5EF4-FFF2-40B4-BE49-F238E27FC236}">
-                <a16:creationId xmlns:a16="http://schemas.microsoft.com/office/drawing/2014/main" id="{076F8272-D8B1-CA47-9CDE-F29289B19219}"/>
-              </a:ext>
-            </a:extLst>
-          </p:cNvPr>
-          <p:cNvGrpSpPr/>
-          <p:nvPr/>
-        </p:nvGrpSpPr>
-        <p:grpSpPr>
-          <a:xfrm>
-            <a:off x="5788271" y="2039717"/>
-            <a:ext cx="2800767" cy="814090"/>
-            <a:chOff x="5734730" y="2000634"/>
-            <a:chExt cx="2800767" cy="814090"/>
-          </a:xfrm>
-        </p:grpSpPr>
-        <p:sp>
-          <p:nvSpPr>
-            <p:cNvPr id="18" name="テキスト ボックス 17">
-              <a:extLst>
-                <a:ext uri="{FF2B5EF4-FFF2-40B4-BE49-F238E27FC236}">
-                  <a16:creationId xmlns:a16="http://schemas.microsoft.com/office/drawing/2014/main" id="{A1D70722-1150-D54A-B870-1D62B0EB00C0}"/>
-                </a:ext>
-              </a:extLst>
-            </p:cNvPr>
-            <p:cNvSpPr txBox="1"/>
-            <p:nvPr/>
-          </p:nvSpPr>
-          <p:spPr>
-            <a:xfrm>
-              <a:off x="5734730" y="2000634"/>
-              <a:ext cx="865943" cy="400110"/>
-            </a:xfrm>
-            <a:prstGeom prst="rect">
-              <a:avLst/>
-            </a:prstGeom>
-            <a:noFill/>
-          </p:spPr>
-          <p:txBody>
-            <a:bodyPr wrap="none" rtlCol="0">
-              <a:spAutoFit/>
-            </a:bodyPr>
-            <a:lstStyle/>
-            <a:p>
-              <a:r>
-                <a:rPr kumimoji="1" lang="ja-JP" altLang="en-US" sz="2000">
-                  <a:latin typeface="ヒラギノ角ゴ ProN W3"/>
-                  <a:ea typeface="ヒラギノ角ゴ ProN W3"/>
-                  <a:cs typeface="ヒラギノ角ゴ ProN W3"/>
-                </a:rPr>
-                <a:t>手法</a:t>
-              </a:r>
-              <a:r>
-                <a:rPr lang="en-US" altLang="ja-JP" sz="2000" dirty="0">
-                  <a:latin typeface="ヒラギノ角ゴ ProN W3"/>
-                  <a:ea typeface="ヒラギノ角ゴ ProN W3"/>
-                  <a:cs typeface="ヒラギノ角ゴ ProN W3"/>
-                </a:rPr>
-                <a:t>2</a:t>
-              </a:r>
-              <a:endParaRPr kumimoji="1" lang="ja-JP" altLang="en-US" sz="2000" dirty="0">
-                <a:latin typeface="ヒラギノ角ゴ ProN W3"/>
-                <a:ea typeface="ヒラギノ角ゴ ProN W3"/>
-                <a:cs typeface="ヒラギノ角ゴ ProN W3"/>
-              </a:endParaRPr>
-            </a:p>
-          </p:txBody>
-        </p:sp>
-        <p:sp>
-          <p:nvSpPr>
-            <p:cNvPr id="23" name="テキスト ボックス 22">
-              <a:extLst>
-                <a:ext uri="{FF2B5EF4-FFF2-40B4-BE49-F238E27FC236}">
-                  <a16:creationId xmlns:a16="http://schemas.microsoft.com/office/drawing/2014/main" id="{7B973A88-E308-0A44-B321-81C50F70B64D}"/>
-                </a:ext>
-              </a:extLst>
-            </p:cNvPr>
-            <p:cNvSpPr txBox="1"/>
-            <p:nvPr/>
-          </p:nvSpPr>
-          <p:spPr>
-            <a:xfrm>
-              <a:off x="5734730" y="2414614"/>
-              <a:ext cx="2800767" cy="400110"/>
-            </a:xfrm>
-            <a:prstGeom prst="rect">
-              <a:avLst/>
-            </a:prstGeom>
-            <a:noFill/>
-          </p:spPr>
-          <p:txBody>
-            <a:bodyPr wrap="none" rtlCol="0">
-              <a:spAutoFit/>
-            </a:bodyPr>
-            <a:lstStyle/>
-            <a:p>
-              <a:r>
-                <a:rPr kumimoji="1" lang="en-US" altLang="ja-JP" sz="2000" dirty="0">
-                  <a:latin typeface="ヒラギノ角ゴ ProN W3"/>
-                  <a:ea typeface="ヒラギノ角ゴ ProN W3"/>
-                  <a:cs typeface="ヒラギノ角ゴ ProN W3"/>
-                </a:rPr>
-                <a:t>OpenGL</a:t>
-              </a:r>
-              <a:r>
-                <a:rPr kumimoji="1" lang="ja-JP" altLang="en-US" sz="2000">
-                  <a:latin typeface="ヒラギノ角ゴ ProN W3"/>
-                  <a:ea typeface="ヒラギノ角ゴ ProN W3"/>
-                  <a:cs typeface="ヒラギノ角ゴ ProN W3"/>
-                </a:rPr>
-                <a:t>で</a:t>
-              </a:r>
-              <a:r>
-                <a:rPr kumimoji="1" lang="en-US" altLang="ja-JP" sz="2000" dirty="0">
-                  <a:latin typeface="ヒラギノ角ゴ ProN W3"/>
-                  <a:ea typeface="ヒラギノ角ゴ ProN W3"/>
-                  <a:cs typeface="ヒラギノ角ゴ ProN W3"/>
-                </a:rPr>
-                <a:t>GPU</a:t>
-              </a:r>
-              <a:r>
-                <a:rPr kumimoji="1" lang="ja-JP" altLang="en-US" sz="2000">
-                  <a:latin typeface="ヒラギノ角ゴ ProN W3"/>
-                  <a:ea typeface="ヒラギノ角ゴ ProN W3"/>
-                  <a:cs typeface="ヒラギノ角ゴ ProN W3"/>
-                </a:rPr>
-                <a:t>へ移植</a:t>
-              </a:r>
-              <a:endParaRPr kumimoji="1" lang="ja-JP" altLang="en-US" sz="2000" dirty="0">
-                <a:latin typeface="ヒラギノ角ゴ ProN W3"/>
-                <a:ea typeface="ヒラギノ角ゴ ProN W3"/>
-                <a:cs typeface="ヒラギノ角ゴ ProN W3"/>
-              </a:endParaRPr>
-            </a:p>
-          </p:txBody>
-        </p:sp>
-      </p:grpSp>
-      <p:grpSp>
-        <p:nvGrpSpPr>
-          <p:cNvPr id="25" name="グループ化 24">
-            <a:extLst>
-              <a:ext uri="{FF2B5EF4-FFF2-40B4-BE49-F238E27FC236}">
-                <a16:creationId xmlns:a16="http://schemas.microsoft.com/office/drawing/2014/main" id="{9394E4DD-8983-C142-84BF-3FF7F4301E83}"/>
-              </a:ext>
-            </a:extLst>
-          </p:cNvPr>
-          <p:cNvGrpSpPr/>
-          <p:nvPr/>
-        </p:nvGrpSpPr>
-        <p:grpSpPr>
-          <a:xfrm>
-            <a:off x="5788271" y="1243019"/>
-            <a:ext cx="2789546" cy="814095"/>
-            <a:chOff x="5734730" y="813174"/>
-            <a:chExt cx="2789546" cy="814095"/>
-          </a:xfrm>
-        </p:grpSpPr>
-        <p:sp>
-          <p:nvSpPr>
-            <p:cNvPr id="17" name="テキスト ボックス 16">
-              <a:extLst>
-                <a:ext uri="{FF2B5EF4-FFF2-40B4-BE49-F238E27FC236}">
-                  <a16:creationId xmlns:a16="http://schemas.microsoft.com/office/drawing/2014/main" id="{97A2252B-3DAE-534E-94C2-602A8C233944}"/>
-                </a:ext>
-              </a:extLst>
-            </p:cNvPr>
-            <p:cNvSpPr txBox="1"/>
-            <p:nvPr/>
-          </p:nvSpPr>
-          <p:spPr>
-            <a:xfrm>
-              <a:off x="5734730" y="813174"/>
-              <a:ext cx="865943" cy="400110"/>
-            </a:xfrm>
-            <a:prstGeom prst="rect">
-              <a:avLst/>
-            </a:prstGeom>
-            <a:noFill/>
-          </p:spPr>
-          <p:txBody>
-            <a:bodyPr wrap="none" rtlCol="0">
-              <a:spAutoFit/>
-            </a:bodyPr>
-            <a:lstStyle/>
-            <a:p>
-              <a:r>
-                <a:rPr kumimoji="1" lang="ja-JP" altLang="en-US" sz="2000">
-                  <a:latin typeface="ヒラギノ角ゴ ProN W3"/>
-                  <a:ea typeface="ヒラギノ角ゴ ProN W3"/>
-                  <a:cs typeface="ヒラギノ角ゴ ProN W3"/>
-                </a:rPr>
-                <a:t>手法</a:t>
-              </a:r>
-              <a:r>
-                <a:rPr kumimoji="1" lang="en-US" altLang="ja-JP" sz="2000" dirty="0">
-                  <a:latin typeface="ヒラギノ角ゴ ProN W3"/>
-                  <a:ea typeface="ヒラギノ角ゴ ProN W3"/>
-                  <a:cs typeface="ヒラギノ角ゴ ProN W3"/>
-                </a:rPr>
-                <a:t>1</a:t>
-              </a:r>
-              <a:endParaRPr kumimoji="1" lang="ja-JP" altLang="en-US" sz="2000" dirty="0">
-                <a:latin typeface="ヒラギノ角ゴ ProN W3"/>
-                <a:ea typeface="ヒラギノ角ゴ ProN W3"/>
-                <a:cs typeface="ヒラギノ角ゴ ProN W3"/>
-              </a:endParaRPr>
-            </a:p>
-          </p:txBody>
-        </p:sp>
-        <p:sp>
-          <p:nvSpPr>
-            <p:cNvPr id="24" name="テキスト ボックス 23">
-              <a:extLst>
-                <a:ext uri="{FF2B5EF4-FFF2-40B4-BE49-F238E27FC236}">
-                  <a16:creationId xmlns:a16="http://schemas.microsoft.com/office/drawing/2014/main" id="{56234F66-C38B-A244-92E0-96AAF8A1A1C3}"/>
-                </a:ext>
-              </a:extLst>
-            </p:cNvPr>
-            <p:cNvSpPr txBox="1"/>
-            <p:nvPr/>
-          </p:nvSpPr>
-          <p:spPr>
-            <a:xfrm>
-              <a:off x="5734730" y="1227159"/>
-              <a:ext cx="2789546" cy="400110"/>
-            </a:xfrm>
-            <a:prstGeom prst="rect">
-              <a:avLst/>
-            </a:prstGeom>
-            <a:noFill/>
-          </p:spPr>
-          <p:txBody>
-            <a:bodyPr wrap="none" rtlCol="0">
-              <a:spAutoFit/>
-            </a:bodyPr>
-            <a:lstStyle/>
-            <a:p>
-              <a:r>
-                <a:rPr lang="en-US" altLang="ja-JP" sz="2000" dirty="0">
-                  <a:latin typeface="ヒラギノ角ゴ ProN W3"/>
-                  <a:ea typeface="ヒラギノ角ゴ ProN W3"/>
-                  <a:cs typeface="ヒラギノ角ゴ ProN W3"/>
-                </a:rPr>
-                <a:t>JavaScript</a:t>
-              </a:r>
-              <a:r>
-                <a:rPr lang="ja-JP" altLang="en-US" sz="2000">
-                  <a:latin typeface="ヒラギノ角ゴ ProN W3"/>
-                  <a:ea typeface="ヒラギノ角ゴ ProN W3"/>
-                  <a:cs typeface="ヒラギノ角ゴ ProN W3"/>
-                </a:rPr>
-                <a:t>のみで開発</a:t>
-              </a:r>
-              <a:endParaRPr kumimoji="1" lang="ja-JP" altLang="en-US" sz="2000" dirty="0">
-                <a:latin typeface="ヒラギノ角ゴ ProN W3"/>
-                <a:ea typeface="ヒラギノ角ゴ ProN W3"/>
-                <a:cs typeface="ヒラギノ角ゴ ProN W3"/>
-              </a:endParaRPr>
+              <a:pPr algn="ctr"/>
+              <a:endParaRPr kumimoji="1" lang="ja-JP" altLang="en-US"/>
             </a:p>
           </p:txBody>
         </p:sp>
@@ -8495,98 +10087,391 @@
           </a:p>
         </p:txBody>
       </p:sp>
-      <p:sp>
-        <p:nvSpPr>
-          <p:cNvPr id="30" name="テキスト ボックス 29">
+      <p:grpSp>
+        <p:nvGrpSpPr>
+          <p:cNvPr id="10" name="グループ化 9">
             <a:extLst>
               <a:ext uri="{FF2B5EF4-FFF2-40B4-BE49-F238E27FC236}">
-                <a16:creationId xmlns:a16="http://schemas.microsoft.com/office/drawing/2014/main" id="{4413A404-30EF-D44B-B7D5-CD18D09851EB}"/>
+                <a16:creationId xmlns:a16="http://schemas.microsoft.com/office/drawing/2014/main" id="{BD50C096-69BF-433A-99A7-762B5351875E}"/>
               </a:ext>
             </a:extLst>
           </p:cNvPr>
-          <p:cNvSpPr txBox="1"/>
+          <p:cNvGrpSpPr/>
           <p:nvPr/>
-        </p:nvSpPr>
-        <p:spPr>
+        </p:nvGrpSpPr>
+        <p:grpSpPr>
           <a:xfrm>
-            <a:off x="5788271" y="3235227"/>
-            <a:ext cx="954107" cy="400110"/>
+            <a:off x="36280" y="1899529"/>
+            <a:ext cx="2457370" cy="784631"/>
+            <a:chOff x="-1121741" y="2259194"/>
+            <a:chExt cx="2457370" cy="784631"/>
           </a:xfrm>
-          <a:prstGeom prst="rect">
-            <a:avLst/>
-          </a:prstGeom>
-          <a:solidFill>
-            <a:schemeClr val="bg1"/>
-          </a:solidFill>
-        </p:spPr>
-        <p:txBody>
-          <a:bodyPr wrap="none" rtlCol="0">
-            <a:spAutoFit/>
-          </a:bodyPr>
-          <a:lstStyle/>
-          <a:p>
-            <a:r>
-              <a:rPr lang="ja-JP" altLang="en-US" sz="2000">
-                <a:latin typeface="ヒラギノ角ゴ ProN W3"/>
-                <a:ea typeface="ヒラギノ角ゴ ProN W3"/>
-                <a:cs typeface="ヒラギノ角ゴ ProN W3"/>
-              </a:rPr>
-              <a:t>本研究</a:t>
-            </a:r>
-            <a:endParaRPr kumimoji="1" lang="ja-JP" altLang="en-US" sz="2000" dirty="0">
-              <a:latin typeface="ヒラギノ角ゴ ProN W3"/>
-              <a:ea typeface="ヒラギノ角ゴ ProN W3"/>
-              <a:cs typeface="ヒラギノ角ゴ ProN W3"/>
-            </a:endParaRPr>
-          </a:p>
-        </p:txBody>
-      </p:sp>
-      <p:sp>
-        <p:nvSpPr>
-          <p:cNvPr id="31" name="テキスト ボックス 30">
+        </p:grpSpPr>
+        <p:grpSp>
+          <p:nvGrpSpPr>
+            <p:cNvPr id="9" name="グループ化 8">
+              <a:extLst>
+                <a:ext uri="{FF2B5EF4-FFF2-40B4-BE49-F238E27FC236}">
+                  <a16:creationId xmlns:a16="http://schemas.microsoft.com/office/drawing/2014/main" id="{663EBFB1-42BF-4AED-8E0D-E39D7C909D17}"/>
+                </a:ext>
+              </a:extLst>
+            </p:cNvPr>
+            <p:cNvGrpSpPr/>
+            <p:nvPr/>
+          </p:nvGrpSpPr>
+          <p:grpSpPr>
+            <a:xfrm>
+              <a:off x="-1043103" y="2259194"/>
+              <a:ext cx="2378732" cy="784631"/>
+              <a:chOff x="-1043103" y="2259194"/>
+              <a:chExt cx="2378732" cy="784631"/>
+            </a:xfrm>
+          </p:grpSpPr>
+          <p:sp>
+            <p:nvSpPr>
+              <p:cNvPr id="80" name="正方形/長方形 79">
+                <a:extLst>
+                  <a:ext uri="{FF2B5EF4-FFF2-40B4-BE49-F238E27FC236}">
+                    <a16:creationId xmlns:a16="http://schemas.microsoft.com/office/drawing/2014/main" id="{50E1F661-91C4-46E4-B431-18BAE0E6665C}"/>
+                  </a:ext>
+                </a:extLst>
+              </p:cNvPr>
+              <p:cNvSpPr/>
+              <p:nvPr/>
+            </p:nvSpPr>
+            <p:spPr>
+              <a:xfrm>
+                <a:off x="-1043103" y="2259194"/>
+                <a:ext cx="1826614" cy="784628"/>
+              </a:xfrm>
+              <a:prstGeom prst="rect">
+                <a:avLst/>
+              </a:prstGeom>
+              <a:solidFill>
+                <a:schemeClr val="accent4">
+                  <a:lumMod val="40000"/>
+                  <a:lumOff val="60000"/>
+                </a:schemeClr>
+              </a:solidFill>
+              <a:ln>
+                <a:noFill/>
+              </a:ln>
+            </p:spPr>
+            <p:style>
+              <a:lnRef idx="2">
+                <a:schemeClr val="accent1">
+                  <a:shade val="50000"/>
+                </a:schemeClr>
+              </a:lnRef>
+              <a:fillRef idx="1">
+                <a:schemeClr val="accent1"/>
+              </a:fillRef>
+              <a:effectRef idx="0">
+                <a:schemeClr val="accent1"/>
+              </a:effectRef>
+              <a:fontRef idx="minor">
+                <a:schemeClr val="lt1"/>
+              </a:fontRef>
+            </p:style>
+            <p:txBody>
+              <a:bodyPr rtlCol="0" anchor="ctr"/>
+              <a:lstStyle/>
+              <a:p>
+                <a:pPr algn="ctr"/>
+                <a:endParaRPr kumimoji="1" lang="ja-JP" altLang="en-US"/>
+              </a:p>
+            </p:txBody>
+          </p:sp>
+          <p:sp>
+            <p:nvSpPr>
+              <p:cNvPr id="85" name="三角形 10">
+                <a:extLst>
+                  <a:ext uri="{FF2B5EF4-FFF2-40B4-BE49-F238E27FC236}">
+                    <a16:creationId xmlns:a16="http://schemas.microsoft.com/office/drawing/2014/main" id="{41F7F9C3-84A6-415C-ADAA-518408F61796}"/>
+                  </a:ext>
+                </a:extLst>
+              </p:cNvPr>
+              <p:cNvSpPr/>
+              <p:nvPr/>
+            </p:nvSpPr>
+            <p:spPr>
+              <a:xfrm rot="5400000">
+                <a:off x="668338" y="2376534"/>
+                <a:ext cx="784627" cy="549955"/>
+              </a:xfrm>
+              <a:prstGeom prst="triangle">
+                <a:avLst/>
+              </a:prstGeom>
+              <a:solidFill>
+                <a:schemeClr val="accent4">
+                  <a:lumMod val="40000"/>
+                  <a:lumOff val="60000"/>
+                </a:schemeClr>
+              </a:solidFill>
+              <a:ln>
+                <a:noFill/>
+              </a:ln>
+            </p:spPr>
+            <p:style>
+              <a:lnRef idx="2">
+                <a:schemeClr val="accent1">
+                  <a:shade val="50000"/>
+                </a:schemeClr>
+              </a:lnRef>
+              <a:fillRef idx="1">
+                <a:schemeClr val="accent1"/>
+              </a:fillRef>
+              <a:effectRef idx="0">
+                <a:schemeClr val="accent1"/>
+              </a:effectRef>
+              <a:fontRef idx="minor">
+                <a:schemeClr val="lt1"/>
+              </a:fontRef>
+            </p:style>
+            <p:txBody>
+              <a:bodyPr rtlCol="0" anchor="ctr"/>
+              <a:lstStyle/>
+              <a:p>
+                <a:pPr algn="ctr"/>
+                <a:endParaRPr kumimoji="1" lang="ja-JP" altLang="en-US"/>
+              </a:p>
+            </p:txBody>
+          </p:sp>
+        </p:grpSp>
+        <p:sp>
+          <p:nvSpPr>
+            <p:cNvPr id="81" name="テキスト ボックス 80">
+              <a:extLst>
+                <a:ext uri="{FF2B5EF4-FFF2-40B4-BE49-F238E27FC236}">
+                  <a16:creationId xmlns:a16="http://schemas.microsoft.com/office/drawing/2014/main" id="{7E8F89D3-692E-4111-A0E8-51311E27BA7B}"/>
+                </a:ext>
+              </a:extLst>
+            </p:cNvPr>
+            <p:cNvSpPr txBox="1"/>
+            <p:nvPr/>
+          </p:nvSpPr>
+          <p:spPr>
+            <a:xfrm>
+              <a:off x="-1121741" y="2291845"/>
+              <a:ext cx="2249692" cy="707886"/>
+            </a:xfrm>
+            <a:prstGeom prst="rect">
+              <a:avLst/>
+            </a:prstGeom>
+            <a:noFill/>
+          </p:spPr>
+          <p:txBody>
+            <a:bodyPr wrap="square" rtlCol="0">
+              <a:spAutoFit/>
+            </a:bodyPr>
+            <a:lstStyle/>
+            <a:p>
+              <a:r>
+                <a:rPr kumimoji="1" lang="en-US" altLang="ja-JP" sz="4000" dirty="0">
+                  <a:latin typeface="Hiragino Kaku Gothic Pro W3" panose="020B0300000000000000" pitchFamily="34" charset="-128"/>
+                  <a:ea typeface="Hiragino Kaku Gothic Pro W3" panose="020B0300000000000000" pitchFamily="34" charset="-128"/>
+                </a:rPr>
+                <a:t>Canvas1</a:t>
+              </a:r>
+              <a:endParaRPr kumimoji="1" lang="ja-JP" altLang="en-US" sz="4000" dirty="0">
+                <a:latin typeface="Hiragino Kaku Gothic Pro W3" panose="020B0300000000000000" pitchFamily="34" charset="-128"/>
+                <a:ea typeface="Hiragino Kaku Gothic Pro W3" panose="020B0300000000000000" pitchFamily="34" charset="-128"/>
+              </a:endParaRPr>
+            </a:p>
+          </p:txBody>
+        </p:sp>
+      </p:grpSp>
+      <p:grpSp>
+        <p:nvGrpSpPr>
+          <p:cNvPr id="96" name="グループ化 95">
             <a:extLst>
               <a:ext uri="{FF2B5EF4-FFF2-40B4-BE49-F238E27FC236}">
-                <a16:creationId xmlns:a16="http://schemas.microsoft.com/office/drawing/2014/main" id="{A1B4AD93-8269-2B43-BBDD-961FF004B06A}"/>
+                <a16:creationId xmlns:a16="http://schemas.microsoft.com/office/drawing/2014/main" id="{1326C9BB-966A-4876-8D5B-FDF224E1D43B}"/>
               </a:ext>
             </a:extLst>
           </p:cNvPr>
-          <p:cNvSpPr txBox="1"/>
+          <p:cNvGrpSpPr/>
           <p:nvPr/>
-        </p:nvSpPr>
-        <p:spPr>
-          <a:xfrm>
-            <a:off x="5788271" y="814451"/>
-            <a:ext cx="1210588" cy="400110"/>
+        </p:nvGrpSpPr>
+        <p:grpSpPr>
+          <a:xfrm rot="10800000">
+            <a:off x="6658897" y="1899529"/>
+            <a:ext cx="2448824" cy="784631"/>
+            <a:chOff x="-1121741" y="2259194"/>
+            <a:chExt cx="2448824" cy="784631"/>
           </a:xfrm>
-          <a:prstGeom prst="rect">
-            <a:avLst/>
-          </a:prstGeom>
           <a:solidFill>
-            <a:schemeClr val="bg1"/>
+            <a:schemeClr val="accent2">
+              <a:lumMod val="40000"/>
+              <a:lumOff val="60000"/>
+            </a:schemeClr>
           </a:solidFill>
-        </p:spPr>
-        <p:txBody>
-          <a:bodyPr wrap="none" rtlCol="0">
-            <a:spAutoFit/>
-          </a:bodyPr>
-          <a:lstStyle/>
-          <a:p>
-            <a:r>
-              <a:rPr kumimoji="1" lang="ja-JP" altLang="en-US" sz="2000">
-                <a:latin typeface="ヒラギノ角ゴ ProN W3"/>
-                <a:ea typeface="ヒラギノ角ゴ ProN W3"/>
-                <a:cs typeface="ヒラギノ角ゴ ProN W3"/>
-              </a:rPr>
-              <a:t>先行研究</a:t>
-            </a:r>
-            <a:endParaRPr kumimoji="1" lang="ja-JP" altLang="en-US" sz="2000" dirty="0">
-              <a:latin typeface="ヒラギノ角ゴ ProN W3"/>
-              <a:ea typeface="ヒラギノ角ゴ ProN W3"/>
-              <a:cs typeface="ヒラギノ角ゴ ProN W3"/>
-            </a:endParaRPr>
-          </a:p>
-        </p:txBody>
-      </p:sp>
+        </p:grpSpPr>
+        <p:grpSp>
+          <p:nvGrpSpPr>
+            <p:cNvPr id="97" name="グループ化 96">
+              <a:extLst>
+                <a:ext uri="{FF2B5EF4-FFF2-40B4-BE49-F238E27FC236}">
+                  <a16:creationId xmlns:a16="http://schemas.microsoft.com/office/drawing/2014/main" id="{286F3AC2-ED4B-434C-BB2A-8884E89932D9}"/>
+                </a:ext>
+              </a:extLst>
+            </p:cNvPr>
+            <p:cNvGrpSpPr/>
+            <p:nvPr/>
+          </p:nvGrpSpPr>
+          <p:grpSpPr>
+            <a:xfrm>
+              <a:off x="-1043103" y="2259194"/>
+              <a:ext cx="2370186" cy="784631"/>
+              <a:chOff x="-1043103" y="2259194"/>
+              <a:chExt cx="2370186" cy="784631"/>
+            </a:xfrm>
+            <a:grpFill/>
+          </p:grpSpPr>
+          <p:sp>
+            <p:nvSpPr>
+              <p:cNvPr id="99" name="正方形/長方形 98">
+                <a:extLst>
+                  <a:ext uri="{FF2B5EF4-FFF2-40B4-BE49-F238E27FC236}">
+                    <a16:creationId xmlns:a16="http://schemas.microsoft.com/office/drawing/2014/main" id="{66DD51B4-D8A8-4EA1-8C5E-107180374FE5}"/>
+                  </a:ext>
+                </a:extLst>
+              </p:cNvPr>
+              <p:cNvSpPr/>
+              <p:nvPr/>
+            </p:nvSpPr>
+            <p:spPr>
+              <a:xfrm>
+                <a:off x="-1043103" y="2259194"/>
+                <a:ext cx="1826614" cy="784628"/>
+              </a:xfrm>
+              <a:prstGeom prst="rect">
+                <a:avLst/>
+              </a:prstGeom>
+              <a:grpFill/>
+              <a:ln>
+                <a:noFill/>
+              </a:ln>
+            </p:spPr>
+            <p:style>
+              <a:lnRef idx="2">
+                <a:schemeClr val="accent1">
+                  <a:shade val="50000"/>
+                </a:schemeClr>
+              </a:lnRef>
+              <a:fillRef idx="1">
+                <a:schemeClr val="accent1"/>
+              </a:fillRef>
+              <a:effectRef idx="0">
+                <a:schemeClr val="accent1"/>
+              </a:effectRef>
+              <a:fontRef idx="minor">
+                <a:schemeClr val="lt1"/>
+              </a:fontRef>
+            </p:style>
+            <p:txBody>
+              <a:bodyPr rtlCol="0" anchor="ctr"/>
+              <a:lstStyle/>
+              <a:p>
+                <a:pPr algn="ctr"/>
+                <a:endParaRPr kumimoji="1" lang="ja-JP" altLang="en-US"/>
+              </a:p>
+            </p:txBody>
+          </p:sp>
+          <p:sp>
+            <p:nvSpPr>
+              <p:cNvPr id="100" name="三角形 10">
+                <a:extLst>
+                  <a:ext uri="{FF2B5EF4-FFF2-40B4-BE49-F238E27FC236}">
+                    <a16:creationId xmlns:a16="http://schemas.microsoft.com/office/drawing/2014/main" id="{B3542B0D-DADA-46BD-8666-62524AA09020}"/>
+                  </a:ext>
+                </a:extLst>
+              </p:cNvPr>
+              <p:cNvSpPr/>
+              <p:nvPr/>
+            </p:nvSpPr>
+            <p:spPr>
+              <a:xfrm rot="5400000">
+                <a:off x="659792" y="2376534"/>
+                <a:ext cx="784627" cy="549955"/>
+              </a:xfrm>
+              <a:prstGeom prst="triangle">
+                <a:avLst/>
+              </a:prstGeom>
+              <a:grpFill/>
+              <a:ln>
+                <a:noFill/>
+              </a:ln>
+            </p:spPr>
+            <p:style>
+              <a:lnRef idx="2">
+                <a:schemeClr val="accent1">
+                  <a:shade val="50000"/>
+                </a:schemeClr>
+              </a:lnRef>
+              <a:fillRef idx="1">
+                <a:schemeClr val="accent1"/>
+              </a:fillRef>
+              <a:effectRef idx="0">
+                <a:schemeClr val="accent1"/>
+              </a:effectRef>
+              <a:fontRef idx="minor">
+                <a:schemeClr val="lt1"/>
+              </a:fontRef>
+            </p:style>
+            <p:txBody>
+              <a:bodyPr rtlCol="0" anchor="ctr"/>
+              <a:lstStyle/>
+              <a:p>
+                <a:pPr algn="ctr"/>
+                <a:endParaRPr kumimoji="1" lang="ja-JP" altLang="en-US" dirty="0"/>
+              </a:p>
+            </p:txBody>
+          </p:sp>
+        </p:grpSp>
+        <p:sp>
+          <p:nvSpPr>
+            <p:cNvPr id="98" name="テキスト ボックス 97">
+              <a:extLst>
+                <a:ext uri="{FF2B5EF4-FFF2-40B4-BE49-F238E27FC236}">
+                  <a16:creationId xmlns:a16="http://schemas.microsoft.com/office/drawing/2014/main" id="{0D6DC1F9-8765-4D5A-9C4B-8B9F03CA646C}"/>
+                </a:ext>
+              </a:extLst>
+            </p:cNvPr>
+            <p:cNvSpPr txBox="1"/>
+            <p:nvPr/>
+          </p:nvSpPr>
+          <p:spPr>
+            <a:xfrm rot="10800000">
+              <a:off x="-1121741" y="2291845"/>
+              <a:ext cx="2249692" cy="707886"/>
+            </a:xfrm>
+            <a:prstGeom prst="rect">
+              <a:avLst/>
+            </a:prstGeom>
+            <a:noFill/>
+          </p:spPr>
+          <p:txBody>
+            <a:bodyPr wrap="square" rtlCol="0">
+              <a:spAutoFit/>
+            </a:bodyPr>
+            <a:lstStyle/>
+            <a:p>
+              <a:r>
+                <a:rPr kumimoji="1" lang="en-US" altLang="ja-JP" sz="4000" dirty="0">
+                  <a:latin typeface="Hiragino Kaku Gothic Pro W3" panose="020B0300000000000000" pitchFamily="34" charset="-128"/>
+                  <a:ea typeface="Hiragino Kaku Gothic Pro W3" panose="020B0300000000000000" pitchFamily="34" charset="-128"/>
+                </a:rPr>
+                <a:t>Canvas2</a:t>
+              </a:r>
+              <a:endParaRPr kumimoji="1" lang="ja-JP" altLang="en-US" sz="4000" dirty="0">
+                <a:latin typeface="Hiragino Kaku Gothic Pro W3" panose="020B0300000000000000" pitchFamily="34" charset="-128"/>
+                <a:ea typeface="Hiragino Kaku Gothic Pro W3" panose="020B0300000000000000" pitchFamily="34" charset="-128"/>
+              </a:endParaRPr>
+            </a:p>
+          </p:txBody>
+        </p:sp>
+      </p:grpSp>
     </p:spTree>
     <p:extLst>
       <p:ext uri="{BB962C8B-B14F-4D97-AF65-F5344CB8AC3E}">
@@ -8930,8 +10815,8 @@
           </a:p>
         </p:txBody>
       </p:sp>
-      <mc:AlternateContent xmlns:mc="http://schemas.openxmlformats.org/markup-compatibility/2006">
-        <mc:Choice xmlns:a14="http://schemas.microsoft.com/office/drawing/2010/main" Requires="a14">
+      <mc:AlternateContent xmlns:mc="http://schemas.openxmlformats.org/markup-compatibility/2006" xmlns:a14="http://schemas.microsoft.com/office/drawing/2010/main">
+        <mc:Choice Requires="a14">
           <p:sp>
             <p:nvSpPr>
               <p:cNvPr id="3" name="テキスト ボックス 2">
@@ -9216,7 +11101,7 @@
             </p:txBody>
           </p:sp>
         </mc:Choice>
-        <mc:Fallback>
+        <mc:Fallback xmlns="">
           <p:sp>
             <p:nvSpPr>
               <p:cNvPr id="3" name="テキスト ボックス 2">
@@ -9276,14 +11161,14 @@
           <p:nvPr>
             <p:extLst>
               <p:ext uri="{D42A27DB-BD31-4B8C-83A1-F6EECF244321}">
-                <p14:modId xmlns:p14="http://schemas.microsoft.com/office/powerpoint/2010/main" val="3476385889"/>
+                <p14:modId xmlns:p14="http://schemas.microsoft.com/office/powerpoint/2010/main" val="59744824"/>
               </p:ext>
             </p:extLst>
           </p:nvPr>
         </p:nvGraphicFramePr>
         <p:xfrm>
-          <a:off x="1113062" y="3387083"/>
-          <a:ext cx="6917877" cy="2249075"/>
+          <a:off x="1156228" y="3344629"/>
+          <a:ext cx="6831541" cy="2215325"/>
         </p:xfrm>
         <a:graphic>
           <a:graphicData uri="http://schemas.openxmlformats.org/drawingml/2006/table">
@@ -9292,14 +11177,14 @@
                 <a:tableStyleId>{5C22544A-7EE6-4342-B048-85BDC9FD1C3A}</a:tableStyleId>
               </a:tblPr>
               <a:tblGrid>
-                <a:gridCol w="2184592">
+                <a:gridCol w="1276605">
                   <a:extLst>
                     <a:ext uri="{9D8B030D-6E8A-4147-A177-3AD203B41FA5}">
                       <a16:colId xmlns:a16="http://schemas.microsoft.com/office/drawing/2014/main" val="3086932006"/>
                     </a:ext>
                   </a:extLst>
                 </a:gridCol>
-                <a:gridCol w="4733285">
+                <a:gridCol w="5554936">
                   <a:extLst>
                     <a:ext uri="{9D8B030D-6E8A-4147-A177-3AD203B41FA5}">
                       <a16:colId xmlns:a16="http://schemas.microsoft.com/office/drawing/2014/main" val="1341285856"/>
@@ -9313,7 +11198,7 @@
                     <a:bodyPr/>
                     <a:lstStyle/>
                     <a:p>
-                      <a:pPr algn="l" fontAlgn="ctr"/>
+                      <a:pPr algn="ctr" fontAlgn="ctr"/>
                       <a:r>
                         <a:rPr lang="en" sz="2400" b="0" i="0" u="none" strike="noStrike" dirty="0">
                           <a:effectLst/>
@@ -9446,16 +11331,16 @@
                     <a:bodyPr/>
                     <a:lstStyle/>
                     <a:p>
-                      <a:pPr algn="l" fontAlgn="ctr"/>
+                      <a:pPr algn="ctr" fontAlgn="ctr"/>
                       <a:r>
-                        <a:rPr lang="ja-JP" altLang="en-US" sz="2400" b="0" i="0" u="none" strike="noStrike">
+                        <a:rPr lang="ja-JP" altLang="en-US" sz="2400" b="0" i="0" u="none" strike="noStrike" dirty="0">
                           <a:effectLst/>
                           <a:latin typeface="Hiragino Kaku Gothic Pro W3" panose="020B0300000000000000" pitchFamily="34" charset="-128"/>
                           <a:ea typeface="Hiragino Kaku Gothic Pro W3" panose="020B0300000000000000" pitchFamily="34" charset="-128"/>
                         </a:rPr>
                         <a:t>メモリ</a:t>
                       </a:r>
-                      <a:endParaRPr lang="ja-JP" altLang="en-US" sz="2400" b="0" i="0" u="none" strike="noStrike">
+                      <a:endParaRPr lang="ja-JP" altLang="en-US" sz="2400" b="0" i="0" u="none" strike="noStrike" dirty="0">
                         <a:solidFill>
                           <a:srgbClr val="000000"/>
                         </a:solidFill>
@@ -9579,16 +11464,16 @@
                     <a:bodyPr/>
                     <a:lstStyle/>
                     <a:p>
-                      <a:pPr algn="l" fontAlgn="ctr"/>
+                      <a:pPr algn="ctr" fontAlgn="ctr"/>
                       <a:r>
-                        <a:rPr lang="en" sz="2400" b="0" i="0" u="none" strike="noStrike">
+                        <a:rPr lang="en" sz="2400" b="0" i="0" u="none" strike="noStrike" dirty="0">
                           <a:effectLst/>
                           <a:latin typeface="Hiragino Kaku Gothic Pro W3" panose="020B0300000000000000" pitchFamily="34" charset="-128"/>
                           <a:ea typeface="Hiragino Kaku Gothic Pro W3" panose="020B0300000000000000" pitchFamily="34" charset="-128"/>
                         </a:rPr>
                         <a:t>CPU</a:t>
                       </a:r>
-                      <a:endParaRPr lang="en" sz="2400" b="0" i="0" u="none" strike="noStrike">
+                      <a:endParaRPr lang="en" sz="2400" b="0" i="0" u="none" strike="noStrike" dirty="0">
                         <a:solidFill>
                           <a:srgbClr val="000000"/>
                         </a:solidFill>
@@ -9652,7 +11537,7 @@
                         <a:t>Intel Core i5 3.2GHz(4</a:t>
                       </a:r>
                       <a:r>
-                        <a:rPr lang="ja-JP" altLang="en-US" sz="2400" b="0" i="0" u="none" strike="noStrike">
+                        <a:rPr lang="ja-JP" altLang="en-US" sz="2400" b="0" i="0" u="none" strike="noStrike" dirty="0">
                           <a:effectLst/>
                           <a:latin typeface="Hiragino Kaku Gothic Pro W3" panose="020B0300000000000000" pitchFamily="34" charset="-128"/>
                           <a:ea typeface="Hiragino Kaku Gothic Pro W3" panose="020B0300000000000000" pitchFamily="34" charset="-128"/>
@@ -9728,16 +11613,16 @@
                     <a:bodyPr/>
                     <a:lstStyle/>
                     <a:p>
-                      <a:pPr algn="l" fontAlgn="ctr"/>
+                      <a:pPr algn="ctr" fontAlgn="ctr"/>
                       <a:r>
-                        <a:rPr lang="en" sz="2400" b="0" i="0" u="none" strike="noStrike">
+                        <a:rPr lang="en" sz="2400" b="0" i="0" u="none" strike="noStrike" dirty="0">
                           <a:effectLst/>
                           <a:latin typeface="Hiragino Kaku Gothic Pro W3" panose="020B0300000000000000" pitchFamily="34" charset="-128"/>
                           <a:ea typeface="Hiragino Kaku Gothic Pro W3" panose="020B0300000000000000" pitchFamily="34" charset="-128"/>
                         </a:rPr>
                         <a:t>GPU</a:t>
                       </a:r>
-                      <a:endParaRPr lang="en" sz="2400" b="0" i="0" u="none" strike="noStrike">
+                      <a:endParaRPr lang="en" sz="2400" b="0" i="0" u="none" strike="noStrike" dirty="0">
                         <a:solidFill>
                           <a:srgbClr val="000000"/>
                         </a:solidFill>
@@ -9861,16 +11746,16 @@
                     <a:bodyPr/>
                     <a:lstStyle/>
                     <a:p>
-                      <a:pPr algn="l" fontAlgn="ctr"/>
+                      <a:pPr algn="ctr" fontAlgn="ctr"/>
                       <a:r>
-                        <a:rPr lang="ja-JP" altLang="en-US" sz="2400" b="0" i="0" u="none" strike="noStrike">
+                        <a:rPr lang="ja-JP" altLang="en-US" sz="2400" b="0" i="0" u="none" strike="noStrike" dirty="0">
                           <a:effectLst/>
                           <a:latin typeface="Hiragino Kaku Gothic Pro W3" panose="020B0300000000000000" pitchFamily="34" charset="-128"/>
                           <a:ea typeface="Hiragino Kaku Gothic Pro W3" panose="020B0300000000000000" pitchFamily="34" charset="-128"/>
                         </a:rPr>
                         <a:t>ブラウザ</a:t>
                       </a:r>
-                      <a:endParaRPr lang="ja-JP" altLang="en-US" sz="2400" b="0" i="0" u="none" strike="noStrike">
+                      <a:endParaRPr lang="ja-JP" altLang="en-US" sz="2400" b="0" i="0" u="none" strike="noStrike" dirty="0">
                         <a:solidFill>
                           <a:srgbClr val="000000"/>
                         </a:solidFill>
@@ -9934,7 +11819,7 @@
                         <a:t>Google Chrome 71.0.3578.98(64</a:t>
                       </a:r>
                       <a:r>
-                        <a:rPr lang="ja-JP" altLang="en-US" sz="2400" b="0" i="0" u="none" strike="noStrike">
+                        <a:rPr lang="ja-JP" altLang="en-US" sz="2400" b="0" i="0" u="none" strike="noStrike" dirty="0">
                           <a:effectLst/>
                           <a:latin typeface="Hiragino Kaku Gothic Pro W3" panose="020B0300000000000000" pitchFamily="34" charset="-128"/>
                           <a:ea typeface="Hiragino Kaku Gothic Pro W3" panose="020B0300000000000000" pitchFamily="34" charset="-128"/>
@@ -11334,7 +13219,7 @@
         <p:spPr>
           <a:xfrm>
             <a:off x="158653" y="3898247"/>
-            <a:ext cx="6234399" cy="461665"/>
+            <a:ext cx="5112297" cy="461665"/>
           </a:xfrm>
           <a:prstGeom prst="rect">
             <a:avLst/>
@@ -11348,12 +13233,12 @@
           <a:lstStyle/>
           <a:p>
             <a:r>
-              <a:rPr lang="ja-JP" altLang="en-US" sz="2400">
+              <a:rPr lang="ja-JP" altLang="en-US" sz="2400" dirty="0">
                 <a:latin typeface="ヒラギノ角ゴ ProN W3"/>
                 <a:ea typeface="ヒラギノ角ゴ ProN W3"/>
                 <a:cs typeface="ヒラギノ角ゴ ProN W3"/>
               </a:rPr>
-              <a:t>各手法，手法</a:t>
+              <a:t>手法</a:t>
             </a:r>
             <a:r>
               <a:rPr lang="en-US" altLang="ja-JP" sz="2400" dirty="0">
@@ -11361,15 +13246,31 @@
                 <a:ea typeface="ヒラギノ角ゴ ProN W3"/>
                 <a:cs typeface="ヒラギノ角ゴ ProN W3"/>
               </a:rPr>
-              <a:t>1</a:t>
-            </a:r>
-            <a:r>
-              <a:rPr lang="ja-JP" altLang="en-US" sz="2400">
+              <a:t>4</a:t>
+            </a:r>
+            <a:r>
+              <a:rPr lang="ja-JP" altLang="en-US" sz="2400" dirty="0">
                 <a:latin typeface="ヒラギノ角ゴ ProN W3"/>
                 <a:ea typeface="ヒラギノ角ゴ ProN W3"/>
                 <a:cs typeface="ヒラギノ角ゴ ProN W3"/>
               </a:rPr>
-              <a:t>より速い演算速度を得られた</a:t>
+              <a:t>において</a:t>
+            </a:r>
+            <a:r>
+              <a:rPr lang="en-US" altLang="ja-JP" sz="2400" dirty="0">
+                <a:latin typeface="ヒラギノ角ゴ ProN W3"/>
+                <a:ea typeface="ヒラギノ角ゴ ProN W3"/>
+                <a:cs typeface="ヒラギノ角ゴ ProN W3"/>
+              </a:rPr>
+              <a:t>2</a:t>
+            </a:r>
+            <a:r>
+              <a:rPr lang="ja-JP" altLang="en-US" sz="2400" dirty="0">
+                <a:latin typeface="ヒラギノ角ゴ ProN W3"/>
+                <a:ea typeface="ヒラギノ角ゴ ProN W3"/>
+                <a:cs typeface="ヒラギノ角ゴ ProN W3"/>
+              </a:rPr>
+              <a:t>倍の処理速度を確認</a:t>
             </a:r>
             <a:endParaRPr kumimoji="1" lang="ja-JP" altLang="en-US" sz="2400" dirty="0">
               <a:latin typeface="ヒラギノ角ゴ ProN W3"/>
@@ -11393,7 +13294,7 @@
         </p:nvSpPr>
         <p:spPr>
           <a:xfrm>
-            <a:off x="4192194" y="4359912"/>
+            <a:off x="1932730" y="4379170"/>
             <a:ext cx="984724" cy="542643"/>
           </a:xfrm>
           <a:prstGeom prst="downArrow">
@@ -11460,7 +13361,7 @@
         <p:spPr>
           <a:xfrm>
             <a:off x="109415" y="5019075"/>
-            <a:ext cx="5416868" cy="461665"/>
+            <a:ext cx="4493538" cy="461665"/>
           </a:xfrm>
           <a:prstGeom prst="rect">
             <a:avLst/>
@@ -11474,12 +13375,12 @@
           <a:lstStyle/>
           <a:p>
             <a:r>
-              <a:rPr lang="ja-JP" altLang="en-US" sz="2400">
+              <a:rPr lang="ja-JP" altLang="en-US" sz="2400" dirty="0">
                 <a:latin typeface="ヒラギノ角ゴ ProN W3"/>
                 <a:ea typeface="ヒラギノ角ゴ ProN W3"/>
                 <a:cs typeface="ヒラギノ角ゴ ProN W3"/>
               </a:rPr>
-              <a:t>処理速度の面での有用性を検証できた</a:t>
+              <a:t>処理速度の面での有用性を立証</a:t>
             </a:r>
             <a:endParaRPr kumimoji="1" lang="ja-JP" altLang="en-US" sz="2400" dirty="0">
               <a:latin typeface="ヒラギノ角ゴ ProN W3"/>
@@ -11576,7 +13477,7 @@
         <p:spPr>
           <a:xfrm>
             <a:off x="224970" y="117735"/>
-            <a:ext cx="3230372" cy="461665"/>
+            <a:ext cx="3342582" cy="461665"/>
           </a:xfrm>
           <a:prstGeom prst="rect">
             <a:avLst/>
@@ -11635,7 +13536,7 @@
               <a:t>.</a:t>
             </a:r>
             <a:r>
-              <a:rPr lang="ja-JP" altLang="en-US" sz="2400">
+              <a:rPr lang="ja-JP" altLang="en-US" sz="2400" dirty="0">
                 <a:solidFill>
                   <a:prstClr val="black"/>
                 </a:solidFill>
@@ -11644,6 +13545,17 @@
                 <a:cs typeface="ヒラギノ角ゴ ProN W3"/>
               </a:rPr>
               <a:t>ソースコードの比較</a:t>
+            </a:r>
+            <a:r>
+              <a:rPr lang="en-US" altLang="ja-JP" sz="2400" dirty="0">
+                <a:solidFill>
+                  <a:prstClr val="black"/>
+                </a:solidFill>
+                <a:latin typeface="ヒラギノ角ゴ ProN W3"/>
+                <a:ea typeface="ヒラギノ角ゴ ProN W3"/>
+                <a:cs typeface="ヒラギノ角ゴ ProN W3"/>
+              </a:rPr>
+              <a:t>1</a:t>
             </a:r>
             <a:endParaRPr kumimoji="1" lang="ja-JP" altLang="en-US" sz="2400" b="0" i="0" u="none" strike="noStrike" kern="1200" cap="none" spc="0" normalizeH="0" baseline="0" noProof="0" dirty="0">
               <a:ln>
@@ -11676,10 +13588,10 @@
         </p:nvGrpSpPr>
         <p:grpSpPr>
           <a:xfrm>
-            <a:off x="131779" y="1275998"/>
-            <a:ext cx="2254999" cy="3352006"/>
+            <a:off x="839913" y="1158613"/>
+            <a:ext cx="2050455" cy="2949462"/>
             <a:chOff x="783573" y="1072798"/>
-            <a:chExt cx="2254999" cy="3352006"/>
+            <a:chExt cx="2050455" cy="2949462"/>
           </a:xfrm>
         </p:grpSpPr>
         <p:grpSp>
@@ -11791,7 +13703,7 @@
               <a:lstStyle/>
               <a:p>
                 <a:r>
-                  <a:rPr kumimoji="1" lang="ja-JP" altLang="en-US">
+                  <a:rPr kumimoji="1" lang="ja-JP" altLang="en-US" dirty="0">
                     <a:latin typeface="Hiragino Kaku Gothic Pro W3" panose="020B0300000000000000" pitchFamily="34" charset="-128"/>
                     <a:ea typeface="Hiragino Kaku Gothic Pro W3" panose="020B0300000000000000" pitchFamily="34" charset="-128"/>
                   </a:rPr>
@@ -11940,9 +13852,9 @@
           </p:nvGrpSpPr>
           <p:grpSpPr>
             <a:xfrm>
-              <a:off x="826762" y="2939782"/>
+              <a:off x="826762" y="2589401"/>
               <a:ext cx="1834495" cy="425504"/>
-              <a:chOff x="814369" y="3178923"/>
+              <a:chOff x="814369" y="2828542"/>
               <a:chExt cx="1834495" cy="425504"/>
             </a:xfrm>
           </p:grpSpPr>
@@ -11960,7 +13872,7 @@
             </p:nvSpPr>
             <p:spPr>
               <a:xfrm>
-                <a:off x="814369" y="3204317"/>
+                <a:off x="814369" y="2853936"/>
                 <a:ext cx="1834495" cy="400110"/>
               </a:xfrm>
               <a:prstGeom prst="rect">
@@ -12015,7 +13927,7 @@
             </p:nvSpPr>
             <p:spPr>
               <a:xfrm>
-                <a:off x="1408451" y="3178923"/>
+                <a:off x="1408451" y="2828542"/>
                 <a:ext cx="646331" cy="369332"/>
               </a:xfrm>
               <a:prstGeom prst="rect">
@@ -12030,7 +13942,7 @@
               <a:lstStyle/>
               <a:p>
                 <a:r>
-                  <a:rPr kumimoji="1" lang="ja-JP" altLang="en-US">
+                  <a:rPr kumimoji="1" lang="ja-JP" altLang="en-US" dirty="0">
                     <a:latin typeface="Hiragino Kaku Gothic Pro W3" panose="020B0300000000000000" pitchFamily="34" charset="-128"/>
                     <a:ea typeface="Hiragino Kaku Gothic Pro W3" panose="020B0300000000000000" pitchFamily="34" charset="-128"/>
                   </a:rPr>
@@ -12054,9 +13966,9 @@
           </p:nvGrpSpPr>
           <p:grpSpPr>
             <a:xfrm>
-              <a:off x="826762" y="3666658"/>
+              <a:off x="826762" y="3341915"/>
               <a:ext cx="1834495" cy="372762"/>
-              <a:chOff x="814369" y="4216260"/>
+              <a:chOff x="814369" y="3891517"/>
               <a:chExt cx="1834495" cy="372762"/>
             </a:xfrm>
           </p:grpSpPr>
@@ -12074,7 +13986,7 @@
             </p:nvSpPr>
             <p:spPr>
               <a:xfrm>
-                <a:off x="814369" y="4216260"/>
+                <a:off x="814369" y="3891517"/>
                 <a:ext cx="1834495" cy="372762"/>
               </a:xfrm>
               <a:prstGeom prst="rect">
@@ -12129,7 +14041,7 @@
             </p:nvSpPr>
             <p:spPr>
               <a:xfrm>
-                <a:off x="1408451" y="4216260"/>
+                <a:off x="1408451" y="3891517"/>
                 <a:ext cx="646331" cy="369332"/>
               </a:xfrm>
               <a:prstGeom prst="rect">
@@ -12227,7 +14139,7 @@
           </p:nvSpPr>
           <p:spPr>
             <a:xfrm>
-              <a:off x="1654009" y="2653001"/>
+              <a:off x="1654009" y="2311172"/>
               <a:ext cx="180000" cy="271095"/>
             </a:xfrm>
             <a:prstGeom prst="downArrow">
@@ -12282,7 +14194,7 @@
           </p:nvSpPr>
           <p:spPr>
             <a:xfrm>
-              <a:off x="1654009" y="3380972"/>
+              <a:off x="1654009" y="3047684"/>
               <a:ext cx="180000" cy="270000"/>
             </a:xfrm>
             <a:prstGeom prst="downArrow">
@@ -12337,7 +14249,7 @@
           </p:nvSpPr>
           <p:spPr>
             <a:xfrm rot="5400000">
-              <a:off x="2715128" y="2601166"/>
+              <a:off x="2510584" y="2307801"/>
               <a:ext cx="180000" cy="360000"/>
             </a:xfrm>
             <a:prstGeom prst="downArrow">
@@ -12374,7 +14286,7 @@
             <a:lstStyle/>
             <a:p>
               <a:pPr algn="ctr"/>
-              <a:endParaRPr kumimoji="1" lang="ja-JP" altLang="en-US"/>
+              <a:endParaRPr kumimoji="1" lang="ja-JP" altLang="en-US" dirty="0"/>
             </a:p>
           </p:txBody>
         </p:sp>
@@ -12392,8 +14304,8 @@
           </p:nvSpPr>
           <p:spPr>
             <a:xfrm>
-              <a:off x="2966572" y="2732804"/>
-              <a:ext cx="72000" cy="1692000"/>
+              <a:off x="2762028" y="2435661"/>
+              <a:ext cx="72000" cy="1584000"/>
             </a:xfrm>
             <a:prstGeom prst="rect">
               <a:avLst/>
@@ -12429,7 +14341,7 @@
             <a:lstStyle/>
             <a:p>
               <a:pPr algn="ctr"/>
-              <a:endParaRPr kumimoji="1" lang="ja-JP" altLang="en-US"/>
+              <a:endParaRPr kumimoji="1" lang="ja-JP" altLang="en-US" dirty="0"/>
             </a:p>
           </p:txBody>
         </p:sp>
@@ -12447,7 +14359,7 @@
           </p:nvSpPr>
           <p:spPr>
             <a:xfrm>
-              <a:off x="1708009" y="4082456"/>
+              <a:off x="1708009" y="3723535"/>
               <a:ext cx="72000" cy="288000"/>
             </a:xfrm>
             <a:prstGeom prst="rect">
@@ -12502,8 +14414,1767 @@
           </p:nvSpPr>
           <p:spPr>
             <a:xfrm rot="16200000">
-              <a:off x="2321774" y="3739911"/>
-              <a:ext cx="72000" cy="1296000"/>
+              <a:off x="2231774" y="3428260"/>
+              <a:ext cx="72000" cy="1116000"/>
+            </a:xfrm>
+            <a:prstGeom prst="rect">
+              <a:avLst/>
+            </a:prstGeom>
+            <a:solidFill>
+              <a:schemeClr val="tx1">
+                <a:lumMod val="85000"/>
+                <a:lumOff val="15000"/>
+              </a:schemeClr>
+            </a:solidFill>
+            <a:ln>
+              <a:noFill/>
+            </a:ln>
+          </p:spPr>
+          <p:style>
+            <a:lnRef idx="2">
+              <a:schemeClr val="accent1">
+                <a:shade val="50000"/>
+              </a:schemeClr>
+            </a:lnRef>
+            <a:fillRef idx="1">
+              <a:schemeClr val="accent1"/>
+            </a:fillRef>
+            <a:effectRef idx="0">
+              <a:schemeClr val="accent1"/>
+            </a:effectRef>
+            <a:fontRef idx="minor">
+              <a:schemeClr val="lt1"/>
+            </a:fontRef>
+          </p:style>
+          <p:txBody>
+            <a:bodyPr rtlCol="0" anchor="ctr"/>
+            <a:lstStyle/>
+            <a:p>
+              <a:pPr algn="ctr"/>
+              <a:endParaRPr kumimoji="1" lang="ja-JP" altLang="en-US" dirty="0"/>
+            </a:p>
+          </p:txBody>
+        </p:sp>
+      </p:grpSp>
+      <p:grpSp>
+        <p:nvGrpSpPr>
+          <p:cNvPr id="3" name="グループ化 2">
+            <a:extLst>
+              <a:ext uri="{FF2B5EF4-FFF2-40B4-BE49-F238E27FC236}">
+                <a16:creationId xmlns:a16="http://schemas.microsoft.com/office/drawing/2014/main" id="{9EF92294-A05C-4831-A4A7-1A23CFECABFC}"/>
+              </a:ext>
+            </a:extLst>
+          </p:cNvPr>
+          <p:cNvGrpSpPr/>
+          <p:nvPr/>
+        </p:nvGrpSpPr>
+        <p:grpSpPr>
+          <a:xfrm>
+            <a:off x="4685464" y="1306253"/>
+            <a:ext cx="3906124" cy="2667531"/>
+            <a:chOff x="4363304" y="1348827"/>
+            <a:chExt cx="3906124" cy="2667531"/>
+          </a:xfrm>
+        </p:grpSpPr>
+        <p:grpSp>
+          <p:nvGrpSpPr>
+            <p:cNvPr id="66" name="グループ化 65">
+              <a:extLst>
+                <a:ext uri="{FF2B5EF4-FFF2-40B4-BE49-F238E27FC236}">
+                  <a16:creationId xmlns:a16="http://schemas.microsoft.com/office/drawing/2014/main" id="{2B55363A-7F20-4FF7-8885-5608FE53741B}"/>
+                </a:ext>
+              </a:extLst>
+            </p:cNvPr>
+            <p:cNvGrpSpPr/>
+            <p:nvPr/>
+          </p:nvGrpSpPr>
+          <p:grpSpPr>
+            <a:xfrm>
+              <a:off x="4437606" y="1853854"/>
+              <a:ext cx="1897050" cy="646331"/>
+              <a:chOff x="811488" y="2021205"/>
+              <a:chExt cx="2770206" cy="943817"/>
+            </a:xfrm>
+          </p:grpSpPr>
+          <p:sp>
+            <p:nvSpPr>
+              <p:cNvPr id="103" name="正方形/長方形 102">
+                <a:extLst>
+                  <a:ext uri="{FF2B5EF4-FFF2-40B4-BE49-F238E27FC236}">
+                    <a16:creationId xmlns:a16="http://schemas.microsoft.com/office/drawing/2014/main" id="{2F3AC1FC-924F-4357-B2CD-71BD61125100}"/>
+                  </a:ext>
+                </a:extLst>
+              </p:cNvPr>
+              <p:cNvSpPr/>
+              <p:nvPr/>
+            </p:nvSpPr>
+            <p:spPr>
+              <a:xfrm>
+                <a:off x="811488" y="2085966"/>
+                <a:ext cx="2770206" cy="814297"/>
+              </a:xfrm>
+              <a:prstGeom prst="rect">
+                <a:avLst/>
+              </a:prstGeom>
+              <a:solidFill>
+                <a:schemeClr val="accent2">
+                  <a:lumMod val="40000"/>
+                  <a:lumOff val="60000"/>
+                </a:schemeClr>
+              </a:solidFill>
+              <a:ln>
+                <a:noFill/>
+              </a:ln>
+            </p:spPr>
+            <p:style>
+              <a:lnRef idx="2">
+                <a:schemeClr val="accent1">
+                  <a:shade val="50000"/>
+                </a:schemeClr>
+              </a:lnRef>
+              <a:fillRef idx="1">
+                <a:schemeClr val="accent1"/>
+              </a:fillRef>
+              <a:effectRef idx="0">
+                <a:schemeClr val="accent1"/>
+              </a:effectRef>
+              <a:fontRef idx="minor">
+                <a:schemeClr val="lt1"/>
+              </a:fontRef>
+            </p:style>
+            <p:txBody>
+              <a:bodyPr rtlCol="0" anchor="ctr"/>
+              <a:lstStyle/>
+              <a:p>
+                <a:pPr algn="ctr"/>
+                <a:endParaRPr kumimoji="1" lang="ja-JP" altLang="en-US"/>
+              </a:p>
+            </p:txBody>
+          </p:sp>
+          <p:sp>
+            <p:nvSpPr>
+              <p:cNvPr id="104" name="テキスト ボックス 103">
+                <a:extLst>
+                  <a:ext uri="{FF2B5EF4-FFF2-40B4-BE49-F238E27FC236}">
+                    <a16:creationId xmlns:a16="http://schemas.microsoft.com/office/drawing/2014/main" id="{7DF6E1FF-302A-424C-9D9F-06A9BCEA9D5F}"/>
+                  </a:ext>
+                </a:extLst>
+              </p:cNvPr>
+              <p:cNvSpPr txBox="1"/>
+              <p:nvPr/>
+            </p:nvSpPr>
+            <p:spPr>
+              <a:xfrm>
+                <a:off x="819957" y="2021205"/>
+                <a:ext cx="2753268" cy="943817"/>
+              </a:xfrm>
+              <a:prstGeom prst="rect">
+                <a:avLst/>
+              </a:prstGeom>
+              <a:noFill/>
+            </p:spPr>
+            <p:txBody>
+              <a:bodyPr wrap="none" rtlCol="0">
+                <a:spAutoFit/>
+              </a:bodyPr>
+              <a:lstStyle/>
+              <a:p>
+                <a:r>
+                  <a:rPr lang="en-US" altLang="ja-JP" dirty="0">
+                    <a:latin typeface="Hiragino Kaku Gothic Pro W3" panose="020B0300000000000000" pitchFamily="34" charset="-128"/>
+                    <a:ea typeface="Hiragino Kaku Gothic Pro W3" panose="020B0300000000000000" pitchFamily="34" charset="-128"/>
+                  </a:rPr>
+                  <a:t>Canvas</a:t>
+                </a:r>
+                <a:r>
+                  <a:rPr lang="ja-JP" altLang="en-US" dirty="0">
+                    <a:latin typeface="Hiragino Kaku Gothic Pro W3" panose="020B0300000000000000" pitchFamily="34" charset="-128"/>
+                    <a:ea typeface="Hiragino Kaku Gothic Pro W3" panose="020B0300000000000000" pitchFamily="34" charset="-128"/>
+                  </a:rPr>
+                  <a:t>要素取得</a:t>
+                </a:r>
+                <a:endParaRPr lang="en-US" altLang="ja-JP" dirty="0">
+                  <a:latin typeface="Hiragino Kaku Gothic Pro W3" panose="020B0300000000000000" pitchFamily="34" charset="-128"/>
+                  <a:ea typeface="Hiragino Kaku Gothic Pro W3" panose="020B0300000000000000" pitchFamily="34" charset="-128"/>
+                </a:endParaRPr>
+              </a:p>
+              <a:p>
+                <a:r>
+                  <a:rPr lang="en-US" altLang="ja-JP" dirty="0">
+                    <a:latin typeface="Hiragino Kaku Gothic Pro W3" panose="020B0300000000000000" pitchFamily="34" charset="-128"/>
+                    <a:ea typeface="Hiragino Kaku Gothic Pro W3" panose="020B0300000000000000" pitchFamily="34" charset="-128"/>
+                  </a:rPr>
+                  <a:t>worker</a:t>
+                </a:r>
+                <a:r>
+                  <a:rPr lang="ja-JP" altLang="en-US" dirty="0">
+                    <a:latin typeface="Hiragino Kaku Gothic Pro W3" panose="020B0300000000000000" pitchFamily="34" charset="-128"/>
+                    <a:ea typeface="Hiragino Kaku Gothic Pro W3" panose="020B0300000000000000" pitchFamily="34" charset="-128"/>
+                  </a:rPr>
+                  <a:t>作成</a:t>
+                </a:r>
+                <a:endParaRPr lang="en-US" altLang="ja-JP" dirty="0">
+                  <a:latin typeface="Hiragino Kaku Gothic Pro W3" panose="020B0300000000000000" pitchFamily="34" charset="-128"/>
+                  <a:ea typeface="Hiragino Kaku Gothic Pro W3" panose="020B0300000000000000" pitchFamily="34" charset="-128"/>
+                </a:endParaRPr>
+              </a:p>
+            </p:txBody>
+          </p:sp>
+        </p:grpSp>
+        <p:grpSp>
+          <p:nvGrpSpPr>
+            <p:cNvPr id="67" name="グループ化 66">
+              <a:extLst>
+                <a:ext uri="{FF2B5EF4-FFF2-40B4-BE49-F238E27FC236}">
+                  <a16:creationId xmlns:a16="http://schemas.microsoft.com/office/drawing/2014/main" id="{C0182043-B46F-4C5B-A72D-B4F79C859BC4}"/>
+                </a:ext>
+              </a:extLst>
+            </p:cNvPr>
+            <p:cNvGrpSpPr/>
+            <p:nvPr/>
+          </p:nvGrpSpPr>
+          <p:grpSpPr>
+            <a:xfrm>
+              <a:off x="4437606" y="2635880"/>
+              <a:ext cx="1897051" cy="369332"/>
+              <a:chOff x="820268" y="4193356"/>
+              <a:chExt cx="2770208" cy="539324"/>
+            </a:xfrm>
+          </p:grpSpPr>
+          <p:sp>
+            <p:nvSpPr>
+              <p:cNvPr id="101" name="正方形/長方形 100">
+                <a:extLst>
+                  <a:ext uri="{FF2B5EF4-FFF2-40B4-BE49-F238E27FC236}">
+                    <a16:creationId xmlns:a16="http://schemas.microsoft.com/office/drawing/2014/main" id="{337132C1-CCBE-4E61-8F3E-40E3C836DA9C}"/>
+                  </a:ext>
+                </a:extLst>
+              </p:cNvPr>
+              <p:cNvSpPr/>
+              <p:nvPr/>
+            </p:nvSpPr>
+            <p:spPr>
+              <a:xfrm>
+                <a:off x="820268" y="4251822"/>
+                <a:ext cx="2770208" cy="381130"/>
+              </a:xfrm>
+              <a:prstGeom prst="rect">
+                <a:avLst/>
+              </a:prstGeom>
+              <a:solidFill>
+                <a:schemeClr val="accent2">
+                  <a:lumMod val="40000"/>
+                  <a:lumOff val="60000"/>
+                </a:schemeClr>
+              </a:solidFill>
+              <a:ln>
+                <a:noFill/>
+              </a:ln>
+            </p:spPr>
+            <p:style>
+              <a:lnRef idx="2">
+                <a:schemeClr val="accent1">
+                  <a:shade val="50000"/>
+                </a:schemeClr>
+              </a:lnRef>
+              <a:fillRef idx="1">
+                <a:schemeClr val="accent1"/>
+              </a:fillRef>
+              <a:effectRef idx="0">
+                <a:schemeClr val="accent1"/>
+              </a:effectRef>
+              <a:fontRef idx="minor">
+                <a:schemeClr val="lt1"/>
+              </a:fontRef>
+            </p:style>
+            <p:txBody>
+              <a:bodyPr rtlCol="0" anchor="ctr"/>
+              <a:lstStyle/>
+              <a:p>
+                <a:pPr algn="ctr"/>
+                <a:endParaRPr kumimoji="1" lang="ja-JP" altLang="en-US"/>
+              </a:p>
+            </p:txBody>
+          </p:sp>
+          <p:sp>
+            <p:nvSpPr>
+              <p:cNvPr id="102" name="テキスト ボックス 101">
+                <a:extLst>
+                  <a:ext uri="{FF2B5EF4-FFF2-40B4-BE49-F238E27FC236}">
+                    <a16:creationId xmlns:a16="http://schemas.microsoft.com/office/drawing/2014/main" id="{4F645C88-EB38-4265-A126-3CDEE0FF9820}"/>
+                  </a:ext>
+                </a:extLst>
+              </p:cNvPr>
+              <p:cNvSpPr txBox="1"/>
+              <p:nvPr/>
+            </p:nvSpPr>
+            <p:spPr>
+              <a:xfrm>
+                <a:off x="1029226" y="4193356"/>
+                <a:ext cx="2292127" cy="539324"/>
+              </a:xfrm>
+              <a:prstGeom prst="rect">
+                <a:avLst/>
+              </a:prstGeom>
+              <a:noFill/>
+            </p:spPr>
+            <p:txBody>
+              <a:bodyPr wrap="none" rtlCol="0">
+                <a:spAutoFit/>
+              </a:bodyPr>
+              <a:lstStyle/>
+              <a:p>
+                <a:r>
+                  <a:rPr lang="ja-JP" altLang="en-US" dirty="0">
+                    <a:latin typeface="Hiragino Kaku Gothic Pro W3" panose="020B0300000000000000" pitchFamily="34" charset="-128"/>
+                    <a:ea typeface="Hiragino Kaku Gothic Pro W3" panose="020B0300000000000000" pitchFamily="34" charset="-128"/>
+                  </a:rPr>
+                  <a:t>同期信号送信</a:t>
+                </a:r>
+                <a:endParaRPr lang="en-US" altLang="ja-JP" dirty="0">
+                  <a:latin typeface="Hiragino Kaku Gothic Pro W3" panose="020B0300000000000000" pitchFamily="34" charset="-128"/>
+                  <a:ea typeface="Hiragino Kaku Gothic Pro W3" panose="020B0300000000000000" pitchFamily="34" charset="-128"/>
+                </a:endParaRPr>
+              </a:p>
+            </p:txBody>
+          </p:sp>
+        </p:grpSp>
+        <p:grpSp>
+          <p:nvGrpSpPr>
+            <p:cNvPr id="68" name="グループ化 67">
+              <a:extLst>
+                <a:ext uri="{FF2B5EF4-FFF2-40B4-BE49-F238E27FC236}">
+                  <a16:creationId xmlns:a16="http://schemas.microsoft.com/office/drawing/2014/main" id="{B69445AF-C598-44FA-9966-8C95E31C20E2}"/>
+                </a:ext>
+              </a:extLst>
+            </p:cNvPr>
+            <p:cNvGrpSpPr/>
+            <p:nvPr/>
+          </p:nvGrpSpPr>
+          <p:grpSpPr>
+            <a:xfrm>
+              <a:off x="6699771" y="1414993"/>
+              <a:ext cx="1569657" cy="369332"/>
+              <a:chOff x="1861905" y="2115228"/>
+              <a:chExt cx="2292124" cy="539324"/>
+            </a:xfrm>
+          </p:grpSpPr>
+          <p:sp>
+            <p:nvSpPr>
+              <p:cNvPr id="99" name="正方形/長方形 98">
+                <a:extLst>
+                  <a:ext uri="{FF2B5EF4-FFF2-40B4-BE49-F238E27FC236}">
+                    <a16:creationId xmlns:a16="http://schemas.microsoft.com/office/drawing/2014/main" id="{3C862240-80B6-492A-BA62-2EDA9A420C07}"/>
+                  </a:ext>
+                </a:extLst>
+              </p:cNvPr>
+              <p:cNvSpPr/>
+              <p:nvPr/>
+            </p:nvSpPr>
+            <p:spPr>
+              <a:xfrm>
+                <a:off x="1917695" y="2155210"/>
+                <a:ext cx="2180545" cy="459357"/>
+              </a:xfrm>
+              <a:prstGeom prst="rect">
+                <a:avLst/>
+              </a:prstGeom>
+              <a:solidFill>
+                <a:schemeClr val="accent2">
+                  <a:lumMod val="40000"/>
+                  <a:lumOff val="60000"/>
+                </a:schemeClr>
+              </a:solidFill>
+              <a:ln>
+                <a:noFill/>
+              </a:ln>
+            </p:spPr>
+            <p:style>
+              <a:lnRef idx="2">
+                <a:schemeClr val="accent1">
+                  <a:shade val="50000"/>
+                </a:schemeClr>
+              </a:lnRef>
+              <a:fillRef idx="1">
+                <a:schemeClr val="accent1"/>
+              </a:fillRef>
+              <a:effectRef idx="0">
+                <a:schemeClr val="accent1"/>
+              </a:effectRef>
+              <a:fontRef idx="minor">
+                <a:schemeClr val="lt1"/>
+              </a:fontRef>
+            </p:style>
+            <p:txBody>
+              <a:bodyPr rtlCol="0" anchor="ctr"/>
+              <a:lstStyle/>
+              <a:p>
+                <a:pPr algn="ctr"/>
+                <a:endParaRPr kumimoji="1" lang="ja-JP" altLang="en-US"/>
+              </a:p>
+            </p:txBody>
+          </p:sp>
+          <p:sp>
+            <p:nvSpPr>
+              <p:cNvPr id="100" name="テキスト ボックス 99">
+                <a:extLst>
+                  <a:ext uri="{FF2B5EF4-FFF2-40B4-BE49-F238E27FC236}">
+                    <a16:creationId xmlns:a16="http://schemas.microsoft.com/office/drawing/2014/main" id="{43C25D04-8C48-47F3-98EE-1AFC0831CC3D}"/>
+                  </a:ext>
+                </a:extLst>
+              </p:cNvPr>
+              <p:cNvSpPr txBox="1"/>
+              <p:nvPr/>
+            </p:nvSpPr>
+            <p:spPr>
+              <a:xfrm>
+                <a:off x="1861905" y="2115228"/>
+                <a:ext cx="2292124" cy="539324"/>
+              </a:xfrm>
+              <a:prstGeom prst="rect">
+                <a:avLst/>
+              </a:prstGeom>
+              <a:noFill/>
+            </p:spPr>
+            <p:txBody>
+              <a:bodyPr wrap="none" rtlCol="0">
+                <a:spAutoFit/>
+              </a:bodyPr>
+              <a:lstStyle/>
+              <a:p>
+                <a:r>
+                  <a:rPr lang="ja-JP" altLang="en-US" dirty="0">
+                    <a:latin typeface="Hiragino Kaku Gothic Pro W3" panose="020B0300000000000000" pitchFamily="34" charset="-128"/>
+                    <a:ea typeface="Hiragino Kaku Gothic Pro W3" panose="020B0300000000000000" pitchFamily="34" charset="-128"/>
+                  </a:rPr>
+                  <a:t>同期信号受信</a:t>
+                </a:r>
+                <a:endParaRPr lang="en-US" altLang="ja-JP" dirty="0">
+                  <a:latin typeface="Hiragino Kaku Gothic Pro W3" panose="020B0300000000000000" pitchFamily="34" charset="-128"/>
+                  <a:ea typeface="Hiragino Kaku Gothic Pro W3" panose="020B0300000000000000" pitchFamily="34" charset="-128"/>
+                </a:endParaRPr>
+              </a:p>
+            </p:txBody>
+          </p:sp>
+        </p:grpSp>
+        <p:grpSp>
+          <p:nvGrpSpPr>
+            <p:cNvPr id="69" name="グループ化 68">
+              <a:extLst>
+                <a:ext uri="{FF2B5EF4-FFF2-40B4-BE49-F238E27FC236}">
+                  <a16:creationId xmlns:a16="http://schemas.microsoft.com/office/drawing/2014/main" id="{F044C518-0A90-43C6-BA41-08B4146340ED}"/>
+                </a:ext>
+              </a:extLst>
+            </p:cNvPr>
+            <p:cNvGrpSpPr/>
+            <p:nvPr/>
+          </p:nvGrpSpPr>
+          <p:grpSpPr>
+            <a:xfrm>
+              <a:off x="6737976" y="1945818"/>
+              <a:ext cx="1493247" cy="369332"/>
+              <a:chOff x="1806127" y="3178509"/>
+              <a:chExt cx="2180544" cy="539325"/>
+            </a:xfrm>
+          </p:grpSpPr>
+          <p:sp>
+            <p:nvSpPr>
+              <p:cNvPr id="97" name="正方形/長方形 96">
+                <a:extLst>
+                  <a:ext uri="{FF2B5EF4-FFF2-40B4-BE49-F238E27FC236}">
+                    <a16:creationId xmlns:a16="http://schemas.microsoft.com/office/drawing/2014/main" id="{D2499406-F4D3-4E8A-9D40-98F7D28C3D6C}"/>
+                  </a:ext>
+                </a:extLst>
+              </p:cNvPr>
+              <p:cNvSpPr/>
+              <p:nvPr/>
+            </p:nvSpPr>
+            <p:spPr>
+              <a:xfrm>
+                <a:off x="1806127" y="3240657"/>
+                <a:ext cx="2180544" cy="415031"/>
+              </a:xfrm>
+              <a:prstGeom prst="rect">
+                <a:avLst/>
+              </a:prstGeom>
+              <a:solidFill>
+                <a:schemeClr val="accent6">
+                  <a:lumMod val="40000"/>
+                  <a:lumOff val="60000"/>
+                </a:schemeClr>
+              </a:solidFill>
+              <a:ln>
+                <a:noFill/>
+              </a:ln>
+            </p:spPr>
+            <p:style>
+              <a:lnRef idx="2">
+                <a:schemeClr val="accent1">
+                  <a:shade val="50000"/>
+                </a:schemeClr>
+              </a:lnRef>
+              <a:fillRef idx="1">
+                <a:schemeClr val="accent1"/>
+              </a:fillRef>
+              <a:effectRef idx="0">
+                <a:schemeClr val="accent1"/>
+              </a:effectRef>
+              <a:fontRef idx="minor">
+                <a:schemeClr val="lt1"/>
+              </a:fontRef>
+            </p:style>
+            <p:txBody>
+              <a:bodyPr rtlCol="0" anchor="ctr"/>
+              <a:lstStyle/>
+              <a:p>
+                <a:pPr algn="ctr"/>
+                <a:endParaRPr kumimoji="1" lang="ja-JP" altLang="en-US"/>
+              </a:p>
+            </p:txBody>
+          </p:sp>
+          <p:sp>
+            <p:nvSpPr>
+              <p:cNvPr id="98" name="テキスト ボックス 97">
+                <a:extLst>
+                  <a:ext uri="{FF2B5EF4-FFF2-40B4-BE49-F238E27FC236}">
+                    <a16:creationId xmlns:a16="http://schemas.microsoft.com/office/drawing/2014/main" id="{0EC989A1-2AEB-434A-BC85-183A1726618E}"/>
+                  </a:ext>
+                </a:extLst>
+              </p:cNvPr>
+              <p:cNvSpPr txBox="1"/>
+              <p:nvPr/>
+            </p:nvSpPr>
+            <p:spPr>
+              <a:xfrm>
+                <a:off x="2424490" y="3178509"/>
+                <a:ext cx="943818" cy="539325"/>
+              </a:xfrm>
+              <a:prstGeom prst="rect">
+                <a:avLst/>
+              </a:prstGeom>
+              <a:noFill/>
+            </p:spPr>
+            <p:txBody>
+              <a:bodyPr wrap="none" rtlCol="0">
+                <a:spAutoFit/>
+              </a:bodyPr>
+              <a:lstStyle/>
+              <a:p>
+                <a:r>
+                  <a:rPr kumimoji="1" lang="ja-JP" altLang="en-US" dirty="0">
+                    <a:latin typeface="Hiragino Kaku Gothic Pro W3" panose="020B0300000000000000" pitchFamily="34" charset="-128"/>
+                    <a:ea typeface="Hiragino Kaku Gothic Pro W3" panose="020B0300000000000000" pitchFamily="34" charset="-128"/>
+                  </a:rPr>
+                  <a:t>演算</a:t>
+                </a:r>
+              </a:p>
+            </p:txBody>
+          </p:sp>
+        </p:grpSp>
+        <p:grpSp>
+          <p:nvGrpSpPr>
+            <p:cNvPr id="70" name="グループ化 69">
+              <a:extLst>
+                <a:ext uri="{FF2B5EF4-FFF2-40B4-BE49-F238E27FC236}">
+                  <a16:creationId xmlns:a16="http://schemas.microsoft.com/office/drawing/2014/main" id="{47BA6AB2-9C03-462C-B5BF-4DCE4B554326}"/>
+                </a:ext>
+              </a:extLst>
+            </p:cNvPr>
+            <p:cNvGrpSpPr/>
+            <p:nvPr/>
+          </p:nvGrpSpPr>
+          <p:grpSpPr>
+            <a:xfrm>
+              <a:off x="4449515" y="3485262"/>
+              <a:ext cx="1873232" cy="369332"/>
+              <a:chOff x="383141" y="4254155"/>
+              <a:chExt cx="2735425" cy="539325"/>
+            </a:xfrm>
+          </p:grpSpPr>
+          <p:sp>
+            <p:nvSpPr>
+              <p:cNvPr id="95" name="正方形/長方形 94">
+                <a:extLst>
+                  <a:ext uri="{FF2B5EF4-FFF2-40B4-BE49-F238E27FC236}">
+                    <a16:creationId xmlns:a16="http://schemas.microsoft.com/office/drawing/2014/main" id="{7A1803F8-7A9B-4418-AE7A-72DE5DD3B329}"/>
+                  </a:ext>
+                </a:extLst>
+              </p:cNvPr>
+              <p:cNvSpPr/>
+              <p:nvPr/>
+            </p:nvSpPr>
+            <p:spPr>
+              <a:xfrm>
+                <a:off x="383141" y="4323765"/>
+                <a:ext cx="2735425" cy="400111"/>
+              </a:xfrm>
+              <a:prstGeom prst="rect">
+                <a:avLst/>
+              </a:prstGeom>
+              <a:solidFill>
+                <a:schemeClr val="accent6">
+                  <a:lumMod val="40000"/>
+                  <a:lumOff val="60000"/>
+                </a:schemeClr>
+              </a:solidFill>
+              <a:ln>
+                <a:noFill/>
+              </a:ln>
+            </p:spPr>
+            <p:style>
+              <a:lnRef idx="2">
+                <a:schemeClr val="accent1">
+                  <a:shade val="50000"/>
+                </a:schemeClr>
+              </a:lnRef>
+              <a:fillRef idx="1">
+                <a:schemeClr val="accent1"/>
+              </a:fillRef>
+              <a:effectRef idx="0">
+                <a:schemeClr val="accent1"/>
+              </a:effectRef>
+              <a:fontRef idx="minor">
+                <a:schemeClr val="lt1"/>
+              </a:fontRef>
+            </p:style>
+            <p:txBody>
+              <a:bodyPr rtlCol="0" anchor="ctr"/>
+              <a:lstStyle/>
+              <a:p>
+                <a:pPr algn="ctr"/>
+                <a:endParaRPr kumimoji="1" lang="ja-JP" altLang="en-US"/>
+              </a:p>
+            </p:txBody>
+          </p:sp>
+          <p:sp>
+            <p:nvSpPr>
+              <p:cNvPr id="96" name="テキスト ボックス 95">
+                <a:extLst>
+                  <a:ext uri="{FF2B5EF4-FFF2-40B4-BE49-F238E27FC236}">
+                    <a16:creationId xmlns:a16="http://schemas.microsoft.com/office/drawing/2014/main" id="{3EA8B388-470E-4B39-ABEB-3713FC280A3B}"/>
+                  </a:ext>
+                </a:extLst>
+              </p:cNvPr>
+              <p:cNvSpPr txBox="1"/>
+              <p:nvPr/>
+            </p:nvSpPr>
+            <p:spPr>
+              <a:xfrm>
+                <a:off x="1278945" y="4254155"/>
+                <a:ext cx="943818" cy="539325"/>
+              </a:xfrm>
+              <a:prstGeom prst="rect">
+                <a:avLst/>
+              </a:prstGeom>
+              <a:noFill/>
+            </p:spPr>
+            <p:txBody>
+              <a:bodyPr wrap="none" rtlCol="0">
+                <a:spAutoFit/>
+              </a:bodyPr>
+              <a:lstStyle/>
+              <a:p>
+                <a:r>
+                  <a:rPr lang="ja-JP" altLang="en-US" dirty="0">
+                    <a:latin typeface="Hiragino Kaku Gothic Pro W3" panose="020B0300000000000000" pitchFamily="34" charset="-128"/>
+                    <a:ea typeface="Hiragino Kaku Gothic Pro W3" panose="020B0300000000000000" pitchFamily="34" charset="-128"/>
+                  </a:rPr>
+                  <a:t>描画</a:t>
+                </a:r>
+                <a:endParaRPr lang="en-US" altLang="ja-JP" dirty="0">
+                  <a:latin typeface="Hiragino Kaku Gothic Pro W3" panose="020B0300000000000000" pitchFamily="34" charset="-128"/>
+                  <a:ea typeface="Hiragino Kaku Gothic Pro W3" panose="020B0300000000000000" pitchFamily="34" charset="-128"/>
+                </a:endParaRPr>
+              </a:p>
+            </p:txBody>
+          </p:sp>
+        </p:grpSp>
+        <p:grpSp>
+          <p:nvGrpSpPr>
+            <p:cNvPr id="71" name="グループ化 70">
+              <a:extLst>
+                <a:ext uri="{FF2B5EF4-FFF2-40B4-BE49-F238E27FC236}">
+                  <a16:creationId xmlns:a16="http://schemas.microsoft.com/office/drawing/2014/main" id="{7B6D1E7B-9289-4E38-8E58-5AAFFED4E95F}"/>
+                </a:ext>
+              </a:extLst>
+            </p:cNvPr>
+            <p:cNvGrpSpPr/>
+            <p:nvPr/>
+          </p:nvGrpSpPr>
+          <p:grpSpPr>
+            <a:xfrm>
+              <a:off x="6737976" y="2480397"/>
+              <a:ext cx="1493247" cy="369332"/>
+              <a:chOff x="4583654" y="3931380"/>
+              <a:chExt cx="2180544" cy="539324"/>
+            </a:xfrm>
+          </p:grpSpPr>
+          <p:sp>
+            <p:nvSpPr>
+              <p:cNvPr id="93" name="正方形/長方形 92">
+                <a:extLst>
+                  <a:ext uri="{FF2B5EF4-FFF2-40B4-BE49-F238E27FC236}">
+                    <a16:creationId xmlns:a16="http://schemas.microsoft.com/office/drawing/2014/main" id="{0A8C2AF3-0B90-4DB3-8EF2-55B2A9D90041}"/>
+                  </a:ext>
+                </a:extLst>
+              </p:cNvPr>
+              <p:cNvSpPr/>
+              <p:nvPr/>
+            </p:nvSpPr>
+            <p:spPr>
+              <a:xfrm>
+                <a:off x="4583654" y="3971364"/>
+                <a:ext cx="2180544" cy="459357"/>
+              </a:xfrm>
+              <a:prstGeom prst="rect">
+                <a:avLst/>
+              </a:prstGeom>
+              <a:solidFill>
+                <a:schemeClr val="accent2">
+                  <a:lumMod val="40000"/>
+                  <a:lumOff val="60000"/>
+                </a:schemeClr>
+              </a:solidFill>
+              <a:ln>
+                <a:noFill/>
+              </a:ln>
+            </p:spPr>
+            <p:style>
+              <a:lnRef idx="2">
+                <a:schemeClr val="accent1">
+                  <a:shade val="50000"/>
+                </a:schemeClr>
+              </a:lnRef>
+              <a:fillRef idx="1">
+                <a:schemeClr val="accent1"/>
+              </a:fillRef>
+              <a:effectRef idx="0">
+                <a:schemeClr val="accent1"/>
+              </a:effectRef>
+              <a:fontRef idx="minor">
+                <a:schemeClr val="lt1"/>
+              </a:fontRef>
+            </p:style>
+            <p:txBody>
+              <a:bodyPr rtlCol="0" anchor="ctr"/>
+              <a:lstStyle/>
+              <a:p>
+                <a:pPr algn="ctr"/>
+                <a:endParaRPr kumimoji="1" lang="ja-JP" altLang="en-US"/>
+              </a:p>
+            </p:txBody>
+          </p:sp>
+          <p:sp>
+            <p:nvSpPr>
+              <p:cNvPr id="94" name="テキスト ボックス 93">
+                <a:extLst>
+                  <a:ext uri="{FF2B5EF4-FFF2-40B4-BE49-F238E27FC236}">
+                    <a16:creationId xmlns:a16="http://schemas.microsoft.com/office/drawing/2014/main" id="{5FC6D395-29DF-4F56-A2F4-2ED43AF1E97B}"/>
+                  </a:ext>
+                </a:extLst>
+              </p:cNvPr>
+              <p:cNvSpPr txBox="1"/>
+              <p:nvPr/>
+            </p:nvSpPr>
+            <p:spPr>
+              <a:xfrm>
+                <a:off x="4864939" y="3931380"/>
+                <a:ext cx="1617973" cy="539324"/>
+              </a:xfrm>
+              <a:prstGeom prst="rect">
+                <a:avLst/>
+              </a:prstGeom>
+              <a:noFill/>
+            </p:spPr>
+            <p:txBody>
+              <a:bodyPr wrap="none" rtlCol="0">
+                <a:spAutoFit/>
+              </a:bodyPr>
+              <a:lstStyle/>
+              <a:p>
+                <a:r>
+                  <a:rPr lang="ja-JP" altLang="en-US" dirty="0">
+                    <a:latin typeface="Hiragino Kaku Gothic Pro W3" panose="020B0300000000000000" pitchFamily="34" charset="-128"/>
+                    <a:ea typeface="Hiragino Kaku Gothic Pro W3" panose="020B0300000000000000" pitchFamily="34" charset="-128"/>
+                  </a:rPr>
+                  <a:t>結果送信</a:t>
+                </a:r>
+                <a:endParaRPr lang="en-US" altLang="ja-JP" dirty="0">
+                  <a:latin typeface="Hiragino Kaku Gothic Pro W3" panose="020B0300000000000000" pitchFamily="34" charset="-128"/>
+                  <a:ea typeface="Hiragino Kaku Gothic Pro W3" panose="020B0300000000000000" pitchFamily="34" charset="-128"/>
+                </a:endParaRPr>
+              </a:p>
+            </p:txBody>
+          </p:sp>
+        </p:grpSp>
+        <p:grpSp>
+          <p:nvGrpSpPr>
+            <p:cNvPr id="72" name="グループ化 71">
+              <a:extLst>
+                <a:ext uri="{FF2B5EF4-FFF2-40B4-BE49-F238E27FC236}">
+                  <a16:creationId xmlns:a16="http://schemas.microsoft.com/office/drawing/2014/main" id="{085056F3-3649-436C-9665-FC73AFE75D43}"/>
+                </a:ext>
+              </a:extLst>
+            </p:cNvPr>
+            <p:cNvGrpSpPr/>
+            <p:nvPr/>
+          </p:nvGrpSpPr>
+          <p:grpSpPr>
+            <a:xfrm>
+              <a:off x="4440506" y="2980236"/>
+              <a:ext cx="1891250" cy="369332"/>
+              <a:chOff x="828737" y="3897912"/>
+              <a:chExt cx="2761737" cy="539324"/>
+            </a:xfrm>
+          </p:grpSpPr>
+          <p:sp>
+            <p:nvSpPr>
+              <p:cNvPr id="91" name="正方形/長方形 90">
+                <a:extLst>
+                  <a:ext uri="{FF2B5EF4-FFF2-40B4-BE49-F238E27FC236}">
+                    <a16:creationId xmlns:a16="http://schemas.microsoft.com/office/drawing/2014/main" id="{0DDEC765-BFC2-4511-8F5D-E4A811940B2E}"/>
+                  </a:ext>
+                </a:extLst>
+              </p:cNvPr>
+              <p:cNvSpPr/>
+              <p:nvPr/>
+            </p:nvSpPr>
+            <p:spPr>
+              <a:xfrm>
+                <a:off x="828737" y="3970825"/>
+                <a:ext cx="2761737" cy="392230"/>
+              </a:xfrm>
+              <a:prstGeom prst="rect">
+                <a:avLst/>
+              </a:prstGeom>
+              <a:solidFill>
+                <a:schemeClr val="accent2">
+                  <a:lumMod val="40000"/>
+                  <a:lumOff val="60000"/>
+                </a:schemeClr>
+              </a:solidFill>
+              <a:ln>
+                <a:noFill/>
+              </a:ln>
+            </p:spPr>
+            <p:style>
+              <a:lnRef idx="2">
+                <a:schemeClr val="accent1">
+                  <a:shade val="50000"/>
+                </a:schemeClr>
+              </a:lnRef>
+              <a:fillRef idx="1">
+                <a:schemeClr val="accent1"/>
+              </a:fillRef>
+              <a:effectRef idx="0">
+                <a:schemeClr val="accent1"/>
+              </a:effectRef>
+              <a:fontRef idx="minor">
+                <a:schemeClr val="lt1"/>
+              </a:fontRef>
+            </p:style>
+            <p:txBody>
+              <a:bodyPr rtlCol="0" anchor="ctr"/>
+              <a:lstStyle/>
+              <a:p>
+                <a:pPr algn="ctr"/>
+                <a:endParaRPr kumimoji="1" lang="ja-JP" altLang="en-US"/>
+              </a:p>
+            </p:txBody>
+          </p:sp>
+          <p:sp>
+            <p:nvSpPr>
+              <p:cNvPr id="92" name="テキスト ボックス 91">
+                <a:extLst>
+                  <a:ext uri="{FF2B5EF4-FFF2-40B4-BE49-F238E27FC236}">
+                    <a16:creationId xmlns:a16="http://schemas.microsoft.com/office/drawing/2014/main" id="{A934884E-5149-40A6-B192-512AA57B5452}"/>
+                  </a:ext>
+                </a:extLst>
+              </p:cNvPr>
+              <p:cNvSpPr txBox="1"/>
+              <p:nvPr/>
+            </p:nvSpPr>
+            <p:spPr>
+              <a:xfrm>
+                <a:off x="1366301" y="3897912"/>
+                <a:ext cx="1617973" cy="539324"/>
+              </a:xfrm>
+              <a:prstGeom prst="rect">
+                <a:avLst/>
+              </a:prstGeom>
+              <a:noFill/>
+            </p:spPr>
+            <p:txBody>
+              <a:bodyPr wrap="none" rtlCol="0">
+                <a:spAutoFit/>
+              </a:bodyPr>
+              <a:lstStyle/>
+              <a:p>
+                <a:r>
+                  <a:rPr lang="ja-JP" altLang="en-US" dirty="0">
+                    <a:latin typeface="Hiragino Kaku Gothic Pro W3" panose="020B0300000000000000" pitchFamily="34" charset="-128"/>
+                    <a:ea typeface="Hiragino Kaku Gothic Pro W3" panose="020B0300000000000000" pitchFamily="34" charset="-128"/>
+                  </a:rPr>
+                  <a:t>結果受信</a:t>
+                </a:r>
+                <a:endParaRPr lang="en-US" altLang="ja-JP" dirty="0">
+                  <a:latin typeface="Hiragino Kaku Gothic Pro W3" panose="020B0300000000000000" pitchFamily="34" charset="-128"/>
+                  <a:ea typeface="Hiragino Kaku Gothic Pro W3" panose="020B0300000000000000" pitchFamily="34" charset="-128"/>
+                </a:endParaRPr>
+              </a:p>
+            </p:txBody>
+          </p:sp>
+        </p:grpSp>
+        <p:grpSp>
+          <p:nvGrpSpPr>
+            <p:cNvPr id="73" name="グループ化 72">
+              <a:extLst>
+                <a:ext uri="{FF2B5EF4-FFF2-40B4-BE49-F238E27FC236}">
+                  <a16:creationId xmlns:a16="http://schemas.microsoft.com/office/drawing/2014/main" id="{214936BA-D424-4F8C-AE6D-827E85694338}"/>
+                </a:ext>
+              </a:extLst>
+            </p:cNvPr>
+            <p:cNvGrpSpPr/>
+            <p:nvPr/>
+          </p:nvGrpSpPr>
+          <p:grpSpPr>
+            <a:xfrm>
+              <a:off x="4432747" y="1348827"/>
+              <a:ext cx="1906768" cy="369332"/>
+              <a:chOff x="783091" y="1072798"/>
+              <a:chExt cx="2784397" cy="539324"/>
+            </a:xfrm>
+          </p:grpSpPr>
+          <p:sp>
+            <p:nvSpPr>
+              <p:cNvPr id="89" name="角丸四角形 53">
+                <a:extLst>
+                  <a:ext uri="{FF2B5EF4-FFF2-40B4-BE49-F238E27FC236}">
+                    <a16:creationId xmlns:a16="http://schemas.microsoft.com/office/drawing/2014/main" id="{3F0EA286-1C34-411B-94A8-A48902D10F78}"/>
+                  </a:ext>
+                </a:extLst>
+              </p:cNvPr>
+              <p:cNvSpPr/>
+              <p:nvPr/>
+            </p:nvSpPr>
+            <p:spPr>
+              <a:xfrm>
+                <a:off x="783091" y="1118583"/>
+                <a:ext cx="2784397" cy="447754"/>
+              </a:xfrm>
+              <a:prstGeom prst="roundRect">
+                <a:avLst>
+                  <a:gd name="adj" fmla="val 50000"/>
+                </a:avLst>
+              </a:prstGeom>
+              <a:solidFill>
+                <a:schemeClr val="accent3">
+                  <a:lumMod val="40000"/>
+                  <a:lumOff val="60000"/>
+                </a:schemeClr>
+              </a:solidFill>
+              <a:ln>
+                <a:noFill/>
+              </a:ln>
+            </p:spPr>
+            <p:style>
+              <a:lnRef idx="2">
+                <a:schemeClr val="accent1">
+                  <a:shade val="50000"/>
+                </a:schemeClr>
+              </a:lnRef>
+              <a:fillRef idx="1">
+                <a:schemeClr val="accent1"/>
+              </a:fillRef>
+              <a:effectRef idx="0">
+                <a:schemeClr val="accent1"/>
+              </a:effectRef>
+              <a:fontRef idx="minor">
+                <a:schemeClr val="lt1"/>
+              </a:fontRef>
+            </p:style>
+            <p:txBody>
+              <a:bodyPr rtlCol="0" anchor="ctr"/>
+              <a:lstStyle/>
+              <a:p>
+                <a:pPr algn="ctr"/>
+                <a:endParaRPr kumimoji="1" lang="ja-JP" altLang="en-US" dirty="0">
+                  <a:latin typeface="Hiragino Kaku Gothic Pro W3" panose="020B0300000000000000" pitchFamily="34" charset="-128"/>
+                  <a:ea typeface="Hiragino Kaku Gothic Pro W3" panose="020B0300000000000000" pitchFamily="34" charset="-128"/>
+                </a:endParaRPr>
+              </a:p>
+            </p:txBody>
+          </p:sp>
+          <p:sp>
+            <p:nvSpPr>
+              <p:cNvPr id="90" name="テキスト ボックス 89">
+                <a:extLst>
+                  <a:ext uri="{FF2B5EF4-FFF2-40B4-BE49-F238E27FC236}">
+                    <a16:creationId xmlns:a16="http://schemas.microsoft.com/office/drawing/2014/main" id="{2A06638D-A53A-4BF2-88DE-1BFB242F95A6}"/>
+                  </a:ext>
+                </a:extLst>
+              </p:cNvPr>
+              <p:cNvSpPr txBox="1"/>
+              <p:nvPr/>
+            </p:nvSpPr>
+            <p:spPr>
+              <a:xfrm>
+                <a:off x="1703381" y="1072798"/>
+                <a:ext cx="943817" cy="539324"/>
+              </a:xfrm>
+              <a:prstGeom prst="rect">
+                <a:avLst/>
+              </a:prstGeom>
+              <a:noFill/>
+            </p:spPr>
+            <p:txBody>
+              <a:bodyPr wrap="none" rtlCol="0">
+                <a:spAutoFit/>
+              </a:bodyPr>
+              <a:lstStyle/>
+              <a:p>
+                <a:r>
+                  <a:rPr kumimoji="1" lang="ja-JP" altLang="en-US" dirty="0">
+                    <a:latin typeface="Hiragino Kaku Gothic Pro W3" panose="020B0300000000000000" pitchFamily="34" charset="-128"/>
+                    <a:ea typeface="Hiragino Kaku Gothic Pro W3" panose="020B0300000000000000" pitchFamily="34" charset="-128"/>
+                  </a:rPr>
+                  <a:t>開始</a:t>
+                </a:r>
+              </a:p>
+            </p:txBody>
+          </p:sp>
+        </p:grpSp>
+        <p:sp>
+          <p:nvSpPr>
+            <p:cNvPr id="74" name="下矢印 55">
+              <a:extLst>
+                <a:ext uri="{FF2B5EF4-FFF2-40B4-BE49-F238E27FC236}">
+                  <a16:creationId xmlns:a16="http://schemas.microsoft.com/office/drawing/2014/main" id="{E64E9241-9B69-4844-9246-63D7F1BBB03D}"/>
+                </a:ext>
+              </a:extLst>
+            </p:cNvPr>
+            <p:cNvSpPr/>
+            <p:nvPr/>
+          </p:nvSpPr>
+          <p:spPr>
+            <a:xfrm>
+              <a:off x="5324499" y="1693183"/>
+              <a:ext cx="123265" cy="185647"/>
+            </a:xfrm>
+            <a:prstGeom prst="downArrow">
+              <a:avLst/>
+            </a:prstGeom>
+            <a:solidFill>
+              <a:schemeClr val="tx1">
+                <a:lumMod val="85000"/>
+                <a:lumOff val="15000"/>
+              </a:schemeClr>
+            </a:solidFill>
+            <a:ln>
+              <a:noFill/>
+            </a:ln>
+          </p:spPr>
+          <p:style>
+            <a:lnRef idx="2">
+              <a:schemeClr val="accent1">
+                <a:shade val="50000"/>
+              </a:schemeClr>
+            </a:lnRef>
+            <a:fillRef idx="1">
+              <a:schemeClr val="accent1"/>
+            </a:fillRef>
+            <a:effectRef idx="0">
+              <a:schemeClr val="accent1"/>
+            </a:effectRef>
+            <a:fontRef idx="minor">
+              <a:schemeClr val="lt1"/>
+            </a:fontRef>
+          </p:style>
+          <p:txBody>
+            <a:bodyPr rtlCol="0" anchor="ctr"/>
+            <a:lstStyle/>
+            <a:p>
+              <a:pPr algn="ctr"/>
+              <a:endParaRPr kumimoji="1" lang="ja-JP" altLang="en-US" dirty="0"/>
+            </a:p>
+          </p:txBody>
+        </p:sp>
+        <p:sp>
+          <p:nvSpPr>
+            <p:cNvPr id="75" name="下矢印 56">
+              <a:extLst>
+                <a:ext uri="{FF2B5EF4-FFF2-40B4-BE49-F238E27FC236}">
+                  <a16:creationId xmlns:a16="http://schemas.microsoft.com/office/drawing/2014/main" id="{35971613-86E0-4130-A888-385652373FA1}"/>
+                </a:ext>
+              </a:extLst>
+            </p:cNvPr>
+            <p:cNvSpPr/>
+            <p:nvPr/>
+          </p:nvSpPr>
+          <p:spPr>
+            <a:xfrm>
+              <a:off x="5324499" y="2475209"/>
+              <a:ext cx="123265" cy="185647"/>
+            </a:xfrm>
+            <a:prstGeom prst="downArrow">
+              <a:avLst/>
+            </a:prstGeom>
+            <a:solidFill>
+              <a:schemeClr val="tx1">
+                <a:lumMod val="85000"/>
+                <a:lumOff val="15000"/>
+              </a:schemeClr>
+            </a:solidFill>
+            <a:ln>
+              <a:noFill/>
+            </a:ln>
+          </p:spPr>
+          <p:style>
+            <a:lnRef idx="2">
+              <a:schemeClr val="accent1">
+                <a:shade val="50000"/>
+              </a:schemeClr>
+            </a:lnRef>
+            <a:fillRef idx="1">
+              <a:schemeClr val="accent1"/>
+            </a:fillRef>
+            <a:effectRef idx="0">
+              <a:schemeClr val="accent1"/>
+            </a:effectRef>
+            <a:fontRef idx="minor">
+              <a:schemeClr val="lt1"/>
+            </a:fontRef>
+          </p:style>
+          <p:txBody>
+            <a:bodyPr rtlCol="0" anchor="ctr"/>
+            <a:lstStyle/>
+            <a:p>
+              <a:pPr algn="ctr"/>
+              <a:endParaRPr kumimoji="1" lang="ja-JP" altLang="en-US"/>
+            </a:p>
+          </p:txBody>
+        </p:sp>
+        <p:sp>
+          <p:nvSpPr>
+            <p:cNvPr id="77" name="下矢印 58">
+              <a:extLst>
+                <a:ext uri="{FF2B5EF4-FFF2-40B4-BE49-F238E27FC236}">
+                  <a16:creationId xmlns:a16="http://schemas.microsoft.com/office/drawing/2014/main" id="{D8705855-ED2F-4FED-B6EB-45375B384137}"/>
+                </a:ext>
+              </a:extLst>
+            </p:cNvPr>
+            <p:cNvSpPr/>
+            <p:nvPr/>
+          </p:nvSpPr>
+          <p:spPr>
+            <a:xfrm>
+              <a:off x="5324499" y="3324592"/>
+              <a:ext cx="123265" cy="185647"/>
+            </a:xfrm>
+            <a:prstGeom prst="downArrow">
+              <a:avLst/>
+            </a:prstGeom>
+            <a:solidFill>
+              <a:schemeClr val="tx1">
+                <a:lumMod val="85000"/>
+                <a:lumOff val="15000"/>
+              </a:schemeClr>
+            </a:solidFill>
+            <a:ln>
+              <a:noFill/>
+            </a:ln>
+          </p:spPr>
+          <p:style>
+            <a:lnRef idx="2">
+              <a:schemeClr val="accent1">
+                <a:shade val="50000"/>
+              </a:schemeClr>
+            </a:lnRef>
+            <a:fillRef idx="1">
+              <a:schemeClr val="accent1"/>
+            </a:fillRef>
+            <a:effectRef idx="0">
+              <a:schemeClr val="accent1"/>
+            </a:effectRef>
+            <a:fontRef idx="minor">
+              <a:schemeClr val="lt1"/>
+            </a:fontRef>
+          </p:style>
+          <p:txBody>
+            <a:bodyPr rtlCol="0" anchor="ctr"/>
+            <a:lstStyle/>
+            <a:p>
+              <a:pPr algn="ctr"/>
+              <a:endParaRPr kumimoji="1" lang="ja-JP" altLang="en-US"/>
+            </a:p>
+          </p:txBody>
+        </p:sp>
+        <p:sp>
+          <p:nvSpPr>
+            <p:cNvPr id="78" name="下矢印 59">
+              <a:extLst>
+                <a:ext uri="{FF2B5EF4-FFF2-40B4-BE49-F238E27FC236}">
+                  <a16:creationId xmlns:a16="http://schemas.microsoft.com/office/drawing/2014/main" id="{4686AF0C-FB39-436E-B3F0-57B5D3D1DC86}"/>
+                </a:ext>
+              </a:extLst>
+            </p:cNvPr>
+            <p:cNvSpPr/>
+            <p:nvPr/>
+          </p:nvSpPr>
+          <p:spPr>
+            <a:xfrm>
+              <a:off x="7422967" y="1742433"/>
+              <a:ext cx="123265" cy="185647"/>
+            </a:xfrm>
+            <a:prstGeom prst="downArrow">
+              <a:avLst/>
+            </a:prstGeom>
+            <a:solidFill>
+              <a:schemeClr val="tx1">
+                <a:lumMod val="85000"/>
+                <a:lumOff val="15000"/>
+              </a:schemeClr>
+            </a:solidFill>
+            <a:ln>
+              <a:noFill/>
+            </a:ln>
+          </p:spPr>
+          <p:style>
+            <a:lnRef idx="2">
+              <a:schemeClr val="accent1">
+                <a:shade val="50000"/>
+              </a:schemeClr>
+            </a:lnRef>
+            <a:fillRef idx="1">
+              <a:schemeClr val="accent1"/>
+            </a:fillRef>
+            <a:effectRef idx="0">
+              <a:schemeClr val="accent1"/>
+            </a:effectRef>
+            <a:fontRef idx="minor">
+              <a:schemeClr val="lt1"/>
+            </a:fontRef>
+          </p:style>
+          <p:txBody>
+            <a:bodyPr rtlCol="0" anchor="ctr"/>
+            <a:lstStyle/>
+            <a:p>
+              <a:pPr algn="ctr"/>
+              <a:endParaRPr kumimoji="1" lang="ja-JP" altLang="en-US"/>
+            </a:p>
+          </p:txBody>
+        </p:sp>
+        <p:sp>
+          <p:nvSpPr>
+            <p:cNvPr id="79" name="下矢印 61">
+              <a:extLst>
+                <a:ext uri="{FF2B5EF4-FFF2-40B4-BE49-F238E27FC236}">
+                  <a16:creationId xmlns:a16="http://schemas.microsoft.com/office/drawing/2014/main" id="{DE29BBF3-6614-46E6-9E97-CC05CAEAF574}"/>
+                </a:ext>
+              </a:extLst>
+            </p:cNvPr>
+            <p:cNvSpPr/>
+            <p:nvPr/>
+          </p:nvSpPr>
+          <p:spPr>
+            <a:xfrm>
+              <a:off x="7422967" y="2278611"/>
+              <a:ext cx="123265" cy="185647"/>
+            </a:xfrm>
+            <a:prstGeom prst="downArrow">
+              <a:avLst/>
+            </a:prstGeom>
+            <a:solidFill>
+              <a:schemeClr val="tx1">
+                <a:lumMod val="85000"/>
+                <a:lumOff val="15000"/>
+              </a:schemeClr>
+            </a:solidFill>
+            <a:ln>
+              <a:noFill/>
+            </a:ln>
+          </p:spPr>
+          <p:style>
+            <a:lnRef idx="2">
+              <a:schemeClr val="accent1">
+                <a:shade val="50000"/>
+              </a:schemeClr>
+            </a:lnRef>
+            <a:fillRef idx="1">
+              <a:schemeClr val="accent1"/>
+            </a:fillRef>
+            <a:effectRef idx="0">
+              <a:schemeClr val="accent1"/>
+            </a:effectRef>
+            <a:fontRef idx="minor">
+              <a:schemeClr val="lt1"/>
+            </a:fontRef>
+          </p:style>
+          <p:txBody>
+            <a:bodyPr rtlCol="0" anchor="ctr"/>
+            <a:lstStyle/>
+            <a:p>
+              <a:pPr algn="ctr"/>
+              <a:endParaRPr kumimoji="1" lang="ja-JP" altLang="en-US"/>
+            </a:p>
+          </p:txBody>
+        </p:sp>
+        <p:sp>
+          <p:nvSpPr>
+            <p:cNvPr id="80" name="正方形/長方形 79">
+              <a:extLst>
+                <a:ext uri="{FF2B5EF4-FFF2-40B4-BE49-F238E27FC236}">
+                  <a16:creationId xmlns:a16="http://schemas.microsoft.com/office/drawing/2014/main" id="{37B2EAEC-32C3-4B1C-88BD-96B6BA0F2E5C}"/>
+                </a:ext>
+              </a:extLst>
+            </p:cNvPr>
+            <p:cNvSpPr/>
+            <p:nvPr/>
+          </p:nvSpPr>
+          <p:spPr>
+            <a:xfrm>
+              <a:off x="5361478" y="3810976"/>
+              <a:ext cx="49306" cy="197224"/>
+            </a:xfrm>
+            <a:prstGeom prst="rect">
+              <a:avLst/>
+            </a:prstGeom>
+            <a:solidFill>
+              <a:schemeClr val="tx1">
+                <a:lumMod val="85000"/>
+                <a:lumOff val="15000"/>
+              </a:schemeClr>
+            </a:solidFill>
+            <a:ln>
+              <a:noFill/>
+            </a:ln>
+          </p:spPr>
+          <p:style>
+            <a:lnRef idx="2">
+              <a:schemeClr val="accent1">
+                <a:shade val="50000"/>
+              </a:schemeClr>
+            </a:lnRef>
+            <a:fillRef idx="1">
+              <a:schemeClr val="accent1"/>
+            </a:fillRef>
+            <a:effectRef idx="0">
+              <a:schemeClr val="accent1"/>
+            </a:effectRef>
+            <a:fontRef idx="minor">
+              <a:schemeClr val="lt1"/>
+            </a:fontRef>
+          </p:style>
+          <p:txBody>
+            <a:bodyPr rtlCol="0" anchor="ctr"/>
+            <a:lstStyle/>
+            <a:p>
+              <a:pPr algn="ctr"/>
+              <a:endParaRPr kumimoji="1" lang="ja-JP" altLang="en-US"/>
+            </a:p>
+          </p:txBody>
+        </p:sp>
+        <p:sp>
+          <p:nvSpPr>
+            <p:cNvPr id="81" name="正方形/長方形 80">
+              <a:extLst>
+                <a:ext uri="{FF2B5EF4-FFF2-40B4-BE49-F238E27FC236}">
+                  <a16:creationId xmlns:a16="http://schemas.microsoft.com/office/drawing/2014/main" id="{1107D7A6-8DDA-488B-AC4C-52585D70AAC0}"/>
+                </a:ext>
+              </a:extLst>
+            </p:cNvPr>
+            <p:cNvSpPr/>
+            <p:nvPr/>
+          </p:nvSpPr>
+          <p:spPr>
+            <a:xfrm rot="16200000">
+              <a:off x="4865856" y="3469705"/>
+              <a:ext cx="49306" cy="1044000"/>
+            </a:xfrm>
+            <a:prstGeom prst="rect">
+              <a:avLst/>
+            </a:prstGeom>
+            <a:solidFill>
+              <a:schemeClr val="tx1">
+                <a:lumMod val="85000"/>
+                <a:lumOff val="15000"/>
+              </a:schemeClr>
+            </a:solidFill>
+            <a:ln>
+              <a:noFill/>
+            </a:ln>
+          </p:spPr>
+          <p:style>
+            <a:lnRef idx="2">
+              <a:schemeClr val="accent1">
+                <a:shade val="50000"/>
+              </a:schemeClr>
+            </a:lnRef>
+            <a:fillRef idx="1">
+              <a:schemeClr val="accent1"/>
+            </a:fillRef>
+            <a:effectRef idx="0">
+              <a:schemeClr val="accent1"/>
+            </a:effectRef>
+            <a:fontRef idx="minor">
+              <a:schemeClr val="lt1"/>
+            </a:fontRef>
+          </p:style>
+          <p:txBody>
+            <a:bodyPr rtlCol="0" anchor="ctr"/>
+            <a:lstStyle/>
+            <a:p>
+              <a:pPr algn="ctr"/>
+              <a:endParaRPr kumimoji="1" lang="ja-JP" altLang="en-US"/>
+            </a:p>
+          </p:txBody>
+        </p:sp>
+        <p:sp>
+          <p:nvSpPr>
+            <p:cNvPr id="82" name="正方形/長方形 81">
+              <a:extLst>
+                <a:ext uri="{FF2B5EF4-FFF2-40B4-BE49-F238E27FC236}">
+                  <a16:creationId xmlns:a16="http://schemas.microsoft.com/office/drawing/2014/main" id="{4AF68785-9454-40FF-BA50-5E3D451DC2D9}"/>
+                </a:ext>
+              </a:extLst>
+            </p:cNvPr>
+            <p:cNvSpPr/>
+            <p:nvPr/>
+          </p:nvSpPr>
+          <p:spPr>
+            <a:xfrm rot="10800000">
+              <a:off x="4363304" y="2539127"/>
+              <a:ext cx="49306" cy="1440000"/>
+            </a:xfrm>
+            <a:prstGeom prst="rect">
+              <a:avLst/>
+            </a:prstGeom>
+            <a:solidFill>
+              <a:schemeClr val="tx1">
+                <a:lumMod val="85000"/>
+                <a:lumOff val="15000"/>
+              </a:schemeClr>
+            </a:solidFill>
+            <a:ln>
+              <a:noFill/>
+            </a:ln>
+          </p:spPr>
+          <p:style>
+            <a:lnRef idx="2">
+              <a:schemeClr val="accent1">
+                <a:shade val="50000"/>
+              </a:schemeClr>
+            </a:lnRef>
+            <a:fillRef idx="1">
+              <a:schemeClr val="accent1"/>
+            </a:fillRef>
+            <a:effectRef idx="0">
+              <a:schemeClr val="accent1"/>
+            </a:effectRef>
+            <a:fontRef idx="minor">
+              <a:schemeClr val="lt1"/>
+            </a:fontRef>
+          </p:style>
+          <p:txBody>
+            <a:bodyPr rtlCol="0" anchor="ctr"/>
+            <a:lstStyle/>
+            <a:p>
+              <a:pPr algn="ctr"/>
+              <a:endParaRPr kumimoji="1" lang="ja-JP" altLang="en-US"/>
+            </a:p>
+          </p:txBody>
+        </p:sp>
+        <p:sp>
+          <p:nvSpPr>
+            <p:cNvPr id="83" name="下矢印 65">
+              <a:extLst>
+                <a:ext uri="{FF2B5EF4-FFF2-40B4-BE49-F238E27FC236}">
+                  <a16:creationId xmlns:a16="http://schemas.microsoft.com/office/drawing/2014/main" id="{5E3584EF-AFC8-4644-A802-9076E6A75191}"/>
+                </a:ext>
+              </a:extLst>
+            </p:cNvPr>
+            <p:cNvSpPr/>
+            <p:nvPr/>
+          </p:nvSpPr>
+          <p:spPr>
+            <a:xfrm rot="16200000">
+              <a:off x="4464875" y="2407702"/>
+              <a:ext cx="123265" cy="295836"/>
+            </a:xfrm>
+            <a:prstGeom prst="downArrow">
+              <a:avLst/>
+            </a:prstGeom>
+            <a:solidFill>
+              <a:schemeClr val="tx1">
+                <a:lumMod val="85000"/>
+                <a:lumOff val="15000"/>
+              </a:schemeClr>
+            </a:solidFill>
+            <a:ln>
+              <a:noFill/>
+            </a:ln>
+          </p:spPr>
+          <p:style>
+            <a:lnRef idx="2">
+              <a:schemeClr val="accent1">
+                <a:shade val="50000"/>
+              </a:schemeClr>
+            </a:lnRef>
+            <a:fillRef idx="1">
+              <a:schemeClr val="accent1"/>
+            </a:fillRef>
+            <a:effectRef idx="0">
+              <a:schemeClr val="accent1"/>
+            </a:effectRef>
+            <a:fontRef idx="minor">
+              <a:schemeClr val="lt1"/>
+            </a:fontRef>
+          </p:style>
+          <p:txBody>
+            <a:bodyPr rtlCol="0" anchor="ctr"/>
+            <a:lstStyle/>
+            <a:p>
+              <a:pPr algn="ctr"/>
+              <a:endParaRPr kumimoji="1" lang="ja-JP" altLang="en-US"/>
+            </a:p>
+          </p:txBody>
+        </p:sp>
+        <p:sp>
+          <p:nvSpPr>
+            <p:cNvPr id="84" name="正方形/長方形 83">
+              <a:extLst>
+                <a:ext uri="{FF2B5EF4-FFF2-40B4-BE49-F238E27FC236}">
+                  <a16:creationId xmlns:a16="http://schemas.microsoft.com/office/drawing/2014/main" id="{93898C55-5F24-4551-8D99-F5B84554B256}"/>
+                </a:ext>
+              </a:extLst>
+            </p:cNvPr>
+            <p:cNvSpPr/>
+            <p:nvPr/>
+          </p:nvSpPr>
+          <p:spPr>
+            <a:xfrm rot="16200000">
+              <a:off x="6435021" y="2776677"/>
+              <a:ext cx="49306" cy="180000"/>
+            </a:xfrm>
+            <a:prstGeom prst="rect">
+              <a:avLst/>
+            </a:prstGeom>
+            <a:solidFill>
+              <a:schemeClr val="tx1">
+                <a:lumMod val="85000"/>
+                <a:lumOff val="15000"/>
+              </a:schemeClr>
+            </a:solidFill>
+            <a:ln>
+              <a:noFill/>
+            </a:ln>
+          </p:spPr>
+          <p:style>
+            <a:lnRef idx="2">
+              <a:schemeClr val="accent1">
+                <a:shade val="50000"/>
+              </a:schemeClr>
+            </a:lnRef>
+            <a:fillRef idx="1">
+              <a:schemeClr val="accent1"/>
+            </a:fillRef>
+            <a:effectRef idx="0">
+              <a:schemeClr val="accent1"/>
+            </a:effectRef>
+            <a:fontRef idx="minor">
+              <a:schemeClr val="lt1"/>
+            </a:fontRef>
+          </p:style>
+          <p:txBody>
+            <a:bodyPr rtlCol="0" anchor="ctr"/>
+            <a:lstStyle/>
+            <a:p>
+              <a:pPr algn="ctr"/>
+              <a:endParaRPr kumimoji="1" lang="ja-JP" altLang="en-US" dirty="0"/>
+            </a:p>
+          </p:txBody>
+        </p:sp>
+        <p:sp>
+          <p:nvSpPr>
+            <p:cNvPr id="85" name="下矢印 68">
+              <a:extLst>
+                <a:ext uri="{FF2B5EF4-FFF2-40B4-BE49-F238E27FC236}">
+                  <a16:creationId xmlns:a16="http://schemas.microsoft.com/office/drawing/2014/main" id="{1C2705F2-AC8F-4B14-9BFD-45A92E89525F}"/>
+                </a:ext>
+              </a:extLst>
+            </p:cNvPr>
+            <p:cNvSpPr/>
+            <p:nvPr/>
+          </p:nvSpPr>
+          <p:spPr>
+            <a:xfrm rot="5400000">
+              <a:off x="6891965" y="2618285"/>
+              <a:ext cx="123265" cy="1116000"/>
+            </a:xfrm>
+            <a:prstGeom prst="downArrow">
+              <a:avLst/>
+            </a:prstGeom>
+            <a:solidFill>
+              <a:schemeClr val="tx1">
+                <a:lumMod val="85000"/>
+                <a:lumOff val="15000"/>
+              </a:schemeClr>
+            </a:solidFill>
+            <a:ln>
+              <a:noFill/>
+            </a:ln>
+          </p:spPr>
+          <p:style>
+            <a:lnRef idx="2">
+              <a:schemeClr val="accent1">
+                <a:shade val="50000"/>
+              </a:schemeClr>
+            </a:lnRef>
+            <a:fillRef idx="1">
+              <a:schemeClr val="accent1"/>
+            </a:fillRef>
+            <a:effectRef idx="0">
+              <a:schemeClr val="accent1"/>
+            </a:effectRef>
+            <a:fontRef idx="minor">
+              <a:schemeClr val="lt1"/>
+            </a:fontRef>
+          </p:style>
+          <p:txBody>
+            <a:bodyPr rtlCol="0" anchor="ctr"/>
+            <a:lstStyle/>
+            <a:p>
+              <a:pPr algn="ctr"/>
+              <a:endParaRPr kumimoji="1" lang="ja-JP" altLang="en-US"/>
+            </a:p>
+          </p:txBody>
+        </p:sp>
+        <p:sp>
+          <p:nvSpPr>
+            <p:cNvPr id="86" name="正方形/長方形 85">
+              <a:extLst>
+                <a:ext uri="{FF2B5EF4-FFF2-40B4-BE49-F238E27FC236}">
+                  <a16:creationId xmlns:a16="http://schemas.microsoft.com/office/drawing/2014/main" id="{96A02D97-8D33-4C00-A53A-F05D4A93EDFF}"/>
+                </a:ext>
+              </a:extLst>
+            </p:cNvPr>
+            <p:cNvSpPr/>
+            <p:nvPr/>
+          </p:nvSpPr>
+          <p:spPr>
+            <a:xfrm>
+              <a:off x="6492680" y="1533833"/>
+              <a:ext cx="49306" cy="1331261"/>
+            </a:xfrm>
+            <a:prstGeom prst="rect">
+              <a:avLst/>
+            </a:prstGeom>
+            <a:solidFill>
+              <a:schemeClr val="tx1">
+                <a:lumMod val="85000"/>
+                <a:lumOff val="15000"/>
+              </a:schemeClr>
+            </a:solidFill>
+            <a:ln>
+              <a:noFill/>
+            </a:ln>
+          </p:spPr>
+          <p:style>
+            <a:lnRef idx="2">
+              <a:schemeClr val="accent1">
+                <a:shade val="50000"/>
+              </a:schemeClr>
+            </a:lnRef>
+            <a:fillRef idx="1">
+              <a:schemeClr val="accent1"/>
+            </a:fillRef>
+            <a:effectRef idx="0">
+              <a:schemeClr val="accent1"/>
+            </a:effectRef>
+            <a:fontRef idx="minor">
+              <a:schemeClr val="lt1"/>
+            </a:fontRef>
+          </p:style>
+          <p:txBody>
+            <a:bodyPr rtlCol="0" anchor="ctr"/>
+            <a:lstStyle/>
+            <a:p>
+              <a:pPr algn="ctr"/>
+              <a:endParaRPr kumimoji="1" lang="ja-JP" altLang="en-US"/>
+            </a:p>
+          </p:txBody>
+        </p:sp>
+        <p:sp>
+          <p:nvSpPr>
+            <p:cNvPr id="87" name="下矢印 70">
+              <a:extLst>
+                <a:ext uri="{FF2B5EF4-FFF2-40B4-BE49-F238E27FC236}">
+                  <a16:creationId xmlns:a16="http://schemas.microsoft.com/office/drawing/2014/main" id="{9B9438D8-AABF-4D26-B069-0BEE10F760AC}"/>
+                </a:ext>
+              </a:extLst>
+            </p:cNvPr>
+            <p:cNvSpPr/>
+            <p:nvPr/>
+          </p:nvSpPr>
+          <p:spPr>
+            <a:xfrm rot="16200000">
+              <a:off x="6545747" y="1457943"/>
+              <a:ext cx="123265" cy="221877"/>
+            </a:xfrm>
+            <a:prstGeom prst="downArrow">
+              <a:avLst/>
+            </a:prstGeom>
+            <a:solidFill>
+              <a:schemeClr val="tx1">
+                <a:lumMod val="85000"/>
+                <a:lumOff val="15000"/>
+              </a:schemeClr>
+            </a:solidFill>
+            <a:ln>
+              <a:noFill/>
+            </a:ln>
+          </p:spPr>
+          <p:style>
+            <a:lnRef idx="2">
+              <a:schemeClr val="accent1">
+                <a:shade val="50000"/>
+              </a:schemeClr>
+            </a:lnRef>
+            <a:fillRef idx="1">
+              <a:schemeClr val="accent1"/>
+            </a:fillRef>
+            <a:effectRef idx="0">
+              <a:schemeClr val="accent1"/>
+            </a:effectRef>
+            <a:fontRef idx="minor">
+              <a:schemeClr val="lt1"/>
+            </a:fontRef>
+          </p:style>
+          <p:txBody>
+            <a:bodyPr rtlCol="0" anchor="ctr"/>
+            <a:lstStyle/>
+            <a:p>
+              <a:pPr algn="ctr"/>
+              <a:endParaRPr kumimoji="1" lang="ja-JP" altLang="en-US"/>
+            </a:p>
+          </p:txBody>
+        </p:sp>
+        <p:sp>
+          <p:nvSpPr>
+            <p:cNvPr id="88" name="正方形/長方形 87">
+              <a:extLst>
+                <a:ext uri="{FF2B5EF4-FFF2-40B4-BE49-F238E27FC236}">
+                  <a16:creationId xmlns:a16="http://schemas.microsoft.com/office/drawing/2014/main" id="{67814F2B-8EDC-4F6F-B1D7-260468F641D5}"/>
+                </a:ext>
+              </a:extLst>
+            </p:cNvPr>
+            <p:cNvSpPr/>
+            <p:nvPr/>
+          </p:nvSpPr>
+          <p:spPr>
+            <a:xfrm>
+              <a:off x="7459946" y="2810786"/>
+              <a:ext cx="49306" cy="394448"/>
             </a:xfrm>
             <a:prstGeom prst="rect">
               <a:avLst/>
@@ -12544,6 +16215,291 @@
           </p:txBody>
         </p:sp>
       </p:grpSp>
+      <p:sp>
+        <p:nvSpPr>
+          <p:cNvPr id="105" name="テキスト ボックス 104">
+            <a:extLst>
+              <a:ext uri="{FF2B5EF4-FFF2-40B4-BE49-F238E27FC236}">
+                <a16:creationId xmlns:a16="http://schemas.microsoft.com/office/drawing/2014/main" id="{7F00CFBD-AFCD-42FE-B271-40D90BD021EA}"/>
+              </a:ext>
+            </a:extLst>
+          </p:cNvPr>
+          <p:cNvSpPr txBox="1"/>
+          <p:nvPr/>
+        </p:nvSpPr>
+        <p:spPr>
+          <a:xfrm>
+            <a:off x="1441183" y="764064"/>
+            <a:ext cx="1133644" cy="369332"/>
+          </a:xfrm>
+          <a:prstGeom prst="rect">
+            <a:avLst/>
+          </a:prstGeom>
+          <a:noFill/>
+        </p:spPr>
+        <p:txBody>
+          <a:bodyPr wrap="none" rtlCol="0">
+            <a:spAutoFit/>
+          </a:bodyPr>
+          <a:lstStyle/>
+          <a:p>
+            <a:r>
+              <a:rPr kumimoji="1" lang="ja-JP" altLang="en-US" dirty="0">
+                <a:latin typeface="Hiragino Kaku Gothic Pro W3" panose="020B0300000000000000" pitchFamily="34" charset="-128"/>
+                <a:ea typeface="Hiragino Kaku Gothic Pro W3" panose="020B0300000000000000" pitchFamily="34" charset="-128"/>
+              </a:rPr>
+              <a:t>手法</a:t>
+            </a:r>
+            <a:r>
+              <a:rPr kumimoji="1" lang="en-US" altLang="ja-JP" dirty="0">
+                <a:latin typeface="Hiragino Kaku Gothic Pro W3" panose="020B0300000000000000" pitchFamily="34" charset="-128"/>
+                <a:ea typeface="Hiragino Kaku Gothic Pro W3" panose="020B0300000000000000" pitchFamily="34" charset="-128"/>
+              </a:rPr>
+              <a:t>1</a:t>
+            </a:r>
+            <a:r>
+              <a:rPr kumimoji="1" lang="ja-JP" altLang="en-US" dirty="0">
+                <a:latin typeface="Hiragino Kaku Gothic Pro W3" panose="020B0300000000000000" pitchFamily="34" charset="-128"/>
+                <a:ea typeface="Hiragino Kaku Gothic Pro W3" panose="020B0300000000000000" pitchFamily="34" charset="-128"/>
+              </a:rPr>
+              <a:t>・</a:t>
+            </a:r>
+            <a:r>
+              <a:rPr kumimoji="1" lang="en-US" altLang="ja-JP" dirty="0">
+                <a:latin typeface="Hiragino Kaku Gothic Pro W3" panose="020B0300000000000000" pitchFamily="34" charset="-128"/>
+                <a:ea typeface="Hiragino Kaku Gothic Pro W3" panose="020B0300000000000000" pitchFamily="34" charset="-128"/>
+              </a:rPr>
+              <a:t>2</a:t>
+            </a:r>
+            <a:endParaRPr kumimoji="1" lang="ja-JP" altLang="en-US" dirty="0">
+              <a:latin typeface="Hiragino Kaku Gothic Pro W3" panose="020B0300000000000000" pitchFamily="34" charset="-128"/>
+              <a:ea typeface="Hiragino Kaku Gothic Pro W3" panose="020B0300000000000000" pitchFamily="34" charset="-128"/>
+            </a:endParaRPr>
+          </a:p>
+        </p:txBody>
+      </p:sp>
+      <p:sp>
+        <p:nvSpPr>
+          <p:cNvPr id="106" name="テキスト ボックス 105">
+            <a:extLst>
+              <a:ext uri="{FF2B5EF4-FFF2-40B4-BE49-F238E27FC236}">
+                <a16:creationId xmlns:a16="http://schemas.microsoft.com/office/drawing/2014/main" id="{A7C7367E-DF7E-4BED-8A5C-E656AE850369}"/>
+              </a:ext>
+            </a:extLst>
+          </p:cNvPr>
+          <p:cNvSpPr txBox="1"/>
+          <p:nvPr/>
+        </p:nvSpPr>
+        <p:spPr>
+          <a:xfrm>
+            <a:off x="6330471" y="759178"/>
+            <a:ext cx="774571" cy="369332"/>
+          </a:xfrm>
+          <a:prstGeom prst="rect">
+            <a:avLst/>
+          </a:prstGeom>
+          <a:noFill/>
+        </p:spPr>
+        <p:txBody>
+          <a:bodyPr wrap="none" rtlCol="0">
+            <a:spAutoFit/>
+          </a:bodyPr>
+          <a:lstStyle/>
+          <a:p>
+            <a:r>
+              <a:rPr kumimoji="1" lang="ja-JP" altLang="en-US" dirty="0">
+                <a:latin typeface="Hiragino Kaku Gothic Pro W3" panose="020B0300000000000000" pitchFamily="34" charset="-128"/>
+                <a:ea typeface="Hiragino Kaku Gothic Pro W3" panose="020B0300000000000000" pitchFamily="34" charset="-128"/>
+              </a:rPr>
+              <a:t>手法</a:t>
+            </a:r>
+            <a:r>
+              <a:rPr kumimoji="1" lang="en-US" altLang="ja-JP" dirty="0">
+                <a:latin typeface="Hiragino Kaku Gothic Pro W3" panose="020B0300000000000000" pitchFamily="34" charset="-128"/>
+                <a:ea typeface="Hiragino Kaku Gothic Pro W3" panose="020B0300000000000000" pitchFamily="34" charset="-128"/>
+              </a:rPr>
+              <a:t>3</a:t>
+            </a:r>
+            <a:endParaRPr kumimoji="1" lang="ja-JP" altLang="en-US" dirty="0">
+              <a:latin typeface="Hiragino Kaku Gothic Pro W3" panose="020B0300000000000000" pitchFamily="34" charset="-128"/>
+              <a:ea typeface="Hiragino Kaku Gothic Pro W3" panose="020B0300000000000000" pitchFamily="34" charset="-128"/>
+            </a:endParaRPr>
+          </a:p>
+        </p:txBody>
+      </p:sp>
+    </p:spTree>
+    <p:extLst>
+      <p:ext uri="{BB962C8B-B14F-4D97-AF65-F5344CB8AC3E}">
+        <p14:creationId xmlns:p14="http://schemas.microsoft.com/office/powerpoint/2010/main" val="853568751"/>
+      </p:ext>
+    </p:extLst>
+  </p:cSld>
+  <p:clrMapOvr>
+    <a:masterClrMapping/>
+  </p:clrMapOvr>
+</p:sld>
+</file>
+
+<file path=ppt/slides/slide8.xml><?xml version="1.0" encoding="utf-8"?>
+<p:sld xmlns:a="http://schemas.openxmlformats.org/drawingml/2006/main" xmlns:r="http://schemas.openxmlformats.org/officeDocument/2006/relationships" xmlns:p="http://schemas.openxmlformats.org/presentationml/2006/main">
+  <p:cSld>
+    <p:spTree>
+      <p:nvGrpSpPr>
+        <p:cNvPr id="1" name=""/>
+        <p:cNvGrpSpPr/>
+        <p:nvPr/>
+      </p:nvGrpSpPr>
+      <p:grpSpPr>
+        <a:xfrm>
+          <a:off x="0" y="0"/>
+          <a:ext cx="0" cy="0"/>
+          <a:chOff x="0" y="0"/>
+          <a:chExt cx="0" cy="0"/>
+        </a:xfrm>
+      </p:grpSpPr>
+      <p:cxnSp>
+        <p:nvCxnSpPr>
+          <p:cNvPr id="6" name="直線コネクタ 5">
+            <a:extLst>
+              <a:ext uri="{FF2B5EF4-FFF2-40B4-BE49-F238E27FC236}">
+                <a16:creationId xmlns:a16="http://schemas.microsoft.com/office/drawing/2014/main" id="{020989A2-EF2B-41C5-950B-50A1E8B11746}"/>
+              </a:ext>
+            </a:extLst>
+          </p:cNvPr>
+          <p:cNvCxnSpPr/>
+          <p:nvPr/>
+        </p:nvCxnSpPr>
+        <p:spPr>
+          <a:xfrm>
+            <a:off x="-203982" y="682283"/>
+            <a:ext cx="9671539" cy="0"/>
+          </a:xfrm>
+          <a:prstGeom prst="line">
+            <a:avLst/>
+          </a:prstGeom>
+          <a:ln>
+            <a:solidFill>
+              <a:srgbClr val="000000"/>
+            </a:solidFill>
+          </a:ln>
+          <a:effectLst/>
+        </p:spPr>
+        <p:style>
+          <a:lnRef idx="2">
+            <a:schemeClr val="accent1"/>
+          </a:lnRef>
+          <a:fillRef idx="0">
+            <a:schemeClr val="accent1"/>
+          </a:fillRef>
+          <a:effectRef idx="1">
+            <a:schemeClr val="accent1"/>
+          </a:effectRef>
+          <a:fontRef idx="minor">
+            <a:schemeClr val="tx1"/>
+          </a:fontRef>
+        </p:style>
+      </p:cxnSp>
+      <p:sp>
+        <p:nvSpPr>
+          <p:cNvPr id="7" name="テキスト ボックス 6">
+            <a:extLst>
+              <a:ext uri="{FF2B5EF4-FFF2-40B4-BE49-F238E27FC236}">
+                <a16:creationId xmlns:a16="http://schemas.microsoft.com/office/drawing/2014/main" id="{3A716497-665A-4E83-B191-B77885DB9AC4}"/>
+              </a:ext>
+            </a:extLst>
+          </p:cNvPr>
+          <p:cNvSpPr txBox="1"/>
+          <p:nvPr/>
+        </p:nvSpPr>
+        <p:spPr>
+          <a:xfrm>
+            <a:off x="224970" y="117735"/>
+            <a:ext cx="3342582" cy="461665"/>
+          </a:xfrm>
+          <a:prstGeom prst="rect">
+            <a:avLst/>
+          </a:prstGeom>
+          <a:noFill/>
+        </p:spPr>
+        <p:txBody>
+          <a:bodyPr wrap="none" rtlCol="0">
+            <a:spAutoFit/>
+          </a:bodyPr>
+          <a:lstStyle/>
+          <a:p>
+            <a:pPr marL="0" marR="0" lvl="0" indent="0" algn="l" defTabSz="457200" rtl="0" eaLnBrk="1" fontAlgn="auto" latinLnBrk="0" hangingPunct="1">
+              <a:lnSpc>
+                <a:spcPct val="100000"/>
+              </a:lnSpc>
+              <a:spcBef>
+                <a:spcPts val="0"/>
+              </a:spcBef>
+              <a:spcAft>
+                <a:spcPts val="0"/>
+              </a:spcAft>
+              <a:buClrTx/>
+              <a:buSzTx/>
+              <a:buFontTx/>
+              <a:buNone/>
+              <a:tabLst/>
+              <a:defRPr/>
+            </a:pPr>
+            <a:r>
+              <a:rPr kumimoji="1" lang="en-US" altLang="ja-JP" sz="2400" b="0" i="0" u="none" strike="noStrike" kern="1200" cap="none" spc="0" normalizeH="0" baseline="0" noProof="0" dirty="0">
+                <a:ln>
+                  <a:noFill/>
+                </a:ln>
+                <a:solidFill>
+                  <a:prstClr val="black"/>
+                </a:solidFill>
+                <a:effectLst/>
+                <a:uLnTx/>
+                <a:uFillTx/>
+                <a:latin typeface="ヒラギノ角ゴ ProN W3"/>
+                <a:ea typeface="ヒラギノ角ゴ ProN W3"/>
+                <a:cs typeface="ヒラギノ角ゴ ProN W3"/>
+              </a:rPr>
+              <a:t>7.</a:t>
+            </a:r>
+            <a:r>
+              <a:rPr lang="ja-JP" altLang="en-US" sz="2400" dirty="0">
+                <a:solidFill>
+                  <a:prstClr val="black"/>
+                </a:solidFill>
+                <a:latin typeface="ヒラギノ角ゴ ProN W3"/>
+                <a:ea typeface="ヒラギノ角ゴ ProN W3"/>
+                <a:cs typeface="ヒラギノ角ゴ ProN W3"/>
+              </a:rPr>
+              <a:t>ソースコードの比較</a:t>
+            </a:r>
+            <a:r>
+              <a:rPr lang="en-US" altLang="ja-JP" sz="2400" dirty="0">
+                <a:solidFill>
+                  <a:prstClr val="black"/>
+                </a:solidFill>
+                <a:latin typeface="ヒラギノ角ゴ ProN W3"/>
+                <a:ea typeface="ヒラギノ角ゴ ProN W3"/>
+                <a:cs typeface="ヒラギノ角ゴ ProN W3"/>
+              </a:rPr>
+              <a:t>2</a:t>
+            </a:r>
+            <a:endParaRPr kumimoji="1" lang="ja-JP" altLang="en-US" sz="2400" b="0" i="0" u="none" strike="noStrike" kern="1200" cap="none" spc="0" normalizeH="0" baseline="0" noProof="0" dirty="0">
+              <a:ln>
+                <a:noFill/>
+              </a:ln>
+              <a:solidFill>
+                <a:prstClr val="black"/>
+              </a:solidFill>
+              <a:effectLst/>
+              <a:uLnTx/>
+              <a:uFillTx/>
+              <a:latin typeface="ヒラギノ角ゴ ProN W3"/>
+              <a:ea typeface="ヒラギノ角ゴ ProN W3"/>
+              <a:cs typeface="ヒラギノ角ゴ ProN W3"/>
+            </a:endParaRPr>
+          </a:p>
+        </p:txBody>
+      </p:sp>
       <p:grpSp>
         <p:nvGrpSpPr>
           <p:cNvPr id="34" name="グループ化 33">
@@ -12558,10 +16514,10 @@
         </p:nvGrpSpPr>
         <p:grpSpPr>
           <a:xfrm>
-            <a:off x="2919683" y="1279831"/>
-            <a:ext cx="4183761" cy="2658254"/>
-            <a:chOff x="511386" y="765149"/>
-            <a:chExt cx="5079105" cy="2658254"/>
+            <a:off x="4666297" y="1671519"/>
+            <a:ext cx="4301899" cy="2371962"/>
+            <a:chOff x="367966" y="765149"/>
+            <a:chExt cx="5222525" cy="2371962"/>
           </a:xfrm>
         </p:grpSpPr>
         <p:grpSp>
@@ -12578,10 +16534,10 @@
           </p:nvGrpSpPr>
           <p:grpSpPr>
             <a:xfrm>
-              <a:off x="539783" y="1519848"/>
-              <a:ext cx="2355114" cy="646331"/>
-              <a:chOff x="802706" y="1937759"/>
-              <a:chExt cx="2355114" cy="646331"/>
+              <a:off x="396090" y="1519848"/>
+              <a:ext cx="2477119" cy="723736"/>
+              <a:chOff x="659013" y="1937759"/>
+              <a:chExt cx="2477119" cy="723736"/>
             </a:xfrm>
           </p:grpSpPr>
           <p:sp>
@@ -12598,8 +16554,8 @@
             </p:nvSpPr>
             <p:spPr>
               <a:xfrm>
-                <a:off x="820269" y="1937759"/>
-                <a:ext cx="2279728" cy="646331"/>
+                <a:off x="659013" y="1937759"/>
+                <a:ext cx="2440984" cy="646331"/>
               </a:xfrm>
               <a:prstGeom prst="rect">
                 <a:avLst/>
@@ -12653,7 +16609,7 @@
             </p:nvSpPr>
             <p:spPr>
               <a:xfrm>
-                <a:off x="802706" y="1937759"/>
+                <a:off x="781018" y="2015164"/>
                 <a:ext cx="2355114" cy="646331"/>
               </a:xfrm>
               <a:prstGeom prst="rect">
@@ -12675,7 +16631,7 @@
                   <a:t>Canvas</a:t>
                 </a:r>
                 <a:r>
-                  <a:rPr lang="ja-JP" altLang="en-US">
+                  <a:rPr lang="ja-JP" altLang="en-US" dirty="0">
                     <a:latin typeface="Hiragino Kaku Gothic Pro W3" panose="020B0300000000000000" pitchFamily="34" charset="-128"/>
                     <a:ea typeface="Hiragino Kaku Gothic Pro W3" panose="020B0300000000000000" pitchFamily="34" charset="-128"/>
                   </a:rPr>
@@ -12695,7 +16651,7 @@
                   <a:t>worker</a:t>
                 </a:r>
                 <a:r>
-                  <a:rPr lang="ja-JP" altLang="en-US">
+                  <a:rPr lang="ja-JP" altLang="en-US" dirty="0">
                     <a:latin typeface="Hiragino Kaku Gothic Pro W3" panose="020B0300000000000000" pitchFamily="34" charset="-128"/>
                     <a:ea typeface="Hiragino Kaku Gothic Pro W3" panose="020B0300000000000000" pitchFamily="34" charset="-128"/>
                   </a:rPr>
@@ -12723,10 +16679,10 @@
           </p:nvGrpSpPr>
           <p:grpSpPr>
             <a:xfrm>
-              <a:off x="536021" y="2612217"/>
-              <a:ext cx="2355114" cy="369332"/>
-              <a:chOff x="807726" y="4228974"/>
-              <a:chExt cx="2355114" cy="369332"/>
+              <a:off x="367966" y="2438055"/>
+              <a:ext cx="2486908" cy="369332"/>
+              <a:chOff x="639671" y="4054812"/>
+              <a:chExt cx="2486908" cy="369332"/>
             </a:xfrm>
           </p:grpSpPr>
           <p:sp>
@@ -12743,8 +16699,8 @@
             </p:nvSpPr>
             <p:spPr>
               <a:xfrm>
-                <a:off x="820269" y="4257847"/>
-                <a:ext cx="2279728" cy="301960"/>
+                <a:off x="639671" y="4095473"/>
+                <a:ext cx="2460326" cy="301960"/>
               </a:xfrm>
               <a:prstGeom prst="rect">
                 <a:avLst/>
@@ -12798,7 +16754,7 @@
             </p:nvSpPr>
             <p:spPr>
               <a:xfrm>
-                <a:off x="807726" y="4228974"/>
+                <a:off x="771465" y="4054812"/>
                 <a:ext cx="2355114" cy="369332"/>
               </a:xfrm>
               <a:prstGeom prst="rect">
@@ -12820,7 +16776,7 @@
                   <a:t>Canvas</a:t>
                 </a:r>
                 <a:r>
-                  <a:rPr lang="ja-JP" altLang="en-US">
+                  <a:rPr lang="ja-JP" altLang="en-US" dirty="0">
                     <a:latin typeface="Hiragino Kaku Gothic Pro W3" panose="020B0300000000000000" pitchFamily="34" charset="-128"/>
                     <a:ea typeface="Hiragino Kaku Gothic Pro W3" panose="020B0300000000000000" pitchFamily="34" charset="-128"/>
                   </a:rPr>
@@ -12945,7 +16901,7 @@
                   <a:t>Canvas</a:t>
                 </a:r>
                 <a:r>
-                  <a:rPr lang="ja-JP" altLang="en-US">
+                  <a:rPr lang="ja-JP" altLang="en-US" dirty="0">
                     <a:latin typeface="Hiragino Kaku Gothic Pro W3" panose="020B0300000000000000" pitchFamily="34" charset="-128"/>
                     <a:ea typeface="Hiragino Kaku Gothic Pro W3" panose="020B0300000000000000" pitchFamily="34" charset="-128"/>
                   </a:rPr>
@@ -13300,7 +17256,7 @@
               <a:lstStyle/>
               <a:p>
                 <a:r>
-                  <a:rPr kumimoji="1" lang="ja-JP" altLang="en-US">
+                  <a:rPr kumimoji="1" lang="ja-JP" altLang="en-US" dirty="0">
                     <a:latin typeface="Hiragino Kaku Gothic Pro W3" panose="020B0300000000000000" pitchFamily="34" charset="-128"/>
                     <a:ea typeface="Hiragino Kaku Gothic Pro W3" panose="020B0300000000000000" pitchFamily="34" charset="-128"/>
                   </a:rPr>
@@ -13379,7 +17335,7 @@
           </p:nvSpPr>
           <p:spPr>
             <a:xfrm>
-              <a:off x="1548836" y="2352069"/>
+              <a:off x="1584836" y="2206460"/>
               <a:ext cx="180000" cy="271095"/>
             </a:xfrm>
             <a:prstGeom prst="downArrow">
@@ -13544,7 +17500,7 @@
           </p:nvSpPr>
           <p:spPr>
             <a:xfrm>
-              <a:off x="1602836" y="3059126"/>
+              <a:off x="1613210" y="2777111"/>
               <a:ext cx="72000" cy="288000"/>
             </a:xfrm>
             <a:prstGeom prst="rect">
@@ -13581,7 +17537,7 @@
             <a:lstStyle/>
             <a:p>
               <a:pPr algn="ctr"/>
-              <a:endParaRPr kumimoji="1" lang="ja-JP" altLang="en-US"/>
+              <a:endParaRPr kumimoji="1" lang="ja-JP" altLang="en-US" dirty="0"/>
             </a:p>
           </p:txBody>
         </p:sp>
@@ -13599,8 +17555,8 @@
           </p:nvSpPr>
           <p:spPr>
             <a:xfrm rot="16200000">
-              <a:off x="2180292" y="2771126"/>
-              <a:ext cx="72000" cy="1223999"/>
+              <a:off x="2234229" y="2445548"/>
+              <a:ext cx="72000" cy="1311125"/>
             </a:xfrm>
             <a:prstGeom prst="rect">
               <a:avLst/>
@@ -13636,7 +17592,7 @@
             <a:lstStyle/>
             <a:p>
               <a:pPr algn="ctr"/>
-              <a:endParaRPr kumimoji="1" lang="ja-JP" altLang="en-US"/>
+              <a:endParaRPr kumimoji="1" lang="ja-JP" altLang="en-US" dirty="0"/>
             </a:p>
           </p:txBody>
         </p:sp>
@@ -13654,8 +17610,8 @@
           </p:nvSpPr>
           <p:spPr>
             <a:xfrm>
-              <a:off x="2907228" y="1011403"/>
-              <a:ext cx="72000" cy="2412000"/>
+              <a:off x="2907228" y="1002857"/>
+              <a:ext cx="72000" cy="2124000"/>
             </a:xfrm>
             <a:prstGeom prst="rect">
               <a:avLst/>
@@ -13691,7 +17647,7 @@
             <a:lstStyle/>
             <a:p>
               <a:pPr algn="ctr"/>
-              <a:endParaRPr kumimoji="1" lang="ja-JP" altLang="en-US"/>
+              <a:endParaRPr kumimoji="1" lang="ja-JP" altLang="en-US" dirty="0"/>
             </a:p>
           </p:txBody>
         </p:sp>
@@ -13971,10 +17927,1867 @@
           </p:txBody>
         </p:sp>
       </p:grpSp>
+      <p:grpSp>
+        <p:nvGrpSpPr>
+          <p:cNvPr id="3" name="グループ化 2">
+            <a:extLst>
+              <a:ext uri="{FF2B5EF4-FFF2-40B4-BE49-F238E27FC236}">
+                <a16:creationId xmlns:a16="http://schemas.microsoft.com/office/drawing/2014/main" id="{9EF92294-A05C-4831-A4A7-1A23CFECABFC}"/>
+              </a:ext>
+            </a:extLst>
+          </p:cNvPr>
+          <p:cNvGrpSpPr/>
+          <p:nvPr/>
+        </p:nvGrpSpPr>
+        <p:grpSpPr>
+          <a:xfrm>
+            <a:off x="140725" y="1701321"/>
+            <a:ext cx="3906124" cy="2667531"/>
+            <a:chOff x="4363304" y="1348827"/>
+            <a:chExt cx="3906124" cy="2667531"/>
+          </a:xfrm>
+        </p:grpSpPr>
+        <p:grpSp>
+          <p:nvGrpSpPr>
+            <p:cNvPr id="66" name="グループ化 65">
+              <a:extLst>
+                <a:ext uri="{FF2B5EF4-FFF2-40B4-BE49-F238E27FC236}">
+                  <a16:creationId xmlns:a16="http://schemas.microsoft.com/office/drawing/2014/main" id="{2B55363A-7F20-4FF7-8885-5608FE53741B}"/>
+                </a:ext>
+              </a:extLst>
+            </p:cNvPr>
+            <p:cNvGrpSpPr/>
+            <p:nvPr/>
+          </p:nvGrpSpPr>
+          <p:grpSpPr>
+            <a:xfrm>
+              <a:off x="4437606" y="1853854"/>
+              <a:ext cx="1897050" cy="646331"/>
+              <a:chOff x="811488" y="2021205"/>
+              <a:chExt cx="2770206" cy="943817"/>
+            </a:xfrm>
+          </p:grpSpPr>
+          <p:sp>
+            <p:nvSpPr>
+              <p:cNvPr id="103" name="正方形/長方形 102">
+                <a:extLst>
+                  <a:ext uri="{FF2B5EF4-FFF2-40B4-BE49-F238E27FC236}">
+                    <a16:creationId xmlns:a16="http://schemas.microsoft.com/office/drawing/2014/main" id="{2F3AC1FC-924F-4357-B2CD-71BD61125100}"/>
+                  </a:ext>
+                </a:extLst>
+              </p:cNvPr>
+              <p:cNvSpPr/>
+              <p:nvPr/>
+            </p:nvSpPr>
+            <p:spPr>
+              <a:xfrm>
+                <a:off x="811488" y="2085966"/>
+                <a:ext cx="2770206" cy="814297"/>
+              </a:xfrm>
+              <a:prstGeom prst="rect">
+                <a:avLst/>
+              </a:prstGeom>
+              <a:solidFill>
+                <a:schemeClr val="accent2">
+                  <a:lumMod val="40000"/>
+                  <a:lumOff val="60000"/>
+                </a:schemeClr>
+              </a:solidFill>
+              <a:ln>
+                <a:noFill/>
+              </a:ln>
+            </p:spPr>
+            <p:style>
+              <a:lnRef idx="2">
+                <a:schemeClr val="accent1">
+                  <a:shade val="50000"/>
+                </a:schemeClr>
+              </a:lnRef>
+              <a:fillRef idx="1">
+                <a:schemeClr val="accent1"/>
+              </a:fillRef>
+              <a:effectRef idx="0">
+                <a:schemeClr val="accent1"/>
+              </a:effectRef>
+              <a:fontRef idx="minor">
+                <a:schemeClr val="lt1"/>
+              </a:fontRef>
+            </p:style>
+            <p:txBody>
+              <a:bodyPr rtlCol="0" anchor="ctr"/>
+              <a:lstStyle/>
+              <a:p>
+                <a:pPr algn="ctr"/>
+                <a:endParaRPr kumimoji="1" lang="ja-JP" altLang="en-US"/>
+              </a:p>
+            </p:txBody>
+          </p:sp>
+          <p:sp>
+            <p:nvSpPr>
+              <p:cNvPr id="104" name="テキスト ボックス 103">
+                <a:extLst>
+                  <a:ext uri="{FF2B5EF4-FFF2-40B4-BE49-F238E27FC236}">
+                    <a16:creationId xmlns:a16="http://schemas.microsoft.com/office/drawing/2014/main" id="{7DF6E1FF-302A-424C-9D9F-06A9BCEA9D5F}"/>
+                  </a:ext>
+                </a:extLst>
+              </p:cNvPr>
+              <p:cNvSpPr txBox="1"/>
+              <p:nvPr/>
+            </p:nvSpPr>
+            <p:spPr>
+              <a:xfrm>
+                <a:off x="819957" y="2021205"/>
+                <a:ext cx="2753268" cy="943817"/>
+              </a:xfrm>
+              <a:prstGeom prst="rect">
+                <a:avLst/>
+              </a:prstGeom>
+              <a:noFill/>
+            </p:spPr>
+            <p:txBody>
+              <a:bodyPr wrap="none" rtlCol="0">
+                <a:spAutoFit/>
+              </a:bodyPr>
+              <a:lstStyle/>
+              <a:p>
+                <a:r>
+                  <a:rPr lang="en-US" altLang="ja-JP" dirty="0">
+                    <a:latin typeface="Hiragino Kaku Gothic Pro W3" panose="020B0300000000000000" pitchFamily="34" charset="-128"/>
+                    <a:ea typeface="Hiragino Kaku Gothic Pro W3" panose="020B0300000000000000" pitchFamily="34" charset="-128"/>
+                  </a:rPr>
+                  <a:t>Canvas</a:t>
+                </a:r>
+                <a:r>
+                  <a:rPr lang="ja-JP" altLang="en-US" dirty="0">
+                    <a:latin typeface="Hiragino Kaku Gothic Pro W3" panose="020B0300000000000000" pitchFamily="34" charset="-128"/>
+                    <a:ea typeface="Hiragino Kaku Gothic Pro W3" panose="020B0300000000000000" pitchFamily="34" charset="-128"/>
+                  </a:rPr>
+                  <a:t>要素取得</a:t>
+                </a:r>
+                <a:endParaRPr lang="en-US" altLang="ja-JP" dirty="0">
+                  <a:latin typeface="Hiragino Kaku Gothic Pro W3" panose="020B0300000000000000" pitchFamily="34" charset="-128"/>
+                  <a:ea typeface="Hiragino Kaku Gothic Pro W3" panose="020B0300000000000000" pitchFamily="34" charset="-128"/>
+                </a:endParaRPr>
+              </a:p>
+              <a:p>
+                <a:r>
+                  <a:rPr lang="en-US" altLang="ja-JP" dirty="0">
+                    <a:latin typeface="Hiragino Kaku Gothic Pro W3" panose="020B0300000000000000" pitchFamily="34" charset="-128"/>
+                    <a:ea typeface="Hiragino Kaku Gothic Pro W3" panose="020B0300000000000000" pitchFamily="34" charset="-128"/>
+                  </a:rPr>
+                  <a:t>worker</a:t>
+                </a:r>
+                <a:r>
+                  <a:rPr lang="ja-JP" altLang="en-US" dirty="0">
+                    <a:latin typeface="Hiragino Kaku Gothic Pro W3" panose="020B0300000000000000" pitchFamily="34" charset="-128"/>
+                    <a:ea typeface="Hiragino Kaku Gothic Pro W3" panose="020B0300000000000000" pitchFamily="34" charset="-128"/>
+                  </a:rPr>
+                  <a:t>作成</a:t>
+                </a:r>
+                <a:endParaRPr lang="en-US" altLang="ja-JP" dirty="0">
+                  <a:latin typeface="Hiragino Kaku Gothic Pro W3" panose="020B0300000000000000" pitchFamily="34" charset="-128"/>
+                  <a:ea typeface="Hiragino Kaku Gothic Pro W3" panose="020B0300000000000000" pitchFamily="34" charset="-128"/>
+                </a:endParaRPr>
+              </a:p>
+            </p:txBody>
+          </p:sp>
+        </p:grpSp>
+        <p:grpSp>
+          <p:nvGrpSpPr>
+            <p:cNvPr id="67" name="グループ化 66">
+              <a:extLst>
+                <a:ext uri="{FF2B5EF4-FFF2-40B4-BE49-F238E27FC236}">
+                  <a16:creationId xmlns:a16="http://schemas.microsoft.com/office/drawing/2014/main" id="{C0182043-B46F-4C5B-A72D-B4F79C859BC4}"/>
+                </a:ext>
+              </a:extLst>
+            </p:cNvPr>
+            <p:cNvGrpSpPr/>
+            <p:nvPr/>
+          </p:nvGrpSpPr>
+          <p:grpSpPr>
+            <a:xfrm>
+              <a:off x="4437606" y="2635880"/>
+              <a:ext cx="1897051" cy="369332"/>
+              <a:chOff x="820268" y="4193356"/>
+              <a:chExt cx="2770208" cy="539324"/>
+            </a:xfrm>
+          </p:grpSpPr>
+          <p:sp>
+            <p:nvSpPr>
+              <p:cNvPr id="101" name="正方形/長方形 100">
+                <a:extLst>
+                  <a:ext uri="{FF2B5EF4-FFF2-40B4-BE49-F238E27FC236}">
+                    <a16:creationId xmlns:a16="http://schemas.microsoft.com/office/drawing/2014/main" id="{337132C1-CCBE-4E61-8F3E-40E3C836DA9C}"/>
+                  </a:ext>
+                </a:extLst>
+              </p:cNvPr>
+              <p:cNvSpPr/>
+              <p:nvPr/>
+            </p:nvSpPr>
+            <p:spPr>
+              <a:xfrm>
+                <a:off x="820268" y="4251822"/>
+                <a:ext cx="2770208" cy="381130"/>
+              </a:xfrm>
+              <a:prstGeom prst="rect">
+                <a:avLst/>
+              </a:prstGeom>
+              <a:solidFill>
+                <a:schemeClr val="accent2">
+                  <a:lumMod val="40000"/>
+                  <a:lumOff val="60000"/>
+                </a:schemeClr>
+              </a:solidFill>
+              <a:ln>
+                <a:noFill/>
+              </a:ln>
+            </p:spPr>
+            <p:style>
+              <a:lnRef idx="2">
+                <a:schemeClr val="accent1">
+                  <a:shade val="50000"/>
+                </a:schemeClr>
+              </a:lnRef>
+              <a:fillRef idx="1">
+                <a:schemeClr val="accent1"/>
+              </a:fillRef>
+              <a:effectRef idx="0">
+                <a:schemeClr val="accent1"/>
+              </a:effectRef>
+              <a:fontRef idx="minor">
+                <a:schemeClr val="lt1"/>
+              </a:fontRef>
+            </p:style>
+            <p:txBody>
+              <a:bodyPr rtlCol="0" anchor="ctr"/>
+              <a:lstStyle/>
+              <a:p>
+                <a:pPr algn="ctr"/>
+                <a:endParaRPr kumimoji="1" lang="ja-JP" altLang="en-US"/>
+              </a:p>
+            </p:txBody>
+          </p:sp>
+          <p:sp>
+            <p:nvSpPr>
+              <p:cNvPr id="102" name="テキスト ボックス 101">
+                <a:extLst>
+                  <a:ext uri="{FF2B5EF4-FFF2-40B4-BE49-F238E27FC236}">
+                    <a16:creationId xmlns:a16="http://schemas.microsoft.com/office/drawing/2014/main" id="{4F645C88-EB38-4265-A126-3CDEE0FF9820}"/>
+                  </a:ext>
+                </a:extLst>
+              </p:cNvPr>
+              <p:cNvSpPr txBox="1"/>
+              <p:nvPr/>
+            </p:nvSpPr>
+            <p:spPr>
+              <a:xfrm>
+                <a:off x="1029226" y="4193356"/>
+                <a:ext cx="2292127" cy="539324"/>
+              </a:xfrm>
+              <a:prstGeom prst="rect">
+                <a:avLst/>
+              </a:prstGeom>
+              <a:noFill/>
+            </p:spPr>
+            <p:txBody>
+              <a:bodyPr wrap="none" rtlCol="0">
+                <a:spAutoFit/>
+              </a:bodyPr>
+              <a:lstStyle/>
+              <a:p>
+                <a:r>
+                  <a:rPr lang="ja-JP" altLang="en-US" dirty="0">
+                    <a:latin typeface="Hiragino Kaku Gothic Pro W3" panose="020B0300000000000000" pitchFamily="34" charset="-128"/>
+                    <a:ea typeface="Hiragino Kaku Gothic Pro W3" panose="020B0300000000000000" pitchFamily="34" charset="-128"/>
+                  </a:rPr>
+                  <a:t>同期信号送信</a:t>
+                </a:r>
+                <a:endParaRPr lang="en-US" altLang="ja-JP" dirty="0">
+                  <a:latin typeface="Hiragino Kaku Gothic Pro W3" panose="020B0300000000000000" pitchFamily="34" charset="-128"/>
+                  <a:ea typeface="Hiragino Kaku Gothic Pro W3" panose="020B0300000000000000" pitchFamily="34" charset="-128"/>
+                </a:endParaRPr>
+              </a:p>
+            </p:txBody>
+          </p:sp>
+        </p:grpSp>
+        <p:grpSp>
+          <p:nvGrpSpPr>
+            <p:cNvPr id="68" name="グループ化 67">
+              <a:extLst>
+                <a:ext uri="{FF2B5EF4-FFF2-40B4-BE49-F238E27FC236}">
+                  <a16:creationId xmlns:a16="http://schemas.microsoft.com/office/drawing/2014/main" id="{B69445AF-C598-44FA-9966-8C95E31C20E2}"/>
+                </a:ext>
+              </a:extLst>
+            </p:cNvPr>
+            <p:cNvGrpSpPr/>
+            <p:nvPr/>
+          </p:nvGrpSpPr>
+          <p:grpSpPr>
+            <a:xfrm>
+              <a:off x="6699771" y="1414993"/>
+              <a:ext cx="1569657" cy="369332"/>
+              <a:chOff x="1861905" y="2115228"/>
+              <a:chExt cx="2292124" cy="539324"/>
+            </a:xfrm>
+          </p:grpSpPr>
+          <p:sp>
+            <p:nvSpPr>
+              <p:cNvPr id="99" name="正方形/長方形 98">
+                <a:extLst>
+                  <a:ext uri="{FF2B5EF4-FFF2-40B4-BE49-F238E27FC236}">
+                    <a16:creationId xmlns:a16="http://schemas.microsoft.com/office/drawing/2014/main" id="{3C862240-80B6-492A-BA62-2EDA9A420C07}"/>
+                  </a:ext>
+                </a:extLst>
+              </p:cNvPr>
+              <p:cNvSpPr/>
+              <p:nvPr/>
+            </p:nvSpPr>
+            <p:spPr>
+              <a:xfrm>
+                <a:off x="1917695" y="2155210"/>
+                <a:ext cx="2180545" cy="459357"/>
+              </a:xfrm>
+              <a:prstGeom prst="rect">
+                <a:avLst/>
+              </a:prstGeom>
+              <a:solidFill>
+                <a:schemeClr val="accent2">
+                  <a:lumMod val="40000"/>
+                  <a:lumOff val="60000"/>
+                </a:schemeClr>
+              </a:solidFill>
+              <a:ln>
+                <a:noFill/>
+              </a:ln>
+            </p:spPr>
+            <p:style>
+              <a:lnRef idx="2">
+                <a:schemeClr val="accent1">
+                  <a:shade val="50000"/>
+                </a:schemeClr>
+              </a:lnRef>
+              <a:fillRef idx="1">
+                <a:schemeClr val="accent1"/>
+              </a:fillRef>
+              <a:effectRef idx="0">
+                <a:schemeClr val="accent1"/>
+              </a:effectRef>
+              <a:fontRef idx="minor">
+                <a:schemeClr val="lt1"/>
+              </a:fontRef>
+            </p:style>
+            <p:txBody>
+              <a:bodyPr rtlCol="0" anchor="ctr"/>
+              <a:lstStyle/>
+              <a:p>
+                <a:pPr algn="ctr"/>
+                <a:endParaRPr kumimoji="1" lang="ja-JP" altLang="en-US"/>
+              </a:p>
+            </p:txBody>
+          </p:sp>
+          <p:sp>
+            <p:nvSpPr>
+              <p:cNvPr id="100" name="テキスト ボックス 99">
+                <a:extLst>
+                  <a:ext uri="{FF2B5EF4-FFF2-40B4-BE49-F238E27FC236}">
+                    <a16:creationId xmlns:a16="http://schemas.microsoft.com/office/drawing/2014/main" id="{43C25D04-8C48-47F3-98EE-1AFC0831CC3D}"/>
+                  </a:ext>
+                </a:extLst>
+              </p:cNvPr>
+              <p:cNvSpPr txBox="1"/>
+              <p:nvPr/>
+            </p:nvSpPr>
+            <p:spPr>
+              <a:xfrm>
+                <a:off x="1861905" y="2115228"/>
+                <a:ext cx="2292124" cy="539324"/>
+              </a:xfrm>
+              <a:prstGeom prst="rect">
+                <a:avLst/>
+              </a:prstGeom>
+              <a:noFill/>
+            </p:spPr>
+            <p:txBody>
+              <a:bodyPr wrap="none" rtlCol="0">
+                <a:spAutoFit/>
+              </a:bodyPr>
+              <a:lstStyle/>
+              <a:p>
+                <a:r>
+                  <a:rPr lang="ja-JP" altLang="en-US" dirty="0">
+                    <a:latin typeface="Hiragino Kaku Gothic Pro W3" panose="020B0300000000000000" pitchFamily="34" charset="-128"/>
+                    <a:ea typeface="Hiragino Kaku Gothic Pro W3" panose="020B0300000000000000" pitchFamily="34" charset="-128"/>
+                  </a:rPr>
+                  <a:t>同期信号受信</a:t>
+                </a:r>
+                <a:endParaRPr lang="en-US" altLang="ja-JP" dirty="0">
+                  <a:latin typeface="Hiragino Kaku Gothic Pro W3" panose="020B0300000000000000" pitchFamily="34" charset="-128"/>
+                  <a:ea typeface="Hiragino Kaku Gothic Pro W3" panose="020B0300000000000000" pitchFamily="34" charset="-128"/>
+                </a:endParaRPr>
+              </a:p>
+            </p:txBody>
+          </p:sp>
+        </p:grpSp>
+        <p:grpSp>
+          <p:nvGrpSpPr>
+            <p:cNvPr id="69" name="グループ化 68">
+              <a:extLst>
+                <a:ext uri="{FF2B5EF4-FFF2-40B4-BE49-F238E27FC236}">
+                  <a16:creationId xmlns:a16="http://schemas.microsoft.com/office/drawing/2014/main" id="{F044C518-0A90-43C6-BA41-08B4146340ED}"/>
+                </a:ext>
+              </a:extLst>
+            </p:cNvPr>
+            <p:cNvGrpSpPr/>
+            <p:nvPr/>
+          </p:nvGrpSpPr>
+          <p:grpSpPr>
+            <a:xfrm>
+              <a:off x="6737976" y="1945818"/>
+              <a:ext cx="1493247" cy="369332"/>
+              <a:chOff x="1806127" y="3178509"/>
+              <a:chExt cx="2180544" cy="539325"/>
+            </a:xfrm>
+          </p:grpSpPr>
+          <p:sp>
+            <p:nvSpPr>
+              <p:cNvPr id="97" name="正方形/長方形 96">
+                <a:extLst>
+                  <a:ext uri="{FF2B5EF4-FFF2-40B4-BE49-F238E27FC236}">
+                    <a16:creationId xmlns:a16="http://schemas.microsoft.com/office/drawing/2014/main" id="{D2499406-F4D3-4E8A-9D40-98F7D28C3D6C}"/>
+                  </a:ext>
+                </a:extLst>
+              </p:cNvPr>
+              <p:cNvSpPr/>
+              <p:nvPr/>
+            </p:nvSpPr>
+            <p:spPr>
+              <a:xfrm>
+                <a:off x="1806127" y="3240657"/>
+                <a:ext cx="2180544" cy="415031"/>
+              </a:xfrm>
+              <a:prstGeom prst="rect">
+                <a:avLst/>
+              </a:prstGeom>
+              <a:solidFill>
+                <a:schemeClr val="accent6">
+                  <a:lumMod val="40000"/>
+                  <a:lumOff val="60000"/>
+                </a:schemeClr>
+              </a:solidFill>
+              <a:ln>
+                <a:noFill/>
+              </a:ln>
+            </p:spPr>
+            <p:style>
+              <a:lnRef idx="2">
+                <a:schemeClr val="accent1">
+                  <a:shade val="50000"/>
+                </a:schemeClr>
+              </a:lnRef>
+              <a:fillRef idx="1">
+                <a:schemeClr val="accent1"/>
+              </a:fillRef>
+              <a:effectRef idx="0">
+                <a:schemeClr val="accent1"/>
+              </a:effectRef>
+              <a:fontRef idx="minor">
+                <a:schemeClr val="lt1"/>
+              </a:fontRef>
+            </p:style>
+            <p:txBody>
+              <a:bodyPr rtlCol="0" anchor="ctr"/>
+              <a:lstStyle/>
+              <a:p>
+                <a:pPr algn="ctr"/>
+                <a:endParaRPr kumimoji="1" lang="ja-JP" altLang="en-US"/>
+              </a:p>
+            </p:txBody>
+          </p:sp>
+          <p:sp>
+            <p:nvSpPr>
+              <p:cNvPr id="98" name="テキスト ボックス 97">
+                <a:extLst>
+                  <a:ext uri="{FF2B5EF4-FFF2-40B4-BE49-F238E27FC236}">
+                    <a16:creationId xmlns:a16="http://schemas.microsoft.com/office/drawing/2014/main" id="{0EC989A1-2AEB-434A-BC85-183A1726618E}"/>
+                  </a:ext>
+                </a:extLst>
+              </p:cNvPr>
+              <p:cNvSpPr txBox="1"/>
+              <p:nvPr/>
+            </p:nvSpPr>
+            <p:spPr>
+              <a:xfrm>
+                <a:off x="2424490" y="3178509"/>
+                <a:ext cx="943818" cy="539325"/>
+              </a:xfrm>
+              <a:prstGeom prst="rect">
+                <a:avLst/>
+              </a:prstGeom>
+              <a:noFill/>
+            </p:spPr>
+            <p:txBody>
+              <a:bodyPr wrap="none" rtlCol="0">
+                <a:spAutoFit/>
+              </a:bodyPr>
+              <a:lstStyle/>
+              <a:p>
+                <a:r>
+                  <a:rPr kumimoji="1" lang="ja-JP" altLang="en-US" dirty="0">
+                    <a:latin typeface="Hiragino Kaku Gothic Pro W3" panose="020B0300000000000000" pitchFamily="34" charset="-128"/>
+                    <a:ea typeface="Hiragino Kaku Gothic Pro W3" panose="020B0300000000000000" pitchFamily="34" charset="-128"/>
+                  </a:rPr>
+                  <a:t>演算</a:t>
+                </a:r>
+              </a:p>
+            </p:txBody>
+          </p:sp>
+        </p:grpSp>
+        <p:grpSp>
+          <p:nvGrpSpPr>
+            <p:cNvPr id="70" name="グループ化 69">
+              <a:extLst>
+                <a:ext uri="{FF2B5EF4-FFF2-40B4-BE49-F238E27FC236}">
+                  <a16:creationId xmlns:a16="http://schemas.microsoft.com/office/drawing/2014/main" id="{47BA6AB2-9C03-462C-B5BF-4DCE4B554326}"/>
+                </a:ext>
+              </a:extLst>
+            </p:cNvPr>
+            <p:cNvGrpSpPr/>
+            <p:nvPr/>
+          </p:nvGrpSpPr>
+          <p:grpSpPr>
+            <a:xfrm>
+              <a:off x="4449515" y="3485262"/>
+              <a:ext cx="1873232" cy="369332"/>
+              <a:chOff x="383141" y="4254155"/>
+              <a:chExt cx="2735425" cy="539325"/>
+            </a:xfrm>
+          </p:grpSpPr>
+          <p:sp>
+            <p:nvSpPr>
+              <p:cNvPr id="95" name="正方形/長方形 94">
+                <a:extLst>
+                  <a:ext uri="{FF2B5EF4-FFF2-40B4-BE49-F238E27FC236}">
+                    <a16:creationId xmlns:a16="http://schemas.microsoft.com/office/drawing/2014/main" id="{7A1803F8-7A9B-4418-AE7A-72DE5DD3B329}"/>
+                  </a:ext>
+                </a:extLst>
+              </p:cNvPr>
+              <p:cNvSpPr/>
+              <p:nvPr/>
+            </p:nvSpPr>
+            <p:spPr>
+              <a:xfrm>
+                <a:off x="383141" y="4323765"/>
+                <a:ext cx="2735425" cy="400111"/>
+              </a:xfrm>
+              <a:prstGeom prst="rect">
+                <a:avLst/>
+              </a:prstGeom>
+              <a:solidFill>
+                <a:schemeClr val="accent6">
+                  <a:lumMod val="40000"/>
+                  <a:lumOff val="60000"/>
+                </a:schemeClr>
+              </a:solidFill>
+              <a:ln>
+                <a:noFill/>
+              </a:ln>
+            </p:spPr>
+            <p:style>
+              <a:lnRef idx="2">
+                <a:schemeClr val="accent1">
+                  <a:shade val="50000"/>
+                </a:schemeClr>
+              </a:lnRef>
+              <a:fillRef idx="1">
+                <a:schemeClr val="accent1"/>
+              </a:fillRef>
+              <a:effectRef idx="0">
+                <a:schemeClr val="accent1"/>
+              </a:effectRef>
+              <a:fontRef idx="minor">
+                <a:schemeClr val="lt1"/>
+              </a:fontRef>
+            </p:style>
+            <p:txBody>
+              <a:bodyPr rtlCol="0" anchor="ctr"/>
+              <a:lstStyle/>
+              <a:p>
+                <a:pPr algn="ctr"/>
+                <a:endParaRPr kumimoji="1" lang="ja-JP" altLang="en-US"/>
+              </a:p>
+            </p:txBody>
+          </p:sp>
+          <p:sp>
+            <p:nvSpPr>
+              <p:cNvPr id="96" name="テキスト ボックス 95">
+                <a:extLst>
+                  <a:ext uri="{FF2B5EF4-FFF2-40B4-BE49-F238E27FC236}">
+                    <a16:creationId xmlns:a16="http://schemas.microsoft.com/office/drawing/2014/main" id="{3EA8B388-470E-4B39-ABEB-3713FC280A3B}"/>
+                  </a:ext>
+                </a:extLst>
+              </p:cNvPr>
+              <p:cNvSpPr txBox="1"/>
+              <p:nvPr/>
+            </p:nvSpPr>
+            <p:spPr>
+              <a:xfrm>
+                <a:off x="1278945" y="4254155"/>
+                <a:ext cx="943818" cy="539325"/>
+              </a:xfrm>
+              <a:prstGeom prst="rect">
+                <a:avLst/>
+              </a:prstGeom>
+              <a:noFill/>
+            </p:spPr>
+            <p:txBody>
+              <a:bodyPr wrap="none" rtlCol="0">
+                <a:spAutoFit/>
+              </a:bodyPr>
+              <a:lstStyle/>
+              <a:p>
+                <a:r>
+                  <a:rPr lang="ja-JP" altLang="en-US" dirty="0">
+                    <a:latin typeface="Hiragino Kaku Gothic Pro W3" panose="020B0300000000000000" pitchFamily="34" charset="-128"/>
+                    <a:ea typeface="Hiragino Kaku Gothic Pro W3" panose="020B0300000000000000" pitchFamily="34" charset="-128"/>
+                  </a:rPr>
+                  <a:t>描画</a:t>
+                </a:r>
+                <a:endParaRPr lang="en-US" altLang="ja-JP" dirty="0">
+                  <a:latin typeface="Hiragino Kaku Gothic Pro W3" panose="020B0300000000000000" pitchFamily="34" charset="-128"/>
+                  <a:ea typeface="Hiragino Kaku Gothic Pro W3" panose="020B0300000000000000" pitchFamily="34" charset="-128"/>
+                </a:endParaRPr>
+              </a:p>
+            </p:txBody>
+          </p:sp>
+        </p:grpSp>
+        <p:grpSp>
+          <p:nvGrpSpPr>
+            <p:cNvPr id="71" name="グループ化 70">
+              <a:extLst>
+                <a:ext uri="{FF2B5EF4-FFF2-40B4-BE49-F238E27FC236}">
+                  <a16:creationId xmlns:a16="http://schemas.microsoft.com/office/drawing/2014/main" id="{7B6D1E7B-9289-4E38-8E58-5AAFFED4E95F}"/>
+                </a:ext>
+              </a:extLst>
+            </p:cNvPr>
+            <p:cNvGrpSpPr/>
+            <p:nvPr/>
+          </p:nvGrpSpPr>
+          <p:grpSpPr>
+            <a:xfrm>
+              <a:off x="6737976" y="2480397"/>
+              <a:ext cx="1493247" cy="369332"/>
+              <a:chOff x="4583654" y="3931380"/>
+              <a:chExt cx="2180544" cy="539324"/>
+            </a:xfrm>
+          </p:grpSpPr>
+          <p:sp>
+            <p:nvSpPr>
+              <p:cNvPr id="93" name="正方形/長方形 92">
+                <a:extLst>
+                  <a:ext uri="{FF2B5EF4-FFF2-40B4-BE49-F238E27FC236}">
+                    <a16:creationId xmlns:a16="http://schemas.microsoft.com/office/drawing/2014/main" id="{0A8C2AF3-0B90-4DB3-8EF2-55B2A9D90041}"/>
+                  </a:ext>
+                </a:extLst>
+              </p:cNvPr>
+              <p:cNvSpPr/>
+              <p:nvPr/>
+            </p:nvSpPr>
+            <p:spPr>
+              <a:xfrm>
+                <a:off x="4583654" y="3971364"/>
+                <a:ext cx="2180544" cy="459357"/>
+              </a:xfrm>
+              <a:prstGeom prst="rect">
+                <a:avLst/>
+              </a:prstGeom>
+              <a:solidFill>
+                <a:schemeClr val="accent2">
+                  <a:lumMod val="40000"/>
+                  <a:lumOff val="60000"/>
+                </a:schemeClr>
+              </a:solidFill>
+              <a:ln>
+                <a:noFill/>
+              </a:ln>
+            </p:spPr>
+            <p:style>
+              <a:lnRef idx="2">
+                <a:schemeClr val="accent1">
+                  <a:shade val="50000"/>
+                </a:schemeClr>
+              </a:lnRef>
+              <a:fillRef idx="1">
+                <a:schemeClr val="accent1"/>
+              </a:fillRef>
+              <a:effectRef idx="0">
+                <a:schemeClr val="accent1"/>
+              </a:effectRef>
+              <a:fontRef idx="minor">
+                <a:schemeClr val="lt1"/>
+              </a:fontRef>
+            </p:style>
+            <p:txBody>
+              <a:bodyPr rtlCol="0" anchor="ctr"/>
+              <a:lstStyle/>
+              <a:p>
+                <a:pPr algn="ctr"/>
+                <a:endParaRPr kumimoji="1" lang="ja-JP" altLang="en-US"/>
+              </a:p>
+            </p:txBody>
+          </p:sp>
+          <p:sp>
+            <p:nvSpPr>
+              <p:cNvPr id="94" name="テキスト ボックス 93">
+                <a:extLst>
+                  <a:ext uri="{FF2B5EF4-FFF2-40B4-BE49-F238E27FC236}">
+                    <a16:creationId xmlns:a16="http://schemas.microsoft.com/office/drawing/2014/main" id="{5FC6D395-29DF-4F56-A2F4-2ED43AF1E97B}"/>
+                  </a:ext>
+                </a:extLst>
+              </p:cNvPr>
+              <p:cNvSpPr txBox="1"/>
+              <p:nvPr/>
+            </p:nvSpPr>
+            <p:spPr>
+              <a:xfrm>
+                <a:off x="4864939" y="3931380"/>
+                <a:ext cx="1617973" cy="539324"/>
+              </a:xfrm>
+              <a:prstGeom prst="rect">
+                <a:avLst/>
+              </a:prstGeom>
+              <a:noFill/>
+            </p:spPr>
+            <p:txBody>
+              <a:bodyPr wrap="none" rtlCol="0">
+                <a:spAutoFit/>
+              </a:bodyPr>
+              <a:lstStyle/>
+              <a:p>
+                <a:r>
+                  <a:rPr lang="ja-JP" altLang="en-US" dirty="0">
+                    <a:latin typeface="Hiragino Kaku Gothic Pro W3" panose="020B0300000000000000" pitchFamily="34" charset="-128"/>
+                    <a:ea typeface="Hiragino Kaku Gothic Pro W3" panose="020B0300000000000000" pitchFamily="34" charset="-128"/>
+                  </a:rPr>
+                  <a:t>結果送信</a:t>
+                </a:r>
+                <a:endParaRPr lang="en-US" altLang="ja-JP" dirty="0">
+                  <a:latin typeface="Hiragino Kaku Gothic Pro W3" panose="020B0300000000000000" pitchFamily="34" charset="-128"/>
+                  <a:ea typeface="Hiragino Kaku Gothic Pro W3" panose="020B0300000000000000" pitchFamily="34" charset="-128"/>
+                </a:endParaRPr>
+              </a:p>
+            </p:txBody>
+          </p:sp>
+        </p:grpSp>
+        <p:grpSp>
+          <p:nvGrpSpPr>
+            <p:cNvPr id="72" name="グループ化 71">
+              <a:extLst>
+                <a:ext uri="{FF2B5EF4-FFF2-40B4-BE49-F238E27FC236}">
+                  <a16:creationId xmlns:a16="http://schemas.microsoft.com/office/drawing/2014/main" id="{085056F3-3649-436C-9665-FC73AFE75D43}"/>
+                </a:ext>
+              </a:extLst>
+            </p:cNvPr>
+            <p:cNvGrpSpPr/>
+            <p:nvPr/>
+          </p:nvGrpSpPr>
+          <p:grpSpPr>
+            <a:xfrm>
+              <a:off x="4440506" y="2980236"/>
+              <a:ext cx="1891250" cy="369332"/>
+              <a:chOff x="828737" y="3897912"/>
+              <a:chExt cx="2761737" cy="539324"/>
+            </a:xfrm>
+          </p:grpSpPr>
+          <p:sp>
+            <p:nvSpPr>
+              <p:cNvPr id="91" name="正方形/長方形 90">
+                <a:extLst>
+                  <a:ext uri="{FF2B5EF4-FFF2-40B4-BE49-F238E27FC236}">
+                    <a16:creationId xmlns:a16="http://schemas.microsoft.com/office/drawing/2014/main" id="{0DDEC765-BFC2-4511-8F5D-E4A811940B2E}"/>
+                  </a:ext>
+                </a:extLst>
+              </p:cNvPr>
+              <p:cNvSpPr/>
+              <p:nvPr/>
+            </p:nvSpPr>
+            <p:spPr>
+              <a:xfrm>
+                <a:off x="828737" y="3970825"/>
+                <a:ext cx="2761737" cy="392230"/>
+              </a:xfrm>
+              <a:prstGeom prst="rect">
+                <a:avLst/>
+              </a:prstGeom>
+              <a:solidFill>
+                <a:schemeClr val="accent2">
+                  <a:lumMod val="40000"/>
+                  <a:lumOff val="60000"/>
+                </a:schemeClr>
+              </a:solidFill>
+              <a:ln>
+                <a:noFill/>
+              </a:ln>
+            </p:spPr>
+            <p:style>
+              <a:lnRef idx="2">
+                <a:schemeClr val="accent1">
+                  <a:shade val="50000"/>
+                </a:schemeClr>
+              </a:lnRef>
+              <a:fillRef idx="1">
+                <a:schemeClr val="accent1"/>
+              </a:fillRef>
+              <a:effectRef idx="0">
+                <a:schemeClr val="accent1"/>
+              </a:effectRef>
+              <a:fontRef idx="minor">
+                <a:schemeClr val="lt1"/>
+              </a:fontRef>
+            </p:style>
+            <p:txBody>
+              <a:bodyPr rtlCol="0" anchor="ctr"/>
+              <a:lstStyle/>
+              <a:p>
+                <a:pPr algn="ctr"/>
+                <a:endParaRPr kumimoji="1" lang="ja-JP" altLang="en-US"/>
+              </a:p>
+            </p:txBody>
+          </p:sp>
+          <p:sp>
+            <p:nvSpPr>
+              <p:cNvPr id="92" name="テキスト ボックス 91">
+                <a:extLst>
+                  <a:ext uri="{FF2B5EF4-FFF2-40B4-BE49-F238E27FC236}">
+                    <a16:creationId xmlns:a16="http://schemas.microsoft.com/office/drawing/2014/main" id="{A934884E-5149-40A6-B192-512AA57B5452}"/>
+                  </a:ext>
+                </a:extLst>
+              </p:cNvPr>
+              <p:cNvSpPr txBox="1"/>
+              <p:nvPr/>
+            </p:nvSpPr>
+            <p:spPr>
+              <a:xfrm>
+                <a:off x="1366301" y="3897912"/>
+                <a:ext cx="1617973" cy="539324"/>
+              </a:xfrm>
+              <a:prstGeom prst="rect">
+                <a:avLst/>
+              </a:prstGeom>
+              <a:noFill/>
+            </p:spPr>
+            <p:txBody>
+              <a:bodyPr wrap="none" rtlCol="0">
+                <a:spAutoFit/>
+              </a:bodyPr>
+              <a:lstStyle/>
+              <a:p>
+                <a:r>
+                  <a:rPr lang="ja-JP" altLang="en-US" dirty="0">
+                    <a:latin typeface="Hiragino Kaku Gothic Pro W3" panose="020B0300000000000000" pitchFamily="34" charset="-128"/>
+                    <a:ea typeface="Hiragino Kaku Gothic Pro W3" panose="020B0300000000000000" pitchFamily="34" charset="-128"/>
+                  </a:rPr>
+                  <a:t>結果受信</a:t>
+                </a:r>
+                <a:endParaRPr lang="en-US" altLang="ja-JP" dirty="0">
+                  <a:latin typeface="Hiragino Kaku Gothic Pro W3" panose="020B0300000000000000" pitchFamily="34" charset="-128"/>
+                  <a:ea typeface="Hiragino Kaku Gothic Pro W3" panose="020B0300000000000000" pitchFamily="34" charset="-128"/>
+                </a:endParaRPr>
+              </a:p>
+            </p:txBody>
+          </p:sp>
+        </p:grpSp>
+        <p:grpSp>
+          <p:nvGrpSpPr>
+            <p:cNvPr id="73" name="グループ化 72">
+              <a:extLst>
+                <a:ext uri="{FF2B5EF4-FFF2-40B4-BE49-F238E27FC236}">
+                  <a16:creationId xmlns:a16="http://schemas.microsoft.com/office/drawing/2014/main" id="{214936BA-D424-4F8C-AE6D-827E85694338}"/>
+                </a:ext>
+              </a:extLst>
+            </p:cNvPr>
+            <p:cNvGrpSpPr/>
+            <p:nvPr/>
+          </p:nvGrpSpPr>
+          <p:grpSpPr>
+            <a:xfrm>
+              <a:off x="4432747" y="1348827"/>
+              <a:ext cx="1906768" cy="369332"/>
+              <a:chOff x="783091" y="1072798"/>
+              <a:chExt cx="2784397" cy="539324"/>
+            </a:xfrm>
+          </p:grpSpPr>
+          <p:sp>
+            <p:nvSpPr>
+              <p:cNvPr id="89" name="角丸四角形 53">
+                <a:extLst>
+                  <a:ext uri="{FF2B5EF4-FFF2-40B4-BE49-F238E27FC236}">
+                    <a16:creationId xmlns:a16="http://schemas.microsoft.com/office/drawing/2014/main" id="{3F0EA286-1C34-411B-94A8-A48902D10F78}"/>
+                  </a:ext>
+                </a:extLst>
+              </p:cNvPr>
+              <p:cNvSpPr/>
+              <p:nvPr/>
+            </p:nvSpPr>
+            <p:spPr>
+              <a:xfrm>
+                <a:off x="783091" y="1118583"/>
+                <a:ext cx="2784397" cy="447754"/>
+              </a:xfrm>
+              <a:prstGeom prst="roundRect">
+                <a:avLst>
+                  <a:gd name="adj" fmla="val 50000"/>
+                </a:avLst>
+              </a:prstGeom>
+              <a:solidFill>
+                <a:schemeClr val="accent3">
+                  <a:lumMod val="40000"/>
+                  <a:lumOff val="60000"/>
+                </a:schemeClr>
+              </a:solidFill>
+              <a:ln>
+                <a:noFill/>
+              </a:ln>
+            </p:spPr>
+            <p:style>
+              <a:lnRef idx="2">
+                <a:schemeClr val="accent1">
+                  <a:shade val="50000"/>
+                </a:schemeClr>
+              </a:lnRef>
+              <a:fillRef idx="1">
+                <a:schemeClr val="accent1"/>
+              </a:fillRef>
+              <a:effectRef idx="0">
+                <a:schemeClr val="accent1"/>
+              </a:effectRef>
+              <a:fontRef idx="minor">
+                <a:schemeClr val="lt1"/>
+              </a:fontRef>
+            </p:style>
+            <p:txBody>
+              <a:bodyPr rtlCol="0" anchor="ctr"/>
+              <a:lstStyle/>
+              <a:p>
+                <a:pPr algn="ctr"/>
+                <a:endParaRPr kumimoji="1" lang="ja-JP" altLang="en-US" dirty="0">
+                  <a:latin typeface="Hiragino Kaku Gothic Pro W3" panose="020B0300000000000000" pitchFamily="34" charset="-128"/>
+                  <a:ea typeface="Hiragino Kaku Gothic Pro W3" panose="020B0300000000000000" pitchFamily="34" charset="-128"/>
+                </a:endParaRPr>
+              </a:p>
+            </p:txBody>
+          </p:sp>
+          <p:sp>
+            <p:nvSpPr>
+              <p:cNvPr id="90" name="テキスト ボックス 89">
+                <a:extLst>
+                  <a:ext uri="{FF2B5EF4-FFF2-40B4-BE49-F238E27FC236}">
+                    <a16:creationId xmlns:a16="http://schemas.microsoft.com/office/drawing/2014/main" id="{2A06638D-A53A-4BF2-88DE-1BFB242F95A6}"/>
+                  </a:ext>
+                </a:extLst>
+              </p:cNvPr>
+              <p:cNvSpPr txBox="1"/>
+              <p:nvPr/>
+            </p:nvSpPr>
+            <p:spPr>
+              <a:xfrm>
+                <a:off x="1703381" y="1072798"/>
+                <a:ext cx="943817" cy="539324"/>
+              </a:xfrm>
+              <a:prstGeom prst="rect">
+                <a:avLst/>
+              </a:prstGeom>
+              <a:noFill/>
+            </p:spPr>
+            <p:txBody>
+              <a:bodyPr wrap="none" rtlCol="0">
+                <a:spAutoFit/>
+              </a:bodyPr>
+              <a:lstStyle/>
+              <a:p>
+                <a:r>
+                  <a:rPr kumimoji="1" lang="ja-JP" altLang="en-US" dirty="0">
+                    <a:latin typeface="Hiragino Kaku Gothic Pro W3" panose="020B0300000000000000" pitchFamily="34" charset="-128"/>
+                    <a:ea typeface="Hiragino Kaku Gothic Pro W3" panose="020B0300000000000000" pitchFamily="34" charset="-128"/>
+                  </a:rPr>
+                  <a:t>開始</a:t>
+                </a:r>
+              </a:p>
+            </p:txBody>
+          </p:sp>
+        </p:grpSp>
+        <p:sp>
+          <p:nvSpPr>
+            <p:cNvPr id="74" name="下矢印 55">
+              <a:extLst>
+                <a:ext uri="{FF2B5EF4-FFF2-40B4-BE49-F238E27FC236}">
+                  <a16:creationId xmlns:a16="http://schemas.microsoft.com/office/drawing/2014/main" id="{E64E9241-9B69-4844-9246-63D7F1BBB03D}"/>
+                </a:ext>
+              </a:extLst>
+            </p:cNvPr>
+            <p:cNvSpPr/>
+            <p:nvPr/>
+          </p:nvSpPr>
+          <p:spPr>
+            <a:xfrm>
+              <a:off x="5324499" y="1693183"/>
+              <a:ext cx="123265" cy="185647"/>
+            </a:xfrm>
+            <a:prstGeom prst="downArrow">
+              <a:avLst/>
+            </a:prstGeom>
+            <a:solidFill>
+              <a:schemeClr val="tx1">
+                <a:lumMod val="85000"/>
+                <a:lumOff val="15000"/>
+              </a:schemeClr>
+            </a:solidFill>
+            <a:ln>
+              <a:noFill/>
+            </a:ln>
+          </p:spPr>
+          <p:style>
+            <a:lnRef idx="2">
+              <a:schemeClr val="accent1">
+                <a:shade val="50000"/>
+              </a:schemeClr>
+            </a:lnRef>
+            <a:fillRef idx="1">
+              <a:schemeClr val="accent1"/>
+            </a:fillRef>
+            <a:effectRef idx="0">
+              <a:schemeClr val="accent1"/>
+            </a:effectRef>
+            <a:fontRef idx="minor">
+              <a:schemeClr val="lt1"/>
+            </a:fontRef>
+          </p:style>
+          <p:txBody>
+            <a:bodyPr rtlCol="0" anchor="ctr"/>
+            <a:lstStyle/>
+            <a:p>
+              <a:pPr algn="ctr"/>
+              <a:endParaRPr kumimoji="1" lang="ja-JP" altLang="en-US" dirty="0"/>
+            </a:p>
+          </p:txBody>
+        </p:sp>
+        <p:sp>
+          <p:nvSpPr>
+            <p:cNvPr id="75" name="下矢印 56">
+              <a:extLst>
+                <a:ext uri="{FF2B5EF4-FFF2-40B4-BE49-F238E27FC236}">
+                  <a16:creationId xmlns:a16="http://schemas.microsoft.com/office/drawing/2014/main" id="{35971613-86E0-4130-A888-385652373FA1}"/>
+                </a:ext>
+              </a:extLst>
+            </p:cNvPr>
+            <p:cNvSpPr/>
+            <p:nvPr/>
+          </p:nvSpPr>
+          <p:spPr>
+            <a:xfrm>
+              <a:off x="5324499" y="2475209"/>
+              <a:ext cx="123265" cy="185647"/>
+            </a:xfrm>
+            <a:prstGeom prst="downArrow">
+              <a:avLst/>
+            </a:prstGeom>
+            <a:solidFill>
+              <a:schemeClr val="tx1">
+                <a:lumMod val="85000"/>
+                <a:lumOff val="15000"/>
+              </a:schemeClr>
+            </a:solidFill>
+            <a:ln>
+              <a:noFill/>
+            </a:ln>
+          </p:spPr>
+          <p:style>
+            <a:lnRef idx="2">
+              <a:schemeClr val="accent1">
+                <a:shade val="50000"/>
+              </a:schemeClr>
+            </a:lnRef>
+            <a:fillRef idx="1">
+              <a:schemeClr val="accent1"/>
+            </a:fillRef>
+            <a:effectRef idx="0">
+              <a:schemeClr val="accent1"/>
+            </a:effectRef>
+            <a:fontRef idx="minor">
+              <a:schemeClr val="lt1"/>
+            </a:fontRef>
+          </p:style>
+          <p:txBody>
+            <a:bodyPr rtlCol="0" anchor="ctr"/>
+            <a:lstStyle/>
+            <a:p>
+              <a:pPr algn="ctr"/>
+              <a:endParaRPr kumimoji="1" lang="ja-JP" altLang="en-US"/>
+            </a:p>
+          </p:txBody>
+        </p:sp>
+        <p:sp>
+          <p:nvSpPr>
+            <p:cNvPr id="77" name="下矢印 58">
+              <a:extLst>
+                <a:ext uri="{FF2B5EF4-FFF2-40B4-BE49-F238E27FC236}">
+                  <a16:creationId xmlns:a16="http://schemas.microsoft.com/office/drawing/2014/main" id="{D8705855-ED2F-4FED-B6EB-45375B384137}"/>
+                </a:ext>
+              </a:extLst>
+            </p:cNvPr>
+            <p:cNvSpPr/>
+            <p:nvPr/>
+          </p:nvSpPr>
+          <p:spPr>
+            <a:xfrm>
+              <a:off x="5324499" y="3324592"/>
+              <a:ext cx="123265" cy="185647"/>
+            </a:xfrm>
+            <a:prstGeom prst="downArrow">
+              <a:avLst/>
+            </a:prstGeom>
+            <a:solidFill>
+              <a:schemeClr val="tx1">
+                <a:lumMod val="85000"/>
+                <a:lumOff val="15000"/>
+              </a:schemeClr>
+            </a:solidFill>
+            <a:ln>
+              <a:noFill/>
+            </a:ln>
+          </p:spPr>
+          <p:style>
+            <a:lnRef idx="2">
+              <a:schemeClr val="accent1">
+                <a:shade val="50000"/>
+              </a:schemeClr>
+            </a:lnRef>
+            <a:fillRef idx="1">
+              <a:schemeClr val="accent1"/>
+            </a:fillRef>
+            <a:effectRef idx="0">
+              <a:schemeClr val="accent1"/>
+            </a:effectRef>
+            <a:fontRef idx="minor">
+              <a:schemeClr val="lt1"/>
+            </a:fontRef>
+          </p:style>
+          <p:txBody>
+            <a:bodyPr rtlCol="0" anchor="ctr"/>
+            <a:lstStyle/>
+            <a:p>
+              <a:pPr algn="ctr"/>
+              <a:endParaRPr kumimoji="1" lang="ja-JP" altLang="en-US"/>
+            </a:p>
+          </p:txBody>
+        </p:sp>
+        <p:sp>
+          <p:nvSpPr>
+            <p:cNvPr id="78" name="下矢印 59">
+              <a:extLst>
+                <a:ext uri="{FF2B5EF4-FFF2-40B4-BE49-F238E27FC236}">
+                  <a16:creationId xmlns:a16="http://schemas.microsoft.com/office/drawing/2014/main" id="{4686AF0C-FB39-436E-B3F0-57B5D3D1DC86}"/>
+                </a:ext>
+              </a:extLst>
+            </p:cNvPr>
+            <p:cNvSpPr/>
+            <p:nvPr/>
+          </p:nvSpPr>
+          <p:spPr>
+            <a:xfrm>
+              <a:off x="7422967" y="1742433"/>
+              <a:ext cx="123265" cy="185647"/>
+            </a:xfrm>
+            <a:prstGeom prst="downArrow">
+              <a:avLst/>
+            </a:prstGeom>
+            <a:solidFill>
+              <a:schemeClr val="tx1">
+                <a:lumMod val="85000"/>
+                <a:lumOff val="15000"/>
+              </a:schemeClr>
+            </a:solidFill>
+            <a:ln>
+              <a:noFill/>
+            </a:ln>
+          </p:spPr>
+          <p:style>
+            <a:lnRef idx="2">
+              <a:schemeClr val="accent1">
+                <a:shade val="50000"/>
+              </a:schemeClr>
+            </a:lnRef>
+            <a:fillRef idx="1">
+              <a:schemeClr val="accent1"/>
+            </a:fillRef>
+            <a:effectRef idx="0">
+              <a:schemeClr val="accent1"/>
+            </a:effectRef>
+            <a:fontRef idx="minor">
+              <a:schemeClr val="lt1"/>
+            </a:fontRef>
+          </p:style>
+          <p:txBody>
+            <a:bodyPr rtlCol="0" anchor="ctr"/>
+            <a:lstStyle/>
+            <a:p>
+              <a:pPr algn="ctr"/>
+              <a:endParaRPr kumimoji="1" lang="ja-JP" altLang="en-US"/>
+            </a:p>
+          </p:txBody>
+        </p:sp>
+        <p:sp>
+          <p:nvSpPr>
+            <p:cNvPr id="79" name="下矢印 61">
+              <a:extLst>
+                <a:ext uri="{FF2B5EF4-FFF2-40B4-BE49-F238E27FC236}">
+                  <a16:creationId xmlns:a16="http://schemas.microsoft.com/office/drawing/2014/main" id="{DE29BBF3-6614-46E6-9E97-CC05CAEAF574}"/>
+                </a:ext>
+              </a:extLst>
+            </p:cNvPr>
+            <p:cNvSpPr/>
+            <p:nvPr/>
+          </p:nvSpPr>
+          <p:spPr>
+            <a:xfrm>
+              <a:off x="7422967" y="2278611"/>
+              <a:ext cx="123265" cy="185647"/>
+            </a:xfrm>
+            <a:prstGeom prst="downArrow">
+              <a:avLst/>
+            </a:prstGeom>
+            <a:solidFill>
+              <a:schemeClr val="tx1">
+                <a:lumMod val="85000"/>
+                <a:lumOff val="15000"/>
+              </a:schemeClr>
+            </a:solidFill>
+            <a:ln>
+              <a:noFill/>
+            </a:ln>
+          </p:spPr>
+          <p:style>
+            <a:lnRef idx="2">
+              <a:schemeClr val="accent1">
+                <a:shade val="50000"/>
+              </a:schemeClr>
+            </a:lnRef>
+            <a:fillRef idx="1">
+              <a:schemeClr val="accent1"/>
+            </a:fillRef>
+            <a:effectRef idx="0">
+              <a:schemeClr val="accent1"/>
+            </a:effectRef>
+            <a:fontRef idx="minor">
+              <a:schemeClr val="lt1"/>
+            </a:fontRef>
+          </p:style>
+          <p:txBody>
+            <a:bodyPr rtlCol="0" anchor="ctr"/>
+            <a:lstStyle/>
+            <a:p>
+              <a:pPr algn="ctr"/>
+              <a:endParaRPr kumimoji="1" lang="ja-JP" altLang="en-US"/>
+            </a:p>
+          </p:txBody>
+        </p:sp>
+        <p:sp>
+          <p:nvSpPr>
+            <p:cNvPr id="80" name="正方形/長方形 79">
+              <a:extLst>
+                <a:ext uri="{FF2B5EF4-FFF2-40B4-BE49-F238E27FC236}">
+                  <a16:creationId xmlns:a16="http://schemas.microsoft.com/office/drawing/2014/main" id="{37B2EAEC-32C3-4B1C-88BD-96B6BA0F2E5C}"/>
+                </a:ext>
+              </a:extLst>
+            </p:cNvPr>
+            <p:cNvSpPr/>
+            <p:nvPr/>
+          </p:nvSpPr>
+          <p:spPr>
+            <a:xfrm>
+              <a:off x="5361478" y="3810976"/>
+              <a:ext cx="49306" cy="197224"/>
+            </a:xfrm>
+            <a:prstGeom prst="rect">
+              <a:avLst/>
+            </a:prstGeom>
+            <a:solidFill>
+              <a:schemeClr val="tx1">
+                <a:lumMod val="85000"/>
+                <a:lumOff val="15000"/>
+              </a:schemeClr>
+            </a:solidFill>
+            <a:ln>
+              <a:noFill/>
+            </a:ln>
+          </p:spPr>
+          <p:style>
+            <a:lnRef idx="2">
+              <a:schemeClr val="accent1">
+                <a:shade val="50000"/>
+              </a:schemeClr>
+            </a:lnRef>
+            <a:fillRef idx="1">
+              <a:schemeClr val="accent1"/>
+            </a:fillRef>
+            <a:effectRef idx="0">
+              <a:schemeClr val="accent1"/>
+            </a:effectRef>
+            <a:fontRef idx="minor">
+              <a:schemeClr val="lt1"/>
+            </a:fontRef>
+          </p:style>
+          <p:txBody>
+            <a:bodyPr rtlCol="0" anchor="ctr"/>
+            <a:lstStyle/>
+            <a:p>
+              <a:pPr algn="ctr"/>
+              <a:endParaRPr kumimoji="1" lang="ja-JP" altLang="en-US"/>
+            </a:p>
+          </p:txBody>
+        </p:sp>
+        <p:sp>
+          <p:nvSpPr>
+            <p:cNvPr id="81" name="正方形/長方形 80">
+              <a:extLst>
+                <a:ext uri="{FF2B5EF4-FFF2-40B4-BE49-F238E27FC236}">
+                  <a16:creationId xmlns:a16="http://schemas.microsoft.com/office/drawing/2014/main" id="{1107D7A6-8DDA-488B-AC4C-52585D70AAC0}"/>
+                </a:ext>
+              </a:extLst>
+            </p:cNvPr>
+            <p:cNvSpPr/>
+            <p:nvPr/>
+          </p:nvSpPr>
+          <p:spPr>
+            <a:xfrm rot="16200000">
+              <a:off x="4865856" y="3469705"/>
+              <a:ext cx="49306" cy="1044000"/>
+            </a:xfrm>
+            <a:prstGeom prst="rect">
+              <a:avLst/>
+            </a:prstGeom>
+            <a:solidFill>
+              <a:schemeClr val="tx1">
+                <a:lumMod val="85000"/>
+                <a:lumOff val="15000"/>
+              </a:schemeClr>
+            </a:solidFill>
+            <a:ln>
+              <a:noFill/>
+            </a:ln>
+          </p:spPr>
+          <p:style>
+            <a:lnRef idx="2">
+              <a:schemeClr val="accent1">
+                <a:shade val="50000"/>
+              </a:schemeClr>
+            </a:lnRef>
+            <a:fillRef idx="1">
+              <a:schemeClr val="accent1"/>
+            </a:fillRef>
+            <a:effectRef idx="0">
+              <a:schemeClr val="accent1"/>
+            </a:effectRef>
+            <a:fontRef idx="minor">
+              <a:schemeClr val="lt1"/>
+            </a:fontRef>
+          </p:style>
+          <p:txBody>
+            <a:bodyPr rtlCol="0" anchor="ctr"/>
+            <a:lstStyle/>
+            <a:p>
+              <a:pPr algn="ctr"/>
+              <a:endParaRPr kumimoji="1" lang="ja-JP" altLang="en-US"/>
+            </a:p>
+          </p:txBody>
+        </p:sp>
+        <p:sp>
+          <p:nvSpPr>
+            <p:cNvPr id="82" name="正方形/長方形 81">
+              <a:extLst>
+                <a:ext uri="{FF2B5EF4-FFF2-40B4-BE49-F238E27FC236}">
+                  <a16:creationId xmlns:a16="http://schemas.microsoft.com/office/drawing/2014/main" id="{4AF68785-9454-40FF-BA50-5E3D451DC2D9}"/>
+                </a:ext>
+              </a:extLst>
+            </p:cNvPr>
+            <p:cNvSpPr/>
+            <p:nvPr/>
+          </p:nvSpPr>
+          <p:spPr>
+            <a:xfrm rot="10800000">
+              <a:off x="4363304" y="2539127"/>
+              <a:ext cx="49306" cy="1440000"/>
+            </a:xfrm>
+            <a:prstGeom prst="rect">
+              <a:avLst/>
+            </a:prstGeom>
+            <a:solidFill>
+              <a:schemeClr val="tx1">
+                <a:lumMod val="85000"/>
+                <a:lumOff val="15000"/>
+              </a:schemeClr>
+            </a:solidFill>
+            <a:ln>
+              <a:noFill/>
+            </a:ln>
+          </p:spPr>
+          <p:style>
+            <a:lnRef idx="2">
+              <a:schemeClr val="accent1">
+                <a:shade val="50000"/>
+              </a:schemeClr>
+            </a:lnRef>
+            <a:fillRef idx="1">
+              <a:schemeClr val="accent1"/>
+            </a:fillRef>
+            <a:effectRef idx="0">
+              <a:schemeClr val="accent1"/>
+            </a:effectRef>
+            <a:fontRef idx="minor">
+              <a:schemeClr val="lt1"/>
+            </a:fontRef>
+          </p:style>
+          <p:txBody>
+            <a:bodyPr rtlCol="0" anchor="ctr"/>
+            <a:lstStyle/>
+            <a:p>
+              <a:pPr algn="ctr"/>
+              <a:endParaRPr kumimoji="1" lang="ja-JP" altLang="en-US"/>
+            </a:p>
+          </p:txBody>
+        </p:sp>
+        <p:sp>
+          <p:nvSpPr>
+            <p:cNvPr id="83" name="下矢印 65">
+              <a:extLst>
+                <a:ext uri="{FF2B5EF4-FFF2-40B4-BE49-F238E27FC236}">
+                  <a16:creationId xmlns:a16="http://schemas.microsoft.com/office/drawing/2014/main" id="{5E3584EF-AFC8-4644-A802-9076E6A75191}"/>
+                </a:ext>
+              </a:extLst>
+            </p:cNvPr>
+            <p:cNvSpPr/>
+            <p:nvPr/>
+          </p:nvSpPr>
+          <p:spPr>
+            <a:xfrm rot="16200000">
+              <a:off x="4464875" y="2407702"/>
+              <a:ext cx="123265" cy="295836"/>
+            </a:xfrm>
+            <a:prstGeom prst="downArrow">
+              <a:avLst/>
+            </a:prstGeom>
+            <a:solidFill>
+              <a:schemeClr val="tx1">
+                <a:lumMod val="85000"/>
+                <a:lumOff val="15000"/>
+              </a:schemeClr>
+            </a:solidFill>
+            <a:ln>
+              <a:noFill/>
+            </a:ln>
+          </p:spPr>
+          <p:style>
+            <a:lnRef idx="2">
+              <a:schemeClr val="accent1">
+                <a:shade val="50000"/>
+              </a:schemeClr>
+            </a:lnRef>
+            <a:fillRef idx="1">
+              <a:schemeClr val="accent1"/>
+            </a:fillRef>
+            <a:effectRef idx="0">
+              <a:schemeClr val="accent1"/>
+            </a:effectRef>
+            <a:fontRef idx="minor">
+              <a:schemeClr val="lt1"/>
+            </a:fontRef>
+          </p:style>
+          <p:txBody>
+            <a:bodyPr rtlCol="0" anchor="ctr"/>
+            <a:lstStyle/>
+            <a:p>
+              <a:pPr algn="ctr"/>
+              <a:endParaRPr kumimoji="1" lang="ja-JP" altLang="en-US"/>
+            </a:p>
+          </p:txBody>
+        </p:sp>
+        <p:sp>
+          <p:nvSpPr>
+            <p:cNvPr id="84" name="正方形/長方形 83">
+              <a:extLst>
+                <a:ext uri="{FF2B5EF4-FFF2-40B4-BE49-F238E27FC236}">
+                  <a16:creationId xmlns:a16="http://schemas.microsoft.com/office/drawing/2014/main" id="{93898C55-5F24-4551-8D99-F5B84554B256}"/>
+                </a:ext>
+              </a:extLst>
+            </p:cNvPr>
+            <p:cNvSpPr/>
+            <p:nvPr/>
+          </p:nvSpPr>
+          <p:spPr>
+            <a:xfrm rot="16200000">
+              <a:off x="6435021" y="2776677"/>
+              <a:ext cx="49306" cy="180000"/>
+            </a:xfrm>
+            <a:prstGeom prst="rect">
+              <a:avLst/>
+            </a:prstGeom>
+            <a:solidFill>
+              <a:schemeClr val="tx1">
+                <a:lumMod val="85000"/>
+                <a:lumOff val="15000"/>
+              </a:schemeClr>
+            </a:solidFill>
+            <a:ln>
+              <a:noFill/>
+            </a:ln>
+          </p:spPr>
+          <p:style>
+            <a:lnRef idx="2">
+              <a:schemeClr val="accent1">
+                <a:shade val="50000"/>
+              </a:schemeClr>
+            </a:lnRef>
+            <a:fillRef idx="1">
+              <a:schemeClr val="accent1"/>
+            </a:fillRef>
+            <a:effectRef idx="0">
+              <a:schemeClr val="accent1"/>
+            </a:effectRef>
+            <a:fontRef idx="minor">
+              <a:schemeClr val="lt1"/>
+            </a:fontRef>
+          </p:style>
+          <p:txBody>
+            <a:bodyPr rtlCol="0" anchor="ctr"/>
+            <a:lstStyle/>
+            <a:p>
+              <a:pPr algn="ctr"/>
+              <a:endParaRPr kumimoji="1" lang="ja-JP" altLang="en-US" dirty="0"/>
+            </a:p>
+          </p:txBody>
+        </p:sp>
+        <p:sp>
+          <p:nvSpPr>
+            <p:cNvPr id="85" name="下矢印 68">
+              <a:extLst>
+                <a:ext uri="{FF2B5EF4-FFF2-40B4-BE49-F238E27FC236}">
+                  <a16:creationId xmlns:a16="http://schemas.microsoft.com/office/drawing/2014/main" id="{1C2705F2-AC8F-4B14-9BFD-45A92E89525F}"/>
+                </a:ext>
+              </a:extLst>
+            </p:cNvPr>
+            <p:cNvSpPr/>
+            <p:nvPr/>
+          </p:nvSpPr>
+          <p:spPr>
+            <a:xfrm rot="5400000">
+              <a:off x="6891965" y="2618285"/>
+              <a:ext cx="123265" cy="1116000"/>
+            </a:xfrm>
+            <a:prstGeom prst="downArrow">
+              <a:avLst/>
+            </a:prstGeom>
+            <a:solidFill>
+              <a:schemeClr val="tx1">
+                <a:lumMod val="85000"/>
+                <a:lumOff val="15000"/>
+              </a:schemeClr>
+            </a:solidFill>
+            <a:ln>
+              <a:noFill/>
+            </a:ln>
+          </p:spPr>
+          <p:style>
+            <a:lnRef idx="2">
+              <a:schemeClr val="accent1">
+                <a:shade val="50000"/>
+              </a:schemeClr>
+            </a:lnRef>
+            <a:fillRef idx="1">
+              <a:schemeClr val="accent1"/>
+            </a:fillRef>
+            <a:effectRef idx="0">
+              <a:schemeClr val="accent1"/>
+            </a:effectRef>
+            <a:fontRef idx="minor">
+              <a:schemeClr val="lt1"/>
+            </a:fontRef>
+          </p:style>
+          <p:txBody>
+            <a:bodyPr rtlCol="0" anchor="ctr"/>
+            <a:lstStyle/>
+            <a:p>
+              <a:pPr algn="ctr"/>
+              <a:endParaRPr kumimoji="1" lang="ja-JP" altLang="en-US"/>
+            </a:p>
+          </p:txBody>
+        </p:sp>
+        <p:sp>
+          <p:nvSpPr>
+            <p:cNvPr id="86" name="正方形/長方形 85">
+              <a:extLst>
+                <a:ext uri="{FF2B5EF4-FFF2-40B4-BE49-F238E27FC236}">
+                  <a16:creationId xmlns:a16="http://schemas.microsoft.com/office/drawing/2014/main" id="{96A02D97-8D33-4C00-A53A-F05D4A93EDFF}"/>
+                </a:ext>
+              </a:extLst>
+            </p:cNvPr>
+            <p:cNvSpPr/>
+            <p:nvPr/>
+          </p:nvSpPr>
+          <p:spPr>
+            <a:xfrm>
+              <a:off x="6492680" y="1533833"/>
+              <a:ext cx="49306" cy="1331261"/>
+            </a:xfrm>
+            <a:prstGeom prst="rect">
+              <a:avLst/>
+            </a:prstGeom>
+            <a:solidFill>
+              <a:schemeClr val="tx1">
+                <a:lumMod val="85000"/>
+                <a:lumOff val="15000"/>
+              </a:schemeClr>
+            </a:solidFill>
+            <a:ln>
+              <a:noFill/>
+            </a:ln>
+          </p:spPr>
+          <p:style>
+            <a:lnRef idx="2">
+              <a:schemeClr val="accent1">
+                <a:shade val="50000"/>
+              </a:schemeClr>
+            </a:lnRef>
+            <a:fillRef idx="1">
+              <a:schemeClr val="accent1"/>
+            </a:fillRef>
+            <a:effectRef idx="0">
+              <a:schemeClr val="accent1"/>
+            </a:effectRef>
+            <a:fontRef idx="minor">
+              <a:schemeClr val="lt1"/>
+            </a:fontRef>
+          </p:style>
+          <p:txBody>
+            <a:bodyPr rtlCol="0" anchor="ctr"/>
+            <a:lstStyle/>
+            <a:p>
+              <a:pPr algn="ctr"/>
+              <a:endParaRPr kumimoji="1" lang="ja-JP" altLang="en-US"/>
+            </a:p>
+          </p:txBody>
+        </p:sp>
+        <p:sp>
+          <p:nvSpPr>
+            <p:cNvPr id="87" name="下矢印 70">
+              <a:extLst>
+                <a:ext uri="{FF2B5EF4-FFF2-40B4-BE49-F238E27FC236}">
+                  <a16:creationId xmlns:a16="http://schemas.microsoft.com/office/drawing/2014/main" id="{9B9438D8-AABF-4D26-B069-0BEE10F760AC}"/>
+                </a:ext>
+              </a:extLst>
+            </p:cNvPr>
+            <p:cNvSpPr/>
+            <p:nvPr/>
+          </p:nvSpPr>
+          <p:spPr>
+            <a:xfrm rot="16200000">
+              <a:off x="6545747" y="1457943"/>
+              <a:ext cx="123265" cy="221877"/>
+            </a:xfrm>
+            <a:prstGeom prst="downArrow">
+              <a:avLst/>
+            </a:prstGeom>
+            <a:solidFill>
+              <a:schemeClr val="tx1">
+                <a:lumMod val="85000"/>
+                <a:lumOff val="15000"/>
+              </a:schemeClr>
+            </a:solidFill>
+            <a:ln>
+              <a:noFill/>
+            </a:ln>
+          </p:spPr>
+          <p:style>
+            <a:lnRef idx="2">
+              <a:schemeClr val="accent1">
+                <a:shade val="50000"/>
+              </a:schemeClr>
+            </a:lnRef>
+            <a:fillRef idx="1">
+              <a:schemeClr val="accent1"/>
+            </a:fillRef>
+            <a:effectRef idx="0">
+              <a:schemeClr val="accent1"/>
+            </a:effectRef>
+            <a:fontRef idx="minor">
+              <a:schemeClr val="lt1"/>
+            </a:fontRef>
+          </p:style>
+          <p:txBody>
+            <a:bodyPr rtlCol="0" anchor="ctr"/>
+            <a:lstStyle/>
+            <a:p>
+              <a:pPr algn="ctr"/>
+              <a:endParaRPr kumimoji="1" lang="ja-JP" altLang="en-US"/>
+            </a:p>
+          </p:txBody>
+        </p:sp>
+        <p:sp>
+          <p:nvSpPr>
+            <p:cNvPr id="88" name="正方形/長方形 87">
+              <a:extLst>
+                <a:ext uri="{FF2B5EF4-FFF2-40B4-BE49-F238E27FC236}">
+                  <a16:creationId xmlns:a16="http://schemas.microsoft.com/office/drawing/2014/main" id="{67814F2B-8EDC-4F6F-B1D7-260468F641D5}"/>
+                </a:ext>
+              </a:extLst>
+            </p:cNvPr>
+            <p:cNvSpPr/>
+            <p:nvPr/>
+          </p:nvSpPr>
+          <p:spPr>
+            <a:xfrm>
+              <a:off x="7459946" y="2810786"/>
+              <a:ext cx="49306" cy="394448"/>
+            </a:xfrm>
+            <a:prstGeom prst="rect">
+              <a:avLst/>
+            </a:prstGeom>
+            <a:solidFill>
+              <a:schemeClr val="tx1">
+                <a:lumMod val="85000"/>
+                <a:lumOff val="15000"/>
+              </a:schemeClr>
+            </a:solidFill>
+            <a:ln>
+              <a:noFill/>
+            </a:ln>
+          </p:spPr>
+          <p:style>
+            <a:lnRef idx="2">
+              <a:schemeClr val="accent1">
+                <a:shade val="50000"/>
+              </a:schemeClr>
+            </a:lnRef>
+            <a:fillRef idx="1">
+              <a:schemeClr val="accent1"/>
+            </a:fillRef>
+            <a:effectRef idx="0">
+              <a:schemeClr val="accent1"/>
+            </a:effectRef>
+            <a:fontRef idx="minor">
+              <a:schemeClr val="lt1"/>
+            </a:fontRef>
+          </p:style>
+          <p:txBody>
+            <a:bodyPr rtlCol="0" anchor="ctr"/>
+            <a:lstStyle/>
+            <a:p>
+              <a:pPr algn="ctr"/>
+              <a:endParaRPr kumimoji="1" lang="ja-JP" altLang="en-US"/>
+            </a:p>
+          </p:txBody>
+        </p:sp>
+      </p:grpSp>
+      <p:sp>
+        <p:nvSpPr>
+          <p:cNvPr id="105" name="テキスト ボックス 104">
+            <a:extLst>
+              <a:ext uri="{FF2B5EF4-FFF2-40B4-BE49-F238E27FC236}">
+                <a16:creationId xmlns:a16="http://schemas.microsoft.com/office/drawing/2014/main" id="{5A102806-E369-4B7B-B84A-5E624DE92607}"/>
+              </a:ext>
+            </a:extLst>
+          </p:cNvPr>
+          <p:cNvSpPr txBox="1"/>
+          <p:nvPr/>
+        </p:nvSpPr>
+        <p:spPr>
+          <a:xfrm>
+            <a:off x="6330471" y="759178"/>
+            <a:ext cx="774571" cy="369332"/>
+          </a:xfrm>
+          <a:prstGeom prst="rect">
+            <a:avLst/>
+          </a:prstGeom>
+          <a:noFill/>
+        </p:spPr>
+        <p:txBody>
+          <a:bodyPr wrap="none" rtlCol="0">
+            <a:spAutoFit/>
+          </a:bodyPr>
+          <a:lstStyle/>
+          <a:p>
+            <a:r>
+              <a:rPr kumimoji="1" lang="ja-JP" altLang="en-US" dirty="0">
+                <a:latin typeface="Hiragino Kaku Gothic Pro W3" panose="020B0300000000000000" pitchFamily="34" charset="-128"/>
+                <a:ea typeface="Hiragino Kaku Gothic Pro W3" panose="020B0300000000000000" pitchFamily="34" charset="-128"/>
+              </a:rPr>
+              <a:t>手法</a:t>
+            </a:r>
+            <a:r>
+              <a:rPr lang="en-US" altLang="ja-JP" dirty="0">
+                <a:latin typeface="Hiragino Kaku Gothic Pro W3" panose="020B0300000000000000" pitchFamily="34" charset="-128"/>
+                <a:ea typeface="Hiragino Kaku Gothic Pro W3" panose="020B0300000000000000" pitchFamily="34" charset="-128"/>
+              </a:rPr>
+              <a:t>4</a:t>
+            </a:r>
+            <a:endParaRPr kumimoji="1" lang="ja-JP" altLang="en-US" dirty="0">
+              <a:latin typeface="Hiragino Kaku Gothic Pro W3" panose="020B0300000000000000" pitchFamily="34" charset="-128"/>
+              <a:ea typeface="Hiragino Kaku Gothic Pro W3" panose="020B0300000000000000" pitchFamily="34" charset="-128"/>
+            </a:endParaRPr>
+          </a:p>
+        </p:txBody>
+      </p:sp>
+      <p:sp>
+        <p:nvSpPr>
+          <p:cNvPr id="106" name="テキスト ボックス 105">
+            <a:extLst>
+              <a:ext uri="{FF2B5EF4-FFF2-40B4-BE49-F238E27FC236}">
+                <a16:creationId xmlns:a16="http://schemas.microsoft.com/office/drawing/2014/main" id="{4E2B576D-13D8-41E3-B405-307837E97ED4}"/>
+              </a:ext>
+            </a:extLst>
+          </p:cNvPr>
+          <p:cNvSpPr txBox="1"/>
+          <p:nvPr/>
+        </p:nvSpPr>
+        <p:spPr>
+          <a:xfrm>
+            <a:off x="1651672" y="856193"/>
+            <a:ext cx="774571" cy="369332"/>
+          </a:xfrm>
+          <a:prstGeom prst="rect">
+            <a:avLst/>
+          </a:prstGeom>
+          <a:noFill/>
+        </p:spPr>
+        <p:txBody>
+          <a:bodyPr wrap="none" rtlCol="0">
+            <a:spAutoFit/>
+          </a:bodyPr>
+          <a:lstStyle/>
+          <a:p>
+            <a:r>
+              <a:rPr kumimoji="1" lang="ja-JP" altLang="en-US" dirty="0">
+                <a:latin typeface="Hiragino Kaku Gothic Pro W3" panose="020B0300000000000000" pitchFamily="34" charset="-128"/>
+                <a:ea typeface="Hiragino Kaku Gothic Pro W3" panose="020B0300000000000000" pitchFamily="34" charset="-128"/>
+              </a:rPr>
+              <a:t>手法</a:t>
+            </a:r>
+            <a:r>
+              <a:rPr lang="en-US" altLang="ja-JP" dirty="0">
+                <a:latin typeface="Hiragino Kaku Gothic Pro W3" panose="020B0300000000000000" pitchFamily="34" charset="-128"/>
+                <a:ea typeface="Hiragino Kaku Gothic Pro W3" panose="020B0300000000000000" pitchFamily="34" charset="-128"/>
+              </a:rPr>
+              <a:t>3</a:t>
+            </a:r>
+            <a:endParaRPr kumimoji="1" lang="ja-JP" altLang="en-US" dirty="0">
+              <a:latin typeface="Hiragino Kaku Gothic Pro W3" panose="020B0300000000000000" pitchFamily="34" charset="-128"/>
+              <a:ea typeface="Hiragino Kaku Gothic Pro W3" panose="020B0300000000000000" pitchFamily="34" charset="-128"/>
+            </a:endParaRPr>
+          </a:p>
+        </p:txBody>
+      </p:sp>
     </p:spTree>
     <p:extLst>
       <p:ext uri="{BB962C8B-B14F-4D97-AF65-F5344CB8AC3E}">
-        <p14:creationId xmlns:p14="http://schemas.microsoft.com/office/powerpoint/2010/main" val="2124072378"/>
+        <p14:creationId xmlns:p14="http://schemas.microsoft.com/office/powerpoint/2010/main" val="4294304690"/>
       </p:ext>
     </p:extLst>
   </p:cSld>
@@ -13984,7 +19797,7 @@
 </p:sld>
 </file>
 
-<file path=ppt/slides/slide8.xml><?xml version="1.0" encoding="utf-8"?>
+<file path=ppt/slides/slide9.xml><?xml version="1.0" encoding="utf-8"?>
 <p:sld xmlns:a="http://schemas.openxmlformats.org/drawingml/2006/main" xmlns:r="http://schemas.openxmlformats.org/officeDocument/2006/relationships" xmlns:p="http://schemas.openxmlformats.org/presentationml/2006/main">
   <p:cSld>
     <p:spTree>
@@ -14015,8 +19828,8 @@
         </p:nvSpPr>
         <p:spPr>
           <a:xfrm>
-            <a:off x="109415" y="785166"/>
-            <a:ext cx="8875932" cy="4812095"/>
+            <a:off x="134034" y="785170"/>
+            <a:ext cx="8875932" cy="4570597"/>
           </a:xfrm>
           <a:prstGeom prst="rect">
             <a:avLst/>
@@ -14124,7 +19937,7 @@
         <p:spPr>
           <a:xfrm>
             <a:off x="224970" y="117735"/>
-            <a:ext cx="1075936" cy="461665"/>
+            <a:ext cx="1032655" cy="461665"/>
           </a:xfrm>
           <a:prstGeom prst="rect">
             <a:avLst/>
@@ -14169,10 +19982,10 @@
                 <a:ea typeface="ヒラギノ角ゴ ProN W3"/>
                 <a:cs typeface="ヒラギノ角ゴ ProN W3"/>
               </a:rPr>
-              <a:t>7.</a:t>
-            </a:r>
-            <a:r>
-              <a:rPr kumimoji="1" lang="ja-JP" altLang="en-US" sz="2400" b="0" i="0" u="none" strike="noStrike" kern="1200" cap="none" spc="0" normalizeH="0" baseline="0" noProof="0">
+              <a:t>8.</a:t>
+            </a:r>
+            <a:r>
+              <a:rPr kumimoji="1" lang="ja-JP" altLang="en-US" sz="2400" b="0" i="0" u="none" strike="noStrike" kern="1200" cap="none" spc="0" normalizeH="0" baseline="0" noProof="0" dirty="0">
                 <a:ln>
                   <a:noFill/>
                 </a:ln>
@@ -14188,20 +20001,6 @@
               </a:rPr>
               <a:t>結論</a:t>
             </a:r>
-            <a:endParaRPr kumimoji="1" lang="ja-JP" altLang="en-US" sz="2400" b="0" i="0" u="none" strike="noStrike" kern="1200" cap="none" spc="0" normalizeH="0" baseline="0" noProof="0" dirty="0">
-              <a:ln>
-                <a:noFill/>
-              </a:ln>
-              <a:solidFill>
-                <a:prstClr val="black"/>
-              </a:solidFill>
-              <a:effectLst/>
-              <a:uLnTx/>
-              <a:uFillTx/>
-              <a:latin typeface="ヒラギノ角ゴ ProN W3"/>
-              <a:ea typeface="ヒラギノ角ゴ ProN W3"/>
-              <a:cs typeface="ヒラギノ角ゴ ProN W3"/>
-            </a:endParaRPr>
           </a:p>
         </p:txBody>
       </p:sp>
@@ -14220,7 +20019,7 @@
         <p:spPr>
           <a:xfrm>
             <a:off x="387676" y="1032367"/>
-            <a:ext cx="7747634" cy="1569660"/>
+            <a:ext cx="1723549" cy="461665"/>
           </a:xfrm>
           <a:prstGeom prst="rect">
             <a:avLst/>
@@ -14234,103 +20033,13 @@
           <a:lstStyle/>
           <a:p>
             <a:r>
-              <a:rPr kumimoji="1" lang="ja-JP" altLang="en-US" sz="2400">
+              <a:rPr kumimoji="1" lang="ja-JP" altLang="en-US" sz="2400" dirty="0">
                 <a:latin typeface="Hiragino Kaku Gothic Pro W3" panose="020B0300000000000000" pitchFamily="34" charset="-128"/>
                 <a:ea typeface="Hiragino Kaku Gothic Pro W3" panose="020B0300000000000000" pitchFamily="34" charset="-128"/>
                 <a:cs typeface="ヒラギノ角ゴ ProN W3"/>
               </a:rPr>
-              <a:t>□</a:t>
-            </a:r>
-            <a:r>
-              <a:rPr lang="ja-JP" altLang="en-US" sz="2400">
-                <a:latin typeface="Hiragino Kaku Gothic Pro W3" panose="020B0300000000000000" pitchFamily="34" charset="-128"/>
-                <a:ea typeface="Hiragino Kaku Gothic Pro W3" panose="020B0300000000000000" pitchFamily="34" charset="-128"/>
-                <a:cs typeface="ヒラギノ角ゴ ProN W3"/>
-              </a:rPr>
-              <a:t>処理速度は向上したが，</a:t>
-            </a:r>
-            <a:r>
-              <a:rPr lang="en-US" altLang="ja-JP" sz="2400" dirty="0">
-                <a:latin typeface="Hiragino Kaku Gothic Pro W3" panose="020B0300000000000000" pitchFamily="34" charset="-128"/>
-                <a:ea typeface="Hiragino Kaku Gothic Pro W3" panose="020B0300000000000000" pitchFamily="34" charset="-128"/>
-                <a:cs typeface="ヒラギノ角ゴ ProN W3"/>
-              </a:rPr>
-              <a:t>Worker</a:t>
-            </a:r>
-            <a:r>
-              <a:rPr lang="ja-JP" altLang="en-US" sz="2400">
-                <a:latin typeface="Hiragino Kaku Gothic Pro W3" panose="020B0300000000000000" pitchFamily="34" charset="-128"/>
-                <a:ea typeface="Hiragino Kaku Gothic Pro W3" panose="020B0300000000000000" pitchFamily="34" charset="-128"/>
-                <a:cs typeface="ヒラギノ角ゴ ProN W3"/>
-              </a:rPr>
-              <a:t>より処理速度が</a:t>
-            </a:r>
-            <a:endParaRPr lang="en-US" altLang="ja-JP" sz="2400" dirty="0">
-              <a:latin typeface="Hiragino Kaku Gothic Pro W3" panose="020B0300000000000000" pitchFamily="34" charset="-128"/>
-              <a:ea typeface="Hiragino Kaku Gothic Pro W3" panose="020B0300000000000000" pitchFamily="34" charset="-128"/>
-              <a:cs typeface="ヒラギノ角ゴ ProN W3"/>
-            </a:endParaRPr>
-          </a:p>
-          <a:p>
-            <a:r>
-              <a:rPr lang="ja-JP" altLang="en-US" sz="2400">
-                <a:latin typeface="Hiragino Kaku Gothic Pro W3" panose="020B0300000000000000" pitchFamily="34" charset="-128"/>
-                <a:ea typeface="Hiragino Kaku Gothic Pro W3" panose="020B0300000000000000" pitchFamily="34" charset="-128"/>
-                <a:cs typeface="ヒラギノ角ゴ ProN W3"/>
-              </a:rPr>
-              <a:t>向上することはなかった</a:t>
-            </a:r>
-            <a:endParaRPr lang="en-US" altLang="ja-JP" sz="2400" dirty="0">
-              <a:latin typeface="Hiragino Kaku Gothic Pro W3" panose="020B0300000000000000" pitchFamily="34" charset="-128"/>
-              <a:ea typeface="Hiragino Kaku Gothic Pro W3" panose="020B0300000000000000" pitchFamily="34" charset="-128"/>
-              <a:cs typeface="ヒラギノ角ゴ ProN W3"/>
-            </a:endParaRPr>
-          </a:p>
-          <a:p>
-            <a:r>
-              <a:rPr kumimoji="1" lang="ja-JP" altLang="en-US" sz="2400">
-                <a:latin typeface="Hiragino Kaku Gothic Pro W3" panose="020B0300000000000000" pitchFamily="34" charset="-128"/>
-                <a:ea typeface="Hiragino Kaku Gothic Pro W3" panose="020B0300000000000000" pitchFamily="34" charset="-128"/>
-                <a:cs typeface="ヒラギノ角ゴ ProN W3"/>
-              </a:rPr>
-              <a:t>→実装されてから日が浅いので</a:t>
-            </a:r>
-            <a:r>
-              <a:rPr lang="en-US" altLang="ja-JP" sz="2400" dirty="0" err="1">
-                <a:latin typeface="Hiragino Kaku Gothic Pro W3" panose="020B0300000000000000" pitchFamily="34" charset="-128"/>
-                <a:ea typeface="Hiragino Kaku Gothic Pro W3" panose="020B0300000000000000" pitchFamily="34" charset="-128"/>
-                <a:cs typeface="ヒラギノ角ゴ ProN W3"/>
-              </a:rPr>
-              <a:t>OffscreenCanvas</a:t>
-            </a:r>
-            <a:r>
-              <a:rPr lang="ja-JP" altLang="en-US" sz="2400">
-                <a:latin typeface="Hiragino Kaku Gothic Pro W3" panose="020B0300000000000000" pitchFamily="34" charset="-128"/>
-                <a:ea typeface="Hiragino Kaku Gothic Pro W3" panose="020B0300000000000000" pitchFamily="34" charset="-128"/>
-                <a:cs typeface="ヒラギノ角ゴ ProN W3"/>
-              </a:rPr>
-              <a:t>での</a:t>
-            </a:r>
-            <a:endParaRPr lang="en-US" altLang="ja-JP" sz="2400" dirty="0">
-              <a:latin typeface="Hiragino Kaku Gothic Pro W3" panose="020B0300000000000000" pitchFamily="34" charset="-128"/>
-              <a:ea typeface="Hiragino Kaku Gothic Pro W3" panose="020B0300000000000000" pitchFamily="34" charset="-128"/>
-              <a:cs typeface="ヒラギノ角ゴ ProN W3"/>
-            </a:endParaRPr>
-          </a:p>
-          <a:p>
-            <a:r>
-              <a:rPr kumimoji="1" lang="ja-JP" altLang="en-US" sz="2400">
-                <a:latin typeface="Hiragino Kaku Gothic Pro W3" panose="020B0300000000000000" pitchFamily="34" charset="-128"/>
-                <a:ea typeface="Hiragino Kaku Gothic Pro W3" panose="020B0300000000000000" pitchFamily="34" charset="-128"/>
-                <a:cs typeface="ヒラギノ角ゴ ProN W3"/>
-              </a:rPr>
-              <a:t>処理が最適化されていないのではないか</a:t>
-            </a:r>
-            <a:endParaRPr kumimoji="1" lang="ja-JP" altLang="en-US" sz="2400" dirty="0">
-              <a:latin typeface="Hiragino Kaku Gothic Pro W3" panose="020B0300000000000000" pitchFamily="34" charset="-128"/>
-              <a:ea typeface="Hiragino Kaku Gothic Pro W3" panose="020B0300000000000000" pitchFamily="34" charset="-128"/>
-              <a:cs typeface="ヒラギノ角ゴ ProN W3"/>
-            </a:endParaRPr>
+              <a:t>□処理速度</a:t>
+            </a:r>
           </a:p>
         </p:txBody>
       </p:sp>
@@ -14349,7 +20058,7 @@
         <p:spPr>
           <a:xfrm>
             <a:off x="387676" y="2957233"/>
-            <a:ext cx="8488221" cy="1569660"/>
+            <a:ext cx="4493538" cy="461665"/>
           </a:xfrm>
           <a:prstGeom prst="rect">
             <a:avLst/>
@@ -14363,59 +20072,12 @@
           <a:lstStyle/>
           <a:p>
             <a:r>
-              <a:rPr kumimoji="1" lang="ja-JP" altLang="en-US" sz="2400">
+              <a:rPr kumimoji="1" lang="ja-JP" altLang="en-US" sz="2400" dirty="0">
                 <a:latin typeface="Hiragino Kaku Gothic Pro W3" panose="020B0300000000000000" pitchFamily="34" charset="-128"/>
                 <a:ea typeface="Hiragino Kaku Gothic Pro W3" panose="020B0300000000000000" pitchFamily="34" charset="-128"/>
                 <a:cs typeface="ヒラギノ角ゴ ProN W3"/>
               </a:rPr>
-              <a:t>□</a:t>
-            </a:r>
-            <a:r>
-              <a:rPr kumimoji="1" lang="en-US" altLang="ja-JP" sz="2400" dirty="0" err="1">
-                <a:latin typeface="Hiragino Kaku Gothic Pro W3" panose="020B0300000000000000" pitchFamily="34" charset="-128"/>
-                <a:ea typeface="Hiragino Kaku Gothic Pro W3" panose="020B0300000000000000" pitchFamily="34" charset="-128"/>
-                <a:cs typeface="ヒラギノ角ゴ ProN W3"/>
-              </a:rPr>
-              <a:t>workar</a:t>
-            </a:r>
-            <a:r>
-              <a:rPr kumimoji="1" lang="ja-JP" altLang="en-US" sz="2400">
-                <a:latin typeface="Hiragino Kaku Gothic Pro W3" panose="020B0300000000000000" pitchFamily="34" charset="-128"/>
-                <a:ea typeface="Hiragino Kaku Gothic Pro W3" panose="020B0300000000000000" pitchFamily="34" charset="-128"/>
-                <a:cs typeface="ヒラギノ角ゴ ProN W3"/>
-              </a:rPr>
-              <a:t>を定義するメインの記述量が</a:t>
-            </a:r>
-            <a:r>
-              <a:rPr kumimoji="1" lang="en-US" altLang="ja-JP" sz="2400" dirty="0" err="1">
-                <a:latin typeface="Hiragino Kaku Gothic Pro W3" panose="020B0300000000000000" pitchFamily="34" charset="-128"/>
-                <a:ea typeface="Hiragino Kaku Gothic Pro W3" panose="020B0300000000000000" pitchFamily="34" charset="-128"/>
-                <a:cs typeface="ヒラギノ角ゴ ProN W3"/>
-              </a:rPr>
-              <a:t>OffscreenCanvas</a:t>
-            </a:r>
-            <a:r>
-              <a:rPr lang="ja-JP" altLang="en-US" sz="2400">
-                <a:latin typeface="Hiragino Kaku Gothic Pro W3" panose="020B0300000000000000" pitchFamily="34" charset="-128"/>
-                <a:ea typeface="Hiragino Kaku Gothic Pro W3" panose="020B0300000000000000" pitchFamily="34" charset="-128"/>
-                <a:cs typeface="ヒラギノ角ゴ ProN W3"/>
-              </a:rPr>
-              <a:t>を</a:t>
-            </a:r>
-            <a:endParaRPr lang="en-US" altLang="ja-JP" sz="2400" dirty="0">
-              <a:latin typeface="Hiragino Kaku Gothic Pro W3" panose="020B0300000000000000" pitchFamily="34" charset="-128"/>
-              <a:ea typeface="Hiragino Kaku Gothic Pro W3" panose="020B0300000000000000" pitchFamily="34" charset="-128"/>
-              <a:cs typeface="ヒラギノ角ゴ ProN W3"/>
-            </a:endParaRPr>
-          </a:p>
-          <a:p>
-            <a:r>
-              <a:rPr kumimoji="1" lang="ja-JP" altLang="en-US" sz="2400">
-                <a:latin typeface="Hiragino Kaku Gothic Pro W3" panose="020B0300000000000000" pitchFamily="34" charset="-128"/>
-                <a:ea typeface="Hiragino Kaku Gothic Pro W3" panose="020B0300000000000000" pitchFamily="34" charset="-128"/>
-                <a:cs typeface="ヒラギノ角ゴ ProN W3"/>
-              </a:rPr>
-              <a:t>適用した方が同期処理が必要ないため記述量が少なかった</a:t>
+              <a:t>□シミュレータ教材への生産性</a:t>
             </a:r>
             <a:endParaRPr kumimoji="1" lang="en-US" altLang="ja-JP" sz="2400" dirty="0">
               <a:latin typeface="Hiragino Kaku Gothic Pro W3" panose="020B0300000000000000" pitchFamily="34" charset="-128"/>
@@ -14423,52 +20085,69 @@
               <a:cs typeface="ヒラギノ角ゴ ProN W3"/>
             </a:endParaRPr>
           </a:p>
+        </p:txBody>
+      </p:sp>
+      <p:sp>
+        <p:nvSpPr>
+          <p:cNvPr id="2" name="矢印: 下 1">
+            <a:extLst>
+              <a:ext uri="{FF2B5EF4-FFF2-40B4-BE49-F238E27FC236}">
+                <a16:creationId xmlns:a16="http://schemas.microsoft.com/office/drawing/2014/main" id="{30C89BE6-6C8C-4078-82AC-758E5C72B02D}"/>
+              </a:ext>
+            </a:extLst>
+          </p:cNvPr>
+          <p:cNvSpPr/>
+          <p:nvPr/>
+        </p:nvSpPr>
+        <p:spPr>
+          <a:xfrm>
+            <a:off x="4336869" y="3718560"/>
+            <a:ext cx="766354" cy="661839"/>
+          </a:xfrm>
+          <a:prstGeom prst="downArrow">
+            <a:avLst/>
+          </a:prstGeom>
+          <a:solidFill>
+            <a:schemeClr val="tx1">
+              <a:lumMod val="75000"/>
+              <a:lumOff val="25000"/>
+            </a:schemeClr>
+          </a:solidFill>
+          <a:ln>
+            <a:noFill/>
+          </a:ln>
+          <a:effectLst/>
+        </p:spPr>
+        <p:style>
+          <a:lnRef idx="1">
+            <a:schemeClr val="accent1"/>
+          </a:lnRef>
+          <a:fillRef idx="3">
+            <a:schemeClr val="accent1"/>
+          </a:fillRef>
+          <a:effectRef idx="2">
+            <a:schemeClr val="accent1"/>
+          </a:effectRef>
+          <a:fontRef idx="minor">
+            <a:schemeClr val="lt1"/>
+          </a:fontRef>
+        </p:style>
+        <p:txBody>
+          <a:bodyPr rot="0" spcFirstLastPara="0" vertOverflow="overflow" horzOverflow="overflow" vert="horz" wrap="square" lIns="91440" tIns="45720" rIns="91440" bIns="45720" numCol="1" spcCol="0" rtlCol="0" fromWordArt="0" anchor="ctr" anchorCtr="0" forceAA="0" compatLnSpc="1">
+            <a:prstTxWarp prst="textNoShape">
+              <a:avLst/>
+            </a:prstTxWarp>
+            <a:noAutofit/>
+          </a:bodyPr>
+          <a:lstStyle/>
           <a:p>
-            <a:r>
-              <a:rPr lang="ja-JP" altLang="en-US" sz="2400">
-                <a:latin typeface="Hiragino Kaku Gothic Pro W3" panose="020B0300000000000000" pitchFamily="34" charset="-128"/>
-                <a:ea typeface="Hiragino Kaku Gothic Pro W3" panose="020B0300000000000000" pitchFamily="34" charset="-128"/>
-                <a:cs typeface="ヒラギノ角ゴ ProN W3"/>
-              </a:rPr>
-              <a:t>→生産性：</a:t>
-            </a:r>
-            <a:r>
-              <a:rPr lang="en-US" altLang="ja-JP" sz="2400" dirty="0" err="1">
-                <a:latin typeface="Hiragino Kaku Gothic Pro W3" panose="020B0300000000000000" pitchFamily="34" charset="-128"/>
-                <a:ea typeface="Hiragino Kaku Gothic Pro W3" panose="020B0300000000000000" pitchFamily="34" charset="-128"/>
-                <a:cs typeface="ヒラギノ角ゴ ProN W3"/>
-              </a:rPr>
-              <a:t>OffscreenCanvas</a:t>
-            </a:r>
-            <a:r>
-              <a:rPr lang="en-US" altLang="ja-JP" sz="2400" dirty="0">
-                <a:latin typeface="Hiragino Kaku Gothic Pro W3" panose="020B0300000000000000" pitchFamily="34" charset="-128"/>
-                <a:ea typeface="Hiragino Kaku Gothic Pro W3" panose="020B0300000000000000" pitchFamily="34" charset="-128"/>
-                <a:cs typeface="ヒラギノ角ゴ ProN W3"/>
-              </a:rPr>
-              <a:t> </a:t>
-            </a:r>
-            <a:r>
-              <a:rPr lang="ja-JP" altLang="en-US" sz="2400">
-                <a:latin typeface="Hiragino Kaku Gothic Pro W3" panose="020B0300000000000000" pitchFamily="34" charset="-128"/>
-                <a:ea typeface="Hiragino Kaku Gothic Pro W3" panose="020B0300000000000000" pitchFamily="34" charset="-128"/>
-                <a:cs typeface="ヒラギノ角ゴ ProN W3"/>
-              </a:rPr>
-              <a:t>＞</a:t>
-            </a:r>
-            <a:r>
-              <a:rPr lang="en-US" altLang="ja-JP" sz="2400" dirty="0">
-                <a:latin typeface="Hiragino Kaku Gothic Pro W3" panose="020B0300000000000000" pitchFamily="34" charset="-128"/>
-                <a:ea typeface="Hiragino Kaku Gothic Pro W3" panose="020B0300000000000000" pitchFamily="34" charset="-128"/>
-                <a:cs typeface="ヒラギノ角ゴ ProN W3"/>
-              </a:rPr>
-              <a:t> Worker</a:t>
-            </a:r>
-          </a:p>
-          <a:p>
-            <a:endParaRPr kumimoji="1" lang="en-US" altLang="ja-JP" sz="2400" dirty="0">
-              <a:latin typeface="Hiragino Kaku Gothic Pro W3" panose="020B0300000000000000" pitchFamily="34" charset="-128"/>
-              <a:ea typeface="Hiragino Kaku Gothic Pro W3" panose="020B0300000000000000" pitchFamily="34" charset="-128"/>
+            <a:pPr algn="ctr"/>
+            <a:endParaRPr kumimoji="1" lang="ja-JP" altLang="en-US" dirty="0">
+              <a:solidFill>
+                <a:schemeClr val="tx1"/>
+              </a:solidFill>
+              <a:latin typeface="ヒラギノ角ゴ ProN W3"/>
+              <a:ea typeface="ヒラギノ角ゴ ProN W3"/>
               <a:cs typeface="ヒラギノ角ゴ ProN W3"/>
             </a:endParaRPr>
           </a:p>
@@ -14478,36 +20157,6 @@
     <p:extLst>
       <p:ext uri="{BB962C8B-B14F-4D97-AF65-F5344CB8AC3E}">
         <p14:creationId xmlns:p14="http://schemas.microsoft.com/office/powerpoint/2010/main" val="835634591"/>
-      </p:ext>
-    </p:extLst>
-  </p:cSld>
-  <p:clrMapOvr>
-    <a:masterClrMapping/>
-  </p:clrMapOvr>
-</p:sld>
-</file>
-
-<file path=ppt/slides/slide9.xml><?xml version="1.0" encoding="utf-8"?>
-<p:sld xmlns:a="http://schemas.openxmlformats.org/drawingml/2006/main" xmlns:r="http://schemas.openxmlformats.org/officeDocument/2006/relationships" xmlns:p="http://schemas.openxmlformats.org/presentationml/2006/main">
-  <p:cSld>
-    <p:spTree>
-      <p:nvGrpSpPr>
-        <p:cNvPr id="1" name=""/>
-        <p:cNvGrpSpPr/>
-        <p:nvPr/>
-      </p:nvGrpSpPr>
-      <p:grpSpPr>
-        <a:xfrm>
-          <a:off x="0" y="0"/>
-          <a:ext cx="0" cy="0"/>
-          <a:chOff x="0" y="0"/>
-          <a:chExt cx="0" cy="0"/>
-        </a:xfrm>
-      </p:grpSpPr>
-    </p:spTree>
-    <p:extLst>
-      <p:ext uri="{BB962C8B-B14F-4D97-AF65-F5344CB8AC3E}">
-        <p14:creationId xmlns:p14="http://schemas.microsoft.com/office/powerpoint/2010/main" val="2173470402"/>
       </p:ext>
     </p:extLst>
   </p:cSld>

--- a/presentation/出す.pptx
+++ b/presentation/出す.pptx
@@ -13,7 +13,7 @@
   <p:sldIdLst>
     <p:sldId id="256" r:id="rId2"/>
     <p:sldId id="291" r:id="rId3"/>
-    <p:sldId id="309" r:id="rId4"/>
+    <p:sldId id="314" r:id="rId4"/>
     <p:sldId id="313" r:id="rId5"/>
     <p:sldId id="277" r:id="rId6"/>
     <p:sldId id="300" r:id="rId7"/>
@@ -240,7 +240,7 @@
           <a:p>
             <a:fld id="{4381EEF4-F406-5245-BD70-0B04FD11DD31}" type="datetimeFigureOut">
               <a:rPr kumimoji="1" lang="ja-JP" altLang="en-US" smtClean="0"/>
-              <a:t>2019/2/1</a:t>
+              <a:t>2019/2/3</a:t>
             </a:fld>
             <a:endParaRPr kumimoji="1" lang="ja-JP" altLang="en-US"/>
           </a:p>
@@ -417,7 +417,7 @@
           <a:p>
             <a:fld id="{40BF4DA1-D7BA-914A-B8F3-2ACC14DE8512}" type="datetimeFigureOut">
               <a:rPr kumimoji="1" lang="ja-JP" altLang="en-US" smtClean="0"/>
-              <a:t>2019/2/1</a:t>
+              <a:t>2019/2/3</a:t>
             </a:fld>
             <a:endParaRPr kumimoji="1" lang="ja-JP" altLang="en-US"/>
           </a:p>
@@ -1770,7 +1770,7 @@
           <a:p>
             <a:fld id="{BCA346BF-520C-8945-8905-F8B705749369}" type="datetimeFigureOut">
               <a:rPr kumimoji="1" lang="ja-JP" altLang="en-US" smtClean="0"/>
-              <a:t>2019/2/1</a:t>
+              <a:t>2019/2/3</a:t>
             </a:fld>
             <a:endParaRPr kumimoji="1" lang="ja-JP" altLang="en-US"/>
           </a:p>
@@ -1970,7 +1970,7 @@
           <a:p>
             <a:fld id="{BCA346BF-520C-8945-8905-F8B705749369}" type="datetimeFigureOut">
               <a:rPr kumimoji="1" lang="ja-JP" altLang="en-US" smtClean="0"/>
-              <a:t>2019/2/1</a:t>
+              <a:t>2019/2/3</a:t>
             </a:fld>
             <a:endParaRPr kumimoji="1" lang="ja-JP" altLang="en-US"/>
           </a:p>
@@ -2180,7 +2180,7 @@
           <a:p>
             <a:fld id="{BCA346BF-520C-8945-8905-F8B705749369}" type="datetimeFigureOut">
               <a:rPr kumimoji="1" lang="ja-JP" altLang="en-US" smtClean="0"/>
-              <a:t>2019/2/1</a:t>
+              <a:t>2019/2/3</a:t>
             </a:fld>
             <a:endParaRPr kumimoji="1" lang="ja-JP" altLang="en-US"/>
           </a:p>
@@ -2380,7 +2380,7 @@
           <a:p>
             <a:fld id="{BCA346BF-520C-8945-8905-F8B705749369}" type="datetimeFigureOut">
               <a:rPr kumimoji="1" lang="ja-JP" altLang="en-US" smtClean="0"/>
-              <a:t>2019/2/1</a:t>
+              <a:t>2019/2/3</a:t>
             </a:fld>
             <a:endParaRPr kumimoji="1" lang="ja-JP" altLang="en-US"/>
           </a:p>
@@ -2625,7 +2625,7 @@
           <a:p>
             <a:fld id="{BCA346BF-520C-8945-8905-F8B705749369}" type="datetimeFigureOut">
               <a:rPr kumimoji="1" lang="ja-JP" altLang="en-US" smtClean="0"/>
-              <a:t>2019/2/1</a:t>
+              <a:t>2019/2/3</a:t>
             </a:fld>
             <a:endParaRPr kumimoji="1" lang="ja-JP" altLang="en-US"/>
           </a:p>
@@ -2974,7 +2974,7 @@
           <a:p>
             <a:fld id="{BCA346BF-520C-8945-8905-F8B705749369}" type="datetimeFigureOut">
               <a:rPr kumimoji="1" lang="ja-JP" altLang="en-US" smtClean="0"/>
-              <a:t>2019/2/1</a:t>
+              <a:t>2019/2/3</a:t>
             </a:fld>
             <a:endParaRPr kumimoji="1" lang="ja-JP" altLang="en-US"/>
           </a:p>
@@ -3457,7 +3457,7 @@
           <a:p>
             <a:fld id="{BCA346BF-520C-8945-8905-F8B705749369}" type="datetimeFigureOut">
               <a:rPr kumimoji="1" lang="ja-JP" altLang="en-US" smtClean="0"/>
-              <a:t>2019/2/1</a:t>
+              <a:t>2019/2/3</a:t>
             </a:fld>
             <a:endParaRPr kumimoji="1" lang="ja-JP" altLang="en-US"/>
           </a:p>
@@ -3574,7 +3574,7 @@
           <a:p>
             <a:fld id="{BCA346BF-520C-8945-8905-F8B705749369}" type="datetimeFigureOut">
               <a:rPr kumimoji="1" lang="ja-JP" altLang="en-US" smtClean="0"/>
-              <a:t>2019/2/1</a:t>
+              <a:t>2019/2/3</a:t>
             </a:fld>
             <a:endParaRPr kumimoji="1" lang="ja-JP" altLang="en-US"/>
           </a:p>
@@ -3669,7 +3669,7 @@
           <a:p>
             <a:fld id="{BCA346BF-520C-8945-8905-F8B705749369}" type="datetimeFigureOut">
               <a:rPr kumimoji="1" lang="ja-JP" altLang="en-US" smtClean="0"/>
-              <a:t>2019/2/1</a:t>
+              <a:t>2019/2/3</a:t>
             </a:fld>
             <a:endParaRPr kumimoji="1" lang="ja-JP" altLang="en-US"/>
           </a:p>
@@ -3976,7 +3976,7 @@
           <a:p>
             <a:fld id="{BCA346BF-520C-8945-8905-F8B705749369}" type="datetimeFigureOut">
               <a:rPr kumimoji="1" lang="ja-JP" altLang="en-US" smtClean="0"/>
-              <a:t>2019/2/1</a:t>
+              <a:t>2019/2/3</a:t>
             </a:fld>
             <a:endParaRPr kumimoji="1" lang="ja-JP" altLang="en-US"/>
           </a:p>
@@ -4231,7 +4231,7 @@
           <a:p>
             <a:fld id="{BCA346BF-520C-8945-8905-F8B705749369}" type="datetimeFigureOut">
               <a:rPr kumimoji="1" lang="ja-JP" altLang="en-US" smtClean="0"/>
-              <a:t>2019/2/1</a:t>
+              <a:t>2019/2/3</a:t>
             </a:fld>
             <a:endParaRPr kumimoji="1" lang="ja-JP" altLang="en-US"/>
           </a:p>
@@ -4474,7 +4474,7 @@
           <a:p>
             <a:fld id="{BCA346BF-520C-8945-8905-F8B705749369}" type="datetimeFigureOut">
               <a:rPr kumimoji="1" lang="ja-JP" altLang="en-US" smtClean="0"/>
-              <a:t>2019/2/1</a:t>
+              <a:t>2019/2/3</a:t>
             </a:fld>
             <a:endParaRPr kumimoji="1" lang="ja-JP" altLang="en-US"/>
           </a:p>
@@ -10294,7 +10294,7 @@
         <p:spPr>
           <a:xfrm>
             <a:off x="203199" y="12826"/>
-            <a:ext cx="1794081" cy="461665"/>
+            <a:ext cx="1717137" cy="461665"/>
           </a:xfrm>
           <a:prstGeom prst="rect">
             <a:avLst/>
@@ -10316,12 +10316,12 @@
               <a:t>2.</a:t>
             </a:r>
             <a:r>
-              <a:rPr lang="ja-JP" altLang="en-US" sz="2400">
+              <a:rPr lang="ja-JP" altLang="en-US" sz="2400" dirty="0">
                 <a:latin typeface="ヒラギノ角ゴ ProN W3"/>
                 <a:ea typeface="ヒラギノ角ゴ ProN W3"/>
                 <a:cs typeface="ヒラギノ角ゴ ProN W3"/>
               </a:rPr>
-              <a:t> 提案手法</a:t>
+              <a:t> 先行研究</a:t>
             </a:r>
             <a:endParaRPr kumimoji="1" lang="ja-JP" altLang="en-US" sz="2400" dirty="0">
               <a:latin typeface="ヒラギノ角ゴ ProN W3"/>
@@ -10331,392 +10331,6 @@
           </a:p>
         </p:txBody>
       </p:sp>
-      <p:grpSp>
-        <p:nvGrpSpPr>
-          <p:cNvPr id="8" name="グループ化 7">
-            <a:extLst>
-              <a:ext uri="{FF2B5EF4-FFF2-40B4-BE49-F238E27FC236}">
-                <a16:creationId xmlns:a16="http://schemas.microsoft.com/office/drawing/2014/main" id="{346FB371-B241-46E6-BE6F-17F6A0604762}"/>
-              </a:ext>
-            </a:extLst>
-          </p:cNvPr>
-          <p:cNvGrpSpPr/>
-          <p:nvPr/>
-        </p:nvGrpSpPr>
-        <p:grpSpPr>
-          <a:xfrm>
-            <a:off x="4701584" y="580529"/>
-            <a:ext cx="4183246" cy="1506428"/>
-            <a:chOff x="5710122" y="3173254"/>
-            <a:chExt cx="4183246" cy="1506428"/>
-          </a:xfrm>
-        </p:grpSpPr>
-        <p:sp>
-          <p:nvSpPr>
-            <p:cNvPr id="9" name="正方形/長方形 8">
-              <a:extLst>
-                <a:ext uri="{FF2B5EF4-FFF2-40B4-BE49-F238E27FC236}">
-                  <a16:creationId xmlns:a16="http://schemas.microsoft.com/office/drawing/2014/main" id="{43F4FAE6-45B5-414C-982B-7F7A4F11DBC6}"/>
-                </a:ext>
-              </a:extLst>
-            </p:cNvPr>
-            <p:cNvSpPr/>
-            <p:nvPr/>
-          </p:nvSpPr>
-          <p:spPr>
-            <a:xfrm>
-              <a:off x="5710122" y="3173254"/>
-              <a:ext cx="4183246" cy="1506428"/>
-            </a:xfrm>
-            <a:prstGeom prst="rect">
-              <a:avLst/>
-            </a:prstGeom>
-            <a:solidFill>
-              <a:schemeClr val="accent3">
-                <a:lumMod val="20000"/>
-                <a:lumOff val="80000"/>
-              </a:schemeClr>
-            </a:solidFill>
-            <a:ln>
-              <a:noFill/>
-            </a:ln>
-            <a:effectLst/>
-          </p:spPr>
-          <p:style>
-            <a:lnRef idx="1">
-              <a:schemeClr val="accent1"/>
-            </a:lnRef>
-            <a:fillRef idx="3">
-              <a:schemeClr val="accent1"/>
-            </a:fillRef>
-            <a:effectRef idx="2">
-              <a:schemeClr val="accent1"/>
-            </a:effectRef>
-            <a:fontRef idx="minor">
-              <a:schemeClr val="lt1"/>
-            </a:fontRef>
-          </p:style>
-          <p:txBody>
-            <a:bodyPr rot="0" spcFirstLastPara="0" vertOverflow="overflow" horzOverflow="overflow" vert="horz" wrap="square" lIns="91440" tIns="45720" rIns="91440" bIns="45720" numCol="1" spcCol="0" rtlCol="0" fromWordArt="0" anchor="ctr" anchorCtr="0" forceAA="0" compatLnSpc="1">
-              <a:prstTxWarp prst="textNoShape">
-                <a:avLst/>
-              </a:prstTxWarp>
-              <a:noAutofit/>
-            </a:bodyPr>
-            <a:lstStyle/>
-            <a:p>
-              <a:pPr algn="ctr"/>
-              <a:endParaRPr kumimoji="1" lang="ja-JP" altLang="en-US" dirty="0">
-                <a:solidFill>
-                  <a:schemeClr val="tx1"/>
-                </a:solidFill>
-                <a:latin typeface="ヒラギノ角ゴ ProN W3"/>
-                <a:ea typeface="ヒラギノ角ゴ ProN W3"/>
-                <a:cs typeface="ヒラギノ角ゴ ProN W3"/>
-              </a:endParaRPr>
-            </a:p>
-          </p:txBody>
-        </p:sp>
-        <p:grpSp>
-          <p:nvGrpSpPr>
-            <p:cNvPr id="10" name="グループ化 9">
-              <a:extLst>
-                <a:ext uri="{FF2B5EF4-FFF2-40B4-BE49-F238E27FC236}">
-                  <a16:creationId xmlns:a16="http://schemas.microsoft.com/office/drawing/2014/main" id="{37FA8412-1E4F-4557-BAC8-5F97446CB85C}"/>
-                </a:ext>
-              </a:extLst>
-            </p:cNvPr>
-            <p:cNvGrpSpPr/>
-            <p:nvPr/>
-          </p:nvGrpSpPr>
-          <p:grpSpPr>
-            <a:xfrm>
-              <a:off x="5788272" y="4170591"/>
-              <a:ext cx="3770416" cy="400110"/>
-              <a:chOff x="5734730" y="3862804"/>
-              <a:chExt cx="4175173" cy="400110"/>
-            </a:xfrm>
-          </p:grpSpPr>
-          <p:sp>
-            <p:nvSpPr>
-              <p:cNvPr id="16" name="テキスト ボックス 15">
-                <a:extLst>
-                  <a:ext uri="{FF2B5EF4-FFF2-40B4-BE49-F238E27FC236}">
-                    <a16:creationId xmlns:a16="http://schemas.microsoft.com/office/drawing/2014/main" id="{A0C10666-A201-42C6-993A-76A6340D5730}"/>
-                  </a:ext>
-                </a:extLst>
-              </p:cNvPr>
-              <p:cNvSpPr txBox="1"/>
-              <p:nvPr/>
-            </p:nvSpPr>
-            <p:spPr>
-              <a:xfrm>
-                <a:off x="5734730" y="3862804"/>
-                <a:ext cx="867545" cy="400110"/>
-              </a:xfrm>
-              <a:prstGeom prst="rect">
-                <a:avLst/>
-              </a:prstGeom>
-              <a:noFill/>
-            </p:spPr>
-            <p:txBody>
-              <a:bodyPr wrap="none" rtlCol="0">
-                <a:spAutoFit/>
-              </a:bodyPr>
-              <a:lstStyle/>
-              <a:p>
-                <a:r>
-                  <a:rPr kumimoji="1" lang="ja-JP" altLang="en-US" sz="2000" dirty="0">
-                    <a:latin typeface="ヒラギノ角ゴ ProN W3"/>
-                    <a:ea typeface="ヒラギノ角ゴ ProN W3"/>
-                    <a:cs typeface="ヒラギノ角ゴ ProN W3"/>
-                  </a:rPr>
-                  <a:t>手法</a:t>
-                </a:r>
-                <a:r>
-                  <a:rPr kumimoji="1" lang="en-US" altLang="ja-JP" sz="2000" dirty="0">
-                    <a:latin typeface="ヒラギノ角ゴ ProN W3"/>
-                    <a:ea typeface="ヒラギノ角ゴ ProN W3"/>
-                    <a:cs typeface="ヒラギノ角ゴ ProN W3"/>
-                  </a:rPr>
-                  <a:t>4</a:t>
-                </a:r>
-                <a:endParaRPr kumimoji="1" lang="ja-JP" altLang="en-US" sz="2000" dirty="0">
-                  <a:latin typeface="ヒラギノ角ゴ ProN W3"/>
-                  <a:ea typeface="ヒラギノ角ゴ ProN W3"/>
-                  <a:cs typeface="ヒラギノ角ゴ ProN W3"/>
-                </a:endParaRPr>
-              </a:p>
-            </p:txBody>
-          </p:sp>
-          <p:sp>
-            <p:nvSpPr>
-              <p:cNvPr id="17" name="テキスト ボックス 16">
-                <a:extLst>
-                  <a:ext uri="{FF2B5EF4-FFF2-40B4-BE49-F238E27FC236}">
-                    <a16:creationId xmlns:a16="http://schemas.microsoft.com/office/drawing/2014/main" id="{6E555D85-1188-4A38-87D7-36C8606BF3FF}"/>
-                  </a:ext>
-                </a:extLst>
-              </p:cNvPr>
-              <p:cNvSpPr txBox="1"/>
-              <p:nvPr/>
-            </p:nvSpPr>
-            <p:spPr>
-              <a:xfrm>
-                <a:off x="6676325" y="3862804"/>
-                <a:ext cx="3233578" cy="400110"/>
-              </a:xfrm>
-              <a:prstGeom prst="rect">
-                <a:avLst/>
-              </a:prstGeom>
-              <a:noFill/>
-            </p:spPr>
-            <p:txBody>
-              <a:bodyPr wrap="none" rtlCol="0">
-                <a:spAutoFit/>
-              </a:bodyPr>
-              <a:lstStyle/>
-              <a:p>
-                <a:r>
-                  <a:rPr kumimoji="1" lang="ja-JP" altLang="en-US" sz="2000" dirty="0">
-                    <a:latin typeface="ヒラギノ角ゴ ProN W3"/>
-                    <a:ea typeface="ヒラギノ角ゴ ProN W3"/>
-                    <a:cs typeface="ヒラギノ角ゴ ProN W3"/>
-                  </a:rPr>
-                  <a:t>手法</a:t>
-                </a:r>
-                <a:r>
-                  <a:rPr kumimoji="1" lang="en-US" altLang="ja-JP" sz="2000" dirty="0">
-                    <a:latin typeface="ヒラギノ角ゴ ProN W3"/>
-                    <a:ea typeface="ヒラギノ角ゴ ProN W3"/>
-                    <a:cs typeface="ヒラギノ角ゴ ProN W3"/>
-                  </a:rPr>
-                  <a:t>3+OffscreenCanvas</a:t>
-                </a:r>
-                <a:endParaRPr kumimoji="1" lang="ja-JP" altLang="en-US" sz="2000" dirty="0">
-                  <a:latin typeface="ヒラギノ角ゴ ProN W3"/>
-                  <a:ea typeface="ヒラギノ角ゴ ProN W3"/>
-                  <a:cs typeface="ヒラギノ角ゴ ProN W3"/>
-                </a:endParaRPr>
-              </a:p>
-            </p:txBody>
-          </p:sp>
-        </p:grpSp>
-        <p:grpSp>
-          <p:nvGrpSpPr>
-            <p:cNvPr id="11" name="グループ化 10">
-              <a:extLst>
-                <a:ext uri="{FF2B5EF4-FFF2-40B4-BE49-F238E27FC236}">
-                  <a16:creationId xmlns:a16="http://schemas.microsoft.com/office/drawing/2014/main" id="{77C3EE74-14F8-4DF3-AF43-5CB3C570B64D}"/>
-                </a:ext>
-              </a:extLst>
-            </p:cNvPr>
-            <p:cNvGrpSpPr/>
-            <p:nvPr/>
-          </p:nvGrpSpPr>
-          <p:grpSpPr>
-            <a:xfrm>
-              <a:off x="5788272" y="3753776"/>
-              <a:ext cx="3798667" cy="412496"/>
-              <a:chOff x="5734730" y="3188094"/>
-              <a:chExt cx="4206456" cy="412496"/>
-            </a:xfrm>
-          </p:grpSpPr>
-          <p:sp>
-            <p:nvSpPr>
-              <p:cNvPr id="13" name="テキスト ボックス 12">
-                <a:extLst>
-                  <a:ext uri="{FF2B5EF4-FFF2-40B4-BE49-F238E27FC236}">
-                    <a16:creationId xmlns:a16="http://schemas.microsoft.com/office/drawing/2014/main" id="{EE748E68-7D70-4493-B11D-1F2A0B2C9CB0}"/>
-                  </a:ext>
-                </a:extLst>
-              </p:cNvPr>
-              <p:cNvSpPr txBox="1"/>
-              <p:nvPr/>
-            </p:nvSpPr>
-            <p:spPr>
-              <a:xfrm>
-                <a:off x="5734730" y="3188094"/>
-                <a:ext cx="865943" cy="400110"/>
-              </a:xfrm>
-              <a:prstGeom prst="rect">
-                <a:avLst/>
-              </a:prstGeom>
-              <a:noFill/>
-            </p:spPr>
-            <p:txBody>
-              <a:bodyPr wrap="none" rtlCol="0">
-                <a:spAutoFit/>
-              </a:bodyPr>
-              <a:lstStyle/>
-              <a:p>
-                <a:r>
-                  <a:rPr kumimoji="1" lang="ja-JP" altLang="en-US" sz="2000" dirty="0">
-                    <a:latin typeface="ヒラギノ角ゴ ProN W3"/>
-                    <a:ea typeface="ヒラギノ角ゴ ProN W3"/>
-                    <a:cs typeface="ヒラギノ角ゴ ProN W3"/>
-                  </a:rPr>
-                  <a:t>手法</a:t>
-                </a:r>
-                <a:r>
-                  <a:rPr kumimoji="1" lang="en-US" altLang="ja-JP" sz="2000" dirty="0">
-                    <a:latin typeface="ヒラギノ角ゴ ProN W3"/>
-                    <a:ea typeface="ヒラギノ角ゴ ProN W3"/>
-                    <a:cs typeface="ヒラギノ角ゴ ProN W3"/>
-                  </a:rPr>
-                  <a:t>3</a:t>
-                </a:r>
-                <a:endParaRPr kumimoji="1" lang="ja-JP" altLang="en-US" sz="2000" dirty="0">
-                  <a:latin typeface="ヒラギノ角ゴ ProN W3"/>
-                  <a:ea typeface="ヒラギノ角ゴ ProN W3"/>
-                  <a:cs typeface="ヒラギノ角ゴ ProN W3"/>
-                </a:endParaRPr>
-              </a:p>
-            </p:txBody>
-          </p:sp>
-          <p:sp>
-            <p:nvSpPr>
-              <p:cNvPr id="14" name="テキスト ボックス 13">
-                <a:extLst>
-                  <a:ext uri="{FF2B5EF4-FFF2-40B4-BE49-F238E27FC236}">
-                    <a16:creationId xmlns:a16="http://schemas.microsoft.com/office/drawing/2014/main" id="{2C95D9B5-8837-41F8-9226-A27CC59F94DF}"/>
-                  </a:ext>
-                </a:extLst>
-              </p:cNvPr>
-              <p:cNvSpPr txBox="1"/>
-              <p:nvPr/>
-            </p:nvSpPr>
-            <p:spPr>
-              <a:xfrm>
-                <a:off x="6766919" y="3200480"/>
-                <a:ext cx="3174267" cy="400110"/>
-              </a:xfrm>
-              <a:prstGeom prst="rect">
-                <a:avLst/>
-              </a:prstGeom>
-              <a:noFill/>
-            </p:spPr>
-            <p:txBody>
-              <a:bodyPr wrap="none" rtlCol="0">
-                <a:spAutoFit/>
-              </a:bodyPr>
-              <a:lstStyle/>
-              <a:p>
-                <a:r>
-                  <a:rPr kumimoji="1" lang="ja-JP" altLang="en-US" sz="2000" dirty="0">
-                    <a:latin typeface="ヒラギノ角ゴ ProN W3"/>
-                    <a:ea typeface="ヒラギノ角ゴ ProN W3"/>
-                    <a:cs typeface="ヒラギノ角ゴ ProN W3"/>
-                  </a:rPr>
-                  <a:t>手法</a:t>
-                </a:r>
-                <a:r>
-                  <a:rPr kumimoji="1" lang="en-US" altLang="ja-JP" sz="2000" dirty="0">
-                    <a:latin typeface="ヒラギノ角ゴ ProN W3"/>
-                    <a:ea typeface="ヒラギノ角ゴ ProN W3"/>
-                    <a:cs typeface="ヒラギノ角ゴ ProN W3"/>
-                  </a:rPr>
-                  <a:t>1</a:t>
-                </a:r>
-                <a:r>
-                  <a:rPr kumimoji="1" lang="ja-JP" altLang="en-US" sz="2000" dirty="0">
-                    <a:latin typeface="ヒラギノ角ゴ ProN W3"/>
-                    <a:ea typeface="ヒラギノ角ゴ ProN W3"/>
-                    <a:cs typeface="ヒラギノ角ゴ ProN W3"/>
-                  </a:rPr>
-                  <a:t>→マルチスレッド化</a:t>
-                </a:r>
-              </a:p>
-            </p:txBody>
-          </p:sp>
-        </p:grpSp>
-        <p:sp>
-          <p:nvSpPr>
-            <p:cNvPr id="12" name="テキスト ボックス 11">
-              <a:extLst>
-                <a:ext uri="{FF2B5EF4-FFF2-40B4-BE49-F238E27FC236}">
-                  <a16:creationId xmlns:a16="http://schemas.microsoft.com/office/drawing/2014/main" id="{2D814E6F-4484-4890-BDE4-1D9963CA900F}"/>
-                </a:ext>
-              </a:extLst>
-            </p:cNvPr>
-            <p:cNvSpPr txBox="1"/>
-            <p:nvPr/>
-          </p:nvSpPr>
-          <p:spPr>
-            <a:xfrm>
-              <a:off x="5788271" y="3235227"/>
-              <a:ext cx="954107" cy="400110"/>
-            </a:xfrm>
-            <a:prstGeom prst="rect">
-              <a:avLst/>
-            </a:prstGeom>
-            <a:solidFill>
-              <a:schemeClr val="bg1"/>
-            </a:solidFill>
-          </p:spPr>
-          <p:txBody>
-            <a:bodyPr wrap="none" rtlCol="0">
-              <a:spAutoFit/>
-            </a:bodyPr>
-            <a:lstStyle/>
-            <a:p>
-              <a:r>
-                <a:rPr lang="ja-JP" altLang="en-US" sz="2000">
-                  <a:latin typeface="ヒラギノ角ゴ ProN W3"/>
-                  <a:ea typeface="ヒラギノ角ゴ ProN W3"/>
-                  <a:cs typeface="ヒラギノ角ゴ ProN W3"/>
-                </a:rPr>
-                <a:t>本研究</a:t>
-              </a:r>
-              <a:endParaRPr kumimoji="1" lang="ja-JP" altLang="en-US" sz="2000" dirty="0">
-                <a:latin typeface="ヒラギノ角ゴ ProN W3"/>
-                <a:ea typeface="ヒラギノ角ゴ ProN W3"/>
-                <a:cs typeface="ヒラギノ角ゴ ProN W3"/>
-              </a:endParaRPr>
-            </a:p>
-          </p:txBody>
-        </p:sp>
-      </p:grpSp>
       <p:grpSp>
         <p:nvGrpSpPr>
           <p:cNvPr id="19" name="グループ化 18">
@@ -11165,98 +10779,6 @@
                 <a:cs typeface="ヒラギノ角ゴ ProN W3"/>
               </a:rPr>
               <a:t>→作業が止まる</a:t>
-            </a:r>
-            <a:endParaRPr kumimoji="1" lang="ja-JP" altLang="en-US" sz="2000" dirty="0">
-              <a:latin typeface="ヒラギノ角ゴ ProN W3"/>
-              <a:ea typeface="ヒラギノ角ゴ ProN W3"/>
-              <a:cs typeface="ヒラギノ角ゴ ProN W3"/>
-            </a:endParaRPr>
-          </a:p>
-        </p:txBody>
-      </p:sp>
-      <p:sp>
-        <p:nvSpPr>
-          <p:cNvPr id="35" name="テキスト ボックス 34">
-            <a:extLst>
-              <a:ext uri="{FF2B5EF4-FFF2-40B4-BE49-F238E27FC236}">
-                <a16:creationId xmlns:a16="http://schemas.microsoft.com/office/drawing/2014/main" id="{84EF949D-D78A-427C-ABF9-F6446029A2F6}"/>
-              </a:ext>
-            </a:extLst>
-          </p:cNvPr>
-          <p:cNvSpPr txBox="1"/>
-          <p:nvPr/>
-        </p:nvSpPr>
-        <p:spPr>
-          <a:xfrm>
-            <a:off x="203199" y="4177785"/>
-            <a:ext cx="6977038" cy="400110"/>
-          </a:xfrm>
-          <a:prstGeom prst="rect">
-            <a:avLst/>
-          </a:prstGeom>
-          <a:noFill/>
-        </p:spPr>
-        <p:txBody>
-          <a:bodyPr wrap="none" rtlCol="0">
-            <a:spAutoFit/>
-          </a:bodyPr>
-          <a:lstStyle/>
-          <a:p>
-            <a:r>
-              <a:rPr lang="en-US" altLang="ja-JP" sz="2000" dirty="0">
-                <a:latin typeface="ヒラギノ角ゴ ProN W3"/>
-                <a:ea typeface="ヒラギノ角ゴ ProN W3"/>
-                <a:cs typeface="ヒラギノ角ゴ ProN W3"/>
-              </a:rPr>
-              <a:t>JavaScript(</a:t>
-            </a:r>
-            <a:r>
-              <a:rPr lang="ja-JP" altLang="en-US" sz="2000" dirty="0">
-                <a:latin typeface="ヒラギノ角ゴ ProN W3"/>
-                <a:ea typeface="ヒラギノ角ゴ ProN W3"/>
-                <a:cs typeface="ヒラギノ角ゴ ProN W3"/>
-              </a:rPr>
-              <a:t>マルチスレッド</a:t>
-            </a:r>
-            <a:r>
-              <a:rPr lang="en-US" altLang="ja-JP" sz="2000" dirty="0">
-                <a:latin typeface="ヒラギノ角ゴ ProN W3"/>
-                <a:ea typeface="ヒラギノ角ゴ ProN W3"/>
-                <a:cs typeface="ヒラギノ角ゴ ProN W3"/>
-              </a:rPr>
-              <a:t>)</a:t>
-            </a:r>
-            <a:r>
-              <a:rPr lang="ja-JP" altLang="en-US" sz="2000" dirty="0">
-                <a:latin typeface="ヒラギノ角ゴ ProN W3"/>
-                <a:ea typeface="ヒラギノ角ゴ ProN W3"/>
-                <a:cs typeface="ヒラギノ角ゴ ProN W3"/>
-              </a:rPr>
-              <a:t>→作業を分担できる</a:t>
-            </a:r>
-            <a:r>
-              <a:rPr lang="en-US" altLang="ja-JP" sz="2000" dirty="0">
-                <a:latin typeface="ヒラギノ角ゴ ProN W3"/>
-                <a:ea typeface="ヒラギノ角ゴ ProN W3"/>
-                <a:cs typeface="ヒラギノ角ゴ ProN W3"/>
-              </a:rPr>
-              <a:t>!(</a:t>
-            </a:r>
-            <a:r>
-              <a:rPr lang="ja-JP" altLang="en-US" sz="2000" dirty="0">
-                <a:latin typeface="ヒラギノ角ゴ ProN W3"/>
-                <a:ea typeface="ヒラギノ角ゴ ProN W3"/>
-                <a:cs typeface="ヒラギノ角ゴ ProN W3"/>
-              </a:rPr>
-              <a:t>止まらない</a:t>
-            </a:r>
-            <a:r>
-              <a:rPr lang="en-US" altLang="ja-JP" sz="2000" dirty="0">
-                <a:latin typeface="ヒラギノ角ゴ ProN W3"/>
-                <a:ea typeface="ヒラギノ角ゴ ProN W3"/>
-                <a:cs typeface="ヒラギノ角ゴ ProN W3"/>
-              </a:rPr>
-              <a:t>)</a:t>
             </a:r>
             <a:endParaRPr kumimoji="1" lang="ja-JP" altLang="en-US" sz="2000" dirty="0">
               <a:latin typeface="ヒラギノ角ゴ ProN W3"/>
@@ -11827,571 +11349,6 @@
           </p:txBody>
         </p:sp>
       </p:grpSp>
-      <p:grpSp>
-        <p:nvGrpSpPr>
-          <p:cNvPr id="51" name="グループ化 50">
-            <a:extLst>
-              <a:ext uri="{FF2B5EF4-FFF2-40B4-BE49-F238E27FC236}">
-                <a16:creationId xmlns:a16="http://schemas.microsoft.com/office/drawing/2014/main" id="{F2F142AE-9870-4BE1-AAF8-0E4B3530A87E}"/>
-              </a:ext>
-            </a:extLst>
-          </p:cNvPr>
-          <p:cNvGrpSpPr/>
-          <p:nvPr/>
-        </p:nvGrpSpPr>
-        <p:grpSpPr>
-          <a:xfrm>
-            <a:off x="341659" y="4658185"/>
-            <a:ext cx="1568394" cy="400110"/>
-            <a:chOff x="-1043103" y="2259194"/>
-            <a:chExt cx="2367615" cy="784630"/>
-          </a:xfrm>
-        </p:grpSpPr>
-        <p:sp>
-          <p:nvSpPr>
-            <p:cNvPr id="52" name="正方形/長方形 51">
-              <a:extLst>
-                <a:ext uri="{FF2B5EF4-FFF2-40B4-BE49-F238E27FC236}">
-                  <a16:creationId xmlns:a16="http://schemas.microsoft.com/office/drawing/2014/main" id="{246D6329-B2E6-4643-B2E7-78DBB2C7F078}"/>
-                </a:ext>
-              </a:extLst>
-            </p:cNvPr>
-            <p:cNvSpPr/>
-            <p:nvPr/>
-          </p:nvSpPr>
-          <p:spPr>
-            <a:xfrm>
-              <a:off x="-1043103" y="2259194"/>
-              <a:ext cx="1826614" cy="784628"/>
-            </a:xfrm>
-            <a:prstGeom prst="rect">
-              <a:avLst/>
-            </a:prstGeom>
-            <a:solidFill>
-              <a:schemeClr val="accent4">
-                <a:lumMod val="40000"/>
-                <a:lumOff val="60000"/>
-              </a:schemeClr>
-            </a:solidFill>
-            <a:ln>
-              <a:noFill/>
-            </a:ln>
-          </p:spPr>
-          <p:style>
-            <a:lnRef idx="2">
-              <a:schemeClr val="accent1">
-                <a:shade val="50000"/>
-              </a:schemeClr>
-            </a:lnRef>
-            <a:fillRef idx="1">
-              <a:schemeClr val="accent1"/>
-            </a:fillRef>
-            <a:effectRef idx="0">
-              <a:schemeClr val="accent1"/>
-            </a:effectRef>
-            <a:fontRef idx="minor">
-              <a:schemeClr val="lt1"/>
-            </a:fontRef>
-          </p:style>
-          <p:txBody>
-            <a:bodyPr rtlCol="0" anchor="ctr"/>
-            <a:lstStyle/>
-            <a:p>
-              <a:pPr algn="ctr"/>
-              <a:r>
-                <a:rPr lang="ja-JP" altLang="en-US" sz="2000">
-                  <a:solidFill>
-                    <a:schemeClr val="tx1"/>
-                  </a:solidFill>
-                  <a:latin typeface="Hiragino Kaku Gothic Pro W3" panose="020B0300000000000000" pitchFamily="34" charset="-128"/>
-                  <a:ea typeface="Hiragino Kaku Gothic Pro W3" panose="020B0300000000000000" pitchFamily="34" charset="-128"/>
-                </a:rPr>
-                <a:t>処理</a:t>
-              </a:r>
-              <a:endParaRPr kumimoji="1" lang="ja-JP" altLang="en-US" sz="2000"/>
-            </a:p>
-          </p:txBody>
-        </p:sp>
-        <p:sp>
-          <p:nvSpPr>
-            <p:cNvPr id="53" name="三角形 10">
-              <a:extLst>
-                <a:ext uri="{FF2B5EF4-FFF2-40B4-BE49-F238E27FC236}">
-                  <a16:creationId xmlns:a16="http://schemas.microsoft.com/office/drawing/2014/main" id="{C0DEBC0A-93E9-4F60-B5C2-29E171538AED}"/>
-                </a:ext>
-              </a:extLst>
-            </p:cNvPr>
-            <p:cNvSpPr/>
-            <p:nvPr/>
-          </p:nvSpPr>
-          <p:spPr>
-            <a:xfrm rot="5400000">
-              <a:off x="657221" y="2376533"/>
-              <a:ext cx="784627" cy="549955"/>
-            </a:xfrm>
-            <a:prstGeom prst="triangle">
-              <a:avLst/>
-            </a:prstGeom>
-            <a:solidFill>
-              <a:schemeClr val="accent4">
-                <a:lumMod val="40000"/>
-                <a:lumOff val="60000"/>
-              </a:schemeClr>
-            </a:solidFill>
-            <a:ln>
-              <a:noFill/>
-            </a:ln>
-          </p:spPr>
-          <p:style>
-            <a:lnRef idx="2">
-              <a:schemeClr val="accent1">
-                <a:shade val="50000"/>
-              </a:schemeClr>
-            </a:lnRef>
-            <a:fillRef idx="1">
-              <a:schemeClr val="accent1"/>
-            </a:fillRef>
-            <a:effectRef idx="0">
-              <a:schemeClr val="accent1"/>
-            </a:effectRef>
-            <a:fontRef idx="minor">
-              <a:schemeClr val="lt1"/>
-            </a:fontRef>
-          </p:style>
-          <p:txBody>
-            <a:bodyPr rtlCol="0" anchor="ctr"/>
-            <a:lstStyle/>
-            <a:p>
-              <a:pPr algn="ctr"/>
-              <a:endParaRPr kumimoji="1" lang="ja-JP" altLang="en-US" sz="2000"/>
-            </a:p>
-          </p:txBody>
-        </p:sp>
-      </p:grpSp>
-      <p:grpSp>
-        <p:nvGrpSpPr>
-          <p:cNvPr id="54" name="グループ化 53">
-            <a:extLst>
-              <a:ext uri="{FF2B5EF4-FFF2-40B4-BE49-F238E27FC236}">
-                <a16:creationId xmlns:a16="http://schemas.microsoft.com/office/drawing/2014/main" id="{612D5281-8348-46C0-AE29-2ACEDF09975F}"/>
-              </a:ext>
-            </a:extLst>
-          </p:cNvPr>
-          <p:cNvGrpSpPr/>
-          <p:nvPr/>
-        </p:nvGrpSpPr>
-        <p:grpSpPr>
-          <a:xfrm>
-            <a:off x="2203677" y="4658185"/>
-            <a:ext cx="1568394" cy="400110"/>
-            <a:chOff x="-1043103" y="2259194"/>
-            <a:chExt cx="2367615" cy="784630"/>
-          </a:xfrm>
-        </p:grpSpPr>
-        <p:sp>
-          <p:nvSpPr>
-            <p:cNvPr id="55" name="正方形/長方形 54">
-              <a:extLst>
-                <a:ext uri="{FF2B5EF4-FFF2-40B4-BE49-F238E27FC236}">
-                  <a16:creationId xmlns:a16="http://schemas.microsoft.com/office/drawing/2014/main" id="{E693EC3E-9368-4AD2-80B7-17D3C3CDDD11}"/>
-                </a:ext>
-              </a:extLst>
-            </p:cNvPr>
-            <p:cNvSpPr/>
-            <p:nvPr/>
-          </p:nvSpPr>
-          <p:spPr>
-            <a:xfrm>
-              <a:off x="-1043103" y="2259194"/>
-              <a:ext cx="1826614" cy="784628"/>
-            </a:xfrm>
-            <a:prstGeom prst="rect">
-              <a:avLst/>
-            </a:prstGeom>
-            <a:solidFill>
-              <a:schemeClr val="accent4">
-                <a:lumMod val="40000"/>
-                <a:lumOff val="60000"/>
-              </a:schemeClr>
-            </a:solidFill>
-            <a:ln>
-              <a:noFill/>
-            </a:ln>
-          </p:spPr>
-          <p:style>
-            <a:lnRef idx="2">
-              <a:schemeClr val="accent1">
-                <a:shade val="50000"/>
-              </a:schemeClr>
-            </a:lnRef>
-            <a:fillRef idx="1">
-              <a:schemeClr val="accent1"/>
-            </a:fillRef>
-            <a:effectRef idx="0">
-              <a:schemeClr val="accent1"/>
-            </a:effectRef>
-            <a:fontRef idx="minor">
-              <a:schemeClr val="lt1"/>
-            </a:fontRef>
-          </p:style>
-          <p:txBody>
-            <a:bodyPr rtlCol="0" anchor="ctr"/>
-            <a:lstStyle/>
-            <a:p>
-              <a:pPr algn="ctr"/>
-              <a:r>
-                <a:rPr lang="ja-JP" altLang="en-US" sz="2000">
-                  <a:solidFill>
-                    <a:schemeClr val="tx1"/>
-                  </a:solidFill>
-                  <a:latin typeface="Hiragino Kaku Gothic Pro W3" panose="020B0300000000000000" pitchFamily="34" charset="-128"/>
-                  <a:ea typeface="Hiragino Kaku Gothic Pro W3" panose="020B0300000000000000" pitchFamily="34" charset="-128"/>
-                </a:rPr>
-                <a:t>処理</a:t>
-              </a:r>
-              <a:endParaRPr kumimoji="1" lang="ja-JP" altLang="en-US" sz="2000">
-                <a:latin typeface="Hiragino Kaku Gothic Pro W3" panose="020B0300000000000000" pitchFamily="34" charset="-128"/>
-                <a:ea typeface="Hiragino Kaku Gothic Pro W3" panose="020B0300000000000000" pitchFamily="34" charset="-128"/>
-              </a:endParaRPr>
-            </a:p>
-          </p:txBody>
-        </p:sp>
-        <p:sp>
-          <p:nvSpPr>
-            <p:cNvPr id="56" name="三角形 10">
-              <a:extLst>
-                <a:ext uri="{FF2B5EF4-FFF2-40B4-BE49-F238E27FC236}">
-                  <a16:creationId xmlns:a16="http://schemas.microsoft.com/office/drawing/2014/main" id="{7B5BE58E-9781-4899-94B9-D791F9255B6B}"/>
-                </a:ext>
-              </a:extLst>
-            </p:cNvPr>
-            <p:cNvSpPr/>
-            <p:nvPr/>
-          </p:nvSpPr>
-          <p:spPr>
-            <a:xfrm rot="5400000">
-              <a:off x="657221" y="2376533"/>
-              <a:ext cx="784627" cy="549955"/>
-            </a:xfrm>
-            <a:prstGeom prst="triangle">
-              <a:avLst/>
-            </a:prstGeom>
-            <a:solidFill>
-              <a:schemeClr val="accent4">
-                <a:lumMod val="40000"/>
-                <a:lumOff val="60000"/>
-              </a:schemeClr>
-            </a:solidFill>
-            <a:ln>
-              <a:noFill/>
-            </a:ln>
-          </p:spPr>
-          <p:style>
-            <a:lnRef idx="2">
-              <a:schemeClr val="accent1">
-                <a:shade val="50000"/>
-              </a:schemeClr>
-            </a:lnRef>
-            <a:fillRef idx="1">
-              <a:schemeClr val="accent1"/>
-            </a:fillRef>
-            <a:effectRef idx="0">
-              <a:schemeClr val="accent1"/>
-            </a:effectRef>
-            <a:fontRef idx="minor">
-              <a:schemeClr val="lt1"/>
-            </a:fontRef>
-          </p:style>
-          <p:txBody>
-            <a:bodyPr rtlCol="0" anchor="ctr"/>
-            <a:lstStyle/>
-            <a:p>
-              <a:pPr algn="ctr"/>
-              <a:endParaRPr kumimoji="1" lang="ja-JP" altLang="en-US" sz="2000"/>
-            </a:p>
-          </p:txBody>
-        </p:sp>
-      </p:grpSp>
-      <p:grpSp>
-        <p:nvGrpSpPr>
-          <p:cNvPr id="57" name="グループ化 56">
-            <a:extLst>
-              <a:ext uri="{FF2B5EF4-FFF2-40B4-BE49-F238E27FC236}">
-                <a16:creationId xmlns:a16="http://schemas.microsoft.com/office/drawing/2014/main" id="{9B109DFF-E1E2-432A-84C5-9E170B8752B0}"/>
-              </a:ext>
-            </a:extLst>
-          </p:cNvPr>
-          <p:cNvGrpSpPr/>
-          <p:nvPr/>
-        </p:nvGrpSpPr>
-        <p:grpSpPr>
-          <a:xfrm>
-            <a:off x="4065695" y="5123772"/>
-            <a:ext cx="2831727" cy="400110"/>
-            <a:chOff x="-1043103" y="2259194"/>
-            <a:chExt cx="2367615" cy="784630"/>
-          </a:xfrm>
-          <a:solidFill>
-            <a:schemeClr val="accent6">
-              <a:lumMod val="40000"/>
-              <a:lumOff val="60000"/>
-            </a:schemeClr>
-          </a:solidFill>
-        </p:grpSpPr>
-        <p:sp>
-          <p:nvSpPr>
-            <p:cNvPr id="58" name="正方形/長方形 57">
-              <a:extLst>
-                <a:ext uri="{FF2B5EF4-FFF2-40B4-BE49-F238E27FC236}">
-                  <a16:creationId xmlns:a16="http://schemas.microsoft.com/office/drawing/2014/main" id="{DD20E0AA-626A-4C75-BEB7-BC8E1907D834}"/>
-                </a:ext>
-              </a:extLst>
-            </p:cNvPr>
-            <p:cNvSpPr/>
-            <p:nvPr/>
-          </p:nvSpPr>
-          <p:spPr>
-            <a:xfrm>
-              <a:off x="-1043103" y="2259194"/>
-              <a:ext cx="1826614" cy="784628"/>
-            </a:xfrm>
-            <a:prstGeom prst="rect">
-              <a:avLst/>
-            </a:prstGeom>
-            <a:grpFill/>
-            <a:ln>
-              <a:noFill/>
-            </a:ln>
-          </p:spPr>
-          <p:style>
-            <a:lnRef idx="2">
-              <a:schemeClr val="accent1">
-                <a:shade val="50000"/>
-              </a:schemeClr>
-            </a:lnRef>
-            <a:fillRef idx="1">
-              <a:schemeClr val="accent1"/>
-            </a:fillRef>
-            <a:effectRef idx="0">
-              <a:schemeClr val="accent1"/>
-            </a:effectRef>
-            <a:fontRef idx="minor">
-              <a:schemeClr val="lt1"/>
-            </a:fontRef>
-          </p:style>
-          <p:txBody>
-            <a:bodyPr rtlCol="0" anchor="ctr"/>
-            <a:lstStyle/>
-            <a:p>
-              <a:pPr algn="ctr"/>
-              <a:r>
-                <a:rPr lang="ja-JP" altLang="en-US" sz="2000">
-                  <a:solidFill>
-                    <a:schemeClr val="tx1"/>
-                  </a:solidFill>
-                  <a:latin typeface="Hiragino Kaku Gothic Pro W3" panose="020B0300000000000000" pitchFamily="34" charset="-128"/>
-                  <a:ea typeface="Hiragino Kaku Gothic Pro W3" panose="020B0300000000000000" pitchFamily="34" charset="-128"/>
-                </a:rPr>
-                <a:t>重い処理</a:t>
-              </a:r>
-            </a:p>
-          </p:txBody>
-        </p:sp>
-        <p:sp>
-          <p:nvSpPr>
-            <p:cNvPr id="59" name="三角形 10">
-              <a:extLst>
-                <a:ext uri="{FF2B5EF4-FFF2-40B4-BE49-F238E27FC236}">
-                  <a16:creationId xmlns:a16="http://schemas.microsoft.com/office/drawing/2014/main" id="{D73DFAA6-B6A3-4495-83CD-BCE1CA096F33}"/>
-                </a:ext>
-              </a:extLst>
-            </p:cNvPr>
-            <p:cNvSpPr/>
-            <p:nvPr/>
-          </p:nvSpPr>
-          <p:spPr>
-            <a:xfrm rot="5400000">
-              <a:off x="657221" y="2376533"/>
-              <a:ext cx="784627" cy="549955"/>
-            </a:xfrm>
-            <a:prstGeom prst="triangle">
-              <a:avLst/>
-            </a:prstGeom>
-            <a:grpFill/>
-            <a:ln>
-              <a:noFill/>
-            </a:ln>
-          </p:spPr>
-          <p:style>
-            <a:lnRef idx="2">
-              <a:schemeClr val="accent1">
-                <a:shade val="50000"/>
-              </a:schemeClr>
-            </a:lnRef>
-            <a:fillRef idx="1">
-              <a:schemeClr val="accent1"/>
-            </a:fillRef>
-            <a:effectRef idx="0">
-              <a:schemeClr val="accent1"/>
-            </a:effectRef>
-            <a:fontRef idx="minor">
-              <a:schemeClr val="lt1"/>
-            </a:fontRef>
-          </p:style>
-          <p:txBody>
-            <a:bodyPr rtlCol="0" anchor="ctr"/>
-            <a:lstStyle/>
-            <a:p>
-              <a:pPr algn="ctr"/>
-              <a:endParaRPr kumimoji="1" lang="ja-JP" altLang="en-US"/>
-            </a:p>
-          </p:txBody>
-        </p:sp>
-      </p:grpSp>
-      <p:grpSp>
-        <p:nvGrpSpPr>
-          <p:cNvPr id="60" name="グループ化 59">
-            <a:extLst>
-              <a:ext uri="{FF2B5EF4-FFF2-40B4-BE49-F238E27FC236}">
-                <a16:creationId xmlns:a16="http://schemas.microsoft.com/office/drawing/2014/main" id="{9773E6D6-EBBA-4AC2-8652-5F68FDD17A02}"/>
-              </a:ext>
-            </a:extLst>
-          </p:cNvPr>
-          <p:cNvGrpSpPr/>
-          <p:nvPr/>
-        </p:nvGrpSpPr>
-        <p:grpSpPr>
-          <a:xfrm>
-            <a:off x="4065695" y="4658185"/>
-            <a:ext cx="1568394" cy="400110"/>
-            <a:chOff x="-1043103" y="2259194"/>
-            <a:chExt cx="2367615" cy="784630"/>
-          </a:xfrm>
-        </p:grpSpPr>
-        <p:sp>
-          <p:nvSpPr>
-            <p:cNvPr id="61" name="正方形/長方形 60">
-              <a:extLst>
-                <a:ext uri="{FF2B5EF4-FFF2-40B4-BE49-F238E27FC236}">
-                  <a16:creationId xmlns:a16="http://schemas.microsoft.com/office/drawing/2014/main" id="{93D7612C-7D7D-4BC5-8F48-68713D6B1679}"/>
-                </a:ext>
-              </a:extLst>
-            </p:cNvPr>
-            <p:cNvSpPr/>
-            <p:nvPr/>
-          </p:nvSpPr>
-          <p:spPr>
-            <a:xfrm>
-              <a:off x="-1043103" y="2259194"/>
-              <a:ext cx="1826614" cy="784628"/>
-            </a:xfrm>
-            <a:prstGeom prst="rect">
-              <a:avLst/>
-            </a:prstGeom>
-            <a:solidFill>
-              <a:schemeClr val="accent4">
-                <a:lumMod val="40000"/>
-                <a:lumOff val="60000"/>
-              </a:schemeClr>
-            </a:solidFill>
-            <a:ln>
-              <a:noFill/>
-            </a:ln>
-          </p:spPr>
-          <p:style>
-            <a:lnRef idx="2">
-              <a:schemeClr val="accent1">
-                <a:shade val="50000"/>
-              </a:schemeClr>
-            </a:lnRef>
-            <a:fillRef idx="1">
-              <a:schemeClr val="accent1"/>
-            </a:fillRef>
-            <a:effectRef idx="0">
-              <a:schemeClr val="accent1"/>
-            </a:effectRef>
-            <a:fontRef idx="minor">
-              <a:schemeClr val="lt1"/>
-            </a:fontRef>
-          </p:style>
-          <p:txBody>
-            <a:bodyPr rtlCol="0" anchor="ctr"/>
-            <a:lstStyle/>
-            <a:p>
-              <a:pPr algn="ctr"/>
-              <a:r>
-                <a:rPr lang="ja-JP" altLang="en-US" sz="2000">
-                  <a:solidFill>
-                    <a:schemeClr val="tx1"/>
-                  </a:solidFill>
-                  <a:latin typeface="Hiragino Kaku Gothic Pro W3" panose="020B0300000000000000" pitchFamily="34" charset="-128"/>
-                  <a:ea typeface="Hiragino Kaku Gothic Pro W3" panose="020B0300000000000000" pitchFamily="34" charset="-128"/>
-                </a:rPr>
-                <a:t>処理</a:t>
-              </a:r>
-              <a:endParaRPr lang="ja-JP" altLang="en-US" sz="2000">
-                <a:latin typeface="Hiragino Kaku Gothic Pro W3" panose="020B0300000000000000" pitchFamily="34" charset="-128"/>
-                <a:ea typeface="Hiragino Kaku Gothic Pro W3" panose="020B0300000000000000" pitchFamily="34" charset="-128"/>
-              </a:endParaRPr>
-            </a:p>
-          </p:txBody>
-        </p:sp>
-        <p:sp>
-          <p:nvSpPr>
-            <p:cNvPr id="62" name="三角形 10">
-              <a:extLst>
-                <a:ext uri="{FF2B5EF4-FFF2-40B4-BE49-F238E27FC236}">
-                  <a16:creationId xmlns:a16="http://schemas.microsoft.com/office/drawing/2014/main" id="{827D6A97-B40D-4A17-BF83-043792DFE7D2}"/>
-                </a:ext>
-              </a:extLst>
-            </p:cNvPr>
-            <p:cNvSpPr/>
-            <p:nvPr/>
-          </p:nvSpPr>
-          <p:spPr>
-            <a:xfrm rot="5400000">
-              <a:off x="657221" y="2376533"/>
-              <a:ext cx="784627" cy="549955"/>
-            </a:xfrm>
-            <a:prstGeom prst="triangle">
-              <a:avLst/>
-            </a:prstGeom>
-            <a:solidFill>
-              <a:schemeClr val="accent4">
-                <a:lumMod val="40000"/>
-                <a:lumOff val="60000"/>
-              </a:schemeClr>
-            </a:solidFill>
-            <a:ln>
-              <a:noFill/>
-            </a:ln>
-          </p:spPr>
-          <p:style>
-            <a:lnRef idx="2">
-              <a:schemeClr val="accent1">
-                <a:shade val="50000"/>
-              </a:schemeClr>
-            </a:lnRef>
-            <a:fillRef idx="1">
-              <a:schemeClr val="accent1"/>
-            </a:fillRef>
-            <a:effectRef idx="0">
-              <a:schemeClr val="accent1"/>
-            </a:effectRef>
-            <a:fontRef idx="minor">
-              <a:schemeClr val="lt1"/>
-            </a:fontRef>
-          </p:style>
-          <p:txBody>
-            <a:bodyPr rtlCol="0" anchor="ctr"/>
-            <a:lstStyle/>
-            <a:p>
-              <a:pPr algn="ctr"/>
-              <a:endParaRPr kumimoji="1" lang="ja-JP" altLang="en-US" sz="2000"/>
-            </a:p>
-          </p:txBody>
-        </p:sp>
-      </p:grpSp>
       <p:sp>
         <p:nvSpPr>
           <p:cNvPr id="5" name="正方形/長方形 4">
@@ -12507,121 +11464,466 @@
           </a:p>
         </p:txBody>
       </p:sp>
-      <p:sp>
-        <p:nvSpPr>
-          <p:cNvPr id="65" name="正方形/長方形 64">
+      <p:graphicFrame>
+        <p:nvGraphicFramePr>
+          <p:cNvPr id="66" name="表 65">
             <a:extLst>
               <a:ext uri="{FF2B5EF4-FFF2-40B4-BE49-F238E27FC236}">
-                <a16:creationId xmlns:a16="http://schemas.microsoft.com/office/drawing/2014/main" id="{DEDEF998-627C-40F1-A15D-5C97F8E4D940}"/>
+                <a16:creationId xmlns:a16="http://schemas.microsoft.com/office/drawing/2014/main" id="{E6440386-AADF-4E7A-B16D-70153892BF46}"/>
               </a:ext>
             </a:extLst>
           </p:cNvPr>
-          <p:cNvSpPr/>
-          <p:nvPr/>
-        </p:nvSpPr>
-        <p:spPr>
-          <a:xfrm>
-            <a:off x="259169" y="3993311"/>
-            <a:ext cx="8782281" cy="1598939"/>
-          </a:xfrm>
-          <a:prstGeom prst="rect">
-            <a:avLst/>
-          </a:prstGeom>
-          <a:noFill/>
-          <a:ln w="38100">
-            <a:solidFill>
-              <a:schemeClr val="accent3">
-                <a:lumMod val="75000"/>
-              </a:schemeClr>
-            </a:solidFill>
-          </a:ln>
-          <a:effectLst/>
-        </p:spPr>
-        <p:style>
-          <a:lnRef idx="1">
-            <a:schemeClr val="accent1"/>
-          </a:lnRef>
-          <a:fillRef idx="3">
-            <a:schemeClr val="accent1"/>
-          </a:fillRef>
-          <a:effectRef idx="2">
-            <a:schemeClr val="accent1"/>
-          </a:effectRef>
-          <a:fontRef idx="minor">
-            <a:schemeClr val="lt1"/>
-          </a:fontRef>
-        </p:style>
-        <p:txBody>
-          <a:bodyPr rot="0" spcFirstLastPara="0" vertOverflow="overflow" horzOverflow="overflow" vert="horz" wrap="square" lIns="91440" tIns="45720" rIns="91440" bIns="45720" numCol="1" spcCol="0" rtlCol="0" fromWordArt="0" anchor="ctr" anchorCtr="0" forceAA="0" compatLnSpc="1">
-            <a:prstTxWarp prst="textNoShape">
-              <a:avLst/>
-            </a:prstTxWarp>
-            <a:noAutofit/>
-          </a:bodyPr>
-          <a:lstStyle/>
-          <a:p>
-            <a:pPr algn="ctr"/>
-            <a:endParaRPr kumimoji="1" lang="ja-JP" altLang="en-US" dirty="0">
-              <a:solidFill>
-                <a:schemeClr val="tx1"/>
-              </a:solidFill>
-              <a:latin typeface="ヒラギノ角ゴ ProN W3"/>
-              <a:ea typeface="ヒラギノ角ゴ ProN W3"/>
-              <a:cs typeface="ヒラギノ角ゴ ProN W3"/>
-            </a:endParaRPr>
-          </a:p>
-        </p:txBody>
-      </p:sp>
-      <p:sp>
-        <p:nvSpPr>
-          <p:cNvPr id="64" name="テキスト ボックス 63">
-            <a:extLst>
-              <a:ext uri="{FF2B5EF4-FFF2-40B4-BE49-F238E27FC236}">
-                <a16:creationId xmlns:a16="http://schemas.microsoft.com/office/drawing/2014/main" id="{0A4AE865-6066-498A-AB63-A29D496D65FC}"/>
-              </a:ext>
-            </a:extLst>
-          </p:cNvPr>
-          <p:cNvSpPr txBox="1"/>
-          <p:nvPr/>
-        </p:nvSpPr>
-        <p:spPr>
-          <a:xfrm>
-            <a:off x="442480" y="3828312"/>
-            <a:ext cx="1980029" cy="400110"/>
-          </a:xfrm>
-          <a:prstGeom prst="rect">
-            <a:avLst/>
-          </a:prstGeom>
-          <a:solidFill>
-            <a:schemeClr val="bg1"/>
-          </a:solidFill>
-        </p:spPr>
-        <p:txBody>
-          <a:bodyPr wrap="none" rtlCol="0">
-            <a:spAutoFit/>
-          </a:bodyPr>
-          <a:lstStyle/>
-          <a:p>
-            <a:r>
-              <a:rPr kumimoji="1" lang="ja-JP" altLang="en-US" sz="2000">
-                <a:latin typeface="ヒラギノ角ゴ ProN W3"/>
-                <a:ea typeface="ヒラギノ角ゴ ProN W3"/>
-                <a:cs typeface="ヒラギノ角ゴ ProN W3"/>
-              </a:rPr>
-              <a:t>マルチスレッド</a:t>
-            </a:r>
-            <a:endParaRPr kumimoji="1" lang="ja-JP" altLang="en-US" sz="2000" dirty="0">
-              <a:latin typeface="ヒラギノ角ゴ ProN W3"/>
-              <a:ea typeface="ヒラギノ角ゴ ProN W3"/>
-              <a:cs typeface="ヒラギノ角ゴ ProN W3"/>
-            </a:endParaRPr>
-          </a:p>
-        </p:txBody>
-      </p:sp>
+          <p:cNvGraphicFramePr>
+            <a:graphicFrameLocks noGrp="1"/>
+          </p:cNvGraphicFramePr>
+          <p:nvPr>
+            <p:extLst/>
+          </p:nvPr>
+        </p:nvGraphicFramePr>
+        <p:xfrm>
+          <a:off x="277502" y="3985749"/>
+          <a:ext cx="4294498" cy="750570"/>
+        </p:xfrm>
+        <a:graphic>
+          <a:graphicData uri="http://schemas.openxmlformats.org/drawingml/2006/table">
+            <a:tbl>
+              <a:tblPr>
+                <a:tableStyleId>{5C22544A-7EE6-4342-B048-85BDC9FD1C3A}</a:tableStyleId>
+              </a:tblPr>
+              <a:tblGrid>
+                <a:gridCol w="2218670">
+                  <a:extLst>
+                    <a:ext uri="{9D8B030D-6E8A-4147-A177-3AD203B41FA5}">
+                      <a16:colId xmlns:a16="http://schemas.microsoft.com/office/drawing/2014/main" val="686874139"/>
+                    </a:ext>
+                  </a:extLst>
+                </a:gridCol>
+                <a:gridCol w="1073297">
+                  <a:extLst>
+                    <a:ext uri="{9D8B030D-6E8A-4147-A177-3AD203B41FA5}">
+                      <a16:colId xmlns:a16="http://schemas.microsoft.com/office/drawing/2014/main" val="197978390"/>
+                    </a:ext>
+                  </a:extLst>
+                </a:gridCol>
+                <a:gridCol w="1002531">
+                  <a:extLst>
+                    <a:ext uri="{9D8B030D-6E8A-4147-A177-3AD203B41FA5}">
+                      <a16:colId xmlns:a16="http://schemas.microsoft.com/office/drawing/2014/main" val="98033304"/>
+                    </a:ext>
+                  </a:extLst>
+                </a:gridCol>
+              </a:tblGrid>
+              <a:tr h="254000">
+                <a:tc>
+                  <a:txBody>
+                    <a:bodyPr/>
+                    <a:lstStyle/>
+                    <a:p>
+                      <a:pPr algn="ctr" fontAlgn="ctr"/>
+                      <a:endParaRPr lang="ja-JP" altLang="en-US" sz="2400" b="0" i="0" u="none" strike="noStrike" dirty="0">
+                        <a:solidFill>
+                          <a:srgbClr val="000000"/>
+                        </a:solidFill>
+                        <a:effectLst/>
+                        <a:latin typeface="Hiragino Kaku Gothic Pro W3" panose="020B0300000000000000" pitchFamily="34" charset="-128"/>
+                        <a:ea typeface="Hiragino Kaku Gothic Pro W3" panose="020B0300000000000000" pitchFamily="34" charset="-128"/>
+                      </a:endParaRPr>
+                    </a:p>
+                  </a:txBody>
+                  <a:tcPr marL="9525" marR="9525" marT="9525" marB="0" anchor="ctr">
+                    <a:lnL w="12700" cap="flat" cmpd="sng" algn="ctr">
+                      <a:solidFill>
+                        <a:schemeClr val="tx1"/>
+                      </a:solidFill>
+                      <a:prstDash val="solid"/>
+                      <a:round/>
+                      <a:headEnd type="none" w="med" len="med"/>
+                      <a:tailEnd type="none" w="med" len="med"/>
+                    </a:lnL>
+                    <a:lnR w="12700" cap="flat" cmpd="sng" algn="ctr">
+                      <a:solidFill>
+                        <a:schemeClr val="tx1"/>
+                      </a:solidFill>
+                      <a:prstDash val="solid"/>
+                      <a:round/>
+                      <a:headEnd type="none" w="med" len="med"/>
+                      <a:tailEnd type="none" w="med" len="med"/>
+                    </a:lnR>
+                    <a:lnT w="12700" cap="flat" cmpd="sng" algn="ctr">
+                      <a:solidFill>
+                        <a:schemeClr val="tx1"/>
+                      </a:solidFill>
+                      <a:prstDash val="solid"/>
+                      <a:round/>
+                      <a:headEnd type="none" w="med" len="med"/>
+                      <a:tailEnd type="none" w="med" len="med"/>
+                    </a:lnT>
+                    <a:lnB w="12700" cap="flat" cmpd="sng" algn="ctr">
+                      <a:solidFill>
+                        <a:schemeClr val="tx1"/>
+                      </a:solidFill>
+                      <a:prstDash val="solid"/>
+                      <a:round/>
+                      <a:headEnd type="none" w="med" len="med"/>
+                      <a:tailEnd type="none" w="med" len="med"/>
+                    </a:lnB>
+                  </a:tcPr>
+                </a:tc>
+                <a:tc>
+                  <a:txBody>
+                    <a:bodyPr/>
+                    <a:lstStyle/>
+                    <a:p>
+                      <a:pPr algn="ctr" fontAlgn="ctr"/>
+                      <a:r>
+                        <a:rPr lang="ja-JP" altLang="en-US" sz="2400" b="0" i="0" u="none" strike="noStrike">
+                          <a:effectLst/>
+                          <a:latin typeface="Hiragino Kaku Gothic Pro W3" panose="020B0300000000000000" pitchFamily="34" charset="-128"/>
+                          <a:ea typeface="Hiragino Kaku Gothic Pro W3" panose="020B0300000000000000" pitchFamily="34" charset="-128"/>
+                        </a:rPr>
+                        <a:t>手法</a:t>
+                      </a:r>
+                      <a:r>
+                        <a:rPr lang="en-US" altLang="ja-JP" sz="2400" b="0" i="0" u="none" strike="noStrike">
+                          <a:effectLst/>
+                          <a:latin typeface="Hiragino Kaku Gothic Pro W3" panose="020B0300000000000000" pitchFamily="34" charset="-128"/>
+                          <a:ea typeface="Hiragino Kaku Gothic Pro W3" panose="020B0300000000000000" pitchFamily="34" charset="-128"/>
+                        </a:rPr>
+                        <a:t>1</a:t>
+                      </a:r>
+                      <a:endParaRPr lang="en-US" altLang="ja-JP" sz="2400" b="0" i="0" u="none" strike="noStrike">
+                        <a:solidFill>
+                          <a:srgbClr val="000000"/>
+                        </a:solidFill>
+                        <a:effectLst/>
+                        <a:latin typeface="Hiragino Kaku Gothic Pro W3" panose="020B0300000000000000" pitchFamily="34" charset="-128"/>
+                        <a:ea typeface="Hiragino Kaku Gothic Pro W3" panose="020B0300000000000000" pitchFamily="34" charset="-128"/>
+                      </a:endParaRPr>
+                    </a:p>
+                  </a:txBody>
+                  <a:tcPr marL="9525" marR="9525" marT="9525" marB="0" anchor="ctr">
+                    <a:lnL w="12700" cap="flat" cmpd="sng" algn="ctr">
+                      <a:solidFill>
+                        <a:schemeClr val="tx1"/>
+                      </a:solidFill>
+                      <a:prstDash val="solid"/>
+                      <a:round/>
+                      <a:headEnd type="none" w="med" len="med"/>
+                      <a:tailEnd type="none" w="med" len="med"/>
+                    </a:lnL>
+                    <a:lnR w="12700" cap="flat" cmpd="sng" algn="ctr">
+                      <a:solidFill>
+                        <a:schemeClr val="tx1"/>
+                      </a:solidFill>
+                      <a:prstDash val="solid"/>
+                      <a:round/>
+                      <a:headEnd type="none" w="med" len="med"/>
+                      <a:tailEnd type="none" w="med" len="med"/>
+                    </a:lnR>
+                    <a:lnT w="12700" cap="flat" cmpd="sng" algn="ctr">
+                      <a:solidFill>
+                        <a:schemeClr val="tx1"/>
+                      </a:solidFill>
+                      <a:prstDash val="solid"/>
+                      <a:round/>
+                      <a:headEnd type="none" w="med" len="med"/>
+                      <a:tailEnd type="none" w="med" len="med"/>
+                    </a:lnT>
+                    <a:lnB w="12700" cap="flat" cmpd="sng" algn="ctr">
+                      <a:solidFill>
+                        <a:schemeClr val="tx1"/>
+                      </a:solidFill>
+                      <a:prstDash val="solid"/>
+                      <a:round/>
+                      <a:headEnd type="none" w="med" len="med"/>
+                      <a:tailEnd type="none" w="med" len="med"/>
+                    </a:lnB>
+                  </a:tcPr>
+                </a:tc>
+                <a:tc>
+                  <a:txBody>
+                    <a:bodyPr/>
+                    <a:lstStyle/>
+                    <a:p>
+                      <a:pPr algn="ctr" fontAlgn="ctr"/>
+                      <a:r>
+                        <a:rPr lang="ja-JP" altLang="en-US" sz="2400" b="0" i="0" u="none" strike="noStrike">
+                          <a:effectLst/>
+                          <a:latin typeface="Hiragino Kaku Gothic Pro W3" panose="020B0300000000000000" pitchFamily="34" charset="-128"/>
+                          <a:ea typeface="Hiragino Kaku Gothic Pro W3" panose="020B0300000000000000" pitchFamily="34" charset="-128"/>
+                        </a:rPr>
+                        <a:t>手法</a:t>
+                      </a:r>
+                      <a:r>
+                        <a:rPr lang="en-US" altLang="ja-JP" sz="2400" b="0" i="0" u="none" strike="noStrike">
+                          <a:effectLst/>
+                          <a:latin typeface="Hiragino Kaku Gothic Pro W3" panose="020B0300000000000000" pitchFamily="34" charset="-128"/>
+                          <a:ea typeface="Hiragino Kaku Gothic Pro W3" panose="020B0300000000000000" pitchFamily="34" charset="-128"/>
+                        </a:rPr>
+                        <a:t>2</a:t>
+                      </a:r>
+                      <a:endParaRPr lang="en-US" altLang="ja-JP" sz="2400" b="0" i="0" u="none" strike="noStrike">
+                        <a:solidFill>
+                          <a:srgbClr val="000000"/>
+                        </a:solidFill>
+                        <a:effectLst/>
+                        <a:latin typeface="Hiragino Kaku Gothic Pro W3" panose="020B0300000000000000" pitchFamily="34" charset="-128"/>
+                        <a:ea typeface="Hiragino Kaku Gothic Pro W3" panose="020B0300000000000000" pitchFamily="34" charset="-128"/>
+                      </a:endParaRPr>
+                    </a:p>
+                  </a:txBody>
+                  <a:tcPr marL="9525" marR="9525" marT="9525" marB="0" anchor="ctr">
+                    <a:lnL w="12700" cap="flat" cmpd="sng" algn="ctr">
+                      <a:solidFill>
+                        <a:schemeClr val="tx1"/>
+                      </a:solidFill>
+                      <a:prstDash val="solid"/>
+                      <a:round/>
+                      <a:headEnd type="none" w="med" len="med"/>
+                      <a:tailEnd type="none" w="med" len="med"/>
+                    </a:lnL>
+                    <a:lnR w="12700" cap="flat" cmpd="sng" algn="ctr">
+                      <a:solidFill>
+                        <a:schemeClr val="tx1"/>
+                      </a:solidFill>
+                      <a:prstDash val="solid"/>
+                      <a:round/>
+                      <a:headEnd type="none" w="med" len="med"/>
+                      <a:tailEnd type="none" w="med" len="med"/>
+                    </a:lnR>
+                    <a:lnT w="12700" cap="flat" cmpd="sng" algn="ctr">
+                      <a:solidFill>
+                        <a:schemeClr val="tx1"/>
+                      </a:solidFill>
+                      <a:prstDash val="solid"/>
+                      <a:round/>
+                      <a:headEnd type="none" w="med" len="med"/>
+                      <a:tailEnd type="none" w="med" len="med"/>
+                    </a:lnT>
+                    <a:lnB w="12700" cap="flat" cmpd="sng" algn="ctr">
+                      <a:solidFill>
+                        <a:schemeClr val="tx1"/>
+                      </a:solidFill>
+                      <a:prstDash val="solid"/>
+                      <a:round/>
+                      <a:headEnd type="none" w="med" len="med"/>
+                      <a:tailEnd type="none" w="med" len="med"/>
+                    </a:lnB>
+                  </a:tcPr>
+                </a:tc>
+                <a:extLst>
+                  <a:ext uri="{0D108BD9-81ED-4DB2-BD59-A6C34878D82A}">
+                    <a16:rowId xmlns:a16="http://schemas.microsoft.com/office/drawing/2014/main" val="2730701337"/>
+                  </a:ext>
+                </a:extLst>
+              </a:tr>
+              <a:tr h="254000">
+                <a:tc>
+                  <a:txBody>
+                    <a:bodyPr/>
+                    <a:lstStyle/>
+                    <a:p>
+                      <a:pPr algn="ctr" fontAlgn="ctr"/>
+                      <a:r>
+                        <a:rPr lang="ja-JP" altLang="en-US" sz="2400" b="0" i="0" u="none" strike="noStrike">
+                          <a:solidFill>
+                            <a:srgbClr val="000000"/>
+                          </a:solidFill>
+                          <a:effectLst/>
+                          <a:latin typeface="Hiragino Kaku Gothic Pro W3" panose="020B0300000000000000" pitchFamily="34" charset="-128"/>
+                          <a:ea typeface="Hiragino Kaku Gothic Pro W3" panose="020B0300000000000000" pitchFamily="34" charset="-128"/>
+                        </a:rPr>
+                        <a:t>行数</a:t>
+                      </a:r>
+                      <a:endParaRPr lang="en" sz="2400" b="0" i="0" u="none" strike="noStrike" dirty="0">
+                        <a:solidFill>
+                          <a:srgbClr val="000000"/>
+                        </a:solidFill>
+                        <a:effectLst/>
+                        <a:latin typeface="Hiragino Kaku Gothic Pro W3" panose="020B0300000000000000" pitchFamily="34" charset="-128"/>
+                        <a:ea typeface="Hiragino Kaku Gothic Pro W3" panose="020B0300000000000000" pitchFamily="34" charset="-128"/>
+                      </a:endParaRPr>
+                    </a:p>
+                  </a:txBody>
+                  <a:tcPr marL="9525" marR="9525" marT="9525" marB="0" anchor="ctr">
+                    <a:lnL w="12700" cap="flat" cmpd="sng" algn="ctr">
+                      <a:solidFill>
+                        <a:schemeClr val="tx1"/>
+                      </a:solidFill>
+                      <a:prstDash val="solid"/>
+                      <a:round/>
+                      <a:headEnd type="none" w="med" len="med"/>
+                      <a:tailEnd type="none" w="med" len="med"/>
+                    </a:lnL>
+                    <a:lnR w="12700" cap="flat" cmpd="sng" algn="ctr">
+                      <a:solidFill>
+                        <a:schemeClr val="tx1"/>
+                      </a:solidFill>
+                      <a:prstDash val="solid"/>
+                      <a:round/>
+                      <a:headEnd type="none" w="med" len="med"/>
+                      <a:tailEnd type="none" w="med" len="med"/>
+                    </a:lnR>
+                    <a:lnT w="12700" cap="flat" cmpd="sng" algn="ctr">
+                      <a:solidFill>
+                        <a:schemeClr val="tx1"/>
+                      </a:solidFill>
+                      <a:prstDash val="solid"/>
+                      <a:round/>
+                      <a:headEnd type="none" w="med" len="med"/>
+                      <a:tailEnd type="none" w="med" len="med"/>
+                    </a:lnT>
+                    <a:lnB w="12700" cap="flat" cmpd="sng" algn="ctr">
+                      <a:solidFill>
+                        <a:schemeClr val="tx1"/>
+                      </a:solidFill>
+                      <a:prstDash val="solid"/>
+                      <a:round/>
+                      <a:headEnd type="none" w="med" len="med"/>
+                      <a:tailEnd type="none" w="med" len="med"/>
+                    </a:lnB>
+                  </a:tcPr>
+                </a:tc>
+                <a:tc>
+                  <a:txBody>
+                    <a:bodyPr/>
+                    <a:lstStyle/>
+                    <a:p>
+                      <a:pPr algn="ctr" fontAlgn="ctr"/>
+                      <a:r>
+                        <a:rPr lang="en-US" altLang="ja-JP" sz="2400" b="0" i="0" u="none" strike="noStrike" dirty="0">
+                          <a:effectLst/>
+                          <a:latin typeface="Hiragino Kaku Gothic Pro W3" panose="020B0300000000000000" pitchFamily="34" charset="-128"/>
+                          <a:ea typeface="Hiragino Kaku Gothic Pro W3" panose="020B0300000000000000" pitchFamily="34" charset="-128"/>
+                        </a:rPr>
+                        <a:t>50</a:t>
+                      </a:r>
+                      <a:endParaRPr lang="en-US" altLang="ja-JP" sz="2400" b="0" i="0" u="none" strike="noStrike" dirty="0">
+                        <a:solidFill>
+                          <a:srgbClr val="000000"/>
+                        </a:solidFill>
+                        <a:effectLst/>
+                        <a:latin typeface="Hiragino Kaku Gothic Pro W3" panose="020B0300000000000000" pitchFamily="34" charset="-128"/>
+                        <a:ea typeface="Hiragino Kaku Gothic Pro W3" panose="020B0300000000000000" pitchFamily="34" charset="-128"/>
+                      </a:endParaRPr>
+                    </a:p>
+                  </a:txBody>
+                  <a:tcPr marL="9525" marR="9525" marT="9525" marB="0" anchor="ctr">
+                    <a:lnL w="12700" cap="flat" cmpd="sng" algn="ctr">
+                      <a:solidFill>
+                        <a:schemeClr val="tx1"/>
+                      </a:solidFill>
+                      <a:prstDash val="solid"/>
+                      <a:round/>
+                      <a:headEnd type="none" w="med" len="med"/>
+                      <a:tailEnd type="none" w="med" len="med"/>
+                    </a:lnL>
+                    <a:lnR w="12700" cap="flat" cmpd="sng" algn="ctr">
+                      <a:solidFill>
+                        <a:schemeClr val="tx1"/>
+                      </a:solidFill>
+                      <a:prstDash val="solid"/>
+                      <a:round/>
+                      <a:headEnd type="none" w="med" len="med"/>
+                      <a:tailEnd type="none" w="med" len="med"/>
+                    </a:lnR>
+                    <a:lnT w="12700" cap="flat" cmpd="sng" algn="ctr">
+                      <a:solidFill>
+                        <a:schemeClr val="tx1"/>
+                      </a:solidFill>
+                      <a:prstDash val="solid"/>
+                      <a:round/>
+                      <a:headEnd type="none" w="med" len="med"/>
+                      <a:tailEnd type="none" w="med" len="med"/>
+                    </a:lnT>
+                    <a:lnB w="12700" cap="flat" cmpd="sng" algn="ctr">
+                      <a:solidFill>
+                        <a:schemeClr val="tx1"/>
+                      </a:solidFill>
+                      <a:prstDash val="solid"/>
+                      <a:round/>
+                      <a:headEnd type="none" w="med" len="med"/>
+                      <a:tailEnd type="none" w="med" len="med"/>
+                    </a:lnB>
+                  </a:tcPr>
+                </a:tc>
+                <a:tc>
+                  <a:txBody>
+                    <a:bodyPr/>
+                    <a:lstStyle/>
+                    <a:p>
+                      <a:pPr algn="ctr" fontAlgn="ctr"/>
+                      <a:r>
+                        <a:rPr lang="en-US" altLang="ja-JP" sz="2400" b="0" i="0" u="none" strike="noStrike" dirty="0">
+                          <a:effectLst/>
+                          <a:latin typeface="Hiragino Kaku Gothic Pro W3" panose="020B0300000000000000" pitchFamily="34" charset="-128"/>
+                          <a:ea typeface="Hiragino Kaku Gothic Pro W3" panose="020B0300000000000000" pitchFamily="34" charset="-128"/>
+                        </a:rPr>
+                        <a:t>184</a:t>
+                      </a:r>
+                      <a:endParaRPr lang="en-US" altLang="ja-JP" sz="2400" b="0" i="0" u="none" strike="noStrike" dirty="0">
+                        <a:solidFill>
+                          <a:srgbClr val="000000"/>
+                        </a:solidFill>
+                        <a:effectLst/>
+                        <a:latin typeface="Hiragino Kaku Gothic Pro W3" panose="020B0300000000000000" pitchFamily="34" charset="-128"/>
+                        <a:ea typeface="Hiragino Kaku Gothic Pro W3" panose="020B0300000000000000" pitchFamily="34" charset="-128"/>
+                      </a:endParaRPr>
+                    </a:p>
+                  </a:txBody>
+                  <a:tcPr marL="9525" marR="9525" marT="9525" marB="0" anchor="ctr">
+                    <a:lnL w="12700" cap="flat" cmpd="sng" algn="ctr">
+                      <a:solidFill>
+                        <a:schemeClr val="tx1"/>
+                      </a:solidFill>
+                      <a:prstDash val="solid"/>
+                      <a:round/>
+                      <a:headEnd type="none" w="med" len="med"/>
+                      <a:tailEnd type="none" w="med" len="med"/>
+                    </a:lnL>
+                    <a:lnR w="12700" cap="flat" cmpd="sng" algn="ctr">
+                      <a:solidFill>
+                        <a:schemeClr val="tx1"/>
+                      </a:solidFill>
+                      <a:prstDash val="solid"/>
+                      <a:round/>
+                      <a:headEnd type="none" w="med" len="med"/>
+                      <a:tailEnd type="none" w="med" len="med"/>
+                    </a:lnR>
+                    <a:lnT w="12700" cap="flat" cmpd="sng" algn="ctr">
+                      <a:solidFill>
+                        <a:schemeClr val="tx1"/>
+                      </a:solidFill>
+                      <a:prstDash val="solid"/>
+                      <a:round/>
+                      <a:headEnd type="none" w="med" len="med"/>
+                      <a:tailEnd type="none" w="med" len="med"/>
+                    </a:lnT>
+                    <a:lnB w="12700" cap="flat" cmpd="sng" algn="ctr">
+                      <a:solidFill>
+                        <a:schemeClr val="tx1"/>
+                      </a:solidFill>
+                      <a:prstDash val="solid"/>
+                      <a:round/>
+                      <a:headEnd type="none" w="med" len="med"/>
+                      <a:tailEnd type="none" w="med" len="med"/>
+                    </a:lnB>
+                  </a:tcPr>
+                </a:tc>
+                <a:extLst>
+                  <a:ext uri="{0D108BD9-81ED-4DB2-BD59-A6C34878D82A}">
+                    <a16:rowId xmlns:a16="http://schemas.microsoft.com/office/drawing/2014/main" val="2867360535"/>
+                  </a:ext>
+                </a:extLst>
+              </a:tr>
+            </a:tbl>
+          </a:graphicData>
+        </a:graphic>
+      </p:graphicFrame>
     </p:spTree>
     <p:extLst>
       <p:ext uri="{BB962C8B-B14F-4D97-AF65-F5344CB8AC3E}">
-        <p14:creationId xmlns:p14="http://schemas.microsoft.com/office/powerpoint/2010/main" val="2126199866"/>
+        <p14:creationId xmlns:p14="http://schemas.microsoft.com/office/powerpoint/2010/main" val="1828486093"/>
       </p:ext>
     </p:extLst>
   </p:cSld>
@@ -15016,8 +14318,8 @@
           </a:p>
         </p:txBody>
       </p:sp>
-      <mc:AlternateContent xmlns:mc="http://schemas.openxmlformats.org/markup-compatibility/2006">
-        <mc:Choice xmlns:a14="http://schemas.microsoft.com/office/drawing/2010/main" Requires="a14">
+      <mc:AlternateContent xmlns:mc="http://schemas.openxmlformats.org/markup-compatibility/2006" xmlns:a14="http://schemas.microsoft.com/office/drawing/2010/main">
+        <mc:Choice Requires="a14">
           <p:sp>
             <p:nvSpPr>
               <p:cNvPr id="3" name="テキスト ボックス 2">
@@ -15302,7 +14604,7 @@
             </p:txBody>
           </p:sp>
         </mc:Choice>
-        <mc:Fallback>
+        <mc:Fallback xmlns="">
           <p:sp>
             <p:nvSpPr>
               <p:cNvPr id="3" name="テキスト ボックス 2">
